--- a/Aulas/Aula 6 - Estatística experimental/images/a.pptx
+++ b/Aulas/Aula 6 - Estatística experimental/images/a.pptx
@@ -5,15 +5,16 @@
     <p:sldMasterId id="2147483648" r:id="rId1"/>
   </p:sldMasterIdLst>
   <p:sldIdLst>
-    <p:sldId id="265" r:id="rId2"/>
-    <p:sldId id="264" r:id="rId3"/>
-    <p:sldId id="263" r:id="rId4"/>
-    <p:sldId id="257" r:id="rId5"/>
-    <p:sldId id="256" r:id="rId6"/>
-    <p:sldId id="261" r:id="rId7"/>
-    <p:sldId id="259" r:id="rId8"/>
-    <p:sldId id="260" r:id="rId9"/>
-    <p:sldId id="262" r:id="rId10"/>
+    <p:sldId id="266" r:id="rId2"/>
+    <p:sldId id="265" r:id="rId3"/>
+    <p:sldId id="264" r:id="rId4"/>
+    <p:sldId id="263" r:id="rId5"/>
+    <p:sldId id="257" r:id="rId6"/>
+    <p:sldId id="256" r:id="rId7"/>
+    <p:sldId id="261" r:id="rId8"/>
+    <p:sldId id="259" r:id="rId9"/>
+    <p:sldId id="260" r:id="rId10"/>
+    <p:sldId id="262" r:id="rId11"/>
   </p:sldIdLst>
   <p:sldSz cx="12192000" cy="6858000"/>
   <p:notesSz cx="6858000" cy="9144000"/>
@@ -267,7 +268,7 @@
           <a:p>
             <a:fld id="{B1EDF19B-4364-4E80-B7A8-AB23B8073FE1}" type="datetimeFigureOut">
               <a:rPr lang="pt-BR" smtClean="0"/>
-              <a:t>27/07/2022</a:t>
+              <a:t>14/08/2022</a:t>
             </a:fld>
             <a:endParaRPr lang="pt-BR"/>
           </a:p>
@@ -465,7 +466,7 @@
           <a:p>
             <a:fld id="{B1EDF19B-4364-4E80-B7A8-AB23B8073FE1}" type="datetimeFigureOut">
               <a:rPr lang="pt-BR" smtClean="0"/>
-              <a:t>27/07/2022</a:t>
+              <a:t>14/08/2022</a:t>
             </a:fld>
             <a:endParaRPr lang="pt-BR"/>
           </a:p>
@@ -673,7 +674,7 @@
           <a:p>
             <a:fld id="{B1EDF19B-4364-4E80-B7A8-AB23B8073FE1}" type="datetimeFigureOut">
               <a:rPr lang="pt-BR" smtClean="0"/>
-              <a:t>27/07/2022</a:t>
+              <a:t>14/08/2022</a:t>
             </a:fld>
             <a:endParaRPr lang="pt-BR"/>
           </a:p>
@@ -871,7 +872,7 @@
           <a:p>
             <a:fld id="{B1EDF19B-4364-4E80-B7A8-AB23B8073FE1}" type="datetimeFigureOut">
               <a:rPr lang="pt-BR" smtClean="0"/>
-              <a:t>27/07/2022</a:t>
+              <a:t>14/08/2022</a:t>
             </a:fld>
             <a:endParaRPr lang="pt-BR"/>
           </a:p>
@@ -1146,7 +1147,7 @@
           <a:p>
             <a:fld id="{B1EDF19B-4364-4E80-B7A8-AB23B8073FE1}" type="datetimeFigureOut">
               <a:rPr lang="pt-BR" smtClean="0"/>
-              <a:t>27/07/2022</a:t>
+              <a:t>14/08/2022</a:t>
             </a:fld>
             <a:endParaRPr lang="pt-BR"/>
           </a:p>
@@ -1411,7 +1412,7 @@
           <a:p>
             <a:fld id="{B1EDF19B-4364-4E80-B7A8-AB23B8073FE1}" type="datetimeFigureOut">
               <a:rPr lang="pt-BR" smtClean="0"/>
-              <a:t>27/07/2022</a:t>
+              <a:t>14/08/2022</a:t>
             </a:fld>
             <a:endParaRPr lang="pt-BR"/>
           </a:p>
@@ -1823,7 +1824,7 @@
           <a:p>
             <a:fld id="{B1EDF19B-4364-4E80-B7A8-AB23B8073FE1}" type="datetimeFigureOut">
               <a:rPr lang="pt-BR" smtClean="0"/>
-              <a:t>27/07/2022</a:t>
+              <a:t>14/08/2022</a:t>
             </a:fld>
             <a:endParaRPr lang="pt-BR"/>
           </a:p>
@@ -1964,7 +1965,7 @@
           <a:p>
             <a:fld id="{B1EDF19B-4364-4E80-B7A8-AB23B8073FE1}" type="datetimeFigureOut">
               <a:rPr lang="pt-BR" smtClean="0"/>
-              <a:t>27/07/2022</a:t>
+              <a:t>14/08/2022</a:t>
             </a:fld>
             <a:endParaRPr lang="pt-BR"/>
           </a:p>
@@ -2077,7 +2078,7 @@
           <a:p>
             <a:fld id="{B1EDF19B-4364-4E80-B7A8-AB23B8073FE1}" type="datetimeFigureOut">
               <a:rPr lang="pt-BR" smtClean="0"/>
-              <a:t>27/07/2022</a:t>
+              <a:t>14/08/2022</a:t>
             </a:fld>
             <a:endParaRPr lang="pt-BR"/>
           </a:p>
@@ -2388,7 +2389,7 @@
           <a:p>
             <a:fld id="{B1EDF19B-4364-4E80-B7A8-AB23B8073FE1}" type="datetimeFigureOut">
               <a:rPr lang="pt-BR" smtClean="0"/>
-              <a:t>27/07/2022</a:t>
+              <a:t>14/08/2022</a:t>
             </a:fld>
             <a:endParaRPr lang="pt-BR"/>
           </a:p>
@@ -2676,7 +2677,7 @@
           <a:p>
             <a:fld id="{B1EDF19B-4364-4E80-B7A8-AB23B8073FE1}" type="datetimeFigureOut">
               <a:rPr lang="pt-BR" smtClean="0"/>
-              <a:t>27/07/2022</a:t>
+              <a:t>14/08/2022</a:t>
             </a:fld>
             <a:endParaRPr lang="pt-BR"/>
           </a:p>
@@ -2917,7 +2918,7 @@
           <a:p>
             <a:fld id="{B1EDF19B-4364-4E80-B7A8-AB23B8073FE1}" type="datetimeFigureOut">
               <a:rPr lang="pt-BR" smtClean="0"/>
-              <a:t>27/07/2022</a:t>
+              <a:t>14/08/2022</a:t>
             </a:fld>
             <a:endParaRPr lang="pt-BR"/>
           </a:p>
@@ -3336,10 +3337,10 @@
       </p:grpSpPr>
       <p:grpSp>
         <p:nvGrpSpPr>
-          <p:cNvPr id="14" name="Group 13">
+          <p:cNvPr id="59" name="Group 58">
             <a:extLst>
               <a:ext uri="{FF2B5EF4-FFF2-40B4-BE49-F238E27FC236}">
-                <a16:creationId xmlns:a16="http://schemas.microsoft.com/office/drawing/2014/main" id="{94452921-4013-998E-618D-E2FA732A2079}"/>
+                <a16:creationId xmlns:a16="http://schemas.microsoft.com/office/drawing/2014/main" id="{B684F807-2635-579F-72FA-187580F4B384}"/>
               </a:ext>
             </a:extLst>
           </p:cNvPr>
@@ -3348,18 +3349,2243 @@
         </p:nvGrpSpPr>
         <p:grpSpPr>
           <a:xfrm>
-            <a:off x="1524000" y="3429000"/>
-            <a:ext cx="9001761" cy="2543121"/>
-            <a:chOff x="1524000" y="3429000"/>
-            <a:chExt cx="9001761" cy="2543121"/>
+            <a:off x="1373869" y="1140210"/>
+            <a:ext cx="6985884" cy="1565966"/>
+            <a:chOff x="1373869" y="1140210"/>
+            <a:chExt cx="6985884" cy="1565966"/>
+          </a:xfrm>
+        </p:grpSpPr>
+        <p:sp>
+          <p:nvSpPr>
+            <p:cNvPr id="17" name="Retângulo 17">
+              <a:extLst>
+                <a:ext uri="{FF2B5EF4-FFF2-40B4-BE49-F238E27FC236}">
+                  <a16:creationId xmlns:a16="http://schemas.microsoft.com/office/drawing/2014/main" id="{4E213C84-8726-329F-E990-CECE1576F47D}"/>
+                </a:ext>
+              </a:extLst>
+            </p:cNvPr>
+            <p:cNvSpPr/>
+            <p:nvPr/>
+          </p:nvSpPr>
+          <p:spPr>
+            <a:xfrm>
+              <a:off x="2366206" y="1522242"/>
+              <a:ext cx="554704" cy="255222"/>
+            </a:xfrm>
+            <a:prstGeom prst="rect">
+              <a:avLst/>
+            </a:prstGeom>
+            <a:solidFill>
+              <a:schemeClr val="bg1">
+                <a:lumMod val="75000"/>
+              </a:schemeClr>
+            </a:solidFill>
+            <a:ln w="12700">
+              <a:solidFill>
+                <a:schemeClr val="tx1"/>
+              </a:solidFill>
+            </a:ln>
+          </p:spPr>
+          <p:style>
+            <a:lnRef idx="2">
+              <a:schemeClr val="accent1">
+                <a:shade val="50000"/>
+              </a:schemeClr>
+            </a:lnRef>
+            <a:fillRef idx="1">
+              <a:schemeClr val="accent1"/>
+            </a:fillRef>
+            <a:effectRef idx="0">
+              <a:schemeClr val="accent1"/>
+            </a:effectRef>
+            <a:fontRef idx="minor">
+              <a:schemeClr val="lt1"/>
+            </a:fontRef>
+          </p:style>
+          <p:txBody>
+            <a:bodyPr rtlCol="0" anchor="ctr"/>
+            <a:lstStyle/>
+            <a:p>
+              <a:pPr algn="ctr"/>
+              <a:r>
+                <a:rPr lang="pt-BR" sz="2000" dirty="0">
+                  <a:effectLst>
+                    <a:outerShdw blurRad="38100" dist="38100" dir="2700000" algn="tl">
+                      <a:srgbClr val="000000">
+                        <a:alpha val="43137"/>
+                      </a:srgbClr>
+                    </a:outerShdw>
+                  </a:effectLst>
+                  <a:latin typeface="Times New Roman" panose="02020603050405020304" pitchFamily="18" charset="0"/>
+                  <a:cs typeface="Times New Roman" panose="02020603050405020304" pitchFamily="18" charset="0"/>
+                </a:rPr>
+                <a:t>Q1</a:t>
+              </a:r>
+            </a:p>
+          </p:txBody>
+        </p:sp>
+        <p:sp>
+          <p:nvSpPr>
+            <p:cNvPr id="18" name="Retângulo 18">
+              <a:extLst>
+                <a:ext uri="{FF2B5EF4-FFF2-40B4-BE49-F238E27FC236}">
+                  <a16:creationId xmlns:a16="http://schemas.microsoft.com/office/drawing/2014/main" id="{686B3856-3476-9F1E-E1DD-AA48CF84D082}"/>
+                </a:ext>
+              </a:extLst>
+            </p:cNvPr>
+            <p:cNvSpPr/>
+            <p:nvPr/>
+          </p:nvSpPr>
+          <p:spPr>
+            <a:xfrm>
+              <a:off x="2920910" y="1522242"/>
+              <a:ext cx="554704" cy="255222"/>
+            </a:xfrm>
+            <a:prstGeom prst="rect">
+              <a:avLst/>
+            </a:prstGeom>
+            <a:solidFill>
+              <a:schemeClr val="bg1">
+                <a:lumMod val="75000"/>
+              </a:schemeClr>
+            </a:solidFill>
+            <a:ln w="12700">
+              <a:solidFill>
+                <a:schemeClr val="tx1"/>
+              </a:solidFill>
+            </a:ln>
+          </p:spPr>
+          <p:style>
+            <a:lnRef idx="2">
+              <a:schemeClr val="accent1">
+                <a:shade val="50000"/>
+              </a:schemeClr>
+            </a:lnRef>
+            <a:fillRef idx="1">
+              <a:schemeClr val="accent1"/>
+            </a:fillRef>
+            <a:effectRef idx="0">
+              <a:schemeClr val="accent1"/>
+            </a:effectRef>
+            <a:fontRef idx="minor">
+              <a:schemeClr val="lt1"/>
+            </a:fontRef>
+          </p:style>
+          <p:txBody>
+            <a:bodyPr rtlCol="0" anchor="ctr"/>
+            <a:lstStyle/>
+            <a:p>
+              <a:pPr algn="ctr"/>
+              <a:r>
+                <a:rPr lang="pt-BR" sz="2000" dirty="0">
+                  <a:effectLst>
+                    <a:outerShdw blurRad="38100" dist="38100" dir="2700000" algn="tl">
+                      <a:srgbClr val="000000">
+                        <a:alpha val="43137"/>
+                      </a:srgbClr>
+                    </a:outerShdw>
+                  </a:effectLst>
+                  <a:latin typeface="Times New Roman" panose="02020603050405020304" pitchFamily="18" charset="0"/>
+                  <a:cs typeface="Times New Roman" panose="02020603050405020304" pitchFamily="18" charset="0"/>
+                </a:rPr>
+                <a:t>Q2</a:t>
+              </a:r>
+            </a:p>
+          </p:txBody>
+        </p:sp>
+        <p:sp>
+          <p:nvSpPr>
+            <p:cNvPr id="19" name="Retângulo 19">
+              <a:extLst>
+                <a:ext uri="{FF2B5EF4-FFF2-40B4-BE49-F238E27FC236}">
+                  <a16:creationId xmlns:a16="http://schemas.microsoft.com/office/drawing/2014/main" id="{78190FDB-74BC-6F8B-A3E0-3AB909735509}"/>
+                </a:ext>
+              </a:extLst>
+            </p:cNvPr>
+            <p:cNvSpPr/>
+            <p:nvPr/>
+          </p:nvSpPr>
+          <p:spPr>
+            <a:xfrm>
+              <a:off x="4030319" y="1522242"/>
+              <a:ext cx="554704" cy="255222"/>
+            </a:xfrm>
+            <a:prstGeom prst="rect">
+              <a:avLst/>
+            </a:prstGeom>
+            <a:solidFill>
+              <a:schemeClr val="bg1">
+                <a:lumMod val="75000"/>
+              </a:schemeClr>
+            </a:solidFill>
+            <a:ln w="12700">
+              <a:solidFill>
+                <a:schemeClr val="tx1"/>
+              </a:solidFill>
+            </a:ln>
+          </p:spPr>
+          <p:style>
+            <a:lnRef idx="2">
+              <a:schemeClr val="accent1">
+                <a:shade val="50000"/>
+              </a:schemeClr>
+            </a:lnRef>
+            <a:fillRef idx="1">
+              <a:schemeClr val="accent1"/>
+            </a:fillRef>
+            <a:effectRef idx="0">
+              <a:schemeClr val="accent1"/>
+            </a:effectRef>
+            <a:fontRef idx="minor">
+              <a:schemeClr val="lt1"/>
+            </a:fontRef>
+          </p:style>
+          <p:txBody>
+            <a:bodyPr rtlCol="0" anchor="ctr"/>
+            <a:lstStyle/>
+            <a:p>
+              <a:pPr algn="ctr"/>
+              <a:r>
+                <a:rPr lang="pt-BR" sz="2000" dirty="0">
+                  <a:effectLst>
+                    <a:outerShdw blurRad="38100" dist="38100" dir="2700000" algn="tl">
+                      <a:srgbClr val="000000">
+                        <a:alpha val="43137"/>
+                      </a:srgbClr>
+                    </a:outerShdw>
+                  </a:effectLst>
+                  <a:latin typeface="Times New Roman" panose="02020603050405020304" pitchFamily="18" charset="0"/>
+                  <a:cs typeface="Times New Roman" panose="02020603050405020304" pitchFamily="18" charset="0"/>
+                </a:rPr>
+                <a:t>O2</a:t>
+              </a:r>
+            </a:p>
+          </p:txBody>
+        </p:sp>
+        <p:sp>
+          <p:nvSpPr>
+            <p:cNvPr id="20" name="Retângulo 20">
+              <a:extLst>
+                <a:ext uri="{FF2B5EF4-FFF2-40B4-BE49-F238E27FC236}">
+                  <a16:creationId xmlns:a16="http://schemas.microsoft.com/office/drawing/2014/main" id="{F0260AD3-C346-88CB-B824-A7A696E96C39}"/>
+                </a:ext>
+              </a:extLst>
+            </p:cNvPr>
+            <p:cNvSpPr/>
+            <p:nvPr/>
+          </p:nvSpPr>
+          <p:spPr>
+            <a:xfrm>
+              <a:off x="3475614" y="1522242"/>
+              <a:ext cx="554704" cy="255222"/>
+            </a:xfrm>
+            <a:prstGeom prst="rect">
+              <a:avLst/>
+            </a:prstGeom>
+            <a:solidFill>
+              <a:schemeClr val="bg1">
+                <a:lumMod val="75000"/>
+              </a:schemeClr>
+            </a:solidFill>
+            <a:ln w="12700">
+              <a:solidFill>
+                <a:schemeClr val="tx1"/>
+              </a:solidFill>
+            </a:ln>
+          </p:spPr>
+          <p:style>
+            <a:lnRef idx="2">
+              <a:schemeClr val="accent1">
+                <a:shade val="50000"/>
+              </a:schemeClr>
+            </a:lnRef>
+            <a:fillRef idx="1">
+              <a:schemeClr val="accent1"/>
+            </a:fillRef>
+            <a:effectRef idx="0">
+              <a:schemeClr val="accent1"/>
+            </a:effectRef>
+            <a:fontRef idx="minor">
+              <a:schemeClr val="lt1"/>
+            </a:fontRef>
+          </p:style>
+          <p:txBody>
+            <a:bodyPr rtlCol="0" anchor="ctr"/>
+            <a:lstStyle/>
+            <a:p>
+              <a:pPr algn="ctr"/>
+              <a:r>
+                <a:rPr lang="pt-BR" sz="2000" dirty="0">
+                  <a:effectLst>
+                    <a:outerShdw blurRad="38100" dist="38100" dir="2700000" algn="tl">
+                      <a:srgbClr val="000000">
+                        <a:alpha val="43137"/>
+                      </a:srgbClr>
+                    </a:outerShdw>
+                  </a:effectLst>
+                  <a:latin typeface="Times New Roman" panose="02020603050405020304" pitchFamily="18" charset="0"/>
+                  <a:cs typeface="Times New Roman" panose="02020603050405020304" pitchFamily="18" charset="0"/>
+                </a:rPr>
+                <a:t>O1</a:t>
+              </a:r>
+            </a:p>
+          </p:txBody>
+        </p:sp>
+        <p:sp>
+          <p:nvSpPr>
+            <p:cNvPr id="21" name="Retângulo 21">
+              <a:extLst>
+                <a:ext uri="{FF2B5EF4-FFF2-40B4-BE49-F238E27FC236}">
+                  <a16:creationId xmlns:a16="http://schemas.microsoft.com/office/drawing/2014/main" id="{A77A5F94-A295-9E48-865D-FFF1CC067907}"/>
+                </a:ext>
+              </a:extLst>
+            </p:cNvPr>
+            <p:cNvSpPr/>
+            <p:nvPr/>
+          </p:nvSpPr>
+          <p:spPr>
+            <a:xfrm>
+              <a:off x="1373869" y="1522242"/>
+              <a:ext cx="554704" cy="255222"/>
+            </a:xfrm>
+            <a:prstGeom prst="rect">
+              <a:avLst/>
+            </a:prstGeom>
+            <a:solidFill>
+              <a:schemeClr val="bg1">
+                <a:lumMod val="75000"/>
+              </a:schemeClr>
+            </a:solidFill>
+            <a:ln w="12700">
+              <a:solidFill>
+                <a:schemeClr val="tx1"/>
+              </a:solidFill>
+            </a:ln>
+          </p:spPr>
+          <p:style>
+            <a:lnRef idx="2">
+              <a:schemeClr val="accent1">
+                <a:shade val="50000"/>
+              </a:schemeClr>
+            </a:lnRef>
+            <a:fillRef idx="1">
+              <a:schemeClr val="accent1"/>
+            </a:fillRef>
+            <a:effectRef idx="0">
+              <a:schemeClr val="accent1"/>
+            </a:effectRef>
+            <a:fontRef idx="minor">
+              <a:schemeClr val="lt1"/>
+            </a:fontRef>
+          </p:style>
+          <p:txBody>
+            <a:bodyPr rtlCol="0" anchor="ctr"/>
+            <a:lstStyle/>
+            <a:p>
+              <a:pPr algn="ctr"/>
+              <a:r>
+                <a:rPr lang="pt-BR" sz="2000" dirty="0">
+                  <a:effectLst>
+                    <a:outerShdw blurRad="38100" dist="38100" dir="2700000" algn="tl">
+                      <a:srgbClr val="000000">
+                        <a:alpha val="43137"/>
+                      </a:srgbClr>
+                    </a:outerShdw>
+                  </a:effectLst>
+                  <a:latin typeface="Times New Roman" panose="02020603050405020304" pitchFamily="18" charset="0"/>
+                  <a:cs typeface="Times New Roman" panose="02020603050405020304" pitchFamily="18" charset="0"/>
+                </a:rPr>
+                <a:t>SA</a:t>
+              </a:r>
+            </a:p>
+          </p:txBody>
+        </p:sp>
+        <p:sp>
+          <p:nvSpPr>
+            <p:cNvPr id="22" name="Retângulo 17">
+              <a:extLst>
+                <a:ext uri="{FF2B5EF4-FFF2-40B4-BE49-F238E27FC236}">
+                  <a16:creationId xmlns:a16="http://schemas.microsoft.com/office/drawing/2014/main" id="{7175E65D-BA03-FA52-921C-AFC87C3A3B63}"/>
+                </a:ext>
+              </a:extLst>
+            </p:cNvPr>
+            <p:cNvSpPr/>
+            <p:nvPr/>
+          </p:nvSpPr>
+          <p:spPr>
+            <a:xfrm>
+              <a:off x="1928573" y="1984631"/>
+              <a:ext cx="554704" cy="255222"/>
+            </a:xfrm>
+            <a:prstGeom prst="rect">
+              <a:avLst/>
+            </a:prstGeom>
+            <a:solidFill>
+              <a:schemeClr val="bg1">
+                <a:lumMod val="75000"/>
+              </a:schemeClr>
+            </a:solidFill>
+            <a:ln w="12700">
+              <a:solidFill>
+                <a:schemeClr val="tx1"/>
+              </a:solidFill>
+            </a:ln>
+          </p:spPr>
+          <p:style>
+            <a:lnRef idx="2">
+              <a:schemeClr val="accent1">
+                <a:shade val="50000"/>
+              </a:schemeClr>
+            </a:lnRef>
+            <a:fillRef idx="1">
+              <a:schemeClr val="accent1"/>
+            </a:fillRef>
+            <a:effectRef idx="0">
+              <a:schemeClr val="accent1"/>
+            </a:effectRef>
+            <a:fontRef idx="minor">
+              <a:schemeClr val="lt1"/>
+            </a:fontRef>
+          </p:style>
+          <p:txBody>
+            <a:bodyPr rtlCol="0" anchor="ctr"/>
+            <a:lstStyle/>
+            <a:p>
+              <a:pPr algn="ctr"/>
+              <a:r>
+                <a:rPr lang="pt-BR" sz="2000" dirty="0">
+                  <a:effectLst>
+                    <a:outerShdw blurRad="38100" dist="38100" dir="2700000" algn="tl">
+                      <a:srgbClr val="000000">
+                        <a:alpha val="43137"/>
+                      </a:srgbClr>
+                    </a:outerShdw>
+                  </a:effectLst>
+                  <a:latin typeface="Times New Roman" panose="02020603050405020304" pitchFamily="18" charset="0"/>
+                  <a:cs typeface="Times New Roman" panose="02020603050405020304" pitchFamily="18" charset="0"/>
+                </a:rPr>
+                <a:t>Q1</a:t>
+              </a:r>
+            </a:p>
+          </p:txBody>
+        </p:sp>
+        <p:sp>
+          <p:nvSpPr>
+            <p:cNvPr id="23" name="Retângulo 18">
+              <a:extLst>
+                <a:ext uri="{FF2B5EF4-FFF2-40B4-BE49-F238E27FC236}">
+                  <a16:creationId xmlns:a16="http://schemas.microsoft.com/office/drawing/2014/main" id="{42CC916A-4DD7-6B38-7DFA-6D9A552C7315}"/>
+                </a:ext>
+              </a:extLst>
+            </p:cNvPr>
+            <p:cNvSpPr/>
+            <p:nvPr/>
+          </p:nvSpPr>
+          <p:spPr>
+            <a:xfrm>
+              <a:off x="2483278" y="1984631"/>
+              <a:ext cx="554704" cy="255222"/>
+            </a:xfrm>
+            <a:prstGeom prst="rect">
+              <a:avLst/>
+            </a:prstGeom>
+            <a:solidFill>
+              <a:schemeClr val="bg1">
+                <a:lumMod val="75000"/>
+              </a:schemeClr>
+            </a:solidFill>
+            <a:ln w="12700">
+              <a:solidFill>
+                <a:schemeClr val="tx1"/>
+              </a:solidFill>
+            </a:ln>
+          </p:spPr>
+          <p:style>
+            <a:lnRef idx="2">
+              <a:schemeClr val="accent1">
+                <a:shade val="50000"/>
+              </a:schemeClr>
+            </a:lnRef>
+            <a:fillRef idx="1">
+              <a:schemeClr val="accent1"/>
+            </a:fillRef>
+            <a:effectRef idx="0">
+              <a:schemeClr val="accent1"/>
+            </a:effectRef>
+            <a:fontRef idx="minor">
+              <a:schemeClr val="lt1"/>
+            </a:fontRef>
+          </p:style>
+          <p:txBody>
+            <a:bodyPr rtlCol="0" anchor="ctr"/>
+            <a:lstStyle/>
+            <a:p>
+              <a:pPr algn="ctr"/>
+              <a:r>
+                <a:rPr lang="pt-BR" sz="2000" dirty="0">
+                  <a:effectLst>
+                    <a:outerShdw blurRad="38100" dist="38100" dir="2700000" algn="tl">
+                      <a:srgbClr val="000000">
+                        <a:alpha val="43137"/>
+                      </a:srgbClr>
+                    </a:outerShdw>
+                  </a:effectLst>
+                  <a:latin typeface="Times New Roman" panose="02020603050405020304" pitchFamily="18" charset="0"/>
+                  <a:cs typeface="Times New Roman" panose="02020603050405020304" pitchFamily="18" charset="0"/>
+                </a:rPr>
+                <a:t>Q2</a:t>
+              </a:r>
+            </a:p>
+          </p:txBody>
+        </p:sp>
+        <p:sp>
+          <p:nvSpPr>
+            <p:cNvPr id="24" name="Retângulo 19">
+              <a:extLst>
+                <a:ext uri="{FF2B5EF4-FFF2-40B4-BE49-F238E27FC236}">
+                  <a16:creationId xmlns:a16="http://schemas.microsoft.com/office/drawing/2014/main" id="{8A357F8A-754D-EE53-EADD-609D1E2BDB1C}"/>
+                </a:ext>
+              </a:extLst>
+            </p:cNvPr>
+            <p:cNvSpPr/>
+            <p:nvPr/>
+          </p:nvSpPr>
+          <p:spPr>
+            <a:xfrm>
+              <a:off x="4030319" y="1984631"/>
+              <a:ext cx="554704" cy="255222"/>
+            </a:xfrm>
+            <a:prstGeom prst="rect">
+              <a:avLst/>
+            </a:prstGeom>
+            <a:solidFill>
+              <a:schemeClr val="bg1">
+                <a:lumMod val="75000"/>
+              </a:schemeClr>
+            </a:solidFill>
+            <a:ln w="12700">
+              <a:solidFill>
+                <a:schemeClr val="tx1"/>
+              </a:solidFill>
+            </a:ln>
+          </p:spPr>
+          <p:style>
+            <a:lnRef idx="2">
+              <a:schemeClr val="accent1">
+                <a:shade val="50000"/>
+              </a:schemeClr>
+            </a:lnRef>
+            <a:fillRef idx="1">
+              <a:schemeClr val="accent1"/>
+            </a:fillRef>
+            <a:effectRef idx="0">
+              <a:schemeClr val="accent1"/>
+            </a:effectRef>
+            <a:fontRef idx="minor">
+              <a:schemeClr val="lt1"/>
+            </a:fontRef>
+          </p:style>
+          <p:txBody>
+            <a:bodyPr rtlCol="0" anchor="ctr"/>
+            <a:lstStyle/>
+            <a:p>
+              <a:pPr algn="ctr"/>
+              <a:r>
+                <a:rPr lang="pt-BR" sz="2000" dirty="0">
+                  <a:effectLst>
+                    <a:outerShdw blurRad="38100" dist="38100" dir="2700000" algn="tl">
+                      <a:srgbClr val="000000">
+                        <a:alpha val="43137"/>
+                      </a:srgbClr>
+                    </a:outerShdw>
+                  </a:effectLst>
+                  <a:latin typeface="Times New Roman" panose="02020603050405020304" pitchFamily="18" charset="0"/>
+                  <a:cs typeface="Times New Roman" panose="02020603050405020304" pitchFamily="18" charset="0"/>
+                </a:rPr>
+                <a:t>O2</a:t>
+              </a:r>
+            </a:p>
+          </p:txBody>
+        </p:sp>
+        <p:sp>
+          <p:nvSpPr>
+            <p:cNvPr id="25" name="Retângulo 20">
+              <a:extLst>
+                <a:ext uri="{FF2B5EF4-FFF2-40B4-BE49-F238E27FC236}">
+                  <a16:creationId xmlns:a16="http://schemas.microsoft.com/office/drawing/2014/main" id="{D54DA1B9-D464-92D0-F28D-3ED7D859329D}"/>
+                </a:ext>
+              </a:extLst>
+            </p:cNvPr>
+            <p:cNvSpPr/>
+            <p:nvPr/>
+          </p:nvSpPr>
+          <p:spPr>
+            <a:xfrm>
+              <a:off x="3475614" y="1984631"/>
+              <a:ext cx="554704" cy="255222"/>
+            </a:xfrm>
+            <a:prstGeom prst="rect">
+              <a:avLst/>
+            </a:prstGeom>
+            <a:solidFill>
+              <a:schemeClr val="bg1">
+                <a:lumMod val="75000"/>
+              </a:schemeClr>
+            </a:solidFill>
+            <a:ln w="12700">
+              <a:solidFill>
+                <a:schemeClr val="tx1"/>
+              </a:solidFill>
+            </a:ln>
+          </p:spPr>
+          <p:style>
+            <a:lnRef idx="2">
+              <a:schemeClr val="accent1">
+                <a:shade val="50000"/>
+              </a:schemeClr>
+            </a:lnRef>
+            <a:fillRef idx="1">
+              <a:schemeClr val="accent1"/>
+            </a:fillRef>
+            <a:effectRef idx="0">
+              <a:schemeClr val="accent1"/>
+            </a:effectRef>
+            <a:fontRef idx="minor">
+              <a:schemeClr val="lt1"/>
+            </a:fontRef>
+          </p:style>
+          <p:txBody>
+            <a:bodyPr rtlCol="0" anchor="ctr"/>
+            <a:lstStyle/>
+            <a:p>
+              <a:pPr algn="ctr"/>
+              <a:r>
+                <a:rPr lang="pt-BR" sz="2000" dirty="0">
+                  <a:effectLst>
+                    <a:outerShdw blurRad="38100" dist="38100" dir="2700000" algn="tl">
+                      <a:srgbClr val="000000">
+                        <a:alpha val="43137"/>
+                      </a:srgbClr>
+                    </a:outerShdw>
+                  </a:effectLst>
+                  <a:latin typeface="Times New Roman" panose="02020603050405020304" pitchFamily="18" charset="0"/>
+                  <a:cs typeface="Times New Roman" panose="02020603050405020304" pitchFamily="18" charset="0"/>
+                </a:rPr>
+                <a:t>O1</a:t>
+              </a:r>
+            </a:p>
+          </p:txBody>
+        </p:sp>
+        <p:sp>
+          <p:nvSpPr>
+            <p:cNvPr id="26" name="TextBox 25">
+              <a:extLst>
+                <a:ext uri="{FF2B5EF4-FFF2-40B4-BE49-F238E27FC236}">
+                  <a16:creationId xmlns:a16="http://schemas.microsoft.com/office/drawing/2014/main" id="{CA7282C2-6F23-3E8B-B4A6-97FD8F6D42D4}"/>
+                </a:ext>
+              </a:extLst>
+            </p:cNvPr>
+            <p:cNvSpPr txBox="1"/>
+            <p:nvPr/>
+          </p:nvSpPr>
+          <p:spPr>
+            <a:xfrm>
+              <a:off x="1911924" y="1474988"/>
+              <a:ext cx="445956" cy="338554"/>
+            </a:xfrm>
+            <a:prstGeom prst="rect">
+              <a:avLst/>
+            </a:prstGeom>
+            <a:noFill/>
+          </p:spPr>
+          <p:txBody>
+            <a:bodyPr wrap="none" rtlCol="0">
+              <a:spAutoFit/>
+            </a:bodyPr>
+            <a:lstStyle/>
+            <a:p>
+              <a:r>
+                <a:rPr lang="pt-BR" sz="1600" dirty="0">
+                  <a:effectLst>
+                    <a:outerShdw blurRad="38100" dist="38100" dir="2700000" algn="tl">
+                      <a:srgbClr val="000000">
+                        <a:alpha val="43137"/>
+                      </a:srgbClr>
+                    </a:outerShdw>
+                  </a:effectLst>
+                  <a:latin typeface="Times New Roman" panose="02020603050405020304" pitchFamily="18" charset="0"/>
+                  <a:cs typeface="Times New Roman" panose="02020603050405020304" pitchFamily="18" charset="0"/>
+                </a:rPr>
+                <a:t>VS</a:t>
+              </a:r>
+            </a:p>
+          </p:txBody>
+        </p:sp>
+        <p:sp>
+          <p:nvSpPr>
+            <p:cNvPr id="27" name="TextBox 26">
+              <a:extLst>
+                <a:ext uri="{FF2B5EF4-FFF2-40B4-BE49-F238E27FC236}">
+                  <a16:creationId xmlns:a16="http://schemas.microsoft.com/office/drawing/2014/main" id="{0FCD11D1-4B52-69D5-8F77-A268A37A2452}"/>
+                </a:ext>
+              </a:extLst>
+            </p:cNvPr>
+            <p:cNvSpPr txBox="1"/>
+            <p:nvPr/>
+          </p:nvSpPr>
+          <p:spPr>
+            <a:xfrm>
+              <a:off x="3029657" y="1942965"/>
+              <a:ext cx="445956" cy="338554"/>
+            </a:xfrm>
+            <a:prstGeom prst="rect">
+              <a:avLst/>
+            </a:prstGeom>
+            <a:noFill/>
+          </p:spPr>
+          <p:txBody>
+            <a:bodyPr wrap="none" rtlCol="0">
+              <a:spAutoFit/>
+            </a:bodyPr>
+            <a:lstStyle/>
+            <a:p>
+              <a:r>
+                <a:rPr lang="pt-BR" sz="1600" dirty="0">
+                  <a:effectLst>
+                    <a:outerShdw blurRad="38100" dist="38100" dir="2700000" algn="tl">
+                      <a:srgbClr val="000000">
+                        <a:alpha val="43137"/>
+                      </a:srgbClr>
+                    </a:outerShdw>
+                  </a:effectLst>
+                  <a:latin typeface="Times New Roman" panose="02020603050405020304" pitchFamily="18" charset="0"/>
+                  <a:cs typeface="Times New Roman" panose="02020603050405020304" pitchFamily="18" charset="0"/>
+                </a:rPr>
+                <a:t>VS</a:t>
+              </a:r>
+            </a:p>
+          </p:txBody>
+        </p:sp>
+        <p:sp>
+          <p:nvSpPr>
+            <p:cNvPr id="28" name="Retângulo 17">
+              <a:extLst>
+                <a:ext uri="{FF2B5EF4-FFF2-40B4-BE49-F238E27FC236}">
+                  <a16:creationId xmlns:a16="http://schemas.microsoft.com/office/drawing/2014/main" id="{93327B1F-410F-1B40-4531-4F9A78158536}"/>
+                </a:ext>
+              </a:extLst>
+            </p:cNvPr>
+            <p:cNvSpPr/>
+            <p:nvPr/>
+          </p:nvSpPr>
+          <p:spPr>
+            <a:xfrm>
+              <a:off x="1373869" y="2413027"/>
+              <a:ext cx="554704" cy="255222"/>
+            </a:xfrm>
+            <a:prstGeom prst="rect">
+              <a:avLst/>
+            </a:prstGeom>
+            <a:solidFill>
+              <a:schemeClr val="bg1">
+                <a:lumMod val="75000"/>
+              </a:schemeClr>
+            </a:solidFill>
+            <a:ln w="12700">
+              <a:solidFill>
+                <a:schemeClr val="tx1"/>
+              </a:solidFill>
+            </a:ln>
+          </p:spPr>
+          <p:style>
+            <a:lnRef idx="2">
+              <a:schemeClr val="accent1">
+                <a:shade val="50000"/>
+              </a:schemeClr>
+            </a:lnRef>
+            <a:fillRef idx="1">
+              <a:schemeClr val="accent1"/>
+            </a:fillRef>
+            <a:effectRef idx="0">
+              <a:schemeClr val="accent1"/>
+            </a:effectRef>
+            <a:fontRef idx="minor">
+              <a:schemeClr val="lt1"/>
+            </a:fontRef>
+          </p:style>
+          <p:txBody>
+            <a:bodyPr rtlCol="0" anchor="ctr"/>
+            <a:lstStyle/>
+            <a:p>
+              <a:pPr algn="ctr"/>
+              <a:r>
+                <a:rPr lang="pt-BR" sz="2000" dirty="0">
+                  <a:effectLst>
+                    <a:outerShdw blurRad="38100" dist="38100" dir="2700000" algn="tl">
+                      <a:srgbClr val="000000">
+                        <a:alpha val="43137"/>
+                      </a:srgbClr>
+                    </a:outerShdw>
+                  </a:effectLst>
+                  <a:latin typeface="Times New Roman" panose="02020603050405020304" pitchFamily="18" charset="0"/>
+                  <a:cs typeface="Times New Roman" panose="02020603050405020304" pitchFamily="18" charset="0"/>
+                </a:rPr>
+                <a:t>Q1</a:t>
+              </a:r>
+            </a:p>
+          </p:txBody>
+        </p:sp>
+        <p:sp>
+          <p:nvSpPr>
+            <p:cNvPr id="29" name="Retângulo 18">
+              <a:extLst>
+                <a:ext uri="{FF2B5EF4-FFF2-40B4-BE49-F238E27FC236}">
+                  <a16:creationId xmlns:a16="http://schemas.microsoft.com/office/drawing/2014/main" id="{0BEDF683-96FE-6F5D-95E5-8EC4C2CFD9F3}"/>
+                </a:ext>
+              </a:extLst>
+            </p:cNvPr>
+            <p:cNvSpPr/>
+            <p:nvPr/>
+          </p:nvSpPr>
+          <p:spPr>
+            <a:xfrm>
+              <a:off x="2246070" y="2410534"/>
+              <a:ext cx="554704" cy="255222"/>
+            </a:xfrm>
+            <a:prstGeom prst="rect">
+              <a:avLst/>
+            </a:prstGeom>
+            <a:solidFill>
+              <a:schemeClr val="bg1">
+                <a:lumMod val="75000"/>
+              </a:schemeClr>
+            </a:solidFill>
+            <a:ln w="12700">
+              <a:solidFill>
+                <a:schemeClr val="tx1"/>
+              </a:solidFill>
+            </a:ln>
+          </p:spPr>
+          <p:style>
+            <a:lnRef idx="2">
+              <a:schemeClr val="accent1">
+                <a:shade val="50000"/>
+              </a:schemeClr>
+            </a:lnRef>
+            <a:fillRef idx="1">
+              <a:schemeClr val="accent1"/>
+            </a:fillRef>
+            <a:effectRef idx="0">
+              <a:schemeClr val="accent1"/>
+            </a:effectRef>
+            <a:fontRef idx="minor">
+              <a:schemeClr val="lt1"/>
+            </a:fontRef>
+          </p:style>
+          <p:txBody>
+            <a:bodyPr rtlCol="0" anchor="ctr"/>
+            <a:lstStyle/>
+            <a:p>
+              <a:pPr algn="ctr"/>
+              <a:r>
+                <a:rPr lang="pt-BR" sz="2000" dirty="0">
+                  <a:effectLst>
+                    <a:outerShdw blurRad="38100" dist="38100" dir="2700000" algn="tl">
+                      <a:srgbClr val="000000">
+                        <a:alpha val="43137"/>
+                      </a:srgbClr>
+                    </a:outerShdw>
+                  </a:effectLst>
+                  <a:latin typeface="Times New Roman" panose="02020603050405020304" pitchFamily="18" charset="0"/>
+                  <a:cs typeface="Times New Roman" panose="02020603050405020304" pitchFamily="18" charset="0"/>
+                </a:rPr>
+                <a:t>Q2</a:t>
+              </a:r>
+            </a:p>
+          </p:txBody>
+        </p:sp>
+        <p:sp>
+          <p:nvSpPr>
+            <p:cNvPr id="30" name="Retângulo 19">
+              <a:extLst>
+                <a:ext uri="{FF2B5EF4-FFF2-40B4-BE49-F238E27FC236}">
+                  <a16:creationId xmlns:a16="http://schemas.microsoft.com/office/drawing/2014/main" id="{C66CE955-8C8C-5514-48D3-D64CAEFC665F}"/>
+                </a:ext>
+              </a:extLst>
+            </p:cNvPr>
+            <p:cNvSpPr/>
+            <p:nvPr/>
+          </p:nvSpPr>
+          <p:spPr>
+            <a:xfrm>
+              <a:off x="4014548" y="2415519"/>
+              <a:ext cx="554704" cy="255222"/>
+            </a:xfrm>
+            <a:prstGeom prst="rect">
+              <a:avLst/>
+            </a:prstGeom>
+            <a:solidFill>
+              <a:schemeClr val="bg1">
+                <a:lumMod val="75000"/>
+              </a:schemeClr>
+            </a:solidFill>
+            <a:ln w="12700">
+              <a:solidFill>
+                <a:schemeClr val="tx1"/>
+              </a:solidFill>
+            </a:ln>
+          </p:spPr>
+          <p:style>
+            <a:lnRef idx="2">
+              <a:schemeClr val="accent1">
+                <a:shade val="50000"/>
+              </a:schemeClr>
+            </a:lnRef>
+            <a:fillRef idx="1">
+              <a:schemeClr val="accent1"/>
+            </a:fillRef>
+            <a:effectRef idx="0">
+              <a:schemeClr val="accent1"/>
+            </a:effectRef>
+            <a:fontRef idx="minor">
+              <a:schemeClr val="lt1"/>
+            </a:fontRef>
+          </p:style>
+          <p:txBody>
+            <a:bodyPr rtlCol="0" anchor="ctr"/>
+            <a:lstStyle/>
+            <a:p>
+              <a:pPr algn="ctr"/>
+              <a:r>
+                <a:rPr lang="pt-BR" sz="2000" dirty="0">
+                  <a:effectLst>
+                    <a:outerShdw blurRad="38100" dist="38100" dir="2700000" algn="tl">
+                      <a:srgbClr val="000000">
+                        <a:alpha val="43137"/>
+                      </a:srgbClr>
+                    </a:outerShdw>
+                  </a:effectLst>
+                  <a:latin typeface="Times New Roman" panose="02020603050405020304" pitchFamily="18" charset="0"/>
+                  <a:cs typeface="Times New Roman" panose="02020603050405020304" pitchFamily="18" charset="0"/>
+                </a:rPr>
+                <a:t>O2</a:t>
+              </a:r>
+            </a:p>
+          </p:txBody>
+        </p:sp>
+        <p:sp>
+          <p:nvSpPr>
+            <p:cNvPr id="31" name="Retângulo 20">
+              <a:extLst>
+                <a:ext uri="{FF2B5EF4-FFF2-40B4-BE49-F238E27FC236}">
+                  <a16:creationId xmlns:a16="http://schemas.microsoft.com/office/drawing/2014/main" id="{992F0EF2-F7EF-9BF0-612D-A4C605252F4C}"/>
+                </a:ext>
+              </a:extLst>
+            </p:cNvPr>
+            <p:cNvSpPr/>
+            <p:nvPr/>
+          </p:nvSpPr>
+          <p:spPr>
+            <a:xfrm>
+              <a:off x="3118269" y="2410534"/>
+              <a:ext cx="554704" cy="255222"/>
+            </a:xfrm>
+            <a:prstGeom prst="rect">
+              <a:avLst/>
+            </a:prstGeom>
+            <a:solidFill>
+              <a:schemeClr val="bg1">
+                <a:lumMod val="75000"/>
+              </a:schemeClr>
+            </a:solidFill>
+            <a:ln w="12700">
+              <a:solidFill>
+                <a:schemeClr val="tx1"/>
+              </a:solidFill>
+            </a:ln>
+          </p:spPr>
+          <p:style>
+            <a:lnRef idx="2">
+              <a:schemeClr val="accent1">
+                <a:shade val="50000"/>
+              </a:schemeClr>
+            </a:lnRef>
+            <a:fillRef idx="1">
+              <a:schemeClr val="accent1"/>
+            </a:fillRef>
+            <a:effectRef idx="0">
+              <a:schemeClr val="accent1"/>
+            </a:effectRef>
+            <a:fontRef idx="minor">
+              <a:schemeClr val="lt1"/>
+            </a:fontRef>
+          </p:style>
+          <p:txBody>
+            <a:bodyPr rtlCol="0" anchor="ctr"/>
+            <a:lstStyle/>
+            <a:p>
+              <a:pPr algn="ctr"/>
+              <a:r>
+                <a:rPr lang="pt-BR" sz="2000" dirty="0">
+                  <a:effectLst>
+                    <a:outerShdw blurRad="38100" dist="38100" dir="2700000" algn="tl">
+                      <a:srgbClr val="000000">
+                        <a:alpha val="43137"/>
+                      </a:srgbClr>
+                    </a:outerShdw>
+                  </a:effectLst>
+                  <a:latin typeface="Times New Roman" panose="02020603050405020304" pitchFamily="18" charset="0"/>
+                  <a:cs typeface="Times New Roman" panose="02020603050405020304" pitchFamily="18" charset="0"/>
+                </a:rPr>
+                <a:t>O1</a:t>
+              </a:r>
+            </a:p>
+          </p:txBody>
+        </p:sp>
+        <p:sp>
+          <p:nvSpPr>
+            <p:cNvPr id="32" name="TextBox 31">
+              <a:extLst>
+                <a:ext uri="{FF2B5EF4-FFF2-40B4-BE49-F238E27FC236}">
+                  <a16:creationId xmlns:a16="http://schemas.microsoft.com/office/drawing/2014/main" id="{6CEF0E66-2469-3C9B-962E-F0EC96E9F8EE}"/>
+                </a:ext>
+              </a:extLst>
+            </p:cNvPr>
+            <p:cNvSpPr txBox="1"/>
+            <p:nvPr/>
+          </p:nvSpPr>
+          <p:spPr>
+            <a:xfrm>
+              <a:off x="1864343" y="2367622"/>
+              <a:ext cx="445956" cy="338554"/>
+            </a:xfrm>
+            <a:prstGeom prst="rect">
+              <a:avLst/>
+            </a:prstGeom>
+            <a:noFill/>
+          </p:spPr>
+          <p:txBody>
+            <a:bodyPr wrap="none" rtlCol="0">
+              <a:spAutoFit/>
+            </a:bodyPr>
+            <a:lstStyle/>
+            <a:p>
+              <a:r>
+                <a:rPr lang="pt-BR" sz="1600" dirty="0">
+                  <a:effectLst>
+                    <a:outerShdw blurRad="38100" dist="38100" dir="2700000" algn="tl">
+                      <a:srgbClr val="000000">
+                        <a:alpha val="43137"/>
+                      </a:srgbClr>
+                    </a:outerShdw>
+                  </a:effectLst>
+                  <a:latin typeface="Times New Roman" panose="02020603050405020304" pitchFamily="18" charset="0"/>
+                  <a:cs typeface="Times New Roman" panose="02020603050405020304" pitchFamily="18" charset="0"/>
+                </a:rPr>
+                <a:t>VS</a:t>
+              </a:r>
+            </a:p>
+          </p:txBody>
+        </p:sp>
+        <p:sp>
+          <p:nvSpPr>
+            <p:cNvPr id="33" name="TextBox 32">
+              <a:extLst>
+                <a:ext uri="{FF2B5EF4-FFF2-40B4-BE49-F238E27FC236}">
+                  <a16:creationId xmlns:a16="http://schemas.microsoft.com/office/drawing/2014/main" id="{BC30C260-72DF-A548-3C2B-24F745B07550}"/>
+                </a:ext>
+              </a:extLst>
+            </p:cNvPr>
+            <p:cNvSpPr txBox="1"/>
+            <p:nvPr/>
+          </p:nvSpPr>
+          <p:spPr>
+            <a:xfrm>
+              <a:off x="3620783" y="2367622"/>
+              <a:ext cx="445956" cy="338554"/>
+            </a:xfrm>
+            <a:prstGeom prst="rect">
+              <a:avLst/>
+            </a:prstGeom>
+            <a:noFill/>
+          </p:spPr>
+          <p:txBody>
+            <a:bodyPr wrap="none" rtlCol="0">
+              <a:spAutoFit/>
+            </a:bodyPr>
+            <a:lstStyle/>
+            <a:p>
+              <a:r>
+                <a:rPr lang="pt-BR" sz="1600" dirty="0">
+                  <a:effectLst>
+                    <a:outerShdw blurRad="38100" dist="38100" dir="2700000" algn="tl">
+                      <a:srgbClr val="000000">
+                        <a:alpha val="43137"/>
+                      </a:srgbClr>
+                    </a:outerShdw>
+                  </a:effectLst>
+                  <a:latin typeface="Times New Roman" panose="02020603050405020304" pitchFamily="18" charset="0"/>
+                  <a:cs typeface="Times New Roman" panose="02020603050405020304" pitchFamily="18" charset="0"/>
+                </a:rPr>
+                <a:t>VS</a:t>
+              </a:r>
+            </a:p>
+          </p:txBody>
+        </p:sp>
+        <p:sp>
+          <p:nvSpPr>
+            <p:cNvPr id="34" name="Retângulo 9">
+              <a:extLst>
+                <a:ext uri="{FF2B5EF4-FFF2-40B4-BE49-F238E27FC236}">
+                  <a16:creationId xmlns:a16="http://schemas.microsoft.com/office/drawing/2014/main" id="{2FB4DE08-4305-220C-B450-F915F227945E}"/>
+                </a:ext>
+              </a:extLst>
+            </p:cNvPr>
+            <p:cNvSpPr/>
+            <p:nvPr/>
+          </p:nvSpPr>
+          <p:spPr>
+            <a:xfrm>
+              <a:off x="1373869" y="1140210"/>
+              <a:ext cx="3211154" cy="255222"/>
+            </a:xfrm>
+            <a:prstGeom prst="rect">
+              <a:avLst/>
+            </a:prstGeom>
+            <a:solidFill>
+              <a:schemeClr val="accent2"/>
+            </a:solidFill>
+            <a:ln w="19050">
+              <a:solidFill>
+                <a:schemeClr val="tx1"/>
+              </a:solidFill>
+            </a:ln>
+          </p:spPr>
+          <p:style>
+            <a:lnRef idx="2">
+              <a:schemeClr val="accent1">
+                <a:shade val="50000"/>
+              </a:schemeClr>
+            </a:lnRef>
+            <a:fillRef idx="1">
+              <a:schemeClr val="accent1"/>
+            </a:fillRef>
+            <a:effectRef idx="0">
+              <a:schemeClr val="accent1"/>
+            </a:effectRef>
+            <a:fontRef idx="minor">
+              <a:schemeClr val="lt1"/>
+            </a:fontRef>
+          </p:style>
+          <p:txBody>
+            <a:bodyPr rtlCol="0" anchor="ctr"/>
+            <a:lstStyle/>
+            <a:p>
+              <a:pPr algn="ctr"/>
+              <a:r>
+                <a:rPr lang="pt-BR" sz="2400" dirty="0">
+                  <a:effectLst>
+                    <a:outerShdw blurRad="38100" dist="38100" dir="2700000" algn="tl">
+                      <a:srgbClr val="000000">
+                        <a:alpha val="43137"/>
+                      </a:srgbClr>
+                    </a:outerShdw>
+                  </a:effectLst>
+                  <a:latin typeface="Times New Roman" panose="02020603050405020304" pitchFamily="18" charset="0"/>
+                  <a:cs typeface="Times New Roman" panose="02020603050405020304" pitchFamily="18" charset="0"/>
+                </a:rPr>
+                <a:t>Opção 1</a:t>
+              </a:r>
+            </a:p>
+          </p:txBody>
+        </p:sp>
+        <p:sp>
+          <p:nvSpPr>
+            <p:cNvPr id="37" name="Retângulo 17">
+              <a:extLst>
+                <a:ext uri="{FF2B5EF4-FFF2-40B4-BE49-F238E27FC236}">
+                  <a16:creationId xmlns:a16="http://schemas.microsoft.com/office/drawing/2014/main" id="{92BCE26B-8CF9-AC2B-0D9D-D94C3DB98726}"/>
+                </a:ext>
+              </a:extLst>
+            </p:cNvPr>
+            <p:cNvSpPr/>
+            <p:nvPr/>
+          </p:nvSpPr>
+          <p:spPr>
+            <a:xfrm>
+              <a:off x="5414475" y="1517257"/>
+              <a:ext cx="554704" cy="255222"/>
+            </a:xfrm>
+            <a:prstGeom prst="rect">
+              <a:avLst/>
+            </a:prstGeom>
+            <a:solidFill>
+              <a:schemeClr val="bg1">
+                <a:lumMod val="75000"/>
+              </a:schemeClr>
+            </a:solidFill>
+            <a:ln w="12700">
+              <a:solidFill>
+                <a:schemeClr val="tx1"/>
+              </a:solidFill>
+            </a:ln>
+          </p:spPr>
+          <p:style>
+            <a:lnRef idx="2">
+              <a:schemeClr val="accent1">
+                <a:shade val="50000"/>
+              </a:schemeClr>
+            </a:lnRef>
+            <a:fillRef idx="1">
+              <a:schemeClr val="accent1"/>
+            </a:fillRef>
+            <a:effectRef idx="0">
+              <a:schemeClr val="accent1"/>
+            </a:effectRef>
+            <a:fontRef idx="minor">
+              <a:schemeClr val="lt1"/>
+            </a:fontRef>
+          </p:style>
+          <p:txBody>
+            <a:bodyPr rtlCol="0" anchor="ctr"/>
+            <a:lstStyle/>
+            <a:p>
+              <a:pPr algn="ctr"/>
+              <a:r>
+                <a:rPr lang="pt-BR" sz="2000" dirty="0">
+                  <a:effectLst>
+                    <a:outerShdw blurRad="38100" dist="38100" dir="2700000" algn="tl">
+                      <a:srgbClr val="000000">
+                        <a:alpha val="43137"/>
+                      </a:srgbClr>
+                    </a:outerShdw>
+                  </a:effectLst>
+                  <a:latin typeface="Times New Roman" panose="02020603050405020304" pitchFamily="18" charset="0"/>
+                  <a:cs typeface="Times New Roman" panose="02020603050405020304" pitchFamily="18" charset="0"/>
+                </a:rPr>
+                <a:t>Q1</a:t>
+              </a:r>
+            </a:p>
+          </p:txBody>
+        </p:sp>
+        <p:sp>
+          <p:nvSpPr>
+            <p:cNvPr id="38" name="Retângulo 18">
+              <a:extLst>
+                <a:ext uri="{FF2B5EF4-FFF2-40B4-BE49-F238E27FC236}">
+                  <a16:creationId xmlns:a16="http://schemas.microsoft.com/office/drawing/2014/main" id="{53E9523B-A3DB-17ED-7028-7DFB2D7FB45D}"/>
+                </a:ext>
+              </a:extLst>
+            </p:cNvPr>
+            <p:cNvSpPr/>
+            <p:nvPr/>
+          </p:nvSpPr>
+          <p:spPr>
+            <a:xfrm>
+              <a:off x="6695640" y="1522668"/>
+              <a:ext cx="554704" cy="255222"/>
+            </a:xfrm>
+            <a:prstGeom prst="rect">
+              <a:avLst/>
+            </a:prstGeom>
+            <a:solidFill>
+              <a:schemeClr val="bg1">
+                <a:lumMod val="75000"/>
+              </a:schemeClr>
+            </a:solidFill>
+            <a:ln w="12700">
+              <a:solidFill>
+                <a:schemeClr val="tx1"/>
+              </a:solidFill>
+            </a:ln>
+          </p:spPr>
+          <p:style>
+            <a:lnRef idx="2">
+              <a:schemeClr val="accent1">
+                <a:shade val="50000"/>
+              </a:schemeClr>
+            </a:lnRef>
+            <a:fillRef idx="1">
+              <a:schemeClr val="accent1"/>
+            </a:fillRef>
+            <a:effectRef idx="0">
+              <a:schemeClr val="accent1"/>
+            </a:effectRef>
+            <a:fontRef idx="minor">
+              <a:schemeClr val="lt1"/>
+            </a:fontRef>
+          </p:style>
+          <p:txBody>
+            <a:bodyPr rtlCol="0" anchor="ctr"/>
+            <a:lstStyle/>
+            <a:p>
+              <a:pPr algn="ctr"/>
+              <a:r>
+                <a:rPr lang="pt-BR" sz="2000" dirty="0">
+                  <a:effectLst>
+                    <a:outerShdw blurRad="38100" dist="38100" dir="2700000" algn="tl">
+                      <a:srgbClr val="000000">
+                        <a:alpha val="43137"/>
+                      </a:srgbClr>
+                    </a:outerShdw>
+                  </a:effectLst>
+                  <a:latin typeface="Times New Roman" panose="02020603050405020304" pitchFamily="18" charset="0"/>
+                  <a:cs typeface="Times New Roman" panose="02020603050405020304" pitchFamily="18" charset="0"/>
+                </a:rPr>
+                <a:t>Q2</a:t>
+              </a:r>
+            </a:p>
+          </p:txBody>
+        </p:sp>
+        <p:sp>
+          <p:nvSpPr>
+            <p:cNvPr id="39" name="Retângulo 19">
+              <a:extLst>
+                <a:ext uri="{FF2B5EF4-FFF2-40B4-BE49-F238E27FC236}">
+                  <a16:creationId xmlns:a16="http://schemas.microsoft.com/office/drawing/2014/main" id="{8A9EDC99-03F2-05B5-F273-45D404AECE91}"/>
+                </a:ext>
+              </a:extLst>
+            </p:cNvPr>
+            <p:cNvSpPr/>
+            <p:nvPr/>
+          </p:nvSpPr>
+          <p:spPr>
+            <a:xfrm>
+              <a:off x="7805049" y="1522668"/>
+              <a:ext cx="554704" cy="255222"/>
+            </a:xfrm>
+            <a:prstGeom prst="rect">
+              <a:avLst/>
+            </a:prstGeom>
+            <a:solidFill>
+              <a:schemeClr val="bg1">
+                <a:lumMod val="75000"/>
+              </a:schemeClr>
+            </a:solidFill>
+            <a:ln w="12700">
+              <a:solidFill>
+                <a:schemeClr val="tx1"/>
+              </a:solidFill>
+            </a:ln>
+          </p:spPr>
+          <p:style>
+            <a:lnRef idx="2">
+              <a:schemeClr val="accent1">
+                <a:shade val="50000"/>
+              </a:schemeClr>
+            </a:lnRef>
+            <a:fillRef idx="1">
+              <a:schemeClr val="accent1"/>
+            </a:fillRef>
+            <a:effectRef idx="0">
+              <a:schemeClr val="accent1"/>
+            </a:effectRef>
+            <a:fontRef idx="minor">
+              <a:schemeClr val="lt1"/>
+            </a:fontRef>
+          </p:style>
+          <p:txBody>
+            <a:bodyPr rtlCol="0" anchor="ctr"/>
+            <a:lstStyle/>
+            <a:p>
+              <a:pPr algn="ctr"/>
+              <a:r>
+                <a:rPr lang="pt-BR" sz="2000" dirty="0">
+                  <a:effectLst>
+                    <a:outerShdw blurRad="38100" dist="38100" dir="2700000" algn="tl">
+                      <a:srgbClr val="000000">
+                        <a:alpha val="43137"/>
+                      </a:srgbClr>
+                    </a:outerShdw>
+                  </a:effectLst>
+                  <a:latin typeface="Times New Roman" panose="02020603050405020304" pitchFamily="18" charset="0"/>
+                  <a:cs typeface="Times New Roman" panose="02020603050405020304" pitchFamily="18" charset="0"/>
+                </a:rPr>
+                <a:t>O2</a:t>
+              </a:r>
+            </a:p>
+          </p:txBody>
+        </p:sp>
+        <p:sp>
+          <p:nvSpPr>
+            <p:cNvPr id="40" name="Retângulo 20">
+              <a:extLst>
+                <a:ext uri="{FF2B5EF4-FFF2-40B4-BE49-F238E27FC236}">
+                  <a16:creationId xmlns:a16="http://schemas.microsoft.com/office/drawing/2014/main" id="{9D9321C4-7AA8-82B7-2F69-5DBD2941B7CF}"/>
+                </a:ext>
+              </a:extLst>
+            </p:cNvPr>
+            <p:cNvSpPr/>
+            <p:nvPr/>
+          </p:nvSpPr>
+          <p:spPr>
+            <a:xfrm>
+              <a:off x="7250344" y="1522668"/>
+              <a:ext cx="554704" cy="255222"/>
+            </a:xfrm>
+            <a:prstGeom prst="rect">
+              <a:avLst/>
+            </a:prstGeom>
+            <a:solidFill>
+              <a:schemeClr val="bg1">
+                <a:lumMod val="75000"/>
+              </a:schemeClr>
+            </a:solidFill>
+            <a:ln w="12700">
+              <a:solidFill>
+                <a:schemeClr val="tx1"/>
+              </a:solidFill>
+            </a:ln>
+          </p:spPr>
+          <p:style>
+            <a:lnRef idx="2">
+              <a:schemeClr val="accent1">
+                <a:shade val="50000"/>
+              </a:schemeClr>
+            </a:lnRef>
+            <a:fillRef idx="1">
+              <a:schemeClr val="accent1"/>
+            </a:fillRef>
+            <a:effectRef idx="0">
+              <a:schemeClr val="accent1"/>
+            </a:effectRef>
+            <a:fontRef idx="minor">
+              <a:schemeClr val="lt1"/>
+            </a:fontRef>
+          </p:style>
+          <p:txBody>
+            <a:bodyPr rtlCol="0" anchor="ctr"/>
+            <a:lstStyle/>
+            <a:p>
+              <a:pPr algn="ctr"/>
+              <a:r>
+                <a:rPr lang="pt-BR" sz="2000" dirty="0">
+                  <a:effectLst>
+                    <a:outerShdw blurRad="38100" dist="38100" dir="2700000" algn="tl">
+                      <a:srgbClr val="000000">
+                        <a:alpha val="43137"/>
+                      </a:srgbClr>
+                    </a:outerShdw>
+                  </a:effectLst>
+                  <a:latin typeface="Times New Roman" panose="02020603050405020304" pitchFamily="18" charset="0"/>
+                  <a:cs typeface="Times New Roman" panose="02020603050405020304" pitchFamily="18" charset="0"/>
+                </a:rPr>
+                <a:t>O1</a:t>
+              </a:r>
+            </a:p>
+          </p:txBody>
+        </p:sp>
+        <p:sp>
+          <p:nvSpPr>
+            <p:cNvPr id="41" name="Retângulo 21">
+              <a:extLst>
+                <a:ext uri="{FF2B5EF4-FFF2-40B4-BE49-F238E27FC236}">
+                  <a16:creationId xmlns:a16="http://schemas.microsoft.com/office/drawing/2014/main" id="{A40197EF-2140-6F90-63B3-37958F3B58BC}"/>
+                </a:ext>
+              </a:extLst>
+            </p:cNvPr>
+            <p:cNvSpPr/>
+            <p:nvPr/>
+          </p:nvSpPr>
+          <p:spPr>
+            <a:xfrm>
+              <a:off x="4859771" y="1517257"/>
+              <a:ext cx="554704" cy="255222"/>
+            </a:xfrm>
+            <a:prstGeom prst="rect">
+              <a:avLst/>
+            </a:prstGeom>
+            <a:solidFill>
+              <a:schemeClr val="bg1">
+                <a:lumMod val="75000"/>
+              </a:schemeClr>
+            </a:solidFill>
+            <a:ln w="12700">
+              <a:solidFill>
+                <a:schemeClr val="tx1"/>
+              </a:solidFill>
+            </a:ln>
+          </p:spPr>
+          <p:style>
+            <a:lnRef idx="2">
+              <a:schemeClr val="accent1">
+                <a:shade val="50000"/>
+              </a:schemeClr>
+            </a:lnRef>
+            <a:fillRef idx="1">
+              <a:schemeClr val="accent1"/>
+            </a:fillRef>
+            <a:effectRef idx="0">
+              <a:schemeClr val="accent1"/>
+            </a:effectRef>
+            <a:fontRef idx="minor">
+              <a:schemeClr val="lt1"/>
+            </a:fontRef>
+          </p:style>
+          <p:txBody>
+            <a:bodyPr rtlCol="0" anchor="ctr"/>
+            <a:lstStyle/>
+            <a:p>
+              <a:pPr algn="ctr"/>
+              <a:r>
+                <a:rPr lang="pt-BR" sz="2000" dirty="0">
+                  <a:effectLst>
+                    <a:outerShdw blurRad="38100" dist="38100" dir="2700000" algn="tl">
+                      <a:srgbClr val="000000">
+                        <a:alpha val="43137"/>
+                      </a:srgbClr>
+                    </a:outerShdw>
+                  </a:effectLst>
+                  <a:latin typeface="Times New Roman" panose="02020603050405020304" pitchFamily="18" charset="0"/>
+                  <a:cs typeface="Times New Roman" panose="02020603050405020304" pitchFamily="18" charset="0"/>
+                </a:rPr>
+                <a:t>SA</a:t>
+              </a:r>
+            </a:p>
+          </p:txBody>
+        </p:sp>
+        <p:sp>
+          <p:nvSpPr>
+            <p:cNvPr id="44" name="Retângulo 19">
+              <a:extLst>
+                <a:ext uri="{FF2B5EF4-FFF2-40B4-BE49-F238E27FC236}">
+                  <a16:creationId xmlns:a16="http://schemas.microsoft.com/office/drawing/2014/main" id="{E9851B1C-9263-B6DD-2E6E-3EF4434E87FE}"/>
+                </a:ext>
+              </a:extLst>
+            </p:cNvPr>
+            <p:cNvSpPr/>
+            <p:nvPr/>
+          </p:nvSpPr>
+          <p:spPr>
+            <a:xfrm>
+              <a:off x="7805048" y="1982138"/>
+              <a:ext cx="554704" cy="255222"/>
+            </a:xfrm>
+            <a:prstGeom prst="rect">
+              <a:avLst/>
+            </a:prstGeom>
+            <a:solidFill>
+              <a:schemeClr val="bg1">
+                <a:lumMod val="75000"/>
+              </a:schemeClr>
+            </a:solidFill>
+            <a:ln w="12700">
+              <a:solidFill>
+                <a:schemeClr val="tx1"/>
+              </a:solidFill>
+            </a:ln>
+          </p:spPr>
+          <p:style>
+            <a:lnRef idx="2">
+              <a:schemeClr val="accent1">
+                <a:shade val="50000"/>
+              </a:schemeClr>
+            </a:lnRef>
+            <a:fillRef idx="1">
+              <a:schemeClr val="accent1"/>
+            </a:fillRef>
+            <a:effectRef idx="0">
+              <a:schemeClr val="accent1"/>
+            </a:effectRef>
+            <a:fontRef idx="minor">
+              <a:schemeClr val="lt1"/>
+            </a:fontRef>
+          </p:style>
+          <p:txBody>
+            <a:bodyPr rtlCol="0" anchor="ctr"/>
+            <a:lstStyle/>
+            <a:p>
+              <a:pPr algn="ctr"/>
+              <a:r>
+                <a:rPr lang="pt-BR" sz="2000" dirty="0">
+                  <a:effectLst>
+                    <a:outerShdw blurRad="38100" dist="38100" dir="2700000" algn="tl">
+                      <a:srgbClr val="000000">
+                        <a:alpha val="43137"/>
+                      </a:srgbClr>
+                    </a:outerShdw>
+                  </a:effectLst>
+                  <a:latin typeface="Times New Roman" panose="02020603050405020304" pitchFamily="18" charset="0"/>
+                  <a:cs typeface="Times New Roman" panose="02020603050405020304" pitchFamily="18" charset="0"/>
+                </a:rPr>
+                <a:t>O2</a:t>
+              </a:r>
+            </a:p>
+          </p:txBody>
+        </p:sp>
+        <p:sp>
+          <p:nvSpPr>
+            <p:cNvPr id="45" name="Retângulo 20">
+              <a:extLst>
+                <a:ext uri="{FF2B5EF4-FFF2-40B4-BE49-F238E27FC236}">
+                  <a16:creationId xmlns:a16="http://schemas.microsoft.com/office/drawing/2014/main" id="{5F31777E-F1D5-9D41-30E5-BC106AC6B330}"/>
+                </a:ext>
+              </a:extLst>
+            </p:cNvPr>
+            <p:cNvSpPr/>
+            <p:nvPr/>
+          </p:nvSpPr>
+          <p:spPr>
+            <a:xfrm>
+              <a:off x="7250344" y="1982138"/>
+              <a:ext cx="554704" cy="255222"/>
+            </a:xfrm>
+            <a:prstGeom prst="rect">
+              <a:avLst/>
+            </a:prstGeom>
+            <a:solidFill>
+              <a:schemeClr val="bg1">
+                <a:lumMod val="75000"/>
+              </a:schemeClr>
+            </a:solidFill>
+            <a:ln w="12700">
+              <a:solidFill>
+                <a:schemeClr val="tx1"/>
+              </a:solidFill>
+            </a:ln>
+          </p:spPr>
+          <p:style>
+            <a:lnRef idx="2">
+              <a:schemeClr val="accent1">
+                <a:shade val="50000"/>
+              </a:schemeClr>
+            </a:lnRef>
+            <a:fillRef idx="1">
+              <a:schemeClr val="accent1"/>
+            </a:fillRef>
+            <a:effectRef idx="0">
+              <a:schemeClr val="accent1"/>
+            </a:effectRef>
+            <a:fontRef idx="minor">
+              <a:schemeClr val="lt1"/>
+            </a:fontRef>
+          </p:style>
+          <p:txBody>
+            <a:bodyPr rtlCol="0" anchor="ctr"/>
+            <a:lstStyle/>
+            <a:p>
+              <a:pPr algn="ctr"/>
+              <a:r>
+                <a:rPr lang="pt-BR" sz="2000" dirty="0">
+                  <a:effectLst>
+                    <a:outerShdw blurRad="38100" dist="38100" dir="2700000" algn="tl">
+                      <a:srgbClr val="000000">
+                        <a:alpha val="43137"/>
+                      </a:srgbClr>
+                    </a:outerShdw>
+                  </a:effectLst>
+                  <a:latin typeface="Times New Roman" panose="02020603050405020304" pitchFamily="18" charset="0"/>
+                  <a:cs typeface="Times New Roman" panose="02020603050405020304" pitchFamily="18" charset="0"/>
+                </a:rPr>
+                <a:t>O1</a:t>
+              </a:r>
+            </a:p>
+          </p:txBody>
+        </p:sp>
+        <p:sp>
+          <p:nvSpPr>
+            <p:cNvPr id="47" name="TextBox 46">
+              <a:extLst>
+                <a:ext uri="{FF2B5EF4-FFF2-40B4-BE49-F238E27FC236}">
+                  <a16:creationId xmlns:a16="http://schemas.microsoft.com/office/drawing/2014/main" id="{6975B48C-F78E-87A9-FA84-E3EF052BE92A}"/>
+                </a:ext>
+              </a:extLst>
+            </p:cNvPr>
+            <p:cNvSpPr txBox="1"/>
+            <p:nvPr/>
+          </p:nvSpPr>
+          <p:spPr>
+            <a:xfrm>
+              <a:off x="6841371" y="1919737"/>
+              <a:ext cx="445956" cy="338554"/>
+            </a:xfrm>
+            <a:prstGeom prst="rect">
+              <a:avLst/>
+            </a:prstGeom>
+            <a:noFill/>
+          </p:spPr>
+          <p:txBody>
+            <a:bodyPr wrap="none" rtlCol="0">
+              <a:spAutoFit/>
+            </a:bodyPr>
+            <a:lstStyle/>
+            <a:p>
+              <a:r>
+                <a:rPr lang="pt-BR" sz="1600" dirty="0">
+                  <a:effectLst>
+                    <a:outerShdw blurRad="38100" dist="38100" dir="2700000" algn="tl">
+                      <a:srgbClr val="000000">
+                        <a:alpha val="43137"/>
+                      </a:srgbClr>
+                    </a:outerShdw>
+                  </a:effectLst>
+                  <a:latin typeface="Times New Roman" panose="02020603050405020304" pitchFamily="18" charset="0"/>
+                  <a:cs typeface="Times New Roman" panose="02020603050405020304" pitchFamily="18" charset="0"/>
+                </a:rPr>
+                <a:t>VS</a:t>
+              </a:r>
+            </a:p>
+          </p:txBody>
+        </p:sp>
+        <p:sp>
+          <p:nvSpPr>
+            <p:cNvPr id="48" name="Retângulo 17">
+              <a:extLst>
+                <a:ext uri="{FF2B5EF4-FFF2-40B4-BE49-F238E27FC236}">
+                  <a16:creationId xmlns:a16="http://schemas.microsoft.com/office/drawing/2014/main" id="{4ABF0BD2-31CA-2B85-9850-435EA8B3D83E}"/>
+                </a:ext>
+              </a:extLst>
+            </p:cNvPr>
+            <p:cNvSpPr/>
+            <p:nvPr/>
+          </p:nvSpPr>
+          <p:spPr>
+            <a:xfrm>
+              <a:off x="4859771" y="1984631"/>
+              <a:ext cx="554704" cy="255222"/>
+            </a:xfrm>
+            <a:prstGeom prst="rect">
+              <a:avLst/>
+            </a:prstGeom>
+            <a:solidFill>
+              <a:schemeClr val="bg1">
+                <a:lumMod val="75000"/>
+              </a:schemeClr>
+            </a:solidFill>
+            <a:ln w="12700">
+              <a:solidFill>
+                <a:schemeClr val="tx1"/>
+              </a:solidFill>
+            </a:ln>
+          </p:spPr>
+          <p:style>
+            <a:lnRef idx="2">
+              <a:schemeClr val="accent1">
+                <a:shade val="50000"/>
+              </a:schemeClr>
+            </a:lnRef>
+            <a:fillRef idx="1">
+              <a:schemeClr val="accent1"/>
+            </a:fillRef>
+            <a:effectRef idx="0">
+              <a:schemeClr val="accent1"/>
+            </a:effectRef>
+            <a:fontRef idx="minor">
+              <a:schemeClr val="lt1"/>
+            </a:fontRef>
+          </p:style>
+          <p:txBody>
+            <a:bodyPr rtlCol="0" anchor="ctr"/>
+            <a:lstStyle/>
+            <a:p>
+              <a:pPr algn="ctr"/>
+              <a:r>
+                <a:rPr lang="pt-BR" sz="2000" dirty="0">
+                  <a:effectLst>
+                    <a:outerShdw blurRad="38100" dist="38100" dir="2700000" algn="tl">
+                      <a:srgbClr val="000000">
+                        <a:alpha val="43137"/>
+                      </a:srgbClr>
+                    </a:outerShdw>
+                  </a:effectLst>
+                  <a:latin typeface="Times New Roman" panose="02020603050405020304" pitchFamily="18" charset="0"/>
+                  <a:cs typeface="Times New Roman" panose="02020603050405020304" pitchFamily="18" charset="0"/>
+                </a:rPr>
+                <a:t>SA</a:t>
+              </a:r>
+            </a:p>
+          </p:txBody>
+        </p:sp>
+        <p:sp>
+          <p:nvSpPr>
+            <p:cNvPr id="49" name="Retângulo 18">
+              <a:extLst>
+                <a:ext uri="{FF2B5EF4-FFF2-40B4-BE49-F238E27FC236}">
+                  <a16:creationId xmlns:a16="http://schemas.microsoft.com/office/drawing/2014/main" id="{63C514A5-577C-EBC8-3356-E84AB235F0DF}"/>
+                </a:ext>
+              </a:extLst>
+            </p:cNvPr>
+            <p:cNvSpPr/>
+            <p:nvPr/>
+          </p:nvSpPr>
+          <p:spPr>
+            <a:xfrm>
+              <a:off x="5731972" y="1982138"/>
+              <a:ext cx="554704" cy="255222"/>
+            </a:xfrm>
+            <a:prstGeom prst="rect">
+              <a:avLst/>
+            </a:prstGeom>
+            <a:solidFill>
+              <a:schemeClr val="bg1">
+                <a:lumMod val="75000"/>
+              </a:schemeClr>
+            </a:solidFill>
+            <a:ln w="12700">
+              <a:solidFill>
+                <a:schemeClr val="tx1"/>
+              </a:solidFill>
+            </a:ln>
+          </p:spPr>
+          <p:style>
+            <a:lnRef idx="2">
+              <a:schemeClr val="accent1">
+                <a:shade val="50000"/>
+              </a:schemeClr>
+            </a:lnRef>
+            <a:fillRef idx="1">
+              <a:schemeClr val="accent1"/>
+            </a:fillRef>
+            <a:effectRef idx="0">
+              <a:schemeClr val="accent1"/>
+            </a:effectRef>
+            <a:fontRef idx="minor">
+              <a:schemeClr val="lt1"/>
+            </a:fontRef>
+          </p:style>
+          <p:txBody>
+            <a:bodyPr rtlCol="0" anchor="ctr"/>
+            <a:lstStyle/>
+            <a:p>
+              <a:pPr algn="ctr"/>
+              <a:r>
+                <a:rPr lang="pt-BR" sz="2000" dirty="0">
+                  <a:effectLst>
+                    <a:outerShdw blurRad="38100" dist="38100" dir="2700000" algn="tl">
+                      <a:srgbClr val="000000">
+                        <a:alpha val="43137"/>
+                      </a:srgbClr>
+                    </a:outerShdw>
+                  </a:effectLst>
+                  <a:latin typeface="Times New Roman" panose="02020603050405020304" pitchFamily="18" charset="0"/>
+                  <a:cs typeface="Times New Roman" panose="02020603050405020304" pitchFamily="18" charset="0"/>
+                </a:rPr>
+                <a:t>Q1</a:t>
+              </a:r>
+            </a:p>
+          </p:txBody>
+        </p:sp>
+        <p:sp>
+          <p:nvSpPr>
+            <p:cNvPr id="50" name="Retângulo 19">
+              <a:extLst>
+                <a:ext uri="{FF2B5EF4-FFF2-40B4-BE49-F238E27FC236}">
+                  <a16:creationId xmlns:a16="http://schemas.microsoft.com/office/drawing/2014/main" id="{8B7ABDAA-C388-E05F-FF8C-019D675EA813}"/>
+                </a:ext>
+              </a:extLst>
+            </p:cNvPr>
+            <p:cNvSpPr/>
+            <p:nvPr/>
+          </p:nvSpPr>
+          <p:spPr>
+            <a:xfrm>
+              <a:off x="7803421" y="2410534"/>
+              <a:ext cx="554704" cy="255222"/>
+            </a:xfrm>
+            <a:prstGeom prst="rect">
+              <a:avLst/>
+            </a:prstGeom>
+            <a:solidFill>
+              <a:schemeClr val="bg1">
+                <a:lumMod val="75000"/>
+              </a:schemeClr>
+            </a:solidFill>
+            <a:ln w="12700">
+              <a:solidFill>
+                <a:schemeClr val="tx1"/>
+              </a:solidFill>
+            </a:ln>
+          </p:spPr>
+          <p:style>
+            <a:lnRef idx="2">
+              <a:schemeClr val="accent1">
+                <a:shade val="50000"/>
+              </a:schemeClr>
+            </a:lnRef>
+            <a:fillRef idx="1">
+              <a:schemeClr val="accent1"/>
+            </a:fillRef>
+            <a:effectRef idx="0">
+              <a:schemeClr val="accent1"/>
+            </a:effectRef>
+            <a:fontRef idx="minor">
+              <a:schemeClr val="lt1"/>
+            </a:fontRef>
+          </p:style>
+          <p:txBody>
+            <a:bodyPr rtlCol="0" anchor="ctr"/>
+            <a:lstStyle/>
+            <a:p>
+              <a:pPr algn="ctr"/>
+              <a:r>
+                <a:rPr lang="pt-BR" sz="2000" dirty="0">
+                  <a:effectLst>
+                    <a:outerShdw blurRad="38100" dist="38100" dir="2700000" algn="tl">
+                      <a:srgbClr val="000000">
+                        <a:alpha val="43137"/>
+                      </a:srgbClr>
+                    </a:outerShdw>
+                  </a:effectLst>
+                  <a:latin typeface="Times New Roman" panose="02020603050405020304" pitchFamily="18" charset="0"/>
+                  <a:cs typeface="Times New Roman" panose="02020603050405020304" pitchFamily="18" charset="0"/>
+                </a:rPr>
+                <a:t>O2</a:t>
+              </a:r>
+            </a:p>
+          </p:txBody>
+        </p:sp>
+        <p:sp>
+          <p:nvSpPr>
+            <p:cNvPr id="51" name="Retângulo 20">
+              <a:extLst>
+                <a:ext uri="{FF2B5EF4-FFF2-40B4-BE49-F238E27FC236}">
+                  <a16:creationId xmlns:a16="http://schemas.microsoft.com/office/drawing/2014/main" id="{B2A2CF3E-8F50-0604-1F63-20DA39ED69ED}"/>
+                </a:ext>
+              </a:extLst>
+            </p:cNvPr>
+            <p:cNvSpPr/>
+            <p:nvPr/>
+          </p:nvSpPr>
+          <p:spPr>
+            <a:xfrm>
+              <a:off x="6907142" y="2405549"/>
+              <a:ext cx="554704" cy="255222"/>
+            </a:xfrm>
+            <a:prstGeom prst="rect">
+              <a:avLst/>
+            </a:prstGeom>
+            <a:solidFill>
+              <a:schemeClr val="bg1">
+                <a:lumMod val="75000"/>
+              </a:schemeClr>
+            </a:solidFill>
+            <a:ln w="12700">
+              <a:solidFill>
+                <a:schemeClr val="tx1"/>
+              </a:solidFill>
+            </a:ln>
+          </p:spPr>
+          <p:style>
+            <a:lnRef idx="2">
+              <a:schemeClr val="accent1">
+                <a:shade val="50000"/>
+              </a:schemeClr>
+            </a:lnRef>
+            <a:fillRef idx="1">
+              <a:schemeClr val="accent1"/>
+            </a:fillRef>
+            <a:effectRef idx="0">
+              <a:schemeClr val="accent1"/>
+            </a:effectRef>
+            <a:fontRef idx="minor">
+              <a:schemeClr val="lt1"/>
+            </a:fontRef>
+          </p:style>
+          <p:txBody>
+            <a:bodyPr rtlCol="0" anchor="ctr"/>
+            <a:lstStyle/>
+            <a:p>
+              <a:pPr algn="ctr"/>
+              <a:r>
+                <a:rPr lang="pt-BR" sz="2000" dirty="0">
+                  <a:effectLst>
+                    <a:outerShdw blurRad="38100" dist="38100" dir="2700000" algn="tl">
+                      <a:srgbClr val="000000">
+                        <a:alpha val="43137"/>
+                      </a:srgbClr>
+                    </a:outerShdw>
+                  </a:effectLst>
+                  <a:latin typeface="Times New Roman" panose="02020603050405020304" pitchFamily="18" charset="0"/>
+                  <a:cs typeface="Times New Roman" panose="02020603050405020304" pitchFamily="18" charset="0"/>
+                </a:rPr>
+                <a:t>O1</a:t>
+              </a:r>
+            </a:p>
+          </p:txBody>
+        </p:sp>
+        <p:sp>
+          <p:nvSpPr>
+            <p:cNvPr id="52" name="TextBox 51">
+              <a:extLst>
+                <a:ext uri="{FF2B5EF4-FFF2-40B4-BE49-F238E27FC236}">
+                  <a16:creationId xmlns:a16="http://schemas.microsoft.com/office/drawing/2014/main" id="{025D59B1-8091-C02A-010D-815A105727E0}"/>
+                </a:ext>
+              </a:extLst>
+            </p:cNvPr>
+            <p:cNvSpPr txBox="1"/>
+            <p:nvPr/>
+          </p:nvSpPr>
+          <p:spPr>
+            <a:xfrm>
+              <a:off x="5350245" y="1934241"/>
+              <a:ext cx="445956" cy="338554"/>
+            </a:xfrm>
+            <a:prstGeom prst="rect">
+              <a:avLst/>
+            </a:prstGeom>
+            <a:noFill/>
+          </p:spPr>
+          <p:txBody>
+            <a:bodyPr wrap="none" rtlCol="0">
+              <a:spAutoFit/>
+            </a:bodyPr>
+            <a:lstStyle/>
+            <a:p>
+              <a:r>
+                <a:rPr lang="pt-BR" sz="1600" dirty="0">
+                  <a:effectLst>
+                    <a:outerShdw blurRad="38100" dist="38100" dir="2700000" algn="tl">
+                      <a:srgbClr val="000000">
+                        <a:alpha val="43137"/>
+                      </a:srgbClr>
+                    </a:outerShdw>
+                  </a:effectLst>
+                  <a:latin typeface="Times New Roman" panose="02020603050405020304" pitchFamily="18" charset="0"/>
+                  <a:cs typeface="Times New Roman" panose="02020603050405020304" pitchFamily="18" charset="0"/>
+                </a:rPr>
+                <a:t>VS</a:t>
+              </a:r>
+            </a:p>
+          </p:txBody>
+        </p:sp>
+        <p:sp>
+          <p:nvSpPr>
+            <p:cNvPr id="53" name="TextBox 52">
+              <a:extLst>
+                <a:ext uri="{FF2B5EF4-FFF2-40B4-BE49-F238E27FC236}">
+                  <a16:creationId xmlns:a16="http://schemas.microsoft.com/office/drawing/2014/main" id="{58322145-50CA-A03F-0426-1D4D596A6EEA}"/>
+                </a:ext>
+              </a:extLst>
+            </p:cNvPr>
+            <p:cNvSpPr txBox="1"/>
+            <p:nvPr/>
+          </p:nvSpPr>
+          <p:spPr>
+            <a:xfrm>
+              <a:off x="7409656" y="2362637"/>
+              <a:ext cx="445956" cy="338554"/>
+            </a:xfrm>
+            <a:prstGeom prst="rect">
+              <a:avLst/>
+            </a:prstGeom>
+            <a:noFill/>
+          </p:spPr>
+          <p:txBody>
+            <a:bodyPr wrap="none" rtlCol="0">
+              <a:spAutoFit/>
+            </a:bodyPr>
+            <a:lstStyle/>
+            <a:p>
+              <a:r>
+                <a:rPr lang="pt-BR" sz="1600" dirty="0">
+                  <a:effectLst>
+                    <a:outerShdw blurRad="38100" dist="38100" dir="2700000" algn="tl">
+                      <a:srgbClr val="000000">
+                        <a:alpha val="43137"/>
+                      </a:srgbClr>
+                    </a:outerShdw>
+                  </a:effectLst>
+                  <a:latin typeface="Times New Roman" panose="02020603050405020304" pitchFamily="18" charset="0"/>
+                  <a:cs typeface="Times New Roman" panose="02020603050405020304" pitchFamily="18" charset="0"/>
+                </a:rPr>
+                <a:t>VS</a:t>
+              </a:r>
+            </a:p>
+          </p:txBody>
+        </p:sp>
+        <p:sp>
+          <p:nvSpPr>
+            <p:cNvPr id="57" name="Retângulo 17">
+              <a:extLst>
+                <a:ext uri="{FF2B5EF4-FFF2-40B4-BE49-F238E27FC236}">
+                  <a16:creationId xmlns:a16="http://schemas.microsoft.com/office/drawing/2014/main" id="{56AFD73D-6C85-D4B2-9130-C7F90F4D7ABE}"/>
+                </a:ext>
+              </a:extLst>
+            </p:cNvPr>
+            <p:cNvSpPr/>
+            <p:nvPr/>
+          </p:nvSpPr>
+          <p:spPr>
+            <a:xfrm>
+              <a:off x="6352438" y="1982138"/>
+              <a:ext cx="554704" cy="255222"/>
+            </a:xfrm>
+            <a:prstGeom prst="rect">
+              <a:avLst/>
+            </a:prstGeom>
+            <a:solidFill>
+              <a:schemeClr val="bg1">
+                <a:lumMod val="75000"/>
+              </a:schemeClr>
+            </a:solidFill>
+            <a:ln w="12700">
+              <a:solidFill>
+                <a:schemeClr val="tx1"/>
+              </a:solidFill>
+            </a:ln>
+          </p:spPr>
+          <p:style>
+            <a:lnRef idx="2">
+              <a:schemeClr val="accent1">
+                <a:shade val="50000"/>
+              </a:schemeClr>
+            </a:lnRef>
+            <a:fillRef idx="1">
+              <a:schemeClr val="accent1"/>
+            </a:fillRef>
+            <a:effectRef idx="0">
+              <a:schemeClr val="accent1"/>
+            </a:effectRef>
+            <a:fontRef idx="minor">
+              <a:schemeClr val="lt1"/>
+            </a:fontRef>
+          </p:style>
+          <p:txBody>
+            <a:bodyPr rtlCol="0" anchor="ctr"/>
+            <a:lstStyle/>
+            <a:p>
+              <a:pPr algn="ctr"/>
+              <a:r>
+                <a:rPr lang="pt-BR" sz="2000" dirty="0">
+                  <a:effectLst>
+                    <a:outerShdw blurRad="38100" dist="38100" dir="2700000" algn="tl">
+                      <a:srgbClr val="000000">
+                        <a:alpha val="43137"/>
+                      </a:srgbClr>
+                    </a:outerShdw>
+                  </a:effectLst>
+                  <a:latin typeface="Times New Roman" panose="02020603050405020304" pitchFamily="18" charset="0"/>
+                  <a:cs typeface="Times New Roman" panose="02020603050405020304" pitchFamily="18" charset="0"/>
+                </a:rPr>
+                <a:t>Q2</a:t>
+              </a:r>
+            </a:p>
+          </p:txBody>
+        </p:sp>
+        <p:sp>
+          <p:nvSpPr>
+            <p:cNvPr id="58" name="Retângulo 9">
+              <a:extLst>
+                <a:ext uri="{FF2B5EF4-FFF2-40B4-BE49-F238E27FC236}">
+                  <a16:creationId xmlns:a16="http://schemas.microsoft.com/office/drawing/2014/main" id="{0F444070-1070-3C96-34F4-771B12605F1E}"/>
+                </a:ext>
+              </a:extLst>
+            </p:cNvPr>
+            <p:cNvSpPr/>
+            <p:nvPr/>
+          </p:nvSpPr>
+          <p:spPr>
+            <a:xfrm>
+              <a:off x="4859771" y="1158452"/>
+              <a:ext cx="3498354" cy="255222"/>
+            </a:xfrm>
+            <a:prstGeom prst="rect">
+              <a:avLst/>
+            </a:prstGeom>
+            <a:solidFill>
+              <a:schemeClr val="accent2"/>
+            </a:solidFill>
+            <a:ln w="19050">
+              <a:solidFill>
+                <a:schemeClr val="tx1"/>
+              </a:solidFill>
+            </a:ln>
+          </p:spPr>
+          <p:style>
+            <a:lnRef idx="2">
+              <a:schemeClr val="accent1">
+                <a:shade val="50000"/>
+              </a:schemeClr>
+            </a:lnRef>
+            <a:fillRef idx="1">
+              <a:schemeClr val="accent1"/>
+            </a:fillRef>
+            <a:effectRef idx="0">
+              <a:schemeClr val="accent1"/>
+            </a:effectRef>
+            <a:fontRef idx="minor">
+              <a:schemeClr val="lt1"/>
+            </a:fontRef>
+          </p:style>
+          <p:txBody>
+            <a:bodyPr rtlCol="0" anchor="ctr"/>
+            <a:lstStyle/>
+            <a:p>
+              <a:pPr algn="ctr"/>
+              <a:r>
+                <a:rPr lang="pt-BR" sz="2400" dirty="0">
+                  <a:effectLst>
+                    <a:outerShdw blurRad="38100" dist="38100" dir="2700000" algn="tl">
+                      <a:srgbClr val="000000">
+                        <a:alpha val="43137"/>
+                      </a:srgbClr>
+                    </a:outerShdw>
+                  </a:effectLst>
+                  <a:latin typeface="Times New Roman" panose="02020603050405020304" pitchFamily="18" charset="0"/>
+                  <a:cs typeface="Times New Roman" panose="02020603050405020304" pitchFamily="18" charset="0"/>
+                </a:rPr>
+                <a:t>Opção 2</a:t>
+              </a:r>
+            </a:p>
+          </p:txBody>
+        </p:sp>
+      </p:grpSp>
+    </p:spTree>
+    <p:extLst>
+      <p:ext uri="{BB962C8B-B14F-4D97-AF65-F5344CB8AC3E}">
+        <p14:creationId xmlns:p14="http://schemas.microsoft.com/office/powerpoint/2010/main" val="2063135484"/>
+      </p:ext>
+    </p:extLst>
+  </p:cSld>
+  <p:clrMapOvr>
+    <a:masterClrMapping/>
+  </p:clrMapOvr>
+</p:sld>
+</file>
+
+<file path=ppt/slides/slide10.xml><?xml version="1.0" encoding="utf-8"?>
+<p:sld xmlns:a="http://schemas.openxmlformats.org/drawingml/2006/main" xmlns:r="http://schemas.openxmlformats.org/officeDocument/2006/relationships" xmlns:p="http://schemas.openxmlformats.org/presentationml/2006/main">
+  <p:cSld>
+    <p:spTree>
+      <p:nvGrpSpPr>
+        <p:cNvPr id="1" name=""/>
+        <p:cNvGrpSpPr/>
+        <p:nvPr/>
+      </p:nvGrpSpPr>
+      <p:grpSpPr>
+        <a:xfrm>
+          <a:off x="0" y="0"/>
+          <a:ext cx="0" cy="0"/>
+          <a:chOff x="0" y="0"/>
+          <a:chExt cx="0" cy="0"/>
+        </a:xfrm>
+      </p:grpSpPr>
+      <p:grpSp>
+        <p:nvGrpSpPr>
+          <p:cNvPr id="29" name="Agrupar 28">
+            <a:extLst>
+              <a:ext uri="{FF2B5EF4-FFF2-40B4-BE49-F238E27FC236}">
+                <a16:creationId xmlns:a16="http://schemas.microsoft.com/office/drawing/2014/main" id="{E2F1CF96-F2F3-ADE7-B9DC-C06D8FB09C7A}"/>
+              </a:ext>
+            </a:extLst>
+          </p:cNvPr>
+          <p:cNvGrpSpPr/>
+          <p:nvPr/>
+        </p:nvGrpSpPr>
+        <p:grpSpPr>
+          <a:xfrm>
+            <a:off x="2251377" y="1078026"/>
+            <a:ext cx="7689246" cy="4701947"/>
+            <a:chOff x="2251377" y="1078026"/>
+            <a:chExt cx="7689246" cy="4701947"/>
           </a:xfrm>
         </p:grpSpPr>
         <p:pic>
           <p:nvPicPr>
-            <p:cNvPr id="7" name="Picture 6">
-              <a:extLst>
-                <a:ext uri="{FF2B5EF4-FFF2-40B4-BE49-F238E27FC236}">
-                  <a16:creationId xmlns:a16="http://schemas.microsoft.com/office/drawing/2014/main" id="{04B8BAA6-6D71-1C2C-1241-D22F61486676}"/>
+            <p:cNvPr id="5" name="Imagem 4">
+              <a:extLst>
+                <a:ext uri="{FF2B5EF4-FFF2-40B4-BE49-F238E27FC236}">
+                  <a16:creationId xmlns:a16="http://schemas.microsoft.com/office/drawing/2014/main" id="{78813F0F-B894-D064-4D8F-B1202BAC9762}"/>
                 </a:ext>
               </a:extLst>
             </p:cNvPr>
@@ -3368,50 +5594,2306 @@
             </p:cNvPicPr>
             <p:nvPr/>
           </p:nvPicPr>
-          <p:blipFill rotWithShape="1">
+          <p:blipFill>
             <a:blip r:embed="rId2"/>
-            <a:srcRect b="4687"/>
-            <a:stretch/>
+            <a:stretch>
+              <a:fillRect/>
+            </a:stretch>
           </p:blipFill>
           <p:spPr>
             <a:xfrm>
-              <a:off x="5972157" y="3429000"/>
-              <a:ext cx="4553604" cy="2543121"/>
+              <a:off x="2251377" y="1078026"/>
+              <a:ext cx="7689246" cy="4701947"/>
             </a:xfrm>
             <a:prstGeom prst="rect">
               <a:avLst/>
             </a:prstGeom>
           </p:spPr>
         </p:pic>
-        <p:pic>
-          <p:nvPicPr>
-            <p:cNvPr id="13" name="Picture 12">
-              <a:extLst>
-                <a:ext uri="{FF2B5EF4-FFF2-40B4-BE49-F238E27FC236}">
-                  <a16:creationId xmlns:a16="http://schemas.microsoft.com/office/drawing/2014/main" id="{A1E3CC37-0A64-A5DF-5F36-9ADC78E64043}"/>
-                </a:ext>
-              </a:extLst>
-            </p:cNvPr>
-            <p:cNvPicPr>
-              <a:picLocks noChangeAspect="1"/>
-            </p:cNvPicPr>
-            <p:nvPr/>
-          </p:nvPicPr>
-          <p:blipFill rotWithShape="1">
-            <a:blip r:embed="rId3"/>
-            <a:srcRect l="520"/>
-            <a:stretch/>
-          </p:blipFill>
+        <p:sp>
+          <p:nvSpPr>
+            <p:cNvPr id="6" name="Retângulo 5">
+              <a:extLst>
+                <a:ext uri="{FF2B5EF4-FFF2-40B4-BE49-F238E27FC236}">
+                  <a16:creationId xmlns:a16="http://schemas.microsoft.com/office/drawing/2014/main" id="{A245BC69-ABCE-17D8-9415-8BD1F22D2FEF}"/>
+                </a:ext>
+              </a:extLst>
+            </p:cNvPr>
+            <p:cNvSpPr/>
+            <p:nvPr/>
+          </p:nvSpPr>
           <p:spPr>
             <a:xfrm>
-              <a:off x="1524000" y="3429000"/>
-              <a:ext cx="4185920" cy="2543121"/>
+              <a:off x="3929560" y="4043680"/>
+              <a:ext cx="2288360" cy="693420"/>
             </a:xfrm>
             <a:prstGeom prst="rect">
               <a:avLst/>
             </a:prstGeom>
-          </p:spPr>
-        </p:pic>
+            <a:solidFill>
+              <a:schemeClr val="accent2"/>
+            </a:solidFill>
+            <a:ln w="19050">
+              <a:solidFill>
+                <a:schemeClr val="tx1"/>
+              </a:solidFill>
+            </a:ln>
+          </p:spPr>
+          <p:style>
+            <a:lnRef idx="2">
+              <a:schemeClr val="accent1">
+                <a:shade val="50000"/>
+              </a:schemeClr>
+            </a:lnRef>
+            <a:fillRef idx="1">
+              <a:schemeClr val="accent1"/>
+            </a:fillRef>
+            <a:effectRef idx="0">
+              <a:schemeClr val="accent1"/>
+            </a:effectRef>
+            <a:fontRef idx="minor">
+              <a:schemeClr val="lt1"/>
+            </a:fontRef>
+          </p:style>
+          <p:txBody>
+            <a:bodyPr rtlCol="0" anchor="ctr"/>
+            <a:lstStyle/>
+            <a:p>
+              <a:pPr algn="ctr"/>
+              <a:r>
+                <a:rPr lang="pt-BR" sz="2000" dirty="0">
+                  <a:effectLst>
+                    <a:outerShdw blurRad="38100" dist="38100" dir="2700000" algn="tl">
+                      <a:srgbClr val="000000">
+                        <a:alpha val="43137"/>
+                      </a:srgbClr>
+                    </a:outerShdw>
+                  </a:effectLst>
+                  <a:latin typeface="Times New Roman" panose="02020603050405020304" pitchFamily="18" charset="0"/>
+                  <a:cs typeface="Times New Roman" panose="02020603050405020304" pitchFamily="18" charset="0"/>
+                </a:rPr>
+                <a:t>Possíveis outliers</a:t>
+              </a:r>
+              <a:endParaRPr lang="pt-BR" sz="2000" i="1" dirty="0">
+                <a:effectLst>
+                  <a:outerShdw blurRad="38100" dist="38100" dir="2700000" algn="tl">
+                    <a:srgbClr val="000000">
+                      <a:alpha val="43137"/>
+                    </a:srgbClr>
+                  </a:outerShdw>
+                </a:effectLst>
+                <a:latin typeface="Times New Roman" panose="02020603050405020304" pitchFamily="18" charset="0"/>
+                <a:cs typeface="Times New Roman" panose="02020603050405020304" pitchFamily="18" charset="0"/>
+              </a:endParaRPr>
+            </a:p>
+          </p:txBody>
+        </p:sp>
+        <p:cxnSp>
+          <p:nvCxnSpPr>
+            <p:cNvPr id="7" name="Conector: Angulado 6">
+              <a:extLst>
+                <a:ext uri="{FF2B5EF4-FFF2-40B4-BE49-F238E27FC236}">
+                  <a16:creationId xmlns:a16="http://schemas.microsoft.com/office/drawing/2014/main" id="{07597DD6-FC79-58AC-E5B1-8D5CE1816962}"/>
+                </a:ext>
+              </a:extLst>
+            </p:cNvPr>
+            <p:cNvCxnSpPr>
+              <a:cxnSpLocks/>
+              <a:stCxn id="6" idx="0"/>
+            </p:cNvCxnSpPr>
+            <p:nvPr/>
+          </p:nvCxnSpPr>
+          <p:spPr>
+            <a:xfrm rot="16200000" flipV="1">
+              <a:off x="3684950" y="2654890"/>
+              <a:ext cx="1981200" cy="796380"/>
+            </a:xfrm>
+            <a:prstGeom prst="bentConnector3">
+              <a:avLst>
+                <a:gd name="adj1" fmla="val 100256"/>
+              </a:avLst>
+            </a:prstGeom>
+            <a:ln>
+              <a:tailEnd type="triangle"/>
+            </a:ln>
+          </p:spPr>
+          <p:style>
+            <a:lnRef idx="3">
+              <a:schemeClr val="dk1"/>
+            </a:lnRef>
+            <a:fillRef idx="0">
+              <a:schemeClr val="dk1"/>
+            </a:fillRef>
+            <a:effectRef idx="2">
+              <a:schemeClr val="dk1"/>
+            </a:effectRef>
+            <a:fontRef idx="minor">
+              <a:schemeClr val="tx1"/>
+            </a:fontRef>
+          </p:style>
+        </p:cxnSp>
+        <p:cxnSp>
+          <p:nvCxnSpPr>
+            <p:cNvPr id="14" name="Conector: Angulado 13">
+              <a:extLst>
+                <a:ext uri="{FF2B5EF4-FFF2-40B4-BE49-F238E27FC236}">
+                  <a16:creationId xmlns:a16="http://schemas.microsoft.com/office/drawing/2014/main" id="{15F7A461-088C-7CA0-87EA-AA379E034BEC}"/>
+                </a:ext>
+              </a:extLst>
+            </p:cNvPr>
+            <p:cNvCxnSpPr>
+              <a:cxnSpLocks/>
+              <a:stCxn id="6" idx="3"/>
+            </p:cNvCxnSpPr>
+            <p:nvPr/>
+          </p:nvCxnSpPr>
+          <p:spPr>
+            <a:xfrm>
+              <a:off x="6217920" y="4390390"/>
+              <a:ext cx="741680" cy="130810"/>
+            </a:xfrm>
+            <a:prstGeom prst="bentConnector3">
+              <a:avLst>
+                <a:gd name="adj1" fmla="val 50000"/>
+              </a:avLst>
+            </a:prstGeom>
+            <a:ln>
+              <a:tailEnd type="triangle"/>
+            </a:ln>
+          </p:spPr>
+          <p:style>
+            <a:lnRef idx="3">
+              <a:schemeClr val="dk1"/>
+            </a:lnRef>
+            <a:fillRef idx="0">
+              <a:schemeClr val="dk1"/>
+            </a:fillRef>
+            <a:effectRef idx="2">
+              <a:schemeClr val="dk1"/>
+            </a:effectRef>
+            <a:fontRef idx="minor">
+              <a:schemeClr val="tx1"/>
+            </a:fontRef>
+          </p:style>
+        </p:cxnSp>
+        <p:cxnSp>
+          <p:nvCxnSpPr>
+            <p:cNvPr id="17" name="Conector: Angulado 16">
+              <a:extLst>
+                <a:ext uri="{FF2B5EF4-FFF2-40B4-BE49-F238E27FC236}">
+                  <a16:creationId xmlns:a16="http://schemas.microsoft.com/office/drawing/2014/main" id="{19863F8F-7236-F952-E1B1-DF5077D1D973}"/>
+                </a:ext>
+              </a:extLst>
+            </p:cNvPr>
+            <p:cNvCxnSpPr>
+              <a:cxnSpLocks/>
+            </p:cNvCxnSpPr>
+            <p:nvPr/>
+          </p:nvCxnSpPr>
+          <p:spPr>
+            <a:xfrm flipV="1">
+              <a:off x="6217920" y="4277360"/>
+              <a:ext cx="2235200" cy="113030"/>
+            </a:xfrm>
+            <a:prstGeom prst="bentConnector3">
+              <a:avLst>
+                <a:gd name="adj1" fmla="val 16637"/>
+              </a:avLst>
+            </a:prstGeom>
+            <a:ln>
+              <a:tailEnd type="triangle"/>
+            </a:ln>
+          </p:spPr>
+          <p:style>
+            <a:lnRef idx="3">
+              <a:schemeClr val="dk1"/>
+            </a:lnRef>
+            <a:fillRef idx="0">
+              <a:schemeClr val="dk1"/>
+            </a:fillRef>
+            <a:effectRef idx="2">
+              <a:schemeClr val="dk1"/>
+            </a:effectRef>
+            <a:fontRef idx="minor">
+              <a:schemeClr val="tx1"/>
+            </a:fontRef>
+          </p:style>
+        </p:cxnSp>
+      </p:grpSp>
+    </p:spTree>
+    <p:extLst>
+      <p:ext uri="{BB962C8B-B14F-4D97-AF65-F5344CB8AC3E}">
+        <p14:creationId xmlns:p14="http://schemas.microsoft.com/office/powerpoint/2010/main" val="4141320683"/>
+      </p:ext>
+    </p:extLst>
+  </p:cSld>
+  <p:clrMapOvr>
+    <a:masterClrMapping/>
+  </p:clrMapOvr>
+</p:sld>
+</file>
+
+<file path=ppt/slides/slide2.xml><?xml version="1.0" encoding="utf-8"?>
+<p:sld xmlns:a="http://schemas.openxmlformats.org/drawingml/2006/main" xmlns:r="http://schemas.openxmlformats.org/officeDocument/2006/relationships" xmlns:p="http://schemas.openxmlformats.org/presentationml/2006/main">
+  <p:cSld>
+    <p:spTree>
+      <p:nvGrpSpPr>
+        <p:cNvPr id="1" name=""/>
+        <p:cNvGrpSpPr/>
+        <p:nvPr/>
+      </p:nvGrpSpPr>
+      <p:grpSpPr>
+        <a:xfrm>
+          <a:off x="0" y="0"/>
+          <a:ext cx="0" cy="0"/>
+          <a:chOff x="0" y="0"/>
+          <a:chExt cx="0" cy="0"/>
+        </a:xfrm>
+      </p:grpSpPr>
+      <p:grpSp>
+        <p:nvGrpSpPr>
+          <p:cNvPr id="67" name="Group 66">
+            <a:extLst>
+              <a:ext uri="{FF2B5EF4-FFF2-40B4-BE49-F238E27FC236}">
+                <a16:creationId xmlns:a16="http://schemas.microsoft.com/office/drawing/2014/main" id="{F05C62A9-C7F8-6F8A-C573-8CFC1B4E082F}"/>
+              </a:ext>
+            </a:extLst>
+          </p:cNvPr>
+          <p:cNvGrpSpPr/>
+          <p:nvPr/>
+        </p:nvGrpSpPr>
+        <p:grpSpPr>
+          <a:xfrm>
+            <a:off x="1638086" y="1642398"/>
+            <a:ext cx="6683240" cy="2194560"/>
+            <a:chOff x="1638086" y="1669068"/>
+            <a:chExt cx="6683240" cy="2194560"/>
+          </a:xfrm>
+        </p:grpSpPr>
+        <p:sp>
+          <p:nvSpPr>
+            <p:cNvPr id="3" name="Retângulo 1">
+              <a:extLst>
+                <a:ext uri="{FF2B5EF4-FFF2-40B4-BE49-F238E27FC236}">
+                  <a16:creationId xmlns:a16="http://schemas.microsoft.com/office/drawing/2014/main" id="{8203C53B-FF91-B9D6-DE46-255C8B727E2C}"/>
+                </a:ext>
+              </a:extLst>
+            </p:cNvPr>
+            <p:cNvSpPr/>
+            <p:nvPr/>
+          </p:nvSpPr>
+          <p:spPr>
+            <a:xfrm>
+              <a:off x="2389926" y="1669068"/>
+              <a:ext cx="751840" cy="365760"/>
+            </a:xfrm>
+            <a:prstGeom prst="rect">
+              <a:avLst/>
+            </a:prstGeom>
+            <a:ln w="12700">
+              <a:solidFill>
+                <a:schemeClr val="tx1"/>
+              </a:solidFill>
+            </a:ln>
+          </p:spPr>
+          <p:style>
+            <a:lnRef idx="2">
+              <a:schemeClr val="accent1">
+                <a:shade val="50000"/>
+              </a:schemeClr>
+            </a:lnRef>
+            <a:fillRef idx="1">
+              <a:schemeClr val="accent1"/>
+            </a:fillRef>
+            <a:effectRef idx="0">
+              <a:schemeClr val="accent1"/>
+            </a:effectRef>
+            <a:fontRef idx="minor">
+              <a:schemeClr val="lt1"/>
+            </a:fontRef>
+          </p:style>
+          <p:txBody>
+            <a:bodyPr rtlCol="0" anchor="ctr"/>
+            <a:lstStyle/>
+            <a:p>
+              <a:pPr algn="ctr"/>
+              <a:r>
+                <a:rPr lang="pt-BR" sz="1600" dirty="0">
+                  <a:effectLst>
+                    <a:outerShdw blurRad="38100" dist="38100" dir="2700000" algn="tl">
+                      <a:srgbClr val="000000">
+                        <a:alpha val="43137"/>
+                      </a:srgbClr>
+                    </a:outerShdw>
+                  </a:effectLst>
+                  <a:latin typeface="Times New Roman" panose="02020603050405020304" pitchFamily="18" charset="0"/>
+                  <a:cs typeface="Times New Roman" panose="02020603050405020304" pitchFamily="18" charset="0"/>
+                </a:rPr>
+                <a:t>Média</a:t>
+              </a:r>
+            </a:p>
+          </p:txBody>
+        </p:sp>
+        <p:sp>
+          <p:nvSpPr>
+            <p:cNvPr id="4" name="Retângulo 2">
+              <a:extLst>
+                <a:ext uri="{FF2B5EF4-FFF2-40B4-BE49-F238E27FC236}">
+                  <a16:creationId xmlns:a16="http://schemas.microsoft.com/office/drawing/2014/main" id="{3B7A7053-6AF6-79A6-8BC4-C57D9FA1DC94}"/>
+                </a:ext>
+              </a:extLst>
+            </p:cNvPr>
+            <p:cNvSpPr/>
+            <p:nvPr/>
+          </p:nvSpPr>
+          <p:spPr>
+            <a:xfrm>
+              <a:off x="2389926" y="2034828"/>
+              <a:ext cx="751840" cy="365760"/>
+            </a:xfrm>
+            <a:prstGeom prst="rect">
+              <a:avLst/>
+            </a:prstGeom>
+            <a:solidFill>
+              <a:schemeClr val="bg1">
+                <a:lumMod val="75000"/>
+              </a:schemeClr>
+            </a:solidFill>
+            <a:ln w="12700">
+              <a:solidFill>
+                <a:schemeClr val="tx1"/>
+              </a:solidFill>
+            </a:ln>
+          </p:spPr>
+          <p:style>
+            <a:lnRef idx="2">
+              <a:schemeClr val="accent1">
+                <a:shade val="50000"/>
+              </a:schemeClr>
+            </a:lnRef>
+            <a:fillRef idx="1">
+              <a:schemeClr val="accent1"/>
+            </a:fillRef>
+            <a:effectRef idx="0">
+              <a:schemeClr val="accent1"/>
+            </a:effectRef>
+            <a:fontRef idx="minor">
+              <a:schemeClr val="lt1"/>
+            </a:fontRef>
+          </p:style>
+          <p:txBody>
+            <a:bodyPr rtlCol="0" anchor="ctr"/>
+            <a:lstStyle/>
+            <a:p>
+              <a:pPr algn="ctr"/>
+              <a:r>
+                <a:rPr lang="pt-BR" sz="2000" dirty="0">
+                  <a:effectLst>
+                    <a:outerShdw blurRad="38100" dist="38100" dir="2700000" algn="tl">
+                      <a:srgbClr val="000000">
+                        <a:alpha val="43137"/>
+                      </a:srgbClr>
+                    </a:outerShdw>
+                  </a:effectLst>
+                  <a:latin typeface="Times New Roman" panose="02020603050405020304" pitchFamily="18" charset="0"/>
+                  <a:cs typeface="Times New Roman" panose="02020603050405020304" pitchFamily="18" charset="0"/>
+                </a:rPr>
+                <a:t>15 a</a:t>
+              </a:r>
+            </a:p>
+          </p:txBody>
+        </p:sp>
+        <p:sp>
+          <p:nvSpPr>
+            <p:cNvPr id="5" name="Retângulo 3">
+              <a:extLst>
+                <a:ext uri="{FF2B5EF4-FFF2-40B4-BE49-F238E27FC236}">
+                  <a16:creationId xmlns:a16="http://schemas.microsoft.com/office/drawing/2014/main" id="{1A5BC3C6-9EA3-AF16-A315-6ED7DC134E5E}"/>
+                </a:ext>
+              </a:extLst>
+            </p:cNvPr>
+            <p:cNvSpPr/>
+            <p:nvPr/>
+          </p:nvSpPr>
+          <p:spPr>
+            <a:xfrm>
+              <a:off x="2389926" y="2400588"/>
+              <a:ext cx="751840" cy="365760"/>
+            </a:xfrm>
+            <a:prstGeom prst="rect">
+              <a:avLst/>
+            </a:prstGeom>
+            <a:solidFill>
+              <a:schemeClr val="bg1">
+                <a:lumMod val="75000"/>
+              </a:schemeClr>
+            </a:solidFill>
+            <a:ln w="12700">
+              <a:solidFill>
+                <a:schemeClr val="tx1"/>
+              </a:solidFill>
+            </a:ln>
+          </p:spPr>
+          <p:style>
+            <a:lnRef idx="2">
+              <a:schemeClr val="accent1">
+                <a:shade val="50000"/>
+              </a:schemeClr>
+            </a:lnRef>
+            <a:fillRef idx="1">
+              <a:schemeClr val="accent1"/>
+            </a:fillRef>
+            <a:effectRef idx="0">
+              <a:schemeClr val="accent1"/>
+            </a:effectRef>
+            <a:fontRef idx="minor">
+              <a:schemeClr val="lt1"/>
+            </a:fontRef>
+          </p:style>
+          <p:txBody>
+            <a:bodyPr rtlCol="0" anchor="ctr"/>
+            <a:lstStyle/>
+            <a:p>
+              <a:pPr algn="ctr"/>
+              <a:r>
+                <a:rPr lang="pt-BR" sz="2000" dirty="0">
+                  <a:effectLst>
+                    <a:outerShdw blurRad="38100" dist="38100" dir="2700000" algn="tl">
+                      <a:srgbClr val="000000">
+                        <a:alpha val="43137"/>
+                      </a:srgbClr>
+                    </a:outerShdw>
+                  </a:effectLst>
+                  <a:latin typeface="Times New Roman" panose="02020603050405020304" pitchFamily="18" charset="0"/>
+                  <a:cs typeface="Times New Roman" panose="02020603050405020304" pitchFamily="18" charset="0"/>
+                </a:rPr>
+                <a:t>12 b</a:t>
+              </a:r>
+            </a:p>
+          </p:txBody>
+        </p:sp>
+        <p:sp>
+          <p:nvSpPr>
+            <p:cNvPr id="6" name="Retângulo 4">
+              <a:extLst>
+                <a:ext uri="{FF2B5EF4-FFF2-40B4-BE49-F238E27FC236}">
+                  <a16:creationId xmlns:a16="http://schemas.microsoft.com/office/drawing/2014/main" id="{E0316B58-74CF-B934-FE4C-F2DB01014170}"/>
+                </a:ext>
+              </a:extLst>
+            </p:cNvPr>
+            <p:cNvSpPr/>
+            <p:nvPr/>
+          </p:nvSpPr>
+          <p:spPr>
+            <a:xfrm>
+              <a:off x="2389926" y="2766348"/>
+              <a:ext cx="751840" cy="365760"/>
+            </a:xfrm>
+            <a:prstGeom prst="rect">
+              <a:avLst/>
+            </a:prstGeom>
+            <a:solidFill>
+              <a:schemeClr val="bg1">
+                <a:lumMod val="75000"/>
+              </a:schemeClr>
+            </a:solidFill>
+            <a:ln w="12700">
+              <a:solidFill>
+                <a:schemeClr val="tx1"/>
+              </a:solidFill>
+            </a:ln>
+          </p:spPr>
+          <p:style>
+            <a:lnRef idx="2">
+              <a:schemeClr val="accent1">
+                <a:shade val="50000"/>
+              </a:schemeClr>
+            </a:lnRef>
+            <a:fillRef idx="1">
+              <a:schemeClr val="accent1"/>
+            </a:fillRef>
+            <a:effectRef idx="0">
+              <a:schemeClr val="accent1"/>
+            </a:effectRef>
+            <a:fontRef idx="minor">
+              <a:schemeClr val="lt1"/>
+            </a:fontRef>
+          </p:style>
+          <p:txBody>
+            <a:bodyPr rtlCol="0" anchor="ctr"/>
+            <a:lstStyle/>
+            <a:p>
+              <a:pPr algn="ctr"/>
+              <a:r>
+                <a:rPr lang="pt-BR" sz="2000" dirty="0">
+                  <a:effectLst>
+                    <a:outerShdw blurRad="38100" dist="38100" dir="2700000" algn="tl">
+                      <a:srgbClr val="000000">
+                        <a:alpha val="43137"/>
+                      </a:srgbClr>
+                    </a:outerShdw>
+                  </a:effectLst>
+                  <a:latin typeface="Times New Roman" panose="02020603050405020304" pitchFamily="18" charset="0"/>
+                  <a:cs typeface="Times New Roman" panose="02020603050405020304" pitchFamily="18" charset="0"/>
+                </a:rPr>
+                <a:t>10 b</a:t>
+              </a:r>
+            </a:p>
+          </p:txBody>
+        </p:sp>
+        <p:sp>
+          <p:nvSpPr>
+            <p:cNvPr id="8" name="Retângulo 5">
+              <a:extLst>
+                <a:ext uri="{FF2B5EF4-FFF2-40B4-BE49-F238E27FC236}">
+                  <a16:creationId xmlns:a16="http://schemas.microsoft.com/office/drawing/2014/main" id="{B3C42F32-89F2-E690-2FA1-E60581AAA26D}"/>
+                </a:ext>
+              </a:extLst>
+            </p:cNvPr>
+            <p:cNvSpPr/>
+            <p:nvPr/>
+          </p:nvSpPr>
+          <p:spPr>
+            <a:xfrm>
+              <a:off x="2389926" y="3132108"/>
+              <a:ext cx="751840" cy="365760"/>
+            </a:xfrm>
+            <a:prstGeom prst="rect">
+              <a:avLst/>
+            </a:prstGeom>
+            <a:solidFill>
+              <a:schemeClr val="bg1">
+                <a:lumMod val="75000"/>
+              </a:schemeClr>
+            </a:solidFill>
+            <a:ln w="12700">
+              <a:solidFill>
+                <a:schemeClr val="tx1"/>
+              </a:solidFill>
+            </a:ln>
+          </p:spPr>
+          <p:style>
+            <a:lnRef idx="2">
+              <a:schemeClr val="accent1">
+                <a:shade val="50000"/>
+              </a:schemeClr>
+            </a:lnRef>
+            <a:fillRef idx="1">
+              <a:schemeClr val="accent1"/>
+            </a:fillRef>
+            <a:effectRef idx="0">
+              <a:schemeClr val="accent1"/>
+            </a:effectRef>
+            <a:fontRef idx="minor">
+              <a:schemeClr val="lt1"/>
+            </a:fontRef>
+          </p:style>
+          <p:txBody>
+            <a:bodyPr rtlCol="0" anchor="ctr"/>
+            <a:lstStyle/>
+            <a:p>
+              <a:pPr algn="ctr"/>
+              <a:r>
+                <a:rPr lang="pt-BR" sz="2000" dirty="0">
+                  <a:effectLst>
+                    <a:outerShdw blurRad="38100" dist="38100" dir="2700000" algn="tl">
+                      <a:srgbClr val="000000">
+                        <a:alpha val="43137"/>
+                      </a:srgbClr>
+                    </a:outerShdw>
+                  </a:effectLst>
+                  <a:latin typeface="Times New Roman" panose="02020603050405020304" pitchFamily="18" charset="0"/>
+                  <a:cs typeface="Times New Roman" panose="02020603050405020304" pitchFamily="18" charset="0"/>
+                </a:rPr>
+                <a:t>6 c</a:t>
+              </a:r>
+            </a:p>
+          </p:txBody>
+        </p:sp>
+        <p:sp>
+          <p:nvSpPr>
+            <p:cNvPr id="9" name="Retângulo 6">
+              <a:extLst>
+                <a:ext uri="{FF2B5EF4-FFF2-40B4-BE49-F238E27FC236}">
+                  <a16:creationId xmlns:a16="http://schemas.microsoft.com/office/drawing/2014/main" id="{B04EF5F0-0632-A1DB-5872-D3F801537A49}"/>
+                </a:ext>
+              </a:extLst>
+            </p:cNvPr>
+            <p:cNvSpPr/>
+            <p:nvPr/>
+          </p:nvSpPr>
+          <p:spPr>
+            <a:xfrm>
+              <a:off x="2389926" y="3497868"/>
+              <a:ext cx="751840" cy="365760"/>
+            </a:xfrm>
+            <a:prstGeom prst="rect">
+              <a:avLst/>
+            </a:prstGeom>
+            <a:solidFill>
+              <a:schemeClr val="bg1">
+                <a:lumMod val="75000"/>
+              </a:schemeClr>
+            </a:solidFill>
+            <a:ln w="12700">
+              <a:solidFill>
+                <a:schemeClr val="tx1"/>
+              </a:solidFill>
+            </a:ln>
+          </p:spPr>
+          <p:style>
+            <a:lnRef idx="2">
+              <a:schemeClr val="accent1">
+                <a:shade val="50000"/>
+              </a:schemeClr>
+            </a:lnRef>
+            <a:fillRef idx="1">
+              <a:schemeClr val="accent1"/>
+            </a:fillRef>
+            <a:effectRef idx="0">
+              <a:schemeClr val="accent1"/>
+            </a:effectRef>
+            <a:fontRef idx="minor">
+              <a:schemeClr val="lt1"/>
+            </a:fontRef>
+          </p:style>
+          <p:txBody>
+            <a:bodyPr rtlCol="0" anchor="ctr"/>
+            <a:lstStyle/>
+            <a:p>
+              <a:pPr algn="ctr"/>
+              <a:r>
+                <a:rPr lang="pt-BR" sz="2000" dirty="0">
+                  <a:effectLst>
+                    <a:outerShdw blurRad="38100" dist="38100" dir="2700000" algn="tl">
+                      <a:srgbClr val="000000">
+                        <a:alpha val="43137"/>
+                      </a:srgbClr>
+                    </a:outerShdw>
+                  </a:effectLst>
+                  <a:latin typeface="Times New Roman" panose="02020603050405020304" pitchFamily="18" charset="0"/>
+                  <a:cs typeface="Times New Roman" panose="02020603050405020304" pitchFamily="18" charset="0"/>
+                </a:rPr>
+                <a:t>5 c</a:t>
+              </a:r>
+            </a:p>
+          </p:txBody>
+        </p:sp>
+        <p:sp>
+          <p:nvSpPr>
+            <p:cNvPr id="20" name="Retângulo 16">
+              <a:extLst>
+                <a:ext uri="{FF2B5EF4-FFF2-40B4-BE49-F238E27FC236}">
+                  <a16:creationId xmlns:a16="http://schemas.microsoft.com/office/drawing/2014/main" id="{0BBB37E9-30D2-4D91-4185-517C0FCECA12}"/>
+                </a:ext>
+              </a:extLst>
+            </p:cNvPr>
+            <p:cNvSpPr/>
+            <p:nvPr/>
+          </p:nvSpPr>
+          <p:spPr>
+            <a:xfrm>
+              <a:off x="1638086" y="1669068"/>
+              <a:ext cx="751840" cy="365760"/>
+            </a:xfrm>
+            <a:prstGeom prst="rect">
+              <a:avLst/>
+            </a:prstGeom>
+            <a:ln w="12700">
+              <a:solidFill>
+                <a:schemeClr val="tx1"/>
+              </a:solidFill>
+            </a:ln>
+          </p:spPr>
+          <p:style>
+            <a:lnRef idx="2">
+              <a:schemeClr val="accent1">
+                <a:shade val="50000"/>
+              </a:schemeClr>
+            </a:lnRef>
+            <a:fillRef idx="1">
+              <a:schemeClr val="accent1"/>
+            </a:fillRef>
+            <a:effectRef idx="0">
+              <a:schemeClr val="accent1"/>
+            </a:effectRef>
+            <a:fontRef idx="minor">
+              <a:schemeClr val="lt1"/>
+            </a:fontRef>
+          </p:style>
+          <p:txBody>
+            <a:bodyPr rtlCol="0" anchor="ctr"/>
+            <a:lstStyle/>
+            <a:p>
+              <a:pPr algn="ctr"/>
+              <a:r>
+                <a:rPr lang="pt-BR" sz="1600" dirty="0" err="1">
+                  <a:effectLst>
+                    <a:outerShdw blurRad="38100" dist="38100" dir="2700000" algn="tl">
+                      <a:srgbClr val="000000">
+                        <a:alpha val="43137"/>
+                      </a:srgbClr>
+                    </a:outerShdw>
+                  </a:effectLst>
+                  <a:latin typeface="Times New Roman" panose="02020603050405020304" pitchFamily="18" charset="0"/>
+                  <a:cs typeface="Times New Roman" panose="02020603050405020304" pitchFamily="18" charset="0"/>
+                </a:rPr>
+                <a:t>Trat</a:t>
+              </a:r>
+              <a:endParaRPr lang="pt-BR" sz="1600" dirty="0">
+                <a:effectLst>
+                  <a:outerShdw blurRad="38100" dist="38100" dir="2700000" algn="tl">
+                    <a:srgbClr val="000000">
+                      <a:alpha val="43137"/>
+                    </a:srgbClr>
+                  </a:outerShdw>
+                </a:effectLst>
+                <a:latin typeface="Times New Roman" panose="02020603050405020304" pitchFamily="18" charset="0"/>
+                <a:cs typeface="Times New Roman" panose="02020603050405020304" pitchFamily="18" charset="0"/>
+              </a:endParaRPr>
+            </a:p>
+          </p:txBody>
+        </p:sp>
+        <p:sp>
+          <p:nvSpPr>
+            <p:cNvPr id="21" name="Retângulo 17">
+              <a:extLst>
+                <a:ext uri="{FF2B5EF4-FFF2-40B4-BE49-F238E27FC236}">
+                  <a16:creationId xmlns:a16="http://schemas.microsoft.com/office/drawing/2014/main" id="{26C31854-37AC-B21D-0727-567B46D5ADF1}"/>
+                </a:ext>
+              </a:extLst>
+            </p:cNvPr>
+            <p:cNvSpPr/>
+            <p:nvPr/>
+          </p:nvSpPr>
+          <p:spPr>
+            <a:xfrm>
+              <a:off x="1638086" y="2034828"/>
+              <a:ext cx="751840" cy="365760"/>
+            </a:xfrm>
+            <a:prstGeom prst="rect">
+              <a:avLst/>
+            </a:prstGeom>
+            <a:solidFill>
+              <a:schemeClr val="bg1">
+                <a:lumMod val="75000"/>
+              </a:schemeClr>
+            </a:solidFill>
+            <a:ln w="12700">
+              <a:solidFill>
+                <a:schemeClr val="tx1"/>
+              </a:solidFill>
+            </a:ln>
+          </p:spPr>
+          <p:style>
+            <a:lnRef idx="2">
+              <a:schemeClr val="accent1">
+                <a:shade val="50000"/>
+              </a:schemeClr>
+            </a:lnRef>
+            <a:fillRef idx="1">
+              <a:schemeClr val="accent1"/>
+            </a:fillRef>
+            <a:effectRef idx="0">
+              <a:schemeClr val="accent1"/>
+            </a:effectRef>
+            <a:fontRef idx="minor">
+              <a:schemeClr val="lt1"/>
+            </a:fontRef>
+          </p:style>
+          <p:txBody>
+            <a:bodyPr rtlCol="0" anchor="ctr"/>
+            <a:lstStyle/>
+            <a:p>
+              <a:pPr algn="ctr"/>
+              <a:r>
+                <a:rPr lang="pt-BR" sz="2000" dirty="0">
+                  <a:effectLst>
+                    <a:outerShdw blurRad="38100" dist="38100" dir="2700000" algn="tl">
+                      <a:srgbClr val="000000">
+                        <a:alpha val="43137"/>
+                      </a:srgbClr>
+                    </a:outerShdw>
+                  </a:effectLst>
+                  <a:latin typeface="Times New Roman" panose="02020603050405020304" pitchFamily="18" charset="0"/>
+                  <a:cs typeface="Times New Roman" panose="02020603050405020304" pitchFamily="18" charset="0"/>
+                </a:rPr>
+                <a:t>Q1</a:t>
+              </a:r>
+            </a:p>
+          </p:txBody>
+        </p:sp>
+        <p:sp>
+          <p:nvSpPr>
+            <p:cNvPr id="22" name="Retângulo 18">
+              <a:extLst>
+                <a:ext uri="{FF2B5EF4-FFF2-40B4-BE49-F238E27FC236}">
+                  <a16:creationId xmlns:a16="http://schemas.microsoft.com/office/drawing/2014/main" id="{25C1226D-4DC8-1BB2-2D1D-4927E192EB21}"/>
+                </a:ext>
+              </a:extLst>
+            </p:cNvPr>
+            <p:cNvSpPr/>
+            <p:nvPr/>
+          </p:nvSpPr>
+          <p:spPr>
+            <a:xfrm>
+              <a:off x="1638086" y="2400588"/>
+              <a:ext cx="751840" cy="365760"/>
+            </a:xfrm>
+            <a:prstGeom prst="rect">
+              <a:avLst/>
+            </a:prstGeom>
+            <a:solidFill>
+              <a:schemeClr val="bg1">
+                <a:lumMod val="75000"/>
+              </a:schemeClr>
+            </a:solidFill>
+            <a:ln w="12700">
+              <a:solidFill>
+                <a:schemeClr val="tx1"/>
+              </a:solidFill>
+            </a:ln>
+          </p:spPr>
+          <p:style>
+            <a:lnRef idx="2">
+              <a:schemeClr val="accent1">
+                <a:shade val="50000"/>
+              </a:schemeClr>
+            </a:lnRef>
+            <a:fillRef idx="1">
+              <a:schemeClr val="accent1"/>
+            </a:fillRef>
+            <a:effectRef idx="0">
+              <a:schemeClr val="accent1"/>
+            </a:effectRef>
+            <a:fontRef idx="minor">
+              <a:schemeClr val="lt1"/>
+            </a:fontRef>
+          </p:style>
+          <p:txBody>
+            <a:bodyPr rtlCol="0" anchor="ctr"/>
+            <a:lstStyle/>
+            <a:p>
+              <a:pPr algn="ctr"/>
+              <a:r>
+                <a:rPr lang="pt-BR" sz="2000" dirty="0">
+                  <a:effectLst>
+                    <a:outerShdw blurRad="38100" dist="38100" dir="2700000" algn="tl">
+                      <a:srgbClr val="000000">
+                        <a:alpha val="43137"/>
+                      </a:srgbClr>
+                    </a:outerShdw>
+                  </a:effectLst>
+                  <a:latin typeface="Times New Roman" panose="02020603050405020304" pitchFamily="18" charset="0"/>
+                  <a:cs typeface="Times New Roman" panose="02020603050405020304" pitchFamily="18" charset="0"/>
+                </a:rPr>
+                <a:t>O2</a:t>
+              </a:r>
+            </a:p>
+          </p:txBody>
+        </p:sp>
+        <p:sp>
+          <p:nvSpPr>
+            <p:cNvPr id="23" name="Retângulo 19">
+              <a:extLst>
+                <a:ext uri="{FF2B5EF4-FFF2-40B4-BE49-F238E27FC236}">
+                  <a16:creationId xmlns:a16="http://schemas.microsoft.com/office/drawing/2014/main" id="{048FCE8B-D3A2-0F27-F224-6C3B2EDF9C04}"/>
+                </a:ext>
+              </a:extLst>
+            </p:cNvPr>
+            <p:cNvSpPr/>
+            <p:nvPr/>
+          </p:nvSpPr>
+          <p:spPr>
+            <a:xfrm>
+              <a:off x="1638086" y="2766348"/>
+              <a:ext cx="751840" cy="365760"/>
+            </a:xfrm>
+            <a:prstGeom prst="rect">
+              <a:avLst/>
+            </a:prstGeom>
+            <a:solidFill>
+              <a:schemeClr val="bg1">
+                <a:lumMod val="75000"/>
+              </a:schemeClr>
+            </a:solidFill>
+            <a:ln w="12700">
+              <a:solidFill>
+                <a:schemeClr val="tx1"/>
+              </a:solidFill>
+            </a:ln>
+          </p:spPr>
+          <p:style>
+            <a:lnRef idx="2">
+              <a:schemeClr val="accent1">
+                <a:shade val="50000"/>
+              </a:schemeClr>
+            </a:lnRef>
+            <a:fillRef idx="1">
+              <a:schemeClr val="accent1"/>
+            </a:fillRef>
+            <a:effectRef idx="0">
+              <a:schemeClr val="accent1"/>
+            </a:effectRef>
+            <a:fontRef idx="minor">
+              <a:schemeClr val="lt1"/>
+            </a:fontRef>
+          </p:style>
+          <p:txBody>
+            <a:bodyPr rtlCol="0" anchor="ctr"/>
+            <a:lstStyle/>
+            <a:p>
+              <a:pPr algn="ctr"/>
+              <a:r>
+                <a:rPr lang="pt-BR" sz="2000" dirty="0">
+                  <a:effectLst>
+                    <a:outerShdw blurRad="38100" dist="38100" dir="2700000" algn="tl">
+                      <a:srgbClr val="000000">
+                        <a:alpha val="43137"/>
+                      </a:srgbClr>
+                    </a:outerShdw>
+                  </a:effectLst>
+                  <a:latin typeface="Times New Roman" panose="02020603050405020304" pitchFamily="18" charset="0"/>
+                  <a:cs typeface="Times New Roman" panose="02020603050405020304" pitchFamily="18" charset="0"/>
+                </a:rPr>
+                <a:t>Q2</a:t>
+              </a:r>
+            </a:p>
+          </p:txBody>
+        </p:sp>
+        <p:sp>
+          <p:nvSpPr>
+            <p:cNvPr id="24" name="Retângulo 20">
+              <a:extLst>
+                <a:ext uri="{FF2B5EF4-FFF2-40B4-BE49-F238E27FC236}">
+                  <a16:creationId xmlns:a16="http://schemas.microsoft.com/office/drawing/2014/main" id="{142FF03B-728C-8338-2EED-31286ED15F46}"/>
+                </a:ext>
+              </a:extLst>
+            </p:cNvPr>
+            <p:cNvSpPr/>
+            <p:nvPr/>
+          </p:nvSpPr>
+          <p:spPr>
+            <a:xfrm>
+              <a:off x="1638086" y="3132108"/>
+              <a:ext cx="751840" cy="365760"/>
+            </a:xfrm>
+            <a:prstGeom prst="rect">
+              <a:avLst/>
+            </a:prstGeom>
+            <a:solidFill>
+              <a:schemeClr val="bg1">
+                <a:lumMod val="75000"/>
+              </a:schemeClr>
+            </a:solidFill>
+            <a:ln w="12700">
+              <a:solidFill>
+                <a:schemeClr val="tx1"/>
+              </a:solidFill>
+            </a:ln>
+          </p:spPr>
+          <p:style>
+            <a:lnRef idx="2">
+              <a:schemeClr val="accent1">
+                <a:shade val="50000"/>
+              </a:schemeClr>
+            </a:lnRef>
+            <a:fillRef idx="1">
+              <a:schemeClr val="accent1"/>
+            </a:fillRef>
+            <a:effectRef idx="0">
+              <a:schemeClr val="accent1"/>
+            </a:effectRef>
+            <a:fontRef idx="minor">
+              <a:schemeClr val="lt1"/>
+            </a:fontRef>
+          </p:style>
+          <p:txBody>
+            <a:bodyPr rtlCol="0" anchor="ctr"/>
+            <a:lstStyle/>
+            <a:p>
+              <a:pPr algn="ctr"/>
+              <a:r>
+                <a:rPr lang="pt-BR" sz="2000" dirty="0">
+                  <a:effectLst>
+                    <a:outerShdw blurRad="38100" dist="38100" dir="2700000" algn="tl">
+                      <a:srgbClr val="000000">
+                        <a:alpha val="43137"/>
+                      </a:srgbClr>
+                    </a:outerShdw>
+                  </a:effectLst>
+                  <a:latin typeface="Times New Roman" panose="02020603050405020304" pitchFamily="18" charset="0"/>
+                  <a:cs typeface="Times New Roman" panose="02020603050405020304" pitchFamily="18" charset="0"/>
+                </a:rPr>
+                <a:t>O1</a:t>
+              </a:r>
+            </a:p>
+          </p:txBody>
+        </p:sp>
+        <p:sp>
+          <p:nvSpPr>
+            <p:cNvPr id="25" name="Retângulo 21">
+              <a:extLst>
+                <a:ext uri="{FF2B5EF4-FFF2-40B4-BE49-F238E27FC236}">
+                  <a16:creationId xmlns:a16="http://schemas.microsoft.com/office/drawing/2014/main" id="{9E811C0C-3C4F-A5AA-F7A0-76906180E6A3}"/>
+                </a:ext>
+              </a:extLst>
+            </p:cNvPr>
+            <p:cNvSpPr/>
+            <p:nvPr/>
+          </p:nvSpPr>
+          <p:spPr>
+            <a:xfrm>
+              <a:off x="1638086" y="3497868"/>
+              <a:ext cx="751840" cy="365760"/>
+            </a:xfrm>
+            <a:prstGeom prst="rect">
+              <a:avLst/>
+            </a:prstGeom>
+            <a:solidFill>
+              <a:schemeClr val="bg1">
+                <a:lumMod val="75000"/>
+              </a:schemeClr>
+            </a:solidFill>
+            <a:ln w="12700">
+              <a:solidFill>
+                <a:schemeClr val="tx1"/>
+              </a:solidFill>
+            </a:ln>
+          </p:spPr>
+          <p:style>
+            <a:lnRef idx="2">
+              <a:schemeClr val="accent1">
+                <a:shade val="50000"/>
+              </a:schemeClr>
+            </a:lnRef>
+            <a:fillRef idx="1">
+              <a:schemeClr val="accent1"/>
+            </a:fillRef>
+            <a:effectRef idx="0">
+              <a:schemeClr val="accent1"/>
+            </a:effectRef>
+            <a:fontRef idx="minor">
+              <a:schemeClr val="lt1"/>
+            </a:fontRef>
+          </p:style>
+          <p:txBody>
+            <a:bodyPr rtlCol="0" anchor="ctr"/>
+            <a:lstStyle/>
+            <a:p>
+              <a:pPr algn="ctr"/>
+              <a:r>
+                <a:rPr lang="pt-BR" sz="2000" dirty="0">
+                  <a:effectLst>
+                    <a:outerShdw blurRad="38100" dist="38100" dir="2700000" algn="tl">
+                      <a:srgbClr val="000000">
+                        <a:alpha val="43137"/>
+                      </a:srgbClr>
+                    </a:outerShdw>
+                  </a:effectLst>
+                  <a:latin typeface="Times New Roman" panose="02020603050405020304" pitchFamily="18" charset="0"/>
+                  <a:cs typeface="Times New Roman" panose="02020603050405020304" pitchFamily="18" charset="0"/>
+                </a:rPr>
+                <a:t>SA</a:t>
+              </a:r>
+            </a:p>
+          </p:txBody>
+        </p:sp>
+        <p:sp>
+          <p:nvSpPr>
+            <p:cNvPr id="31" name="Retângulo 17">
+              <a:extLst>
+                <a:ext uri="{FF2B5EF4-FFF2-40B4-BE49-F238E27FC236}">
+                  <a16:creationId xmlns:a16="http://schemas.microsoft.com/office/drawing/2014/main" id="{6BABBAD7-BA5E-4365-9F70-5310562D5982}"/>
+                </a:ext>
+              </a:extLst>
+            </p:cNvPr>
+            <p:cNvSpPr/>
+            <p:nvPr/>
+          </p:nvSpPr>
+          <p:spPr>
+            <a:xfrm>
+              <a:off x="5313966" y="2217708"/>
+              <a:ext cx="751840" cy="365760"/>
+            </a:xfrm>
+            <a:prstGeom prst="rect">
+              <a:avLst/>
+            </a:prstGeom>
+            <a:solidFill>
+              <a:schemeClr val="bg1">
+                <a:lumMod val="75000"/>
+              </a:schemeClr>
+            </a:solidFill>
+            <a:ln w="12700">
+              <a:solidFill>
+                <a:schemeClr val="tx1"/>
+              </a:solidFill>
+            </a:ln>
+          </p:spPr>
+          <p:style>
+            <a:lnRef idx="2">
+              <a:schemeClr val="accent1">
+                <a:shade val="50000"/>
+              </a:schemeClr>
+            </a:lnRef>
+            <a:fillRef idx="1">
+              <a:schemeClr val="accent1"/>
+            </a:fillRef>
+            <a:effectRef idx="0">
+              <a:schemeClr val="accent1"/>
+            </a:effectRef>
+            <a:fontRef idx="minor">
+              <a:schemeClr val="lt1"/>
+            </a:fontRef>
+          </p:style>
+          <p:txBody>
+            <a:bodyPr rtlCol="0" anchor="ctr"/>
+            <a:lstStyle/>
+            <a:p>
+              <a:pPr algn="ctr"/>
+              <a:r>
+                <a:rPr lang="pt-BR" sz="2000" dirty="0">
+                  <a:effectLst>
+                    <a:outerShdw blurRad="38100" dist="38100" dir="2700000" algn="tl">
+                      <a:srgbClr val="000000">
+                        <a:alpha val="43137"/>
+                      </a:srgbClr>
+                    </a:outerShdw>
+                  </a:effectLst>
+                  <a:latin typeface="Times New Roman" panose="02020603050405020304" pitchFamily="18" charset="0"/>
+                  <a:cs typeface="Times New Roman" panose="02020603050405020304" pitchFamily="18" charset="0"/>
+                </a:rPr>
+                <a:t>Q1</a:t>
+              </a:r>
+            </a:p>
+          </p:txBody>
+        </p:sp>
+        <p:sp>
+          <p:nvSpPr>
+            <p:cNvPr id="32" name="Retângulo 18">
+              <a:extLst>
+                <a:ext uri="{FF2B5EF4-FFF2-40B4-BE49-F238E27FC236}">
+                  <a16:creationId xmlns:a16="http://schemas.microsoft.com/office/drawing/2014/main" id="{107F6A64-C043-7451-F7AA-CA3292E74D1D}"/>
+                </a:ext>
+              </a:extLst>
+            </p:cNvPr>
+            <p:cNvSpPr/>
+            <p:nvPr/>
+          </p:nvSpPr>
+          <p:spPr>
+            <a:xfrm>
+              <a:off x="6065806" y="2217708"/>
+              <a:ext cx="751840" cy="365760"/>
+            </a:xfrm>
+            <a:prstGeom prst="rect">
+              <a:avLst/>
+            </a:prstGeom>
+            <a:solidFill>
+              <a:schemeClr val="bg1">
+                <a:lumMod val="75000"/>
+              </a:schemeClr>
+            </a:solidFill>
+            <a:ln w="12700">
+              <a:solidFill>
+                <a:schemeClr val="tx1"/>
+              </a:solidFill>
+            </a:ln>
+          </p:spPr>
+          <p:style>
+            <a:lnRef idx="2">
+              <a:schemeClr val="accent1">
+                <a:shade val="50000"/>
+              </a:schemeClr>
+            </a:lnRef>
+            <a:fillRef idx="1">
+              <a:schemeClr val="accent1"/>
+            </a:fillRef>
+            <a:effectRef idx="0">
+              <a:schemeClr val="accent1"/>
+            </a:effectRef>
+            <a:fontRef idx="minor">
+              <a:schemeClr val="lt1"/>
+            </a:fontRef>
+          </p:style>
+          <p:txBody>
+            <a:bodyPr rtlCol="0" anchor="ctr"/>
+            <a:lstStyle/>
+            <a:p>
+              <a:pPr algn="ctr"/>
+              <a:r>
+                <a:rPr lang="pt-BR" sz="2000" dirty="0">
+                  <a:effectLst>
+                    <a:outerShdw blurRad="38100" dist="38100" dir="2700000" algn="tl">
+                      <a:srgbClr val="000000">
+                        <a:alpha val="43137"/>
+                      </a:srgbClr>
+                    </a:outerShdw>
+                  </a:effectLst>
+                  <a:latin typeface="Times New Roman" panose="02020603050405020304" pitchFamily="18" charset="0"/>
+                  <a:cs typeface="Times New Roman" panose="02020603050405020304" pitchFamily="18" charset="0"/>
+                </a:rPr>
+                <a:t>Q2</a:t>
+              </a:r>
+            </a:p>
+          </p:txBody>
+        </p:sp>
+        <p:sp>
+          <p:nvSpPr>
+            <p:cNvPr id="33" name="Retângulo 19">
+              <a:extLst>
+                <a:ext uri="{FF2B5EF4-FFF2-40B4-BE49-F238E27FC236}">
+                  <a16:creationId xmlns:a16="http://schemas.microsoft.com/office/drawing/2014/main" id="{FFB554A8-7AA8-34C6-7BFD-CD4FAACA6928}"/>
+                </a:ext>
+              </a:extLst>
+            </p:cNvPr>
+            <p:cNvSpPr/>
+            <p:nvPr/>
+          </p:nvSpPr>
+          <p:spPr>
+            <a:xfrm>
+              <a:off x="7569486" y="2217708"/>
+              <a:ext cx="751840" cy="365760"/>
+            </a:xfrm>
+            <a:prstGeom prst="rect">
+              <a:avLst/>
+            </a:prstGeom>
+            <a:solidFill>
+              <a:schemeClr val="bg1">
+                <a:lumMod val="75000"/>
+              </a:schemeClr>
+            </a:solidFill>
+            <a:ln w="12700">
+              <a:solidFill>
+                <a:schemeClr val="tx1"/>
+              </a:solidFill>
+            </a:ln>
+          </p:spPr>
+          <p:style>
+            <a:lnRef idx="2">
+              <a:schemeClr val="accent1">
+                <a:shade val="50000"/>
+              </a:schemeClr>
+            </a:lnRef>
+            <a:fillRef idx="1">
+              <a:schemeClr val="accent1"/>
+            </a:fillRef>
+            <a:effectRef idx="0">
+              <a:schemeClr val="accent1"/>
+            </a:effectRef>
+            <a:fontRef idx="minor">
+              <a:schemeClr val="lt1"/>
+            </a:fontRef>
+          </p:style>
+          <p:txBody>
+            <a:bodyPr rtlCol="0" anchor="ctr"/>
+            <a:lstStyle/>
+            <a:p>
+              <a:pPr algn="ctr"/>
+              <a:r>
+                <a:rPr lang="pt-BR" sz="2000" dirty="0">
+                  <a:effectLst>
+                    <a:outerShdw blurRad="38100" dist="38100" dir="2700000" algn="tl">
+                      <a:srgbClr val="000000">
+                        <a:alpha val="43137"/>
+                      </a:srgbClr>
+                    </a:outerShdw>
+                  </a:effectLst>
+                  <a:latin typeface="Times New Roman" panose="02020603050405020304" pitchFamily="18" charset="0"/>
+                  <a:cs typeface="Times New Roman" panose="02020603050405020304" pitchFamily="18" charset="0"/>
+                </a:rPr>
+                <a:t>O2</a:t>
+              </a:r>
+            </a:p>
+          </p:txBody>
+        </p:sp>
+        <p:sp>
+          <p:nvSpPr>
+            <p:cNvPr id="34" name="Retângulo 20">
+              <a:extLst>
+                <a:ext uri="{FF2B5EF4-FFF2-40B4-BE49-F238E27FC236}">
+                  <a16:creationId xmlns:a16="http://schemas.microsoft.com/office/drawing/2014/main" id="{CA3A0554-C0A7-A1EF-D362-564CB227BCA0}"/>
+                </a:ext>
+              </a:extLst>
+            </p:cNvPr>
+            <p:cNvSpPr/>
+            <p:nvPr/>
+          </p:nvSpPr>
+          <p:spPr>
+            <a:xfrm>
+              <a:off x="6817646" y="2217708"/>
+              <a:ext cx="751840" cy="365760"/>
+            </a:xfrm>
+            <a:prstGeom prst="rect">
+              <a:avLst/>
+            </a:prstGeom>
+            <a:solidFill>
+              <a:schemeClr val="bg1">
+                <a:lumMod val="75000"/>
+              </a:schemeClr>
+            </a:solidFill>
+            <a:ln w="12700">
+              <a:solidFill>
+                <a:schemeClr val="tx1"/>
+              </a:solidFill>
+            </a:ln>
+          </p:spPr>
+          <p:style>
+            <a:lnRef idx="2">
+              <a:schemeClr val="accent1">
+                <a:shade val="50000"/>
+              </a:schemeClr>
+            </a:lnRef>
+            <a:fillRef idx="1">
+              <a:schemeClr val="accent1"/>
+            </a:fillRef>
+            <a:effectRef idx="0">
+              <a:schemeClr val="accent1"/>
+            </a:effectRef>
+            <a:fontRef idx="minor">
+              <a:schemeClr val="lt1"/>
+            </a:fontRef>
+          </p:style>
+          <p:txBody>
+            <a:bodyPr rtlCol="0" anchor="ctr"/>
+            <a:lstStyle/>
+            <a:p>
+              <a:pPr algn="ctr"/>
+              <a:r>
+                <a:rPr lang="pt-BR" sz="2000" dirty="0">
+                  <a:effectLst>
+                    <a:outerShdw blurRad="38100" dist="38100" dir="2700000" algn="tl">
+                      <a:srgbClr val="000000">
+                        <a:alpha val="43137"/>
+                      </a:srgbClr>
+                    </a:outerShdw>
+                  </a:effectLst>
+                  <a:latin typeface="Times New Roman" panose="02020603050405020304" pitchFamily="18" charset="0"/>
+                  <a:cs typeface="Times New Roman" panose="02020603050405020304" pitchFamily="18" charset="0"/>
+                </a:rPr>
+                <a:t>O1</a:t>
+              </a:r>
+            </a:p>
+          </p:txBody>
+        </p:sp>
+        <p:sp>
+          <p:nvSpPr>
+            <p:cNvPr id="35" name="Retângulo 21">
+              <a:extLst>
+                <a:ext uri="{FF2B5EF4-FFF2-40B4-BE49-F238E27FC236}">
+                  <a16:creationId xmlns:a16="http://schemas.microsoft.com/office/drawing/2014/main" id="{8F779520-E109-6CA4-72C2-9252B3F4BF9F}"/>
+                </a:ext>
+              </a:extLst>
+            </p:cNvPr>
+            <p:cNvSpPr/>
+            <p:nvPr/>
+          </p:nvSpPr>
+          <p:spPr>
+            <a:xfrm>
+              <a:off x="3968964" y="2217708"/>
+              <a:ext cx="751840" cy="365760"/>
+            </a:xfrm>
+            <a:prstGeom prst="rect">
+              <a:avLst/>
+            </a:prstGeom>
+            <a:solidFill>
+              <a:schemeClr val="bg1">
+                <a:lumMod val="75000"/>
+              </a:schemeClr>
+            </a:solidFill>
+            <a:ln w="12700">
+              <a:solidFill>
+                <a:schemeClr val="tx1"/>
+              </a:solidFill>
+            </a:ln>
+          </p:spPr>
+          <p:style>
+            <a:lnRef idx="2">
+              <a:schemeClr val="accent1">
+                <a:shade val="50000"/>
+              </a:schemeClr>
+            </a:lnRef>
+            <a:fillRef idx="1">
+              <a:schemeClr val="accent1"/>
+            </a:fillRef>
+            <a:effectRef idx="0">
+              <a:schemeClr val="accent1"/>
+            </a:effectRef>
+            <a:fontRef idx="minor">
+              <a:schemeClr val="lt1"/>
+            </a:fontRef>
+          </p:style>
+          <p:txBody>
+            <a:bodyPr rtlCol="0" anchor="ctr"/>
+            <a:lstStyle/>
+            <a:p>
+              <a:pPr algn="ctr"/>
+              <a:r>
+                <a:rPr lang="pt-BR" sz="2000" dirty="0">
+                  <a:effectLst>
+                    <a:outerShdw blurRad="38100" dist="38100" dir="2700000" algn="tl">
+                      <a:srgbClr val="000000">
+                        <a:alpha val="43137"/>
+                      </a:srgbClr>
+                    </a:outerShdw>
+                  </a:effectLst>
+                  <a:latin typeface="Times New Roman" panose="02020603050405020304" pitchFamily="18" charset="0"/>
+                  <a:cs typeface="Times New Roman" panose="02020603050405020304" pitchFamily="18" charset="0"/>
+                </a:rPr>
+                <a:t>SA</a:t>
+              </a:r>
+            </a:p>
+          </p:txBody>
+        </p:sp>
+        <p:sp>
+          <p:nvSpPr>
+            <p:cNvPr id="36" name="Retângulo 17">
+              <a:extLst>
+                <a:ext uri="{FF2B5EF4-FFF2-40B4-BE49-F238E27FC236}">
+                  <a16:creationId xmlns:a16="http://schemas.microsoft.com/office/drawing/2014/main" id="{4C463EAC-EC8C-20B6-D9BB-3BC7E9BF1975}"/>
+                </a:ext>
+              </a:extLst>
+            </p:cNvPr>
+            <p:cNvSpPr/>
+            <p:nvPr/>
+          </p:nvSpPr>
+          <p:spPr>
+            <a:xfrm>
+              <a:off x="4720804" y="2880360"/>
+              <a:ext cx="751840" cy="365760"/>
+            </a:xfrm>
+            <a:prstGeom prst="rect">
+              <a:avLst/>
+            </a:prstGeom>
+            <a:solidFill>
+              <a:schemeClr val="bg1">
+                <a:lumMod val="75000"/>
+              </a:schemeClr>
+            </a:solidFill>
+            <a:ln w="12700">
+              <a:solidFill>
+                <a:schemeClr val="tx1"/>
+              </a:solidFill>
+            </a:ln>
+          </p:spPr>
+          <p:style>
+            <a:lnRef idx="2">
+              <a:schemeClr val="accent1">
+                <a:shade val="50000"/>
+              </a:schemeClr>
+            </a:lnRef>
+            <a:fillRef idx="1">
+              <a:schemeClr val="accent1"/>
+            </a:fillRef>
+            <a:effectRef idx="0">
+              <a:schemeClr val="accent1"/>
+            </a:effectRef>
+            <a:fontRef idx="minor">
+              <a:schemeClr val="lt1"/>
+            </a:fontRef>
+          </p:style>
+          <p:txBody>
+            <a:bodyPr rtlCol="0" anchor="ctr"/>
+            <a:lstStyle/>
+            <a:p>
+              <a:pPr algn="ctr"/>
+              <a:r>
+                <a:rPr lang="pt-BR" sz="2000" dirty="0">
+                  <a:effectLst>
+                    <a:outerShdw blurRad="38100" dist="38100" dir="2700000" algn="tl">
+                      <a:srgbClr val="000000">
+                        <a:alpha val="43137"/>
+                      </a:srgbClr>
+                    </a:outerShdw>
+                  </a:effectLst>
+                  <a:latin typeface="Times New Roman" panose="02020603050405020304" pitchFamily="18" charset="0"/>
+                  <a:cs typeface="Times New Roman" panose="02020603050405020304" pitchFamily="18" charset="0"/>
+                </a:rPr>
+                <a:t>Q1</a:t>
+              </a:r>
+            </a:p>
+          </p:txBody>
+        </p:sp>
+        <p:sp>
+          <p:nvSpPr>
+            <p:cNvPr id="37" name="Retângulo 18">
+              <a:extLst>
+                <a:ext uri="{FF2B5EF4-FFF2-40B4-BE49-F238E27FC236}">
+                  <a16:creationId xmlns:a16="http://schemas.microsoft.com/office/drawing/2014/main" id="{2C0015CC-FD22-17E5-5B76-034602D6FB81}"/>
+                </a:ext>
+              </a:extLst>
+            </p:cNvPr>
+            <p:cNvSpPr/>
+            <p:nvPr/>
+          </p:nvSpPr>
+          <p:spPr>
+            <a:xfrm>
+              <a:off x="5472644" y="2880360"/>
+              <a:ext cx="751840" cy="365760"/>
+            </a:xfrm>
+            <a:prstGeom prst="rect">
+              <a:avLst/>
+            </a:prstGeom>
+            <a:solidFill>
+              <a:schemeClr val="bg1">
+                <a:lumMod val="75000"/>
+              </a:schemeClr>
+            </a:solidFill>
+            <a:ln w="12700">
+              <a:solidFill>
+                <a:schemeClr val="tx1"/>
+              </a:solidFill>
+            </a:ln>
+          </p:spPr>
+          <p:style>
+            <a:lnRef idx="2">
+              <a:schemeClr val="accent1">
+                <a:shade val="50000"/>
+              </a:schemeClr>
+            </a:lnRef>
+            <a:fillRef idx="1">
+              <a:schemeClr val="accent1"/>
+            </a:fillRef>
+            <a:effectRef idx="0">
+              <a:schemeClr val="accent1"/>
+            </a:effectRef>
+            <a:fontRef idx="minor">
+              <a:schemeClr val="lt1"/>
+            </a:fontRef>
+          </p:style>
+          <p:txBody>
+            <a:bodyPr rtlCol="0" anchor="ctr"/>
+            <a:lstStyle/>
+            <a:p>
+              <a:pPr algn="ctr"/>
+              <a:r>
+                <a:rPr lang="pt-BR" sz="2000" dirty="0">
+                  <a:effectLst>
+                    <a:outerShdw blurRad="38100" dist="38100" dir="2700000" algn="tl">
+                      <a:srgbClr val="000000">
+                        <a:alpha val="43137"/>
+                      </a:srgbClr>
+                    </a:outerShdw>
+                  </a:effectLst>
+                  <a:latin typeface="Times New Roman" panose="02020603050405020304" pitchFamily="18" charset="0"/>
+                  <a:cs typeface="Times New Roman" panose="02020603050405020304" pitchFamily="18" charset="0"/>
+                </a:rPr>
+                <a:t>Q2</a:t>
+              </a:r>
+            </a:p>
+          </p:txBody>
+        </p:sp>
+        <p:sp>
+          <p:nvSpPr>
+            <p:cNvPr id="38" name="Retângulo 19">
+              <a:extLst>
+                <a:ext uri="{FF2B5EF4-FFF2-40B4-BE49-F238E27FC236}">
+                  <a16:creationId xmlns:a16="http://schemas.microsoft.com/office/drawing/2014/main" id="{7C2DCDC8-75D5-7B0E-D50B-0F2D3A81EC62}"/>
+                </a:ext>
+              </a:extLst>
+            </p:cNvPr>
+            <p:cNvSpPr/>
+            <p:nvPr/>
+          </p:nvSpPr>
+          <p:spPr>
+            <a:xfrm>
+              <a:off x="7569486" y="2880360"/>
+              <a:ext cx="751840" cy="365760"/>
+            </a:xfrm>
+            <a:prstGeom prst="rect">
+              <a:avLst/>
+            </a:prstGeom>
+            <a:solidFill>
+              <a:schemeClr val="bg1">
+                <a:lumMod val="75000"/>
+              </a:schemeClr>
+            </a:solidFill>
+            <a:ln w="12700">
+              <a:solidFill>
+                <a:schemeClr val="tx1"/>
+              </a:solidFill>
+            </a:ln>
+          </p:spPr>
+          <p:style>
+            <a:lnRef idx="2">
+              <a:schemeClr val="accent1">
+                <a:shade val="50000"/>
+              </a:schemeClr>
+            </a:lnRef>
+            <a:fillRef idx="1">
+              <a:schemeClr val="accent1"/>
+            </a:fillRef>
+            <a:effectRef idx="0">
+              <a:schemeClr val="accent1"/>
+            </a:effectRef>
+            <a:fontRef idx="minor">
+              <a:schemeClr val="lt1"/>
+            </a:fontRef>
+          </p:style>
+          <p:txBody>
+            <a:bodyPr rtlCol="0" anchor="ctr"/>
+            <a:lstStyle/>
+            <a:p>
+              <a:pPr algn="ctr"/>
+              <a:r>
+                <a:rPr lang="pt-BR" sz="2000" dirty="0">
+                  <a:effectLst>
+                    <a:outerShdw blurRad="38100" dist="38100" dir="2700000" algn="tl">
+                      <a:srgbClr val="000000">
+                        <a:alpha val="43137"/>
+                      </a:srgbClr>
+                    </a:outerShdw>
+                  </a:effectLst>
+                  <a:latin typeface="Times New Roman" panose="02020603050405020304" pitchFamily="18" charset="0"/>
+                  <a:cs typeface="Times New Roman" panose="02020603050405020304" pitchFamily="18" charset="0"/>
+                </a:rPr>
+                <a:t>O2</a:t>
+              </a:r>
+            </a:p>
+          </p:txBody>
+        </p:sp>
+        <p:sp>
+          <p:nvSpPr>
+            <p:cNvPr id="39" name="Retângulo 20">
+              <a:extLst>
+                <a:ext uri="{FF2B5EF4-FFF2-40B4-BE49-F238E27FC236}">
+                  <a16:creationId xmlns:a16="http://schemas.microsoft.com/office/drawing/2014/main" id="{2D4180B6-6BA3-60BD-A8B4-EDF78D56341C}"/>
+                </a:ext>
+              </a:extLst>
+            </p:cNvPr>
+            <p:cNvSpPr/>
+            <p:nvPr/>
+          </p:nvSpPr>
+          <p:spPr>
+            <a:xfrm>
+              <a:off x="6817646" y="2880360"/>
+              <a:ext cx="751840" cy="365760"/>
+            </a:xfrm>
+            <a:prstGeom prst="rect">
+              <a:avLst/>
+            </a:prstGeom>
+            <a:solidFill>
+              <a:schemeClr val="bg1">
+                <a:lumMod val="75000"/>
+              </a:schemeClr>
+            </a:solidFill>
+            <a:ln w="12700">
+              <a:solidFill>
+                <a:schemeClr val="tx1"/>
+              </a:solidFill>
+            </a:ln>
+          </p:spPr>
+          <p:style>
+            <a:lnRef idx="2">
+              <a:schemeClr val="accent1">
+                <a:shade val="50000"/>
+              </a:schemeClr>
+            </a:lnRef>
+            <a:fillRef idx="1">
+              <a:schemeClr val="accent1"/>
+            </a:fillRef>
+            <a:effectRef idx="0">
+              <a:schemeClr val="accent1"/>
+            </a:effectRef>
+            <a:fontRef idx="minor">
+              <a:schemeClr val="lt1"/>
+            </a:fontRef>
+          </p:style>
+          <p:txBody>
+            <a:bodyPr rtlCol="0" anchor="ctr"/>
+            <a:lstStyle/>
+            <a:p>
+              <a:pPr algn="ctr"/>
+              <a:r>
+                <a:rPr lang="pt-BR" sz="2000" dirty="0">
+                  <a:effectLst>
+                    <a:outerShdw blurRad="38100" dist="38100" dir="2700000" algn="tl">
+                      <a:srgbClr val="000000">
+                        <a:alpha val="43137"/>
+                      </a:srgbClr>
+                    </a:outerShdw>
+                  </a:effectLst>
+                  <a:latin typeface="Times New Roman" panose="02020603050405020304" pitchFamily="18" charset="0"/>
+                  <a:cs typeface="Times New Roman" panose="02020603050405020304" pitchFamily="18" charset="0"/>
+                </a:rPr>
+                <a:t>O1</a:t>
+              </a:r>
+            </a:p>
+          </p:txBody>
+        </p:sp>
+        <p:sp>
+          <p:nvSpPr>
+            <p:cNvPr id="40" name="TextBox 39">
+              <a:extLst>
+                <a:ext uri="{FF2B5EF4-FFF2-40B4-BE49-F238E27FC236}">
+                  <a16:creationId xmlns:a16="http://schemas.microsoft.com/office/drawing/2014/main" id="{5525B214-5BD1-2E92-FC6A-F51F6BA74025}"/>
+                </a:ext>
+              </a:extLst>
+            </p:cNvPr>
+            <p:cNvSpPr txBox="1"/>
+            <p:nvPr/>
+          </p:nvSpPr>
+          <p:spPr>
+            <a:xfrm>
+              <a:off x="4775999" y="2217996"/>
+              <a:ext cx="479618" cy="369332"/>
+            </a:xfrm>
+            <a:prstGeom prst="rect">
+              <a:avLst/>
+            </a:prstGeom>
+            <a:noFill/>
+          </p:spPr>
+          <p:txBody>
+            <a:bodyPr wrap="none" rtlCol="0">
+              <a:spAutoFit/>
+            </a:bodyPr>
+            <a:lstStyle/>
+            <a:p>
+              <a:r>
+                <a:rPr lang="pt-BR" dirty="0">
+                  <a:effectLst>
+                    <a:outerShdw blurRad="38100" dist="38100" dir="2700000" algn="tl">
+                      <a:srgbClr val="000000">
+                        <a:alpha val="43137"/>
+                      </a:srgbClr>
+                    </a:outerShdw>
+                  </a:effectLst>
+                  <a:latin typeface="Times New Roman" panose="02020603050405020304" pitchFamily="18" charset="0"/>
+                  <a:cs typeface="Times New Roman" panose="02020603050405020304" pitchFamily="18" charset="0"/>
+                </a:rPr>
+                <a:t>VS</a:t>
+              </a:r>
+            </a:p>
+          </p:txBody>
+        </p:sp>
+        <p:sp>
+          <p:nvSpPr>
+            <p:cNvPr id="41" name="TextBox 40">
+              <a:extLst>
+                <a:ext uri="{FF2B5EF4-FFF2-40B4-BE49-F238E27FC236}">
+                  <a16:creationId xmlns:a16="http://schemas.microsoft.com/office/drawing/2014/main" id="{CB28BAD1-C589-8D7E-C71D-166B8F11E618}"/>
+                </a:ext>
+              </a:extLst>
+            </p:cNvPr>
+            <p:cNvSpPr txBox="1"/>
+            <p:nvPr/>
+          </p:nvSpPr>
+          <p:spPr>
+            <a:xfrm>
+              <a:off x="6281256" y="2876788"/>
+              <a:ext cx="479618" cy="369332"/>
+            </a:xfrm>
+            <a:prstGeom prst="rect">
+              <a:avLst/>
+            </a:prstGeom>
+            <a:noFill/>
+          </p:spPr>
+          <p:txBody>
+            <a:bodyPr wrap="none" rtlCol="0">
+              <a:spAutoFit/>
+            </a:bodyPr>
+            <a:lstStyle/>
+            <a:p>
+              <a:r>
+                <a:rPr lang="pt-BR" dirty="0">
+                  <a:effectLst>
+                    <a:outerShdw blurRad="38100" dist="38100" dir="2700000" algn="tl">
+                      <a:srgbClr val="000000">
+                        <a:alpha val="43137"/>
+                      </a:srgbClr>
+                    </a:outerShdw>
+                  </a:effectLst>
+                  <a:latin typeface="Times New Roman" panose="02020603050405020304" pitchFamily="18" charset="0"/>
+                  <a:cs typeface="Times New Roman" panose="02020603050405020304" pitchFamily="18" charset="0"/>
+                </a:rPr>
+                <a:t>VS</a:t>
+              </a:r>
+            </a:p>
+          </p:txBody>
+        </p:sp>
+        <p:sp>
+          <p:nvSpPr>
+            <p:cNvPr id="58" name="Retângulo 17">
+              <a:extLst>
+                <a:ext uri="{FF2B5EF4-FFF2-40B4-BE49-F238E27FC236}">
+                  <a16:creationId xmlns:a16="http://schemas.microsoft.com/office/drawing/2014/main" id="{FF84E644-A4F6-163A-B1EF-61D74951EF38}"/>
+                </a:ext>
+              </a:extLst>
+            </p:cNvPr>
+            <p:cNvSpPr/>
+            <p:nvPr/>
+          </p:nvSpPr>
+          <p:spPr>
+            <a:xfrm>
+              <a:off x="3968964" y="3494296"/>
+              <a:ext cx="751840" cy="365760"/>
+            </a:xfrm>
+            <a:prstGeom prst="rect">
+              <a:avLst/>
+            </a:prstGeom>
+            <a:solidFill>
+              <a:schemeClr val="bg1">
+                <a:lumMod val="75000"/>
+              </a:schemeClr>
+            </a:solidFill>
+            <a:ln w="12700">
+              <a:solidFill>
+                <a:schemeClr val="tx1"/>
+              </a:solidFill>
+            </a:ln>
+          </p:spPr>
+          <p:style>
+            <a:lnRef idx="2">
+              <a:schemeClr val="accent1">
+                <a:shade val="50000"/>
+              </a:schemeClr>
+            </a:lnRef>
+            <a:fillRef idx="1">
+              <a:schemeClr val="accent1"/>
+            </a:fillRef>
+            <a:effectRef idx="0">
+              <a:schemeClr val="accent1"/>
+            </a:effectRef>
+            <a:fontRef idx="minor">
+              <a:schemeClr val="lt1"/>
+            </a:fontRef>
+          </p:style>
+          <p:txBody>
+            <a:bodyPr rtlCol="0" anchor="ctr"/>
+            <a:lstStyle/>
+            <a:p>
+              <a:pPr algn="ctr"/>
+              <a:r>
+                <a:rPr lang="pt-BR" sz="2000" dirty="0">
+                  <a:effectLst>
+                    <a:outerShdw blurRad="38100" dist="38100" dir="2700000" algn="tl">
+                      <a:srgbClr val="000000">
+                        <a:alpha val="43137"/>
+                      </a:srgbClr>
+                    </a:outerShdw>
+                  </a:effectLst>
+                  <a:latin typeface="Times New Roman" panose="02020603050405020304" pitchFamily="18" charset="0"/>
+                  <a:cs typeface="Times New Roman" panose="02020603050405020304" pitchFamily="18" charset="0"/>
+                </a:rPr>
+                <a:t>Q1</a:t>
+              </a:r>
+            </a:p>
+          </p:txBody>
+        </p:sp>
+        <p:sp>
+          <p:nvSpPr>
+            <p:cNvPr id="59" name="Retângulo 18">
+              <a:extLst>
+                <a:ext uri="{FF2B5EF4-FFF2-40B4-BE49-F238E27FC236}">
+                  <a16:creationId xmlns:a16="http://schemas.microsoft.com/office/drawing/2014/main" id="{8C0C7422-9A20-4370-AF3E-5A42388937C2}"/>
+                </a:ext>
+              </a:extLst>
+            </p:cNvPr>
+            <p:cNvSpPr/>
+            <p:nvPr/>
+          </p:nvSpPr>
+          <p:spPr>
+            <a:xfrm>
+              <a:off x="5118498" y="3497868"/>
+              <a:ext cx="751840" cy="365760"/>
+            </a:xfrm>
+            <a:prstGeom prst="rect">
+              <a:avLst/>
+            </a:prstGeom>
+            <a:solidFill>
+              <a:schemeClr val="bg1">
+                <a:lumMod val="75000"/>
+              </a:schemeClr>
+            </a:solidFill>
+            <a:ln w="12700">
+              <a:solidFill>
+                <a:schemeClr val="tx1"/>
+              </a:solidFill>
+            </a:ln>
+          </p:spPr>
+          <p:style>
+            <a:lnRef idx="2">
+              <a:schemeClr val="accent1">
+                <a:shade val="50000"/>
+              </a:schemeClr>
+            </a:lnRef>
+            <a:fillRef idx="1">
+              <a:schemeClr val="accent1"/>
+            </a:fillRef>
+            <a:effectRef idx="0">
+              <a:schemeClr val="accent1"/>
+            </a:effectRef>
+            <a:fontRef idx="minor">
+              <a:schemeClr val="lt1"/>
+            </a:fontRef>
+          </p:style>
+          <p:txBody>
+            <a:bodyPr rtlCol="0" anchor="ctr"/>
+            <a:lstStyle/>
+            <a:p>
+              <a:pPr algn="ctr"/>
+              <a:r>
+                <a:rPr lang="pt-BR" sz="2000" dirty="0">
+                  <a:effectLst>
+                    <a:outerShdw blurRad="38100" dist="38100" dir="2700000" algn="tl">
+                      <a:srgbClr val="000000">
+                        <a:alpha val="43137"/>
+                      </a:srgbClr>
+                    </a:outerShdw>
+                  </a:effectLst>
+                  <a:latin typeface="Times New Roman" panose="02020603050405020304" pitchFamily="18" charset="0"/>
+                  <a:cs typeface="Times New Roman" panose="02020603050405020304" pitchFamily="18" charset="0"/>
+                </a:rPr>
+                <a:t>Q2</a:t>
+              </a:r>
+            </a:p>
+          </p:txBody>
+        </p:sp>
+        <p:sp>
+          <p:nvSpPr>
+            <p:cNvPr id="60" name="Retângulo 19">
+              <a:extLst>
+                <a:ext uri="{FF2B5EF4-FFF2-40B4-BE49-F238E27FC236}">
+                  <a16:creationId xmlns:a16="http://schemas.microsoft.com/office/drawing/2014/main" id="{50B28825-9261-A506-3D91-16625B4AF679}"/>
+                </a:ext>
+              </a:extLst>
+            </p:cNvPr>
+            <p:cNvSpPr/>
+            <p:nvPr/>
+          </p:nvSpPr>
+          <p:spPr>
+            <a:xfrm>
+              <a:off x="7548110" y="3497868"/>
+              <a:ext cx="751840" cy="365760"/>
+            </a:xfrm>
+            <a:prstGeom prst="rect">
+              <a:avLst/>
+            </a:prstGeom>
+            <a:solidFill>
+              <a:schemeClr val="bg1">
+                <a:lumMod val="75000"/>
+              </a:schemeClr>
+            </a:solidFill>
+            <a:ln w="12700">
+              <a:solidFill>
+                <a:schemeClr val="tx1"/>
+              </a:solidFill>
+            </a:ln>
+          </p:spPr>
+          <p:style>
+            <a:lnRef idx="2">
+              <a:schemeClr val="accent1">
+                <a:shade val="50000"/>
+              </a:schemeClr>
+            </a:lnRef>
+            <a:fillRef idx="1">
+              <a:schemeClr val="accent1"/>
+            </a:fillRef>
+            <a:effectRef idx="0">
+              <a:schemeClr val="accent1"/>
+            </a:effectRef>
+            <a:fontRef idx="minor">
+              <a:schemeClr val="lt1"/>
+            </a:fontRef>
+          </p:style>
+          <p:txBody>
+            <a:bodyPr rtlCol="0" anchor="ctr"/>
+            <a:lstStyle/>
+            <a:p>
+              <a:pPr algn="ctr"/>
+              <a:r>
+                <a:rPr lang="pt-BR" sz="2000" dirty="0">
+                  <a:effectLst>
+                    <a:outerShdw blurRad="38100" dist="38100" dir="2700000" algn="tl">
+                      <a:srgbClr val="000000">
+                        <a:alpha val="43137"/>
+                      </a:srgbClr>
+                    </a:outerShdw>
+                  </a:effectLst>
+                  <a:latin typeface="Times New Roman" panose="02020603050405020304" pitchFamily="18" charset="0"/>
+                  <a:cs typeface="Times New Roman" panose="02020603050405020304" pitchFamily="18" charset="0"/>
+                </a:rPr>
+                <a:t>O2</a:t>
+              </a:r>
+            </a:p>
+          </p:txBody>
+        </p:sp>
+        <p:sp>
+          <p:nvSpPr>
+            <p:cNvPr id="61" name="Retângulo 20">
+              <a:extLst>
+                <a:ext uri="{FF2B5EF4-FFF2-40B4-BE49-F238E27FC236}">
+                  <a16:creationId xmlns:a16="http://schemas.microsoft.com/office/drawing/2014/main" id="{7062E7F7-27A8-02BD-C553-7497E34B5805}"/>
+                </a:ext>
+              </a:extLst>
+            </p:cNvPr>
+            <p:cNvSpPr/>
+            <p:nvPr/>
+          </p:nvSpPr>
+          <p:spPr>
+            <a:xfrm>
+              <a:off x="6333304" y="3490724"/>
+              <a:ext cx="751840" cy="365760"/>
+            </a:xfrm>
+            <a:prstGeom prst="rect">
+              <a:avLst/>
+            </a:prstGeom>
+            <a:solidFill>
+              <a:schemeClr val="bg1">
+                <a:lumMod val="75000"/>
+              </a:schemeClr>
+            </a:solidFill>
+            <a:ln w="12700">
+              <a:solidFill>
+                <a:schemeClr val="tx1"/>
+              </a:solidFill>
+            </a:ln>
+          </p:spPr>
+          <p:style>
+            <a:lnRef idx="2">
+              <a:schemeClr val="accent1">
+                <a:shade val="50000"/>
+              </a:schemeClr>
+            </a:lnRef>
+            <a:fillRef idx="1">
+              <a:schemeClr val="accent1"/>
+            </a:fillRef>
+            <a:effectRef idx="0">
+              <a:schemeClr val="accent1"/>
+            </a:effectRef>
+            <a:fontRef idx="minor">
+              <a:schemeClr val="lt1"/>
+            </a:fontRef>
+          </p:style>
+          <p:txBody>
+            <a:bodyPr rtlCol="0" anchor="ctr"/>
+            <a:lstStyle/>
+            <a:p>
+              <a:pPr algn="ctr"/>
+              <a:r>
+                <a:rPr lang="pt-BR" sz="2000" dirty="0">
+                  <a:effectLst>
+                    <a:outerShdw blurRad="38100" dist="38100" dir="2700000" algn="tl">
+                      <a:srgbClr val="000000">
+                        <a:alpha val="43137"/>
+                      </a:srgbClr>
+                    </a:outerShdw>
+                  </a:effectLst>
+                  <a:latin typeface="Times New Roman" panose="02020603050405020304" pitchFamily="18" charset="0"/>
+                  <a:cs typeface="Times New Roman" panose="02020603050405020304" pitchFamily="18" charset="0"/>
+                </a:rPr>
+                <a:t>O1</a:t>
+              </a:r>
+            </a:p>
+          </p:txBody>
+        </p:sp>
+        <p:sp>
+          <p:nvSpPr>
+            <p:cNvPr id="62" name="TextBox 61">
+              <a:extLst>
+                <a:ext uri="{FF2B5EF4-FFF2-40B4-BE49-F238E27FC236}">
+                  <a16:creationId xmlns:a16="http://schemas.microsoft.com/office/drawing/2014/main" id="{FDEF9622-694D-CA8B-4D03-5DB193F96793}"/>
+                </a:ext>
+              </a:extLst>
+            </p:cNvPr>
+            <p:cNvSpPr txBox="1"/>
+            <p:nvPr/>
+          </p:nvSpPr>
+          <p:spPr>
+            <a:xfrm>
+              <a:off x="4679842" y="3487152"/>
+              <a:ext cx="479618" cy="369332"/>
+            </a:xfrm>
+            <a:prstGeom prst="rect">
+              <a:avLst/>
+            </a:prstGeom>
+            <a:noFill/>
+          </p:spPr>
+          <p:txBody>
+            <a:bodyPr wrap="none" rtlCol="0">
+              <a:spAutoFit/>
+            </a:bodyPr>
+            <a:lstStyle/>
+            <a:p>
+              <a:r>
+                <a:rPr lang="pt-BR" dirty="0">
+                  <a:effectLst>
+                    <a:outerShdw blurRad="38100" dist="38100" dir="2700000" algn="tl">
+                      <a:srgbClr val="000000">
+                        <a:alpha val="43137"/>
+                      </a:srgbClr>
+                    </a:outerShdw>
+                  </a:effectLst>
+                  <a:latin typeface="Times New Roman" panose="02020603050405020304" pitchFamily="18" charset="0"/>
+                  <a:cs typeface="Times New Roman" panose="02020603050405020304" pitchFamily="18" charset="0"/>
+                </a:rPr>
+                <a:t>VS</a:t>
+              </a:r>
+            </a:p>
+          </p:txBody>
+        </p:sp>
+        <p:sp>
+          <p:nvSpPr>
+            <p:cNvPr id="63" name="TextBox 62">
+              <a:extLst>
+                <a:ext uri="{FF2B5EF4-FFF2-40B4-BE49-F238E27FC236}">
+                  <a16:creationId xmlns:a16="http://schemas.microsoft.com/office/drawing/2014/main" id="{8C46B17E-6B8F-52F6-D073-ED5682A1B852}"/>
+                </a:ext>
+              </a:extLst>
+            </p:cNvPr>
+            <p:cNvSpPr txBox="1"/>
+            <p:nvPr/>
+          </p:nvSpPr>
+          <p:spPr>
+            <a:xfrm>
+              <a:off x="7068492" y="3487152"/>
+              <a:ext cx="479618" cy="369332"/>
+            </a:xfrm>
+            <a:prstGeom prst="rect">
+              <a:avLst/>
+            </a:prstGeom>
+            <a:noFill/>
+          </p:spPr>
+          <p:txBody>
+            <a:bodyPr wrap="none" rtlCol="0">
+              <a:spAutoFit/>
+            </a:bodyPr>
+            <a:lstStyle/>
+            <a:p>
+              <a:r>
+                <a:rPr lang="pt-BR" dirty="0">
+                  <a:effectLst>
+                    <a:outerShdw blurRad="38100" dist="38100" dir="2700000" algn="tl">
+                      <a:srgbClr val="000000">
+                        <a:alpha val="43137"/>
+                      </a:srgbClr>
+                    </a:outerShdw>
+                  </a:effectLst>
+                  <a:latin typeface="Times New Roman" panose="02020603050405020304" pitchFamily="18" charset="0"/>
+                  <a:cs typeface="Times New Roman" panose="02020603050405020304" pitchFamily="18" charset="0"/>
+                </a:rPr>
+                <a:t>VS</a:t>
+              </a:r>
+            </a:p>
+          </p:txBody>
+        </p:sp>
+        <p:sp>
+          <p:nvSpPr>
+            <p:cNvPr id="64" name="Retângulo 9">
+              <a:extLst>
+                <a:ext uri="{FF2B5EF4-FFF2-40B4-BE49-F238E27FC236}">
+                  <a16:creationId xmlns:a16="http://schemas.microsoft.com/office/drawing/2014/main" id="{50EC78E7-6237-5366-4F6C-C87D4935B2CF}"/>
+                </a:ext>
+              </a:extLst>
+            </p:cNvPr>
+            <p:cNvSpPr/>
+            <p:nvPr/>
+          </p:nvSpPr>
+          <p:spPr>
+            <a:xfrm>
+              <a:off x="3968964" y="1669068"/>
+              <a:ext cx="4352362" cy="365760"/>
+            </a:xfrm>
+            <a:prstGeom prst="rect">
+              <a:avLst/>
+            </a:prstGeom>
+            <a:solidFill>
+              <a:schemeClr val="accent2"/>
+            </a:solidFill>
+            <a:ln w="19050">
+              <a:solidFill>
+                <a:schemeClr val="tx1"/>
+              </a:solidFill>
+            </a:ln>
+          </p:spPr>
+          <p:style>
+            <a:lnRef idx="2">
+              <a:schemeClr val="accent1">
+                <a:shade val="50000"/>
+              </a:schemeClr>
+            </a:lnRef>
+            <a:fillRef idx="1">
+              <a:schemeClr val="accent1"/>
+            </a:fillRef>
+            <a:effectRef idx="0">
+              <a:schemeClr val="accent1"/>
+            </a:effectRef>
+            <a:fontRef idx="minor">
+              <a:schemeClr val="lt1"/>
+            </a:fontRef>
+          </p:style>
+          <p:txBody>
+            <a:bodyPr rtlCol="0" anchor="ctr"/>
+            <a:lstStyle/>
+            <a:p>
+              <a:pPr algn="ctr"/>
+              <a:r>
+                <a:rPr lang="pt-BR" sz="2400" dirty="0">
+                  <a:effectLst>
+                    <a:outerShdw blurRad="38100" dist="38100" dir="2700000" algn="tl">
+                      <a:srgbClr val="000000">
+                        <a:alpha val="43137"/>
+                      </a:srgbClr>
+                    </a:outerShdw>
+                  </a:effectLst>
+                  <a:latin typeface="Times New Roman" panose="02020603050405020304" pitchFamily="18" charset="0"/>
+                  <a:cs typeface="Times New Roman" panose="02020603050405020304" pitchFamily="18" charset="0"/>
+                </a:rPr>
+                <a:t>Contrastes ortogonais</a:t>
+              </a:r>
+            </a:p>
+          </p:txBody>
+        </p:sp>
+        <p:sp>
+          <p:nvSpPr>
+            <p:cNvPr id="66" name="Arrow: Right 65">
+              <a:extLst>
+                <a:ext uri="{FF2B5EF4-FFF2-40B4-BE49-F238E27FC236}">
+                  <a16:creationId xmlns:a16="http://schemas.microsoft.com/office/drawing/2014/main" id="{DE211848-56A5-1D40-782A-1721F1F130E3}"/>
+                </a:ext>
+              </a:extLst>
+            </p:cNvPr>
+            <p:cNvSpPr/>
+            <p:nvPr/>
+          </p:nvSpPr>
+          <p:spPr>
+            <a:xfrm>
+              <a:off x="3363467" y="2535962"/>
+              <a:ext cx="386893" cy="525492"/>
+            </a:xfrm>
+            <a:prstGeom prst="rightArrow">
+              <a:avLst/>
+            </a:prstGeom>
+            <a:ln w="19050">
+              <a:solidFill>
+                <a:schemeClr val="tx1"/>
+              </a:solidFill>
+            </a:ln>
+          </p:spPr>
+          <p:style>
+            <a:lnRef idx="2">
+              <a:schemeClr val="accent1">
+                <a:shade val="50000"/>
+              </a:schemeClr>
+            </a:lnRef>
+            <a:fillRef idx="1">
+              <a:schemeClr val="accent1"/>
+            </a:fillRef>
+            <a:effectRef idx="0">
+              <a:schemeClr val="accent1"/>
+            </a:effectRef>
+            <a:fontRef idx="minor">
+              <a:schemeClr val="lt1"/>
+            </a:fontRef>
+          </p:style>
+          <p:txBody>
+            <a:bodyPr rtlCol="0" anchor="ctr"/>
+            <a:lstStyle/>
+            <a:p>
+              <a:pPr algn="ctr"/>
+              <a:endParaRPr lang="pt-BR"/>
+            </a:p>
+          </p:txBody>
+        </p:sp>
       </p:grpSp>
     </p:spTree>
     <p:extLst>
@@ -3426,7 +7908,7 @@
 </p:sld>
 </file>
 
-<file path=ppt/slides/slide2.xml><?xml version="1.0" encoding="utf-8"?>
+<file path=ppt/slides/slide3.xml><?xml version="1.0" encoding="utf-8"?>
 <p:sld xmlns:a="http://schemas.openxmlformats.org/drawingml/2006/main" xmlns:r="http://schemas.openxmlformats.org/officeDocument/2006/relationships" xmlns:p="http://schemas.openxmlformats.org/presentationml/2006/main">
   <p:cSld>
     <p:spTree>
@@ -3644,36 +8126,6 @@
           </a:p>
         </p:txBody>
       </p:sp>
-      <p:pic>
-        <p:nvPicPr>
-          <p:cNvPr id="3" name="Picture 2">
-            <a:extLst>
-              <a:ext uri="{FF2B5EF4-FFF2-40B4-BE49-F238E27FC236}">
-                <a16:creationId xmlns:a16="http://schemas.microsoft.com/office/drawing/2014/main" id="{A4DE8A9E-CD1F-7E78-68C8-51653490FF27}"/>
-              </a:ext>
-            </a:extLst>
-          </p:cNvPr>
-          <p:cNvPicPr>
-            <a:picLocks noChangeAspect="1"/>
-          </p:cNvPicPr>
-          <p:nvPr/>
-        </p:nvPicPr>
-        <p:blipFill>
-          <a:blip r:embed="rId2"/>
-          <a:stretch>
-            <a:fillRect/>
-          </a:stretch>
-        </p:blipFill>
-        <p:spPr>
-          <a:xfrm>
-            <a:off x="4409052" y="2499359"/>
-            <a:ext cx="7782947" cy="4289013"/>
-          </a:xfrm>
-          <a:prstGeom prst="rect">
-            <a:avLst/>
-          </a:prstGeom>
-        </p:spPr>
-      </p:pic>
     </p:spTree>
     <p:extLst>
       <p:ext uri="{BB962C8B-B14F-4D97-AF65-F5344CB8AC3E}">
@@ -3687,7 +8139,7 @@
 </p:sld>
 </file>
 
-<file path=ppt/slides/slide3.xml><?xml version="1.0" encoding="utf-8"?>
+<file path=ppt/slides/slide4.xml><?xml version="1.0" encoding="utf-8"?>
 <p:sld xmlns:a="http://schemas.openxmlformats.org/drawingml/2006/main" xmlns:r="http://schemas.openxmlformats.org/officeDocument/2006/relationships" xmlns:p="http://schemas.openxmlformats.org/presentationml/2006/main">
   <p:cSld>
     <p:spTree>
@@ -4213,7 +8665,7 @@
 </p:sld>
 </file>
 
-<file path=ppt/slides/slide4.xml><?xml version="1.0" encoding="utf-8"?>
+<file path=ppt/slides/slide5.xml><?xml version="1.0" encoding="utf-8"?>
 <p:sld xmlns:a="http://schemas.openxmlformats.org/drawingml/2006/main" xmlns:r="http://schemas.openxmlformats.org/officeDocument/2006/relationships" xmlns:p="http://schemas.openxmlformats.org/presentationml/2006/main">
   <p:cSld>
     <p:spTree>
@@ -5790,7 +10242,7 @@
 </p:sld>
 </file>
 
-<file path=ppt/slides/slide5.xml><?xml version="1.0" encoding="utf-8"?>
+<file path=ppt/slides/slide6.xml><?xml version="1.0" encoding="utf-8"?>
 <p:sld xmlns:a="http://schemas.openxmlformats.org/drawingml/2006/main" xmlns:r="http://schemas.openxmlformats.org/officeDocument/2006/relationships" xmlns:p="http://schemas.openxmlformats.org/presentationml/2006/main">
   <p:cSld>
     <p:spTree>
@@ -6386,7 +10838,7 @@
 </p:sld>
 </file>
 
-<file path=ppt/slides/slide6.xml><?xml version="1.0" encoding="utf-8"?>
+<file path=ppt/slides/slide7.xml><?xml version="1.0" encoding="utf-8"?>
 <p:sld xmlns:a="http://schemas.openxmlformats.org/drawingml/2006/main" xmlns:r="http://schemas.openxmlformats.org/officeDocument/2006/relationships" xmlns:p="http://schemas.openxmlformats.org/presentationml/2006/main">
   <p:cSld>
     <p:spTree>
@@ -6842,7 +11294,7 @@
 </p:sld>
 </file>
 
-<file path=ppt/slides/slide7.xml><?xml version="1.0" encoding="utf-8"?>
+<file path=ppt/slides/slide8.xml><?xml version="1.0" encoding="utf-8"?>
 <p:sld xmlns:a="http://schemas.openxmlformats.org/drawingml/2006/main" xmlns:r="http://schemas.openxmlformats.org/officeDocument/2006/relationships" xmlns:p="http://schemas.openxmlformats.org/presentationml/2006/main">
   <p:cSld>
     <p:spTree>
@@ -7032,7 +11484,7 @@
 </p:sld>
 </file>
 
-<file path=ppt/slides/slide8.xml><?xml version="1.0" encoding="utf-8"?>
+<file path=ppt/slides/slide9.xml><?xml version="1.0" encoding="utf-8"?>
 <p:sld xmlns:a="http://schemas.openxmlformats.org/drawingml/2006/main" xmlns:r="http://schemas.openxmlformats.org/officeDocument/2006/relationships" xmlns:p="http://schemas.openxmlformats.org/presentationml/2006/main">
   <p:cSld>
     <p:spTree>
@@ -7082,296 +11534,6 @@
     <p:extLst>
       <p:ext uri="{BB962C8B-B14F-4D97-AF65-F5344CB8AC3E}">
         <p14:creationId xmlns:p14="http://schemas.microsoft.com/office/powerpoint/2010/main" val="43133824"/>
-      </p:ext>
-    </p:extLst>
-  </p:cSld>
-  <p:clrMapOvr>
-    <a:masterClrMapping/>
-  </p:clrMapOvr>
-</p:sld>
-</file>
-
-<file path=ppt/slides/slide9.xml><?xml version="1.0" encoding="utf-8"?>
-<p:sld xmlns:a="http://schemas.openxmlformats.org/drawingml/2006/main" xmlns:r="http://schemas.openxmlformats.org/officeDocument/2006/relationships" xmlns:p="http://schemas.openxmlformats.org/presentationml/2006/main">
-  <p:cSld>
-    <p:spTree>
-      <p:nvGrpSpPr>
-        <p:cNvPr id="1" name=""/>
-        <p:cNvGrpSpPr/>
-        <p:nvPr/>
-      </p:nvGrpSpPr>
-      <p:grpSpPr>
-        <a:xfrm>
-          <a:off x="0" y="0"/>
-          <a:ext cx="0" cy="0"/>
-          <a:chOff x="0" y="0"/>
-          <a:chExt cx="0" cy="0"/>
-        </a:xfrm>
-      </p:grpSpPr>
-      <p:grpSp>
-        <p:nvGrpSpPr>
-          <p:cNvPr id="29" name="Agrupar 28">
-            <a:extLst>
-              <a:ext uri="{FF2B5EF4-FFF2-40B4-BE49-F238E27FC236}">
-                <a16:creationId xmlns:a16="http://schemas.microsoft.com/office/drawing/2014/main" id="{E2F1CF96-F2F3-ADE7-B9DC-C06D8FB09C7A}"/>
-              </a:ext>
-            </a:extLst>
-          </p:cNvPr>
-          <p:cNvGrpSpPr/>
-          <p:nvPr/>
-        </p:nvGrpSpPr>
-        <p:grpSpPr>
-          <a:xfrm>
-            <a:off x="2251377" y="1078026"/>
-            <a:ext cx="7689246" cy="4701947"/>
-            <a:chOff x="2251377" y="1078026"/>
-            <a:chExt cx="7689246" cy="4701947"/>
-          </a:xfrm>
-        </p:grpSpPr>
-        <p:pic>
-          <p:nvPicPr>
-            <p:cNvPr id="5" name="Imagem 4">
-              <a:extLst>
-                <a:ext uri="{FF2B5EF4-FFF2-40B4-BE49-F238E27FC236}">
-                  <a16:creationId xmlns:a16="http://schemas.microsoft.com/office/drawing/2014/main" id="{78813F0F-B894-D064-4D8F-B1202BAC9762}"/>
-                </a:ext>
-              </a:extLst>
-            </p:cNvPr>
-            <p:cNvPicPr>
-              <a:picLocks noChangeAspect="1"/>
-            </p:cNvPicPr>
-            <p:nvPr/>
-          </p:nvPicPr>
-          <p:blipFill>
-            <a:blip r:embed="rId2"/>
-            <a:stretch>
-              <a:fillRect/>
-            </a:stretch>
-          </p:blipFill>
-          <p:spPr>
-            <a:xfrm>
-              <a:off x="2251377" y="1078026"/>
-              <a:ext cx="7689246" cy="4701947"/>
-            </a:xfrm>
-            <a:prstGeom prst="rect">
-              <a:avLst/>
-            </a:prstGeom>
-          </p:spPr>
-        </p:pic>
-        <p:sp>
-          <p:nvSpPr>
-            <p:cNvPr id="6" name="Retângulo 5">
-              <a:extLst>
-                <a:ext uri="{FF2B5EF4-FFF2-40B4-BE49-F238E27FC236}">
-                  <a16:creationId xmlns:a16="http://schemas.microsoft.com/office/drawing/2014/main" id="{A245BC69-ABCE-17D8-9415-8BD1F22D2FEF}"/>
-                </a:ext>
-              </a:extLst>
-            </p:cNvPr>
-            <p:cNvSpPr/>
-            <p:nvPr/>
-          </p:nvSpPr>
-          <p:spPr>
-            <a:xfrm>
-              <a:off x="3929560" y="4043680"/>
-              <a:ext cx="2288360" cy="693420"/>
-            </a:xfrm>
-            <a:prstGeom prst="rect">
-              <a:avLst/>
-            </a:prstGeom>
-            <a:solidFill>
-              <a:schemeClr val="accent2"/>
-            </a:solidFill>
-            <a:ln w="19050">
-              <a:solidFill>
-                <a:schemeClr val="tx1"/>
-              </a:solidFill>
-            </a:ln>
-          </p:spPr>
-          <p:style>
-            <a:lnRef idx="2">
-              <a:schemeClr val="accent1">
-                <a:shade val="50000"/>
-              </a:schemeClr>
-            </a:lnRef>
-            <a:fillRef idx="1">
-              <a:schemeClr val="accent1"/>
-            </a:fillRef>
-            <a:effectRef idx="0">
-              <a:schemeClr val="accent1"/>
-            </a:effectRef>
-            <a:fontRef idx="minor">
-              <a:schemeClr val="lt1"/>
-            </a:fontRef>
-          </p:style>
-          <p:txBody>
-            <a:bodyPr rtlCol="0" anchor="ctr"/>
-            <a:lstStyle/>
-            <a:p>
-              <a:pPr algn="ctr"/>
-              <a:r>
-                <a:rPr lang="pt-BR" sz="2000" dirty="0">
-                  <a:effectLst>
-                    <a:outerShdw blurRad="38100" dist="38100" dir="2700000" algn="tl">
-                      <a:srgbClr val="000000">
-                        <a:alpha val="43137"/>
-                      </a:srgbClr>
-                    </a:outerShdw>
-                  </a:effectLst>
-                  <a:latin typeface="Times New Roman" panose="02020603050405020304" pitchFamily="18" charset="0"/>
-                  <a:cs typeface="Times New Roman" panose="02020603050405020304" pitchFamily="18" charset="0"/>
-                </a:rPr>
-                <a:t>Possíveis outliers</a:t>
-              </a:r>
-              <a:endParaRPr lang="pt-BR" sz="2000" i="1" dirty="0">
-                <a:effectLst>
-                  <a:outerShdw blurRad="38100" dist="38100" dir="2700000" algn="tl">
-                    <a:srgbClr val="000000">
-                      <a:alpha val="43137"/>
-                    </a:srgbClr>
-                  </a:outerShdw>
-                </a:effectLst>
-                <a:latin typeface="Times New Roman" panose="02020603050405020304" pitchFamily="18" charset="0"/>
-                <a:cs typeface="Times New Roman" panose="02020603050405020304" pitchFamily="18" charset="0"/>
-              </a:endParaRPr>
-            </a:p>
-          </p:txBody>
-        </p:sp>
-        <p:cxnSp>
-          <p:nvCxnSpPr>
-            <p:cNvPr id="7" name="Conector: Angulado 6">
-              <a:extLst>
-                <a:ext uri="{FF2B5EF4-FFF2-40B4-BE49-F238E27FC236}">
-                  <a16:creationId xmlns:a16="http://schemas.microsoft.com/office/drawing/2014/main" id="{07597DD6-FC79-58AC-E5B1-8D5CE1816962}"/>
-                </a:ext>
-              </a:extLst>
-            </p:cNvPr>
-            <p:cNvCxnSpPr>
-              <a:cxnSpLocks/>
-              <a:stCxn id="6" idx="0"/>
-            </p:cNvCxnSpPr>
-            <p:nvPr/>
-          </p:nvCxnSpPr>
-          <p:spPr>
-            <a:xfrm rot="16200000" flipV="1">
-              <a:off x="3684950" y="2654890"/>
-              <a:ext cx="1981200" cy="796380"/>
-            </a:xfrm>
-            <a:prstGeom prst="bentConnector3">
-              <a:avLst>
-                <a:gd name="adj1" fmla="val 100256"/>
-              </a:avLst>
-            </a:prstGeom>
-            <a:ln>
-              <a:tailEnd type="triangle"/>
-            </a:ln>
-          </p:spPr>
-          <p:style>
-            <a:lnRef idx="3">
-              <a:schemeClr val="dk1"/>
-            </a:lnRef>
-            <a:fillRef idx="0">
-              <a:schemeClr val="dk1"/>
-            </a:fillRef>
-            <a:effectRef idx="2">
-              <a:schemeClr val="dk1"/>
-            </a:effectRef>
-            <a:fontRef idx="minor">
-              <a:schemeClr val="tx1"/>
-            </a:fontRef>
-          </p:style>
-        </p:cxnSp>
-        <p:cxnSp>
-          <p:nvCxnSpPr>
-            <p:cNvPr id="14" name="Conector: Angulado 13">
-              <a:extLst>
-                <a:ext uri="{FF2B5EF4-FFF2-40B4-BE49-F238E27FC236}">
-                  <a16:creationId xmlns:a16="http://schemas.microsoft.com/office/drawing/2014/main" id="{15F7A461-088C-7CA0-87EA-AA379E034BEC}"/>
-                </a:ext>
-              </a:extLst>
-            </p:cNvPr>
-            <p:cNvCxnSpPr>
-              <a:cxnSpLocks/>
-              <a:stCxn id="6" idx="3"/>
-            </p:cNvCxnSpPr>
-            <p:nvPr/>
-          </p:nvCxnSpPr>
-          <p:spPr>
-            <a:xfrm>
-              <a:off x="6217920" y="4390390"/>
-              <a:ext cx="741680" cy="130810"/>
-            </a:xfrm>
-            <a:prstGeom prst="bentConnector3">
-              <a:avLst>
-                <a:gd name="adj1" fmla="val 50000"/>
-              </a:avLst>
-            </a:prstGeom>
-            <a:ln>
-              <a:tailEnd type="triangle"/>
-            </a:ln>
-          </p:spPr>
-          <p:style>
-            <a:lnRef idx="3">
-              <a:schemeClr val="dk1"/>
-            </a:lnRef>
-            <a:fillRef idx="0">
-              <a:schemeClr val="dk1"/>
-            </a:fillRef>
-            <a:effectRef idx="2">
-              <a:schemeClr val="dk1"/>
-            </a:effectRef>
-            <a:fontRef idx="minor">
-              <a:schemeClr val="tx1"/>
-            </a:fontRef>
-          </p:style>
-        </p:cxnSp>
-        <p:cxnSp>
-          <p:nvCxnSpPr>
-            <p:cNvPr id="17" name="Conector: Angulado 16">
-              <a:extLst>
-                <a:ext uri="{FF2B5EF4-FFF2-40B4-BE49-F238E27FC236}">
-                  <a16:creationId xmlns:a16="http://schemas.microsoft.com/office/drawing/2014/main" id="{19863F8F-7236-F952-E1B1-DF5077D1D973}"/>
-                </a:ext>
-              </a:extLst>
-            </p:cNvPr>
-            <p:cNvCxnSpPr>
-              <a:cxnSpLocks/>
-            </p:cNvCxnSpPr>
-            <p:nvPr/>
-          </p:nvCxnSpPr>
-          <p:spPr>
-            <a:xfrm flipV="1">
-              <a:off x="6217920" y="4277360"/>
-              <a:ext cx="2235200" cy="113030"/>
-            </a:xfrm>
-            <a:prstGeom prst="bentConnector3">
-              <a:avLst>
-                <a:gd name="adj1" fmla="val 16637"/>
-              </a:avLst>
-            </a:prstGeom>
-            <a:ln>
-              <a:tailEnd type="triangle"/>
-            </a:ln>
-          </p:spPr>
-          <p:style>
-            <a:lnRef idx="3">
-              <a:schemeClr val="dk1"/>
-            </a:lnRef>
-            <a:fillRef idx="0">
-              <a:schemeClr val="dk1"/>
-            </a:fillRef>
-            <a:effectRef idx="2">
-              <a:schemeClr val="dk1"/>
-            </a:effectRef>
-            <a:fontRef idx="minor">
-              <a:schemeClr val="tx1"/>
-            </a:fontRef>
-          </p:style>
-        </p:cxnSp>
-      </p:grpSp>
-    </p:spTree>
-    <p:extLst>
-      <p:ext uri="{BB962C8B-B14F-4D97-AF65-F5344CB8AC3E}">
-        <p14:creationId xmlns:p14="http://schemas.microsoft.com/office/powerpoint/2010/main" val="4141320683"/>
       </p:ext>
     </p:extLst>
   </p:cSld>

--- a/Aulas/Aula 6 - Estatística experimental/images/a.pptx
+++ b/Aulas/Aula 6 - Estatística experimental/images/a.pptx
@@ -5,16 +5,18 @@
     <p:sldMasterId id="2147483648" r:id="rId1"/>
   </p:sldMasterIdLst>
   <p:sldIdLst>
-    <p:sldId id="266" r:id="rId2"/>
-    <p:sldId id="265" r:id="rId3"/>
-    <p:sldId id="264" r:id="rId4"/>
-    <p:sldId id="263" r:id="rId5"/>
-    <p:sldId id="257" r:id="rId6"/>
-    <p:sldId id="256" r:id="rId7"/>
-    <p:sldId id="261" r:id="rId8"/>
-    <p:sldId id="259" r:id="rId9"/>
-    <p:sldId id="260" r:id="rId10"/>
-    <p:sldId id="262" r:id="rId11"/>
+    <p:sldId id="268" r:id="rId2"/>
+    <p:sldId id="267" r:id="rId3"/>
+    <p:sldId id="266" r:id="rId4"/>
+    <p:sldId id="265" r:id="rId5"/>
+    <p:sldId id="264" r:id="rId6"/>
+    <p:sldId id="263" r:id="rId7"/>
+    <p:sldId id="257" r:id="rId8"/>
+    <p:sldId id="256" r:id="rId9"/>
+    <p:sldId id="261" r:id="rId10"/>
+    <p:sldId id="259" r:id="rId11"/>
+    <p:sldId id="260" r:id="rId12"/>
+    <p:sldId id="262" r:id="rId13"/>
   </p:sldIdLst>
   <p:sldSz cx="12192000" cy="6858000"/>
   <p:notesSz cx="6858000" cy="9144000"/>
@@ -268,7 +270,7 @@
           <a:p>
             <a:fld id="{B1EDF19B-4364-4E80-B7A8-AB23B8073FE1}" type="datetimeFigureOut">
               <a:rPr lang="pt-BR" smtClean="0"/>
-              <a:t>14/08/2022</a:t>
+              <a:t>01/09/2022</a:t>
             </a:fld>
             <a:endParaRPr lang="pt-BR"/>
           </a:p>
@@ -466,7 +468,7 @@
           <a:p>
             <a:fld id="{B1EDF19B-4364-4E80-B7A8-AB23B8073FE1}" type="datetimeFigureOut">
               <a:rPr lang="pt-BR" smtClean="0"/>
-              <a:t>14/08/2022</a:t>
+              <a:t>01/09/2022</a:t>
             </a:fld>
             <a:endParaRPr lang="pt-BR"/>
           </a:p>
@@ -674,7 +676,7 @@
           <a:p>
             <a:fld id="{B1EDF19B-4364-4E80-B7A8-AB23B8073FE1}" type="datetimeFigureOut">
               <a:rPr lang="pt-BR" smtClean="0"/>
-              <a:t>14/08/2022</a:t>
+              <a:t>01/09/2022</a:t>
             </a:fld>
             <a:endParaRPr lang="pt-BR"/>
           </a:p>
@@ -872,7 +874,7 @@
           <a:p>
             <a:fld id="{B1EDF19B-4364-4E80-B7A8-AB23B8073FE1}" type="datetimeFigureOut">
               <a:rPr lang="pt-BR" smtClean="0"/>
-              <a:t>14/08/2022</a:t>
+              <a:t>01/09/2022</a:t>
             </a:fld>
             <a:endParaRPr lang="pt-BR"/>
           </a:p>
@@ -1147,7 +1149,7 @@
           <a:p>
             <a:fld id="{B1EDF19B-4364-4E80-B7A8-AB23B8073FE1}" type="datetimeFigureOut">
               <a:rPr lang="pt-BR" smtClean="0"/>
-              <a:t>14/08/2022</a:t>
+              <a:t>01/09/2022</a:t>
             </a:fld>
             <a:endParaRPr lang="pt-BR"/>
           </a:p>
@@ -1412,7 +1414,7 @@
           <a:p>
             <a:fld id="{B1EDF19B-4364-4E80-B7A8-AB23B8073FE1}" type="datetimeFigureOut">
               <a:rPr lang="pt-BR" smtClean="0"/>
-              <a:t>14/08/2022</a:t>
+              <a:t>01/09/2022</a:t>
             </a:fld>
             <a:endParaRPr lang="pt-BR"/>
           </a:p>
@@ -1824,7 +1826,7 @@
           <a:p>
             <a:fld id="{B1EDF19B-4364-4E80-B7A8-AB23B8073FE1}" type="datetimeFigureOut">
               <a:rPr lang="pt-BR" smtClean="0"/>
-              <a:t>14/08/2022</a:t>
+              <a:t>01/09/2022</a:t>
             </a:fld>
             <a:endParaRPr lang="pt-BR"/>
           </a:p>
@@ -1965,7 +1967,7 @@
           <a:p>
             <a:fld id="{B1EDF19B-4364-4E80-B7A8-AB23B8073FE1}" type="datetimeFigureOut">
               <a:rPr lang="pt-BR" smtClean="0"/>
-              <a:t>14/08/2022</a:t>
+              <a:t>01/09/2022</a:t>
             </a:fld>
             <a:endParaRPr lang="pt-BR"/>
           </a:p>
@@ -2078,7 +2080,7 @@
           <a:p>
             <a:fld id="{B1EDF19B-4364-4E80-B7A8-AB23B8073FE1}" type="datetimeFigureOut">
               <a:rPr lang="pt-BR" smtClean="0"/>
-              <a:t>14/08/2022</a:t>
+              <a:t>01/09/2022</a:t>
             </a:fld>
             <a:endParaRPr lang="pt-BR"/>
           </a:p>
@@ -2389,7 +2391,7 @@
           <a:p>
             <a:fld id="{B1EDF19B-4364-4E80-B7A8-AB23B8073FE1}" type="datetimeFigureOut">
               <a:rPr lang="pt-BR" smtClean="0"/>
-              <a:t>14/08/2022</a:t>
+              <a:t>01/09/2022</a:t>
             </a:fld>
             <a:endParaRPr lang="pt-BR"/>
           </a:p>
@@ -2677,7 +2679,7 @@
           <a:p>
             <a:fld id="{B1EDF19B-4364-4E80-B7A8-AB23B8073FE1}" type="datetimeFigureOut">
               <a:rPr lang="pt-BR" smtClean="0"/>
-              <a:t>14/08/2022</a:t>
+              <a:t>01/09/2022</a:t>
             </a:fld>
             <a:endParaRPr lang="pt-BR"/>
           </a:p>
@@ -2918,7 +2920,7 @@
           <a:p>
             <a:fld id="{B1EDF19B-4364-4E80-B7A8-AB23B8073FE1}" type="datetimeFigureOut">
               <a:rPr lang="pt-BR" smtClean="0"/>
-              <a:t>14/08/2022</a:t>
+              <a:t>01/09/2022</a:t>
             </a:fld>
             <a:endParaRPr lang="pt-BR"/>
           </a:p>
@@ -3337,10 +3339,10 @@
       </p:grpSpPr>
       <p:grpSp>
         <p:nvGrpSpPr>
-          <p:cNvPr id="59" name="Group 58">
+          <p:cNvPr id="51" name="Group 50">
             <a:extLst>
               <a:ext uri="{FF2B5EF4-FFF2-40B4-BE49-F238E27FC236}">
-                <a16:creationId xmlns:a16="http://schemas.microsoft.com/office/drawing/2014/main" id="{B684F807-2635-579F-72FA-187580F4B384}"/>
+                <a16:creationId xmlns:a16="http://schemas.microsoft.com/office/drawing/2014/main" id="{3A1F370D-F02D-7F52-96BC-87910D510B69}"/>
               </a:ext>
             </a:extLst>
           </p:cNvPr>
@@ -3349,18 +3351,1987 @@
         </p:nvGrpSpPr>
         <p:grpSpPr>
           <a:xfrm>
-            <a:off x="1373869" y="1140210"/>
-            <a:ext cx="6985884" cy="1565966"/>
-            <a:chOff x="1373869" y="1140210"/>
-            <a:chExt cx="6985884" cy="1565966"/>
+            <a:off x="1564489" y="1869758"/>
+            <a:ext cx="8876080" cy="2832733"/>
+            <a:chOff x="1564489" y="1869758"/>
+            <a:chExt cx="8876080" cy="2832733"/>
           </a:xfrm>
         </p:grpSpPr>
+        <p:grpSp>
+          <p:nvGrpSpPr>
+            <p:cNvPr id="49" name="Group 48">
+              <a:extLst>
+                <a:ext uri="{FF2B5EF4-FFF2-40B4-BE49-F238E27FC236}">
+                  <a16:creationId xmlns:a16="http://schemas.microsoft.com/office/drawing/2014/main" id="{8CDD07C9-046E-73C6-B9AA-62B01C6CC7EE}"/>
+                </a:ext>
+              </a:extLst>
+            </p:cNvPr>
+            <p:cNvGrpSpPr/>
+            <p:nvPr/>
+          </p:nvGrpSpPr>
+          <p:grpSpPr>
+            <a:xfrm>
+              <a:off x="4922030" y="2521334"/>
+              <a:ext cx="2655099" cy="2180545"/>
+              <a:chOff x="2427677" y="2211336"/>
+              <a:chExt cx="2655099" cy="2180545"/>
+            </a:xfrm>
+          </p:grpSpPr>
+          <p:cxnSp>
+            <p:nvCxnSpPr>
+              <p:cNvPr id="5" name="Straight Arrow Connector 4">
+                <a:extLst>
+                  <a:ext uri="{FF2B5EF4-FFF2-40B4-BE49-F238E27FC236}">
+                    <a16:creationId xmlns:a16="http://schemas.microsoft.com/office/drawing/2014/main" id="{5EC8BF52-156B-F855-FE9B-62130E15D1AA}"/>
+                  </a:ext>
+                </a:extLst>
+              </p:cNvPr>
+              <p:cNvCxnSpPr>
+                <a:cxnSpLocks/>
+              </p:cNvCxnSpPr>
+              <p:nvPr/>
+            </p:nvCxnSpPr>
+            <p:spPr>
+              <a:xfrm flipV="1">
+                <a:off x="2427677" y="2211336"/>
+                <a:ext cx="0" cy="2179529"/>
+              </a:xfrm>
+              <a:prstGeom prst="straightConnector1">
+                <a:avLst/>
+              </a:prstGeom>
+              <a:ln w="28575">
+                <a:solidFill>
+                  <a:schemeClr val="tx1"/>
+                </a:solidFill>
+                <a:tailEnd type="triangle"/>
+              </a:ln>
+            </p:spPr>
+            <p:style>
+              <a:lnRef idx="1">
+                <a:schemeClr val="accent1"/>
+              </a:lnRef>
+              <a:fillRef idx="0">
+                <a:schemeClr val="accent1"/>
+              </a:fillRef>
+              <a:effectRef idx="0">
+                <a:schemeClr val="accent1"/>
+              </a:effectRef>
+              <a:fontRef idx="minor">
+                <a:schemeClr val="tx1"/>
+              </a:fontRef>
+            </p:style>
+          </p:cxnSp>
+          <p:cxnSp>
+            <p:nvCxnSpPr>
+              <p:cNvPr id="6" name="Straight Arrow Connector 5">
+                <a:extLst>
+                  <a:ext uri="{FF2B5EF4-FFF2-40B4-BE49-F238E27FC236}">
+                    <a16:creationId xmlns:a16="http://schemas.microsoft.com/office/drawing/2014/main" id="{846D8BCB-3C4A-18ED-C128-469B43E162E5}"/>
+                  </a:ext>
+                </a:extLst>
+              </p:cNvPr>
+              <p:cNvCxnSpPr>
+                <a:cxnSpLocks/>
+              </p:cNvCxnSpPr>
+              <p:nvPr/>
+            </p:nvCxnSpPr>
+            <p:spPr>
+              <a:xfrm flipV="1">
+                <a:off x="2427677" y="4390865"/>
+                <a:ext cx="2655099" cy="1016"/>
+              </a:xfrm>
+              <a:prstGeom prst="straightConnector1">
+                <a:avLst/>
+              </a:prstGeom>
+              <a:ln w="28575">
+                <a:solidFill>
+                  <a:schemeClr val="tx1"/>
+                </a:solidFill>
+                <a:tailEnd type="triangle"/>
+              </a:ln>
+            </p:spPr>
+            <p:style>
+              <a:lnRef idx="1">
+                <a:schemeClr val="accent1"/>
+              </a:lnRef>
+              <a:fillRef idx="0">
+                <a:schemeClr val="accent1"/>
+              </a:fillRef>
+              <a:effectRef idx="0">
+                <a:schemeClr val="accent1"/>
+              </a:effectRef>
+              <a:fontRef idx="minor">
+                <a:schemeClr val="tx1"/>
+              </a:fontRef>
+            </p:style>
+          </p:cxnSp>
+          <p:cxnSp>
+            <p:nvCxnSpPr>
+              <p:cNvPr id="11" name="Straight Connector 10">
+                <a:extLst>
+                  <a:ext uri="{FF2B5EF4-FFF2-40B4-BE49-F238E27FC236}">
+                    <a16:creationId xmlns:a16="http://schemas.microsoft.com/office/drawing/2014/main" id="{04F89284-5821-3459-7A23-1C90580104CA}"/>
+                  </a:ext>
+                </a:extLst>
+              </p:cNvPr>
+              <p:cNvCxnSpPr/>
+              <p:nvPr/>
+            </p:nvCxnSpPr>
+            <p:spPr>
+              <a:xfrm flipV="1">
+                <a:off x="2564602" y="2777902"/>
+                <a:ext cx="2428875" cy="1219200"/>
+              </a:xfrm>
+              <a:prstGeom prst="line">
+                <a:avLst/>
+              </a:prstGeom>
+              <a:ln w="28575">
+                <a:solidFill>
+                  <a:schemeClr val="tx1"/>
+                </a:solidFill>
+              </a:ln>
+            </p:spPr>
+            <p:style>
+              <a:lnRef idx="1">
+                <a:schemeClr val="accent1"/>
+              </a:lnRef>
+              <a:fillRef idx="0">
+                <a:schemeClr val="accent1"/>
+              </a:fillRef>
+              <a:effectRef idx="0">
+                <a:schemeClr val="accent1"/>
+              </a:effectRef>
+              <a:fontRef idx="minor">
+                <a:schemeClr val="tx1"/>
+              </a:fontRef>
+            </p:style>
+          </p:cxnSp>
+          <p:sp>
+            <p:nvSpPr>
+              <p:cNvPr id="12" name="Rectangle 11">
+                <a:extLst>
+                  <a:ext uri="{FF2B5EF4-FFF2-40B4-BE49-F238E27FC236}">
+                    <a16:creationId xmlns:a16="http://schemas.microsoft.com/office/drawing/2014/main" id="{BE45F1BF-F1BE-E153-8501-F57EF399B059}"/>
+                  </a:ext>
+                </a:extLst>
+              </p:cNvPr>
+              <p:cNvSpPr/>
+              <p:nvPr/>
+            </p:nvSpPr>
+            <p:spPr>
+              <a:xfrm>
+                <a:off x="3259927" y="3663728"/>
+                <a:ext cx="190500" cy="161924"/>
+              </a:xfrm>
+              <a:prstGeom prst="rect">
+                <a:avLst/>
+              </a:prstGeom>
+              <a:solidFill>
+                <a:srgbClr val="ED7D31">
+                  <a:alpha val="50196"/>
+                </a:srgbClr>
+              </a:solidFill>
+              <a:ln>
+                <a:solidFill>
+                  <a:schemeClr val="accent2"/>
+                </a:solidFill>
+              </a:ln>
+            </p:spPr>
+            <p:style>
+              <a:lnRef idx="2">
+                <a:schemeClr val="accent1">
+                  <a:shade val="50000"/>
+                </a:schemeClr>
+              </a:lnRef>
+              <a:fillRef idx="1">
+                <a:schemeClr val="accent1"/>
+              </a:fillRef>
+              <a:effectRef idx="0">
+                <a:schemeClr val="accent1"/>
+              </a:effectRef>
+              <a:fontRef idx="minor">
+                <a:schemeClr val="lt1"/>
+              </a:fontRef>
+            </p:style>
+            <p:txBody>
+              <a:bodyPr rtlCol="0" anchor="ctr"/>
+              <a:lstStyle/>
+              <a:p>
+                <a:pPr algn="ctr"/>
+                <a:endParaRPr lang="pt-BR"/>
+              </a:p>
+            </p:txBody>
+          </p:sp>
+          <p:sp>
+            <p:nvSpPr>
+              <p:cNvPr id="14" name="Rectangle 13">
+                <a:extLst>
+                  <a:ext uri="{FF2B5EF4-FFF2-40B4-BE49-F238E27FC236}">
+                    <a16:creationId xmlns:a16="http://schemas.microsoft.com/office/drawing/2014/main" id="{E35C70F7-53AA-1A45-622A-3065BDD8B938}"/>
+                  </a:ext>
+                </a:extLst>
+              </p:cNvPr>
+              <p:cNvSpPr/>
+              <p:nvPr/>
+            </p:nvSpPr>
+            <p:spPr>
+              <a:xfrm>
+                <a:off x="3593302" y="2968404"/>
+                <a:ext cx="323850" cy="333374"/>
+              </a:xfrm>
+              <a:prstGeom prst="rect">
+                <a:avLst/>
+              </a:prstGeom>
+              <a:solidFill>
+                <a:srgbClr val="ED7D31">
+                  <a:alpha val="50196"/>
+                </a:srgbClr>
+              </a:solidFill>
+              <a:ln>
+                <a:solidFill>
+                  <a:schemeClr val="accent2"/>
+                </a:solidFill>
+              </a:ln>
+            </p:spPr>
+            <p:style>
+              <a:lnRef idx="2">
+                <a:schemeClr val="accent1">
+                  <a:shade val="50000"/>
+                </a:schemeClr>
+              </a:lnRef>
+              <a:fillRef idx="1">
+                <a:schemeClr val="accent1"/>
+              </a:fillRef>
+              <a:effectRef idx="0">
+                <a:schemeClr val="accent1"/>
+              </a:effectRef>
+              <a:fontRef idx="minor">
+                <a:schemeClr val="lt1"/>
+              </a:fontRef>
+            </p:style>
+            <p:txBody>
+              <a:bodyPr rtlCol="0" anchor="ctr"/>
+              <a:lstStyle/>
+              <a:p>
+                <a:pPr algn="ctr"/>
+                <a:endParaRPr lang="pt-BR"/>
+              </a:p>
+            </p:txBody>
+          </p:sp>
+          <p:sp>
+            <p:nvSpPr>
+              <p:cNvPr id="16" name="Rectangle 15">
+                <a:extLst>
+                  <a:ext uri="{FF2B5EF4-FFF2-40B4-BE49-F238E27FC236}">
+                    <a16:creationId xmlns:a16="http://schemas.microsoft.com/office/drawing/2014/main" id="{E5BD44DB-1B9E-F7AD-9122-1BC823196CF7}"/>
+                  </a:ext>
+                </a:extLst>
+              </p:cNvPr>
+              <p:cNvSpPr/>
+              <p:nvPr/>
+            </p:nvSpPr>
+            <p:spPr>
+              <a:xfrm>
+                <a:off x="4431502" y="3082702"/>
+                <a:ext cx="123825" cy="123825"/>
+              </a:xfrm>
+              <a:prstGeom prst="rect">
+                <a:avLst/>
+              </a:prstGeom>
+              <a:solidFill>
+                <a:srgbClr val="ED7D31">
+                  <a:alpha val="50196"/>
+                </a:srgbClr>
+              </a:solidFill>
+              <a:ln>
+                <a:solidFill>
+                  <a:schemeClr val="accent2"/>
+                </a:solidFill>
+              </a:ln>
+            </p:spPr>
+            <p:style>
+              <a:lnRef idx="2">
+                <a:schemeClr val="accent1">
+                  <a:shade val="50000"/>
+                </a:schemeClr>
+              </a:lnRef>
+              <a:fillRef idx="1">
+                <a:schemeClr val="accent1"/>
+              </a:fillRef>
+              <a:effectRef idx="0">
+                <a:schemeClr val="accent1"/>
+              </a:effectRef>
+              <a:fontRef idx="minor">
+                <a:schemeClr val="lt1"/>
+              </a:fontRef>
+            </p:style>
+            <p:txBody>
+              <a:bodyPr rtlCol="0" anchor="ctr"/>
+              <a:lstStyle/>
+              <a:p>
+                <a:pPr algn="ctr"/>
+                <a:endParaRPr lang="pt-BR"/>
+              </a:p>
+            </p:txBody>
+          </p:sp>
+          <p:sp>
+            <p:nvSpPr>
+              <p:cNvPr id="18" name="Rectangle 17">
+                <a:extLst>
+                  <a:ext uri="{FF2B5EF4-FFF2-40B4-BE49-F238E27FC236}">
+                    <a16:creationId xmlns:a16="http://schemas.microsoft.com/office/drawing/2014/main" id="{555B06D4-E698-6937-2F9B-085C1C534977}"/>
+                  </a:ext>
+                </a:extLst>
+              </p:cNvPr>
+              <p:cNvSpPr/>
+              <p:nvPr/>
+            </p:nvSpPr>
+            <p:spPr>
+              <a:xfrm>
+                <a:off x="4660101" y="2673127"/>
+                <a:ext cx="161925" cy="173832"/>
+              </a:xfrm>
+              <a:prstGeom prst="rect">
+                <a:avLst/>
+              </a:prstGeom>
+              <a:solidFill>
+                <a:srgbClr val="ED7D31">
+                  <a:alpha val="50196"/>
+                </a:srgbClr>
+              </a:solidFill>
+              <a:ln>
+                <a:solidFill>
+                  <a:schemeClr val="accent2"/>
+                </a:solidFill>
+              </a:ln>
+            </p:spPr>
+            <p:style>
+              <a:lnRef idx="2">
+                <a:schemeClr val="accent1">
+                  <a:shade val="50000"/>
+                </a:schemeClr>
+              </a:lnRef>
+              <a:fillRef idx="1">
+                <a:schemeClr val="accent1"/>
+              </a:fillRef>
+              <a:effectRef idx="0">
+                <a:schemeClr val="accent1"/>
+              </a:effectRef>
+              <a:fontRef idx="minor">
+                <a:schemeClr val="lt1"/>
+              </a:fontRef>
+            </p:style>
+            <p:txBody>
+              <a:bodyPr rtlCol="0" anchor="ctr"/>
+              <a:lstStyle/>
+              <a:p>
+                <a:pPr algn="ctr"/>
+                <a:endParaRPr lang="pt-BR" dirty="0"/>
+              </a:p>
+            </p:txBody>
+          </p:sp>
+          <p:sp>
+            <p:nvSpPr>
+              <p:cNvPr id="19" name="Oval 18">
+                <a:extLst>
+                  <a:ext uri="{FF2B5EF4-FFF2-40B4-BE49-F238E27FC236}">
+                    <a16:creationId xmlns:a16="http://schemas.microsoft.com/office/drawing/2014/main" id="{CD590BA7-018C-8C48-E9E6-B1532E885B26}"/>
+                  </a:ext>
+                </a:extLst>
+              </p:cNvPr>
+              <p:cNvSpPr/>
+              <p:nvPr/>
+            </p:nvSpPr>
+            <p:spPr>
+              <a:xfrm>
+                <a:off x="3898101" y="2893563"/>
+                <a:ext cx="76200" cy="84366"/>
+              </a:xfrm>
+              <a:prstGeom prst="ellipse">
+                <a:avLst/>
+              </a:prstGeom>
+              <a:solidFill>
+                <a:schemeClr val="tx1"/>
+              </a:solidFill>
+              <a:ln>
+                <a:noFill/>
+              </a:ln>
+            </p:spPr>
+            <p:style>
+              <a:lnRef idx="2">
+                <a:schemeClr val="accent1">
+                  <a:shade val="50000"/>
+                </a:schemeClr>
+              </a:lnRef>
+              <a:fillRef idx="1">
+                <a:schemeClr val="accent1"/>
+              </a:fillRef>
+              <a:effectRef idx="0">
+                <a:schemeClr val="accent1"/>
+              </a:effectRef>
+              <a:fontRef idx="minor">
+                <a:schemeClr val="lt1"/>
+              </a:fontRef>
+            </p:style>
+            <p:txBody>
+              <a:bodyPr rtlCol="0" anchor="ctr"/>
+              <a:lstStyle/>
+              <a:p>
+                <a:pPr algn="ctr"/>
+                <a:endParaRPr lang="pt-BR"/>
+              </a:p>
+            </p:txBody>
+          </p:sp>
+          <p:sp>
+            <p:nvSpPr>
+              <p:cNvPr id="23" name="Oval 22">
+                <a:extLst>
+                  <a:ext uri="{FF2B5EF4-FFF2-40B4-BE49-F238E27FC236}">
+                    <a16:creationId xmlns:a16="http://schemas.microsoft.com/office/drawing/2014/main" id="{AD21CFDA-57FB-82A2-A204-9E3D0B88899F}"/>
+                  </a:ext>
+                </a:extLst>
+              </p:cNvPr>
+              <p:cNvSpPr/>
+              <p:nvPr/>
+            </p:nvSpPr>
+            <p:spPr>
+              <a:xfrm>
+                <a:off x="3221827" y="3827011"/>
+                <a:ext cx="76200" cy="84366"/>
+              </a:xfrm>
+              <a:prstGeom prst="ellipse">
+                <a:avLst/>
+              </a:prstGeom>
+              <a:solidFill>
+                <a:schemeClr val="tx1"/>
+              </a:solidFill>
+              <a:ln>
+                <a:noFill/>
+              </a:ln>
+            </p:spPr>
+            <p:style>
+              <a:lnRef idx="2">
+                <a:schemeClr val="accent1">
+                  <a:shade val="50000"/>
+                </a:schemeClr>
+              </a:lnRef>
+              <a:fillRef idx="1">
+                <a:schemeClr val="accent1"/>
+              </a:fillRef>
+              <a:effectRef idx="0">
+                <a:schemeClr val="accent1"/>
+              </a:effectRef>
+              <a:fontRef idx="minor">
+                <a:schemeClr val="lt1"/>
+              </a:fontRef>
+            </p:style>
+            <p:txBody>
+              <a:bodyPr rtlCol="0" anchor="ctr"/>
+              <a:lstStyle/>
+              <a:p>
+                <a:pPr algn="ctr"/>
+                <a:endParaRPr lang="pt-BR"/>
+              </a:p>
+            </p:txBody>
+          </p:sp>
+          <p:sp>
+            <p:nvSpPr>
+              <p:cNvPr id="25" name="Oval 24">
+                <a:extLst>
+                  <a:ext uri="{FF2B5EF4-FFF2-40B4-BE49-F238E27FC236}">
+                    <a16:creationId xmlns:a16="http://schemas.microsoft.com/office/drawing/2014/main" id="{D0BFADDB-5972-60EF-CDA9-9E1CEC7AE585}"/>
+                  </a:ext>
+                </a:extLst>
+              </p:cNvPr>
+              <p:cNvSpPr/>
+              <p:nvPr/>
+            </p:nvSpPr>
+            <p:spPr>
+              <a:xfrm>
+                <a:off x="4379114" y="3206527"/>
+                <a:ext cx="76200" cy="84366"/>
+              </a:xfrm>
+              <a:prstGeom prst="ellipse">
+                <a:avLst/>
+              </a:prstGeom>
+              <a:solidFill>
+                <a:schemeClr val="tx1"/>
+              </a:solidFill>
+              <a:ln>
+                <a:noFill/>
+              </a:ln>
+            </p:spPr>
+            <p:style>
+              <a:lnRef idx="2">
+                <a:schemeClr val="accent1">
+                  <a:shade val="50000"/>
+                </a:schemeClr>
+              </a:lnRef>
+              <a:fillRef idx="1">
+                <a:schemeClr val="accent1"/>
+              </a:fillRef>
+              <a:effectRef idx="0">
+                <a:schemeClr val="accent1"/>
+              </a:effectRef>
+              <a:fontRef idx="minor">
+                <a:schemeClr val="lt1"/>
+              </a:fontRef>
+            </p:style>
+            <p:txBody>
+              <a:bodyPr rtlCol="0" anchor="ctr"/>
+              <a:lstStyle/>
+              <a:p>
+                <a:pPr algn="ctr"/>
+                <a:endParaRPr lang="pt-BR"/>
+              </a:p>
+            </p:txBody>
+          </p:sp>
+          <p:sp>
+            <p:nvSpPr>
+              <p:cNvPr id="27" name="Oval 26">
+                <a:extLst>
+                  <a:ext uri="{FF2B5EF4-FFF2-40B4-BE49-F238E27FC236}">
+                    <a16:creationId xmlns:a16="http://schemas.microsoft.com/office/drawing/2014/main" id="{CE663D57-E3EB-9430-9CE8-24CDA5BB5656}"/>
+                  </a:ext>
+                </a:extLst>
+              </p:cNvPr>
+              <p:cNvSpPr/>
+              <p:nvPr/>
+            </p:nvSpPr>
+            <p:spPr>
+              <a:xfrm>
+                <a:off x="4802975" y="2598966"/>
+                <a:ext cx="76200" cy="84366"/>
+              </a:xfrm>
+              <a:prstGeom prst="ellipse">
+                <a:avLst/>
+              </a:prstGeom>
+              <a:solidFill>
+                <a:schemeClr val="tx1"/>
+              </a:solidFill>
+              <a:ln>
+                <a:noFill/>
+              </a:ln>
+            </p:spPr>
+            <p:style>
+              <a:lnRef idx="2">
+                <a:schemeClr val="accent1">
+                  <a:shade val="50000"/>
+                </a:schemeClr>
+              </a:lnRef>
+              <a:fillRef idx="1">
+                <a:schemeClr val="accent1"/>
+              </a:fillRef>
+              <a:effectRef idx="0">
+                <a:schemeClr val="accent1"/>
+              </a:effectRef>
+              <a:fontRef idx="minor">
+                <a:schemeClr val="lt1"/>
+              </a:fontRef>
+            </p:style>
+            <p:txBody>
+              <a:bodyPr rtlCol="0" anchor="ctr"/>
+              <a:lstStyle/>
+              <a:p>
+                <a:pPr algn="ctr"/>
+                <a:endParaRPr lang="pt-BR"/>
+              </a:p>
+            </p:txBody>
+          </p:sp>
+        </p:grpSp>
+        <p:grpSp>
+          <p:nvGrpSpPr>
+            <p:cNvPr id="53" name="Group 52">
+              <a:extLst>
+                <a:ext uri="{FF2B5EF4-FFF2-40B4-BE49-F238E27FC236}">
+                  <a16:creationId xmlns:a16="http://schemas.microsoft.com/office/drawing/2014/main" id="{0F5A311A-5CE2-6157-2E40-E0A7A8034B73}"/>
+                </a:ext>
+              </a:extLst>
+            </p:cNvPr>
+            <p:cNvGrpSpPr/>
+            <p:nvPr/>
+          </p:nvGrpSpPr>
+          <p:grpSpPr>
+            <a:xfrm>
+              <a:off x="1564489" y="2450674"/>
+              <a:ext cx="2755094" cy="2251817"/>
+              <a:chOff x="7346151" y="1455785"/>
+              <a:chExt cx="2755094" cy="2251817"/>
+            </a:xfrm>
+          </p:grpSpPr>
+          <p:cxnSp>
+            <p:nvCxnSpPr>
+              <p:cNvPr id="30" name="Straight Connector 29">
+                <a:extLst>
+                  <a:ext uri="{FF2B5EF4-FFF2-40B4-BE49-F238E27FC236}">
+                    <a16:creationId xmlns:a16="http://schemas.microsoft.com/office/drawing/2014/main" id="{40B9C5A9-7402-D29B-C0C8-C514BA458250}"/>
+                  </a:ext>
+                </a:extLst>
+              </p:cNvPr>
+              <p:cNvCxnSpPr>
+                <a:cxnSpLocks/>
+              </p:cNvCxnSpPr>
+              <p:nvPr/>
+            </p:nvCxnSpPr>
+            <p:spPr>
+              <a:xfrm>
+                <a:off x="7496175" y="2638426"/>
+                <a:ext cx="2257419" cy="0"/>
+              </a:xfrm>
+              <a:prstGeom prst="line">
+                <a:avLst/>
+              </a:prstGeom>
+              <a:ln w="28575">
+                <a:solidFill>
+                  <a:schemeClr val="tx1"/>
+                </a:solidFill>
+              </a:ln>
+            </p:spPr>
+            <p:style>
+              <a:lnRef idx="1">
+                <a:schemeClr val="accent1"/>
+              </a:lnRef>
+              <a:fillRef idx="0">
+                <a:schemeClr val="accent1"/>
+              </a:fillRef>
+              <a:effectRef idx="0">
+                <a:schemeClr val="accent1"/>
+              </a:effectRef>
+              <a:fontRef idx="minor">
+                <a:schemeClr val="tx1"/>
+              </a:fontRef>
+            </p:style>
+          </p:cxnSp>
+          <p:sp>
+            <p:nvSpPr>
+              <p:cNvPr id="31" name="Rectangle 30">
+                <a:extLst>
+                  <a:ext uri="{FF2B5EF4-FFF2-40B4-BE49-F238E27FC236}">
+                    <a16:creationId xmlns:a16="http://schemas.microsoft.com/office/drawing/2014/main" id="{CFE886D2-49FB-B3BF-CA74-B48C71519689}"/>
+                  </a:ext>
+                </a:extLst>
+              </p:cNvPr>
+              <p:cNvSpPr/>
+              <p:nvPr/>
+            </p:nvSpPr>
+            <p:spPr>
+              <a:xfrm>
+                <a:off x="7791444" y="2657475"/>
+                <a:ext cx="557215" cy="504826"/>
+              </a:xfrm>
+              <a:prstGeom prst="rect">
+                <a:avLst/>
+              </a:prstGeom>
+              <a:solidFill>
+                <a:srgbClr val="ED7D31">
+                  <a:alpha val="50196"/>
+                </a:srgbClr>
+              </a:solidFill>
+              <a:ln>
+                <a:solidFill>
+                  <a:schemeClr val="accent2"/>
+                </a:solidFill>
+              </a:ln>
+            </p:spPr>
+            <p:style>
+              <a:lnRef idx="2">
+                <a:schemeClr val="accent1">
+                  <a:shade val="50000"/>
+                </a:schemeClr>
+              </a:lnRef>
+              <a:fillRef idx="1">
+                <a:schemeClr val="accent1"/>
+              </a:fillRef>
+              <a:effectRef idx="0">
+                <a:schemeClr val="accent1"/>
+              </a:effectRef>
+              <a:fontRef idx="minor">
+                <a:schemeClr val="lt1"/>
+              </a:fontRef>
+            </p:style>
+            <p:txBody>
+              <a:bodyPr rtlCol="0" anchor="ctr"/>
+              <a:lstStyle/>
+              <a:p>
+                <a:pPr algn="ctr"/>
+                <a:endParaRPr lang="pt-BR" dirty="0"/>
+              </a:p>
+            </p:txBody>
+          </p:sp>
+          <p:sp>
+            <p:nvSpPr>
+              <p:cNvPr id="32" name="Rectangle 31">
+                <a:extLst>
+                  <a:ext uri="{FF2B5EF4-FFF2-40B4-BE49-F238E27FC236}">
+                    <a16:creationId xmlns:a16="http://schemas.microsoft.com/office/drawing/2014/main" id="{D11EC57E-A54F-32EF-D032-F94341248149}"/>
+                  </a:ext>
+                </a:extLst>
+              </p:cNvPr>
+              <p:cNvSpPr/>
+              <p:nvPr/>
+            </p:nvSpPr>
+            <p:spPr>
+              <a:xfrm>
+                <a:off x="8124820" y="2305052"/>
+                <a:ext cx="304798" cy="314326"/>
+              </a:xfrm>
+              <a:prstGeom prst="rect">
+                <a:avLst/>
+              </a:prstGeom>
+              <a:solidFill>
+                <a:srgbClr val="ED7D31">
+                  <a:alpha val="50196"/>
+                </a:srgbClr>
+              </a:solidFill>
+              <a:ln>
+                <a:solidFill>
+                  <a:schemeClr val="accent2"/>
+                </a:solidFill>
+              </a:ln>
+            </p:spPr>
+            <p:style>
+              <a:lnRef idx="2">
+                <a:schemeClr val="accent1">
+                  <a:shade val="50000"/>
+                </a:schemeClr>
+              </a:lnRef>
+              <a:fillRef idx="1">
+                <a:schemeClr val="accent1"/>
+              </a:fillRef>
+              <a:effectRef idx="0">
+                <a:schemeClr val="accent1"/>
+              </a:effectRef>
+              <a:fontRef idx="minor">
+                <a:schemeClr val="lt1"/>
+              </a:fontRef>
+            </p:style>
+            <p:txBody>
+              <a:bodyPr rtlCol="0" anchor="ctr"/>
+              <a:lstStyle/>
+              <a:p>
+                <a:pPr algn="ctr"/>
+                <a:endParaRPr lang="pt-BR"/>
+              </a:p>
+            </p:txBody>
+          </p:sp>
+          <p:sp>
+            <p:nvSpPr>
+              <p:cNvPr id="33" name="Rectangle 32">
+                <a:extLst>
+                  <a:ext uri="{FF2B5EF4-FFF2-40B4-BE49-F238E27FC236}">
+                    <a16:creationId xmlns:a16="http://schemas.microsoft.com/office/drawing/2014/main" id="{5014B7B4-6C7E-433D-B212-021D7CEF28B6}"/>
+                  </a:ext>
+                </a:extLst>
+              </p:cNvPr>
+              <p:cNvSpPr/>
+              <p:nvPr/>
+            </p:nvSpPr>
+            <p:spPr>
+              <a:xfrm>
+                <a:off x="8948732" y="2535012"/>
+                <a:ext cx="76200" cy="84366"/>
+              </a:xfrm>
+              <a:prstGeom prst="rect">
+                <a:avLst/>
+              </a:prstGeom>
+              <a:solidFill>
+                <a:srgbClr val="ED7D31">
+                  <a:alpha val="50196"/>
+                </a:srgbClr>
+              </a:solidFill>
+              <a:ln>
+                <a:solidFill>
+                  <a:schemeClr val="accent2"/>
+                </a:solidFill>
+              </a:ln>
+            </p:spPr>
+            <p:style>
+              <a:lnRef idx="2">
+                <a:schemeClr val="accent1">
+                  <a:shade val="50000"/>
+                </a:schemeClr>
+              </a:lnRef>
+              <a:fillRef idx="1">
+                <a:schemeClr val="accent1"/>
+              </a:fillRef>
+              <a:effectRef idx="0">
+                <a:schemeClr val="accent1"/>
+              </a:effectRef>
+              <a:fontRef idx="minor">
+                <a:schemeClr val="lt1"/>
+              </a:fontRef>
+            </p:style>
+            <p:txBody>
+              <a:bodyPr rtlCol="0" anchor="ctr"/>
+              <a:lstStyle/>
+              <a:p>
+                <a:pPr algn="ctr"/>
+                <a:endParaRPr lang="pt-BR"/>
+              </a:p>
+            </p:txBody>
+          </p:sp>
+          <p:sp>
+            <p:nvSpPr>
+              <p:cNvPr id="34" name="Rectangle 33">
+                <a:extLst>
+                  <a:ext uri="{FF2B5EF4-FFF2-40B4-BE49-F238E27FC236}">
+                    <a16:creationId xmlns:a16="http://schemas.microsoft.com/office/drawing/2014/main" id="{429DA931-BF6A-7C5B-98B0-B345A7E35806}"/>
+                  </a:ext>
+                </a:extLst>
+              </p:cNvPr>
+              <p:cNvSpPr/>
+              <p:nvPr/>
+            </p:nvSpPr>
+            <p:spPr>
+              <a:xfrm>
+                <a:off x="9372593" y="2012834"/>
+                <a:ext cx="666739" cy="609595"/>
+              </a:xfrm>
+              <a:prstGeom prst="rect">
+                <a:avLst/>
+              </a:prstGeom>
+              <a:solidFill>
+                <a:srgbClr val="ED7D31">
+                  <a:alpha val="50196"/>
+                </a:srgbClr>
+              </a:solidFill>
+              <a:ln>
+                <a:solidFill>
+                  <a:schemeClr val="accent2"/>
+                </a:solidFill>
+              </a:ln>
+            </p:spPr>
+            <p:style>
+              <a:lnRef idx="2">
+                <a:schemeClr val="accent1">
+                  <a:shade val="50000"/>
+                </a:schemeClr>
+              </a:lnRef>
+              <a:fillRef idx="1">
+                <a:schemeClr val="accent1"/>
+              </a:fillRef>
+              <a:effectRef idx="0">
+                <a:schemeClr val="accent1"/>
+              </a:effectRef>
+              <a:fontRef idx="minor">
+                <a:schemeClr val="lt1"/>
+              </a:fontRef>
+            </p:style>
+            <p:txBody>
+              <a:bodyPr rtlCol="0" anchor="ctr"/>
+              <a:lstStyle/>
+              <a:p>
+                <a:pPr algn="ctr"/>
+                <a:endParaRPr lang="pt-BR"/>
+              </a:p>
+            </p:txBody>
+          </p:sp>
+          <p:sp>
+            <p:nvSpPr>
+              <p:cNvPr id="35" name="Oval 34">
+                <a:extLst>
+                  <a:ext uri="{FF2B5EF4-FFF2-40B4-BE49-F238E27FC236}">
+                    <a16:creationId xmlns:a16="http://schemas.microsoft.com/office/drawing/2014/main" id="{61E07CA3-C1BB-743A-13D3-9ABA1A5CC50A}"/>
+                  </a:ext>
+                </a:extLst>
+              </p:cNvPr>
+              <p:cNvSpPr/>
+              <p:nvPr/>
+            </p:nvSpPr>
+            <p:spPr>
+              <a:xfrm>
+                <a:off x="8429619" y="2230211"/>
+                <a:ext cx="76200" cy="84366"/>
+              </a:xfrm>
+              <a:prstGeom prst="ellipse">
+                <a:avLst/>
+              </a:prstGeom>
+              <a:solidFill>
+                <a:schemeClr val="tx1"/>
+              </a:solidFill>
+              <a:ln>
+                <a:noFill/>
+              </a:ln>
+            </p:spPr>
+            <p:style>
+              <a:lnRef idx="2">
+                <a:schemeClr val="accent1">
+                  <a:shade val="50000"/>
+                </a:schemeClr>
+              </a:lnRef>
+              <a:fillRef idx="1">
+                <a:schemeClr val="accent1"/>
+              </a:fillRef>
+              <a:effectRef idx="0">
+                <a:schemeClr val="accent1"/>
+              </a:effectRef>
+              <a:fontRef idx="minor">
+                <a:schemeClr val="lt1"/>
+              </a:fontRef>
+            </p:style>
+            <p:txBody>
+              <a:bodyPr rtlCol="0" anchor="ctr"/>
+              <a:lstStyle/>
+              <a:p>
+                <a:pPr algn="ctr"/>
+                <a:endParaRPr lang="pt-BR"/>
+              </a:p>
+            </p:txBody>
+          </p:sp>
+          <p:sp>
+            <p:nvSpPr>
+              <p:cNvPr id="36" name="Oval 35">
+                <a:extLst>
+                  <a:ext uri="{FF2B5EF4-FFF2-40B4-BE49-F238E27FC236}">
+                    <a16:creationId xmlns:a16="http://schemas.microsoft.com/office/drawing/2014/main" id="{9F18E6BD-1FB3-D9CE-FCE9-1D1FB0A88E0C}"/>
+                  </a:ext>
+                </a:extLst>
+              </p:cNvPr>
+              <p:cNvSpPr/>
+              <p:nvPr/>
+            </p:nvSpPr>
+            <p:spPr>
+              <a:xfrm>
+                <a:off x="7753345" y="3163659"/>
+                <a:ext cx="76200" cy="84366"/>
+              </a:xfrm>
+              <a:prstGeom prst="ellipse">
+                <a:avLst/>
+              </a:prstGeom>
+              <a:solidFill>
+                <a:schemeClr val="tx1"/>
+              </a:solidFill>
+              <a:ln>
+                <a:noFill/>
+              </a:ln>
+            </p:spPr>
+            <p:style>
+              <a:lnRef idx="2">
+                <a:schemeClr val="accent1">
+                  <a:shade val="50000"/>
+                </a:schemeClr>
+              </a:lnRef>
+              <a:fillRef idx="1">
+                <a:schemeClr val="accent1"/>
+              </a:fillRef>
+              <a:effectRef idx="0">
+                <a:schemeClr val="accent1"/>
+              </a:effectRef>
+              <a:fontRef idx="minor">
+                <a:schemeClr val="lt1"/>
+              </a:fontRef>
+            </p:style>
+            <p:txBody>
+              <a:bodyPr rtlCol="0" anchor="ctr"/>
+              <a:lstStyle/>
+              <a:p>
+                <a:pPr algn="ctr"/>
+                <a:endParaRPr lang="pt-BR"/>
+              </a:p>
+            </p:txBody>
+          </p:sp>
+          <p:sp>
+            <p:nvSpPr>
+              <p:cNvPr id="37" name="Oval 36">
+                <a:extLst>
+                  <a:ext uri="{FF2B5EF4-FFF2-40B4-BE49-F238E27FC236}">
+                    <a16:creationId xmlns:a16="http://schemas.microsoft.com/office/drawing/2014/main" id="{DB6888D5-F557-0444-A9B1-606E7DF73FD7}"/>
+                  </a:ext>
+                </a:extLst>
+              </p:cNvPr>
+              <p:cNvSpPr/>
+              <p:nvPr/>
+            </p:nvSpPr>
+            <p:spPr>
+              <a:xfrm>
+                <a:off x="8910632" y="2543175"/>
+                <a:ext cx="76200" cy="84366"/>
+              </a:xfrm>
+              <a:prstGeom prst="ellipse">
+                <a:avLst/>
+              </a:prstGeom>
+              <a:solidFill>
+                <a:schemeClr val="tx1"/>
+              </a:solidFill>
+              <a:ln>
+                <a:noFill/>
+              </a:ln>
+            </p:spPr>
+            <p:style>
+              <a:lnRef idx="2">
+                <a:schemeClr val="accent1">
+                  <a:shade val="50000"/>
+                </a:schemeClr>
+              </a:lnRef>
+              <a:fillRef idx="1">
+                <a:schemeClr val="accent1"/>
+              </a:fillRef>
+              <a:effectRef idx="0">
+                <a:schemeClr val="accent1"/>
+              </a:effectRef>
+              <a:fontRef idx="minor">
+                <a:schemeClr val="lt1"/>
+              </a:fontRef>
+            </p:style>
+            <p:txBody>
+              <a:bodyPr rtlCol="0" anchor="ctr"/>
+              <a:lstStyle/>
+              <a:p>
+                <a:pPr algn="ctr"/>
+                <a:endParaRPr lang="pt-BR"/>
+              </a:p>
+            </p:txBody>
+          </p:sp>
+          <p:sp>
+            <p:nvSpPr>
+              <p:cNvPr id="38" name="Oval 37">
+                <a:extLst>
+                  <a:ext uri="{FF2B5EF4-FFF2-40B4-BE49-F238E27FC236}">
+                    <a16:creationId xmlns:a16="http://schemas.microsoft.com/office/drawing/2014/main" id="{CE7C7C07-33F9-488A-F184-75FD2475941F}"/>
+                  </a:ext>
+                </a:extLst>
+              </p:cNvPr>
+              <p:cNvSpPr/>
+              <p:nvPr/>
+            </p:nvSpPr>
+            <p:spPr>
+              <a:xfrm>
+                <a:off x="9334493" y="1935614"/>
+                <a:ext cx="76200" cy="84366"/>
+              </a:xfrm>
+              <a:prstGeom prst="ellipse">
+                <a:avLst/>
+              </a:prstGeom>
+              <a:solidFill>
+                <a:schemeClr val="tx1"/>
+              </a:solidFill>
+              <a:ln>
+                <a:noFill/>
+              </a:ln>
+            </p:spPr>
+            <p:style>
+              <a:lnRef idx="2">
+                <a:schemeClr val="accent1">
+                  <a:shade val="50000"/>
+                </a:schemeClr>
+              </a:lnRef>
+              <a:fillRef idx="1">
+                <a:schemeClr val="accent1"/>
+              </a:fillRef>
+              <a:effectRef idx="0">
+                <a:schemeClr val="accent1"/>
+              </a:effectRef>
+              <a:fontRef idx="minor">
+                <a:schemeClr val="lt1"/>
+              </a:fontRef>
+            </p:style>
+            <p:txBody>
+              <a:bodyPr rtlCol="0" anchor="ctr"/>
+              <a:lstStyle/>
+              <a:p>
+                <a:pPr algn="ctr"/>
+                <a:endParaRPr lang="pt-BR"/>
+              </a:p>
+            </p:txBody>
+          </p:sp>
+          <p:cxnSp>
+            <p:nvCxnSpPr>
+              <p:cNvPr id="43" name="Straight Arrow Connector 42">
+                <a:extLst>
+                  <a:ext uri="{FF2B5EF4-FFF2-40B4-BE49-F238E27FC236}">
+                    <a16:creationId xmlns:a16="http://schemas.microsoft.com/office/drawing/2014/main" id="{237E5A31-6264-1124-BC28-2E761659E8ED}"/>
+                  </a:ext>
+                </a:extLst>
+              </p:cNvPr>
+              <p:cNvCxnSpPr>
+                <a:cxnSpLocks/>
+              </p:cNvCxnSpPr>
+              <p:nvPr/>
+            </p:nvCxnSpPr>
+            <p:spPr>
+              <a:xfrm flipV="1">
+                <a:off x="7346151" y="1455785"/>
+                <a:ext cx="0" cy="2251817"/>
+              </a:xfrm>
+              <a:prstGeom prst="straightConnector1">
+                <a:avLst/>
+              </a:prstGeom>
+              <a:ln w="28575">
+                <a:solidFill>
+                  <a:schemeClr val="tx1"/>
+                </a:solidFill>
+                <a:tailEnd type="triangle"/>
+              </a:ln>
+            </p:spPr>
+            <p:style>
+              <a:lnRef idx="1">
+                <a:schemeClr val="accent1"/>
+              </a:lnRef>
+              <a:fillRef idx="0">
+                <a:schemeClr val="accent1"/>
+              </a:fillRef>
+              <a:effectRef idx="0">
+                <a:schemeClr val="accent1"/>
+              </a:effectRef>
+              <a:fontRef idx="minor">
+                <a:schemeClr val="tx1"/>
+              </a:fontRef>
+            </p:style>
+          </p:cxnSp>
+          <p:cxnSp>
+            <p:nvCxnSpPr>
+              <p:cNvPr id="45" name="Straight Arrow Connector 44">
+                <a:extLst>
+                  <a:ext uri="{FF2B5EF4-FFF2-40B4-BE49-F238E27FC236}">
+                    <a16:creationId xmlns:a16="http://schemas.microsoft.com/office/drawing/2014/main" id="{034B127B-714F-246F-0BD8-4F06CC0C61B7}"/>
+                  </a:ext>
+                </a:extLst>
+              </p:cNvPr>
+              <p:cNvCxnSpPr>
+                <a:cxnSpLocks/>
+              </p:cNvCxnSpPr>
+              <p:nvPr/>
+            </p:nvCxnSpPr>
+            <p:spPr>
+              <a:xfrm flipV="1">
+                <a:off x="7355670" y="3687533"/>
+                <a:ext cx="2745575" cy="20069"/>
+              </a:xfrm>
+              <a:prstGeom prst="straightConnector1">
+                <a:avLst/>
+              </a:prstGeom>
+              <a:ln w="28575">
+                <a:solidFill>
+                  <a:schemeClr val="tx1"/>
+                </a:solidFill>
+                <a:tailEnd type="triangle"/>
+              </a:ln>
+            </p:spPr>
+            <p:style>
+              <a:lnRef idx="1">
+                <a:schemeClr val="accent1"/>
+              </a:lnRef>
+              <a:fillRef idx="0">
+                <a:schemeClr val="accent1"/>
+              </a:fillRef>
+              <a:effectRef idx="0">
+                <a:schemeClr val="accent1"/>
+              </a:effectRef>
+              <a:fontRef idx="minor">
+                <a:schemeClr val="tx1"/>
+              </a:fontRef>
+            </p:style>
+          </p:cxnSp>
+        </p:grpSp>
         <p:sp>
           <p:nvSpPr>
-            <p:cNvPr id="17" name="Retângulo 17">
+            <p:cNvPr id="55" name="TextBox 54">
               <a:extLst>
                 <a:ext uri="{FF2B5EF4-FFF2-40B4-BE49-F238E27FC236}">
-                  <a16:creationId xmlns:a16="http://schemas.microsoft.com/office/drawing/2014/main" id="{4E213C84-8726-329F-E990-CECE1576F47D}"/>
+                  <a16:creationId xmlns:a16="http://schemas.microsoft.com/office/drawing/2014/main" id="{5EAB9BAD-7FB9-9A91-9C4A-C61DC8520D28}"/>
+                </a:ext>
+              </a:extLst>
+            </p:cNvPr>
+            <p:cNvSpPr txBox="1"/>
+            <p:nvPr/>
+          </p:nvSpPr>
+          <p:spPr>
+            <a:xfrm>
+              <a:off x="1709184" y="1878827"/>
+              <a:ext cx="2460930" cy="369332"/>
+            </a:xfrm>
+            <a:prstGeom prst="rect">
+              <a:avLst/>
+            </a:prstGeom>
+            <a:solidFill>
+              <a:schemeClr val="accent2"/>
+            </a:solidFill>
+            <a:ln w="19050">
+              <a:solidFill>
+                <a:schemeClr val="tx1"/>
+              </a:solidFill>
+            </a:ln>
+          </p:spPr>
+          <p:txBody>
+            <a:bodyPr wrap="none" rtlCol="0">
+              <a:spAutoFit/>
+            </a:bodyPr>
+            <a:lstStyle/>
+            <a:p>
+              <a:r>
+                <a:rPr lang="pt-BR" dirty="0">
+                  <a:solidFill>
+                    <a:schemeClr val="bg1"/>
+                  </a:solidFill>
+                  <a:effectLst>
+                    <a:outerShdw blurRad="38100" dist="38100" dir="2700000" algn="tl">
+                      <a:srgbClr val="000000">
+                        <a:alpha val="43137"/>
+                      </a:srgbClr>
+                    </a:outerShdw>
+                  </a:effectLst>
+                  <a:latin typeface="Times New Roman" panose="02020603050405020304" pitchFamily="18" charset="0"/>
+                  <a:cs typeface="Times New Roman" panose="02020603050405020304" pitchFamily="18" charset="0"/>
+                </a:rPr>
+                <a:t>Soma de quadrados total</a:t>
+              </a:r>
+            </a:p>
+          </p:txBody>
+        </p:sp>
+        <p:sp>
+          <p:nvSpPr>
+            <p:cNvPr id="57" name="TextBox 56">
+              <a:extLst>
+                <a:ext uri="{FF2B5EF4-FFF2-40B4-BE49-F238E27FC236}">
+                  <a16:creationId xmlns:a16="http://schemas.microsoft.com/office/drawing/2014/main" id="{CEFFCCBB-0CC1-753D-CA22-5C577713DA1E}"/>
+                </a:ext>
+              </a:extLst>
+            </p:cNvPr>
+            <p:cNvSpPr txBox="1"/>
+            <p:nvPr/>
+          </p:nvSpPr>
+          <p:spPr>
+            <a:xfrm>
+              <a:off x="4858815" y="1869758"/>
+              <a:ext cx="2781531" cy="369332"/>
+            </a:xfrm>
+            <a:prstGeom prst="rect">
+              <a:avLst/>
+            </a:prstGeom>
+            <a:solidFill>
+              <a:schemeClr val="accent2"/>
+            </a:solidFill>
+            <a:ln w="19050">
+              <a:solidFill>
+                <a:schemeClr val="tx1"/>
+              </a:solidFill>
+            </a:ln>
+          </p:spPr>
+          <p:txBody>
+            <a:bodyPr wrap="none" rtlCol="0">
+              <a:spAutoFit/>
+            </a:bodyPr>
+            <a:lstStyle/>
+            <a:p>
+              <a:r>
+                <a:rPr lang="pt-BR" dirty="0">
+                  <a:solidFill>
+                    <a:schemeClr val="bg1"/>
+                  </a:solidFill>
+                  <a:effectLst>
+                    <a:outerShdw blurRad="38100" dist="38100" dir="2700000" algn="tl">
+                      <a:srgbClr val="000000">
+                        <a:alpha val="43137"/>
+                      </a:srgbClr>
+                    </a:outerShdw>
+                  </a:effectLst>
+                  <a:latin typeface="Times New Roman" panose="02020603050405020304" pitchFamily="18" charset="0"/>
+                  <a:cs typeface="Times New Roman" panose="02020603050405020304" pitchFamily="18" charset="0"/>
+                </a:rPr>
+                <a:t>Soma de quadrados residual</a:t>
+              </a:r>
+            </a:p>
+          </p:txBody>
+        </p:sp>
+        <p:grpSp>
+          <p:nvGrpSpPr>
+            <p:cNvPr id="50" name="Group 49">
+              <a:extLst>
+                <a:ext uri="{FF2B5EF4-FFF2-40B4-BE49-F238E27FC236}">
+                  <a16:creationId xmlns:a16="http://schemas.microsoft.com/office/drawing/2014/main" id="{79A4154D-6072-3689-AB8C-933FAC7D4CA9}"/>
+                </a:ext>
+              </a:extLst>
+            </p:cNvPr>
+            <p:cNvGrpSpPr/>
+            <p:nvPr/>
+          </p:nvGrpSpPr>
+          <p:grpSpPr>
+            <a:xfrm>
+              <a:off x="7849788" y="1869758"/>
+              <a:ext cx="2590781" cy="2635880"/>
+              <a:chOff x="7310010" y="1962413"/>
+              <a:chExt cx="2590781" cy="2635880"/>
+            </a:xfrm>
+          </p:grpSpPr>
+          <p:sp>
+            <p:nvSpPr>
+              <p:cNvPr id="3" name="Rectangle 2">
+                <a:extLst>
+                  <a:ext uri="{FF2B5EF4-FFF2-40B4-BE49-F238E27FC236}">
+                    <a16:creationId xmlns:a16="http://schemas.microsoft.com/office/drawing/2014/main" id="{86CC19DB-6277-5F26-E63D-D873EEE84554}"/>
+                  </a:ext>
+                </a:extLst>
+              </p:cNvPr>
+              <p:cNvSpPr/>
+              <p:nvPr/>
+            </p:nvSpPr>
+            <p:spPr>
+              <a:xfrm>
+                <a:off x="8386335" y="3675012"/>
+                <a:ext cx="666739" cy="609595"/>
+              </a:xfrm>
+              <a:prstGeom prst="rect">
+                <a:avLst/>
+              </a:prstGeom>
+              <a:solidFill>
+                <a:srgbClr val="ED7D31">
+                  <a:alpha val="50196"/>
+                </a:srgbClr>
+              </a:solidFill>
+              <a:ln>
+                <a:solidFill>
+                  <a:schemeClr val="accent2"/>
+                </a:solidFill>
+              </a:ln>
+            </p:spPr>
+            <p:style>
+              <a:lnRef idx="2">
+                <a:schemeClr val="accent1">
+                  <a:shade val="50000"/>
+                </a:schemeClr>
+              </a:lnRef>
+              <a:fillRef idx="1">
+                <a:schemeClr val="accent1"/>
+              </a:fillRef>
+              <a:effectRef idx="0">
+                <a:schemeClr val="accent1"/>
+              </a:effectRef>
+              <a:fontRef idx="minor">
+                <a:schemeClr val="lt1"/>
+              </a:fontRef>
+            </p:style>
+            <p:txBody>
+              <a:bodyPr rtlCol="0" anchor="ctr"/>
+              <a:lstStyle/>
+              <a:p>
+                <a:pPr algn="ctr"/>
+                <a:endParaRPr lang="pt-BR"/>
+              </a:p>
+            </p:txBody>
+          </p:sp>
+          <p:sp>
+            <p:nvSpPr>
+              <p:cNvPr id="7" name="Rectangle 6">
+                <a:extLst>
+                  <a:ext uri="{FF2B5EF4-FFF2-40B4-BE49-F238E27FC236}">
+                    <a16:creationId xmlns:a16="http://schemas.microsoft.com/office/drawing/2014/main" id="{9DAAF062-7F1C-A052-2F05-64E7C59A5158}"/>
+                  </a:ext>
+                </a:extLst>
+              </p:cNvPr>
+              <p:cNvSpPr/>
+              <p:nvPr/>
+            </p:nvSpPr>
+            <p:spPr>
+              <a:xfrm>
+                <a:off x="8748282" y="4283967"/>
+                <a:ext cx="304798" cy="314326"/>
+              </a:xfrm>
+              <a:prstGeom prst="rect">
+                <a:avLst/>
+              </a:prstGeom>
+              <a:solidFill>
+                <a:srgbClr val="ED7D31">
+                  <a:alpha val="50196"/>
+                </a:srgbClr>
+              </a:solidFill>
+              <a:ln>
+                <a:solidFill>
+                  <a:schemeClr val="accent2"/>
+                </a:solidFill>
+              </a:ln>
+            </p:spPr>
+            <p:style>
+              <a:lnRef idx="2">
+                <a:schemeClr val="accent1">
+                  <a:shade val="50000"/>
+                </a:schemeClr>
+              </a:lnRef>
+              <a:fillRef idx="1">
+                <a:schemeClr val="accent1"/>
+              </a:fillRef>
+              <a:effectRef idx="0">
+                <a:schemeClr val="accent1"/>
+              </a:effectRef>
+              <a:fontRef idx="minor">
+                <a:schemeClr val="lt1"/>
+              </a:fontRef>
+            </p:style>
+            <p:txBody>
+              <a:bodyPr rtlCol="0" anchor="ctr"/>
+              <a:lstStyle/>
+              <a:p>
+                <a:pPr algn="ctr"/>
+                <a:endParaRPr lang="pt-BR" dirty="0"/>
+              </a:p>
+            </p:txBody>
+          </p:sp>
+          <p:sp>
+            <p:nvSpPr>
+              <p:cNvPr id="9" name="Rectangle 8">
+                <a:extLst>
+                  <a:ext uri="{FF2B5EF4-FFF2-40B4-BE49-F238E27FC236}">
+                    <a16:creationId xmlns:a16="http://schemas.microsoft.com/office/drawing/2014/main" id="{EC24CEC2-57B7-FAF9-BE23-7C3946C4E561}"/>
+                  </a:ext>
+                </a:extLst>
+              </p:cNvPr>
+              <p:cNvSpPr/>
+              <p:nvPr/>
+            </p:nvSpPr>
+            <p:spPr>
+              <a:xfrm>
+                <a:off x="9057832" y="4193584"/>
+                <a:ext cx="76200" cy="84366"/>
+              </a:xfrm>
+              <a:prstGeom prst="rect">
+                <a:avLst/>
+              </a:prstGeom>
+              <a:solidFill>
+                <a:srgbClr val="ED7D31">
+                  <a:alpha val="50196"/>
+                </a:srgbClr>
+              </a:solidFill>
+              <a:ln>
+                <a:solidFill>
+                  <a:schemeClr val="accent2"/>
+                </a:solidFill>
+              </a:ln>
+            </p:spPr>
+            <p:style>
+              <a:lnRef idx="2">
+                <a:schemeClr val="accent1">
+                  <a:shade val="50000"/>
+                </a:schemeClr>
+              </a:lnRef>
+              <a:fillRef idx="1">
+                <a:schemeClr val="accent1"/>
+              </a:fillRef>
+              <a:effectRef idx="0">
+                <a:schemeClr val="accent1"/>
+              </a:effectRef>
+              <a:fontRef idx="minor">
+                <a:schemeClr val="lt1"/>
+              </a:fontRef>
+            </p:style>
+            <p:txBody>
+              <a:bodyPr rtlCol="0" anchor="ctr"/>
+              <a:lstStyle/>
+              <a:p>
+                <a:pPr algn="ctr"/>
+                <a:endParaRPr lang="pt-BR"/>
+              </a:p>
+            </p:txBody>
+          </p:sp>
+          <p:sp>
+            <p:nvSpPr>
+              <p:cNvPr id="17" name="Rectangle 16">
+                <a:extLst>
+                  <a:ext uri="{FF2B5EF4-FFF2-40B4-BE49-F238E27FC236}">
+                    <a16:creationId xmlns:a16="http://schemas.microsoft.com/office/drawing/2014/main" id="{9E6CA126-C6F1-AC35-A4B3-C2DF0BE27218}"/>
+                  </a:ext>
+                </a:extLst>
+              </p:cNvPr>
+              <p:cNvSpPr/>
+              <p:nvPr/>
+            </p:nvSpPr>
+            <p:spPr>
+              <a:xfrm>
+                <a:off x="9053074" y="3675900"/>
+                <a:ext cx="557215" cy="504826"/>
+              </a:xfrm>
+              <a:prstGeom prst="rect">
+                <a:avLst/>
+              </a:prstGeom>
+              <a:solidFill>
+                <a:srgbClr val="ED7D31">
+                  <a:alpha val="50196"/>
+                </a:srgbClr>
+              </a:solidFill>
+              <a:ln>
+                <a:solidFill>
+                  <a:schemeClr val="accent2"/>
+                </a:solidFill>
+              </a:ln>
+            </p:spPr>
+            <p:style>
+              <a:lnRef idx="2">
+                <a:schemeClr val="accent1">
+                  <a:shade val="50000"/>
+                </a:schemeClr>
+              </a:lnRef>
+              <a:fillRef idx="1">
+                <a:schemeClr val="accent1"/>
+              </a:fillRef>
+              <a:effectRef idx="0">
+                <a:schemeClr val="accent1"/>
+              </a:effectRef>
+              <a:fontRef idx="minor">
+                <a:schemeClr val="lt1"/>
+              </a:fontRef>
+            </p:style>
+            <p:txBody>
+              <a:bodyPr rtlCol="0" anchor="ctr"/>
+              <a:lstStyle/>
+              <a:p>
+                <a:pPr algn="ctr"/>
+                <a:endParaRPr lang="pt-BR" dirty="0"/>
+              </a:p>
+            </p:txBody>
+          </p:sp>
+          <p:sp>
+            <p:nvSpPr>
+              <p:cNvPr id="21" name="Rectangle 20">
+                <a:extLst>
+                  <a:ext uri="{FF2B5EF4-FFF2-40B4-BE49-F238E27FC236}">
+                    <a16:creationId xmlns:a16="http://schemas.microsoft.com/office/drawing/2014/main" id="{034F1F67-281A-B7BC-52A9-9483DF67870A}"/>
+                  </a:ext>
+                </a:extLst>
+              </p:cNvPr>
+              <p:cNvSpPr/>
+              <p:nvPr/>
+            </p:nvSpPr>
+            <p:spPr>
+              <a:xfrm>
+                <a:off x="8653026" y="2842839"/>
+                <a:ext cx="323850" cy="333374"/>
+              </a:xfrm>
+              <a:prstGeom prst="rect">
+                <a:avLst/>
+              </a:prstGeom>
+              <a:solidFill>
+                <a:srgbClr val="ED7D31">
+                  <a:alpha val="50196"/>
+                </a:srgbClr>
+              </a:solidFill>
+              <a:ln>
+                <a:solidFill>
+                  <a:schemeClr val="accent2"/>
+                </a:solidFill>
+              </a:ln>
+            </p:spPr>
+            <p:style>
+              <a:lnRef idx="2">
+                <a:schemeClr val="accent1">
+                  <a:shade val="50000"/>
+                </a:schemeClr>
+              </a:lnRef>
+              <a:fillRef idx="1">
+                <a:schemeClr val="accent1"/>
+              </a:fillRef>
+              <a:effectRef idx="0">
+                <a:schemeClr val="accent1"/>
+              </a:effectRef>
+              <a:fontRef idx="minor">
+                <a:schemeClr val="lt1"/>
+              </a:fontRef>
+            </p:style>
+            <p:txBody>
+              <a:bodyPr rtlCol="0" anchor="ctr"/>
+              <a:lstStyle/>
+              <a:p>
+                <a:pPr algn="ctr"/>
+                <a:endParaRPr lang="pt-BR"/>
+              </a:p>
+            </p:txBody>
+          </p:sp>
+          <p:sp>
+            <p:nvSpPr>
+              <p:cNvPr id="24" name="Rectangle 23">
+                <a:extLst>
+                  <a:ext uri="{FF2B5EF4-FFF2-40B4-BE49-F238E27FC236}">
+                    <a16:creationId xmlns:a16="http://schemas.microsoft.com/office/drawing/2014/main" id="{67EB48BA-CBFB-3A76-3B2C-2D3CC295CE00}"/>
+                  </a:ext>
+                </a:extLst>
+              </p:cNvPr>
+              <p:cNvSpPr/>
+              <p:nvPr/>
+            </p:nvSpPr>
+            <p:spPr>
+              <a:xfrm>
+                <a:off x="8976872" y="2842044"/>
+                <a:ext cx="190500" cy="161924"/>
+              </a:xfrm>
+              <a:prstGeom prst="rect">
+                <a:avLst/>
+              </a:prstGeom>
+              <a:solidFill>
+                <a:srgbClr val="ED7D31">
+                  <a:alpha val="50196"/>
+                </a:srgbClr>
+              </a:solidFill>
+              <a:ln>
+                <a:solidFill>
+                  <a:schemeClr val="accent2"/>
+                </a:solidFill>
+              </a:ln>
+            </p:spPr>
+            <p:style>
+              <a:lnRef idx="2">
+                <a:schemeClr val="accent1">
+                  <a:shade val="50000"/>
+                </a:schemeClr>
+              </a:lnRef>
+              <a:fillRef idx="1">
+                <a:schemeClr val="accent1"/>
+              </a:fillRef>
+              <a:effectRef idx="0">
+                <a:schemeClr val="accent1"/>
+              </a:effectRef>
+              <a:fontRef idx="minor">
+                <a:schemeClr val="lt1"/>
+              </a:fontRef>
+            </p:style>
+            <p:txBody>
+              <a:bodyPr rtlCol="0" anchor="ctr"/>
+              <a:lstStyle/>
+              <a:p>
+                <a:pPr algn="ctr"/>
+                <a:endParaRPr lang="pt-BR"/>
+              </a:p>
+            </p:txBody>
+          </p:sp>
+          <p:sp>
+            <p:nvSpPr>
+              <p:cNvPr id="28" name="Rectangle 27">
+                <a:extLst>
+                  <a:ext uri="{FF2B5EF4-FFF2-40B4-BE49-F238E27FC236}">
+                    <a16:creationId xmlns:a16="http://schemas.microsoft.com/office/drawing/2014/main" id="{1FC7DE74-08BD-4AEB-8C80-C1BC9033E620}"/>
+                  </a:ext>
+                </a:extLst>
+              </p:cNvPr>
+              <p:cNvSpPr/>
+              <p:nvPr/>
+            </p:nvSpPr>
+            <p:spPr>
+              <a:xfrm>
+                <a:off x="8853047" y="3183830"/>
+                <a:ext cx="123825" cy="123825"/>
+              </a:xfrm>
+              <a:prstGeom prst="rect">
+                <a:avLst/>
+              </a:prstGeom>
+              <a:solidFill>
+                <a:srgbClr val="ED7D31">
+                  <a:alpha val="50196"/>
+                </a:srgbClr>
+              </a:solidFill>
+              <a:ln>
+                <a:solidFill>
+                  <a:schemeClr val="accent2"/>
+                </a:solidFill>
+              </a:ln>
+            </p:spPr>
+            <p:style>
+              <a:lnRef idx="2">
+                <a:schemeClr val="accent1">
+                  <a:shade val="50000"/>
+                </a:schemeClr>
+              </a:lnRef>
+              <a:fillRef idx="1">
+                <a:schemeClr val="accent1"/>
+              </a:fillRef>
+              <a:effectRef idx="0">
+                <a:schemeClr val="accent1"/>
+              </a:effectRef>
+              <a:fontRef idx="minor">
+                <a:schemeClr val="lt1"/>
+              </a:fontRef>
+            </p:style>
+            <p:txBody>
+              <a:bodyPr rtlCol="0" anchor="ctr"/>
+              <a:lstStyle/>
+              <a:p>
+                <a:pPr algn="ctr"/>
+                <a:endParaRPr lang="pt-BR"/>
+              </a:p>
+            </p:txBody>
+          </p:sp>
+          <p:sp>
+            <p:nvSpPr>
+              <p:cNvPr id="39" name="Rectangle 38">
+                <a:extLst>
+                  <a:ext uri="{FF2B5EF4-FFF2-40B4-BE49-F238E27FC236}">
+                    <a16:creationId xmlns:a16="http://schemas.microsoft.com/office/drawing/2014/main" id="{48B47A36-0E73-9FE4-E815-C6C32BA3C934}"/>
+                  </a:ext>
+                </a:extLst>
+              </p:cNvPr>
+              <p:cNvSpPr/>
+              <p:nvPr/>
+            </p:nvSpPr>
+            <p:spPr>
+              <a:xfrm>
+                <a:off x="8976872" y="3011113"/>
+                <a:ext cx="123825" cy="123825"/>
+              </a:xfrm>
+              <a:prstGeom prst="rect">
+                <a:avLst/>
+              </a:prstGeom>
+              <a:solidFill>
+                <a:srgbClr val="ED7D31">
+                  <a:alpha val="50196"/>
+                </a:srgbClr>
+              </a:solidFill>
+              <a:ln>
+                <a:solidFill>
+                  <a:schemeClr val="accent2"/>
+                </a:solidFill>
+              </a:ln>
+            </p:spPr>
+            <p:style>
+              <a:lnRef idx="2">
+                <a:schemeClr val="accent1">
+                  <a:shade val="50000"/>
+                </a:schemeClr>
+              </a:lnRef>
+              <a:fillRef idx="1">
+                <a:schemeClr val="accent1"/>
+              </a:fillRef>
+              <a:effectRef idx="0">
+                <a:schemeClr val="accent1"/>
+              </a:effectRef>
+              <a:fontRef idx="minor">
+                <a:schemeClr val="lt1"/>
+              </a:fontRef>
+            </p:style>
+            <p:txBody>
+              <a:bodyPr rtlCol="0" anchor="ctr"/>
+              <a:lstStyle/>
+              <a:p>
+                <a:pPr algn="ctr"/>
+                <a:endParaRPr lang="pt-BR"/>
+              </a:p>
+            </p:txBody>
+          </p:sp>
+          <p:cxnSp>
+            <p:nvCxnSpPr>
+              <p:cNvPr id="40" name="Straight Connector 39">
+                <a:extLst>
+                  <a:ext uri="{FF2B5EF4-FFF2-40B4-BE49-F238E27FC236}">
+                    <a16:creationId xmlns:a16="http://schemas.microsoft.com/office/drawing/2014/main" id="{F4C913E3-0201-8550-1573-CA9BEE0FAA0B}"/>
+                  </a:ext>
+                </a:extLst>
+              </p:cNvPr>
+              <p:cNvCxnSpPr>
+                <a:cxnSpLocks/>
+              </p:cNvCxnSpPr>
+              <p:nvPr/>
+            </p:nvCxnSpPr>
+            <p:spPr>
+              <a:xfrm>
+                <a:off x="8052952" y="3476902"/>
+                <a:ext cx="1847839" cy="0"/>
+              </a:xfrm>
+              <a:prstGeom prst="line">
+                <a:avLst/>
+              </a:prstGeom>
+              <a:ln w="28575">
+                <a:solidFill>
+                  <a:schemeClr val="tx1"/>
+                </a:solidFill>
+              </a:ln>
+            </p:spPr>
+            <p:style>
+              <a:lnRef idx="1">
+                <a:schemeClr val="accent1"/>
+              </a:lnRef>
+              <a:fillRef idx="0">
+                <a:schemeClr val="accent1"/>
+              </a:fillRef>
+              <a:effectRef idx="0">
+                <a:schemeClr val="accent1"/>
+              </a:effectRef>
+              <a:fontRef idx="minor">
+                <a:schemeClr val="tx1"/>
+              </a:fontRef>
+            </p:style>
+          </p:cxnSp>
+          <p:sp>
+            <p:nvSpPr>
+              <p:cNvPr id="46" name="TextBox 45">
+                <a:extLst>
+                  <a:ext uri="{FF2B5EF4-FFF2-40B4-BE49-F238E27FC236}">
+                    <a16:creationId xmlns:a16="http://schemas.microsoft.com/office/drawing/2014/main" id="{32218BE3-0BF3-A0DA-732B-72DAE45600EA}"/>
+                  </a:ext>
+                </a:extLst>
+              </p:cNvPr>
+              <p:cNvSpPr txBox="1"/>
+              <p:nvPr/>
+            </p:nvSpPr>
+            <p:spPr>
+              <a:xfrm>
+                <a:off x="7310010" y="3132179"/>
+                <a:ext cx="666739" cy="584775"/>
+              </a:xfrm>
+              <a:prstGeom prst="rect">
+                <a:avLst/>
+              </a:prstGeom>
+              <a:noFill/>
+            </p:spPr>
+            <p:txBody>
+              <a:bodyPr wrap="square" rtlCol="0">
+                <a:spAutoFit/>
+              </a:bodyPr>
+              <a:lstStyle/>
+              <a:p>
+                <a:r>
+                  <a:rPr lang="pt-BR" sz="3200" dirty="0">
+                    <a:effectLst>
+                      <a:outerShdw blurRad="38100" dist="38100" dir="2700000" algn="tl">
+                        <a:srgbClr val="000000">
+                          <a:alpha val="43137"/>
+                        </a:srgbClr>
+                      </a:outerShdw>
+                    </a:effectLst>
+                    <a:latin typeface="Times New Roman" panose="02020603050405020304" pitchFamily="18" charset="0"/>
+                    <a:cs typeface="Times New Roman" panose="02020603050405020304" pitchFamily="18" charset="0"/>
+                  </a:rPr>
+                  <a:t>1 -</a:t>
+                </a:r>
+              </a:p>
+            </p:txBody>
+          </p:sp>
+          <p:sp>
+            <p:nvSpPr>
+              <p:cNvPr id="48" name="TextBox 47">
+                <a:extLst>
+                  <a:ext uri="{FF2B5EF4-FFF2-40B4-BE49-F238E27FC236}">
+                    <a16:creationId xmlns:a16="http://schemas.microsoft.com/office/drawing/2014/main" id="{951183E4-3676-C74F-6998-714C5F969B1E}"/>
+                  </a:ext>
+                </a:extLst>
+              </p:cNvPr>
+              <p:cNvSpPr txBox="1"/>
+              <p:nvPr/>
+            </p:nvSpPr>
+            <p:spPr>
+              <a:xfrm>
+                <a:off x="7895381" y="1962413"/>
+                <a:ext cx="1858201" cy="369332"/>
+              </a:xfrm>
+              <a:prstGeom prst="rect">
+                <a:avLst/>
+              </a:prstGeom>
+              <a:solidFill>
+                <a:schemeClr val="accent2"/>
+              </a:solidFill>
+              <a:ln w="19050">
+                <a:solidFill>
+                  <a:schemeClr val="tx1"/>
+                </a:solidFill>
+              </a:ln>
+            </p:spPr>
+            <p:txBody>
+              <a:bodyPr wrap="none" rtlCol="0">
+                <a:spAutoFit/>
+              </a:bodyPr>
+              <a:lstStyle/>
+              <a:p>
+                <a:r>
+                  <a:rPr lang="pt-BR" dirty="0">
+                    <a:solidFill>
+                      <a:schemeClr val="bg1"/>
+                    </a:solidFill>
+                    <a:effectLst>
+                      <a:outerShdw blurRad="38100" dist="38100" dir="2700000" algn="tl">
+                        <a:srgbClr val="000000">
+                          <a:alpha val="43137"/>
+                        </a:srgbClr>
+                      </a:outerShdw>
+                    </a:effectLst>
+                    <a:latin typeface="Times New Roman" panose="02020603050405020304" pitchFamily="18" charset="0"/>
+                    <a:cs typeface="Times New Roman" panose="02020603050405020304" pitchFamily="18" charset="0"/>
+                  </a:rPr>
+                  <a:t>Quanto diminuiu?</a:t>
+                </a:r>
+              </a:p>
+            </p:txBody>
+          </p:sp>
+        </p:grpSp>
+      </p:grpSp>
+    </p:spTree>
+    <p:extLst>
+      <p:ext uri="{BB962C8B-B14F-4D97-AF65-F5344CB8AC3E}">
+        <p14:creationId xmlns:p14="http://schemas.microsoft.com/office/powerpoint/2010/main" val="143236679"/>
+      </p:ext>
+    </p:extLst>
+  </p:cSld>
+  <p:clrMapOvr>
+    <a:masterClrMapping/>
+  </p:clrMapOvr>
+</p:sld>
+</file>
+
+<file path=ppt/slides/slide10.xml><?xml version="1.0" encoding="utf-8"?>
+<p:sld xmlns:a="http://schemas.openxmlformats.org/drawingml/2006/main" xmlns:r="http://schemas.openxmlformats.org/officeDocument/2006/relationships" xmlns:p="http://schemas.openxmlformats.org/presentationml/2006/main">
+  <p:cSld>
+    <p:spTree>
+      <p:nvGrpSpPr>
+        <p:cNvPr id="1" name=""/>
+        <p:cNvGrpSpPr/>
+        <p:nvPr/>
+      </p:nvGrpSpPr>
+      <p:grpSpPr>
+        <a:xfrm>
+          <a:off x="0" y="0"/>
+          <a:ext cx="0" cy="0"/>
+          <a:chOff x="0" y="0"/>
+          <a:chExt cx="0" cy="0"/>
+        </a:xfrm>
+      </p:grpSpPr>
+      <p:grpSp>
+        <p:nvGrpSpPr>
+          <p:cNvPr id="32" name="Agrupar 31">
+            <a:extLst>
+              <a:ext uri="{FF2B5EF4-FFF2-40B4-BE49-F238E27FC236}">
+                <a16:creationId xmlns:a16="http://schemas.microsoft.com/office/drawing/2014/main" id="{661A9A65-291C-BAC5-BE5A-F735E63F885C}"/>
+              </a:ext>
+            </a:extLst>
+          </p:cNvPr>
+          <p:cNvGrpSpPr/>
+          <p:nvPr/>
+        </p:nvGrpSpPr>
+        <p:grpSpPr>
+          <a:xfrm>
+            <a:off x="748973" y="1067979"/>
+            <a:ext cx="8499674" cy="4722041"/>
+            <a:chOff x="748973" y="1067979"/>
+            <a:chExt cx="8499674" cy="4722041"/>
+          </a:xfrm>
+        </p:grpSpPr>
+        <p:pic>
+          <p:nvPicPr>
+            <p:cNvPr id="7" name="Imagem 6">
+              <a:extLst>
+                <a:ext uri="{FF2B5EF4-FFF2-40B4-BE49-F238E27FC236}">
+                  <a16:creationId xmlns:a16="http://schemas.microsoft.com/office/drawing/2014/main" id="{C151E233-5A14-2612-2E50-B2B2FC8A7E1E}"/>
+                </a:ext>
+              </a:extLst>
+            </p:cNvPr>
+            <p:cNvPicPr>
+              <a:picLocks noChangeAspect="1"/>
+            </p:cNvPicPr>
+            <p:nvPr/>
+          </p:nvPicPr>
+          <p:blipFill>
+            <a:blip r:embed="rId2"/>
+            <a:stretch>
+              <a:fillRect/>
+            </a:stretch>
+          </p:blipFill>
+          <p:spPr>
+            <a:xfrm>
+              <a:off x="748973" y="1067979"/>
+              <a:ext cx="8499674" cy="4722041"/>
+            </a:xfrm>
+            <a:prstGeom prst="rect">
+              <a:avLst/>
+            </a:prstGeom>
+          </p:spPr>
+        </p:pic>
+        <p:sp>
+          <p:nvSpPr>
+            <p:cNvPr id="20" name="Retângulo 19">
+              <a:extLst>
+                <a:ext uri="{FF2B5EF4-FFF2-40B4-BE49-F238E27FC236}">
+                  <a16:creationId xmlns:a16="http://schemas.microsoft.com/office/drawing/2014/main" id="{288378EA-1945-40C3-2B73-6BED7CDF9018}"/>
                 </a:ext>
               </a:extLst>
             </p:cNvPr>
@@ -3369,18 +5340,16 @@
           </p:nvSpPr>
           <p:spPr>
             <a:xfrm>
-              <a:off x="2366206" y="1522242"/>
-              <a:ext cx="554704" cy="255222"/>
+              <a:off x="6794680" y="3209291"/>
+              <a:ext cx="2288360" cy="1230630"/>
             </a:xfrm>
             <a:prstGeom prst="rect">
               <a:avLst/>
             </a:prstGeom>
             <a:solidFill>
-              <a:schemeClr val="bg1">
-                <a:lumMod val="75000"/>
-              </a:schemeClr>
+              <a:schemeClr val="accent2"/>
             </a:solidFill>
-            <a:ln w="12700">
+            <a:ln w="19050">
               <a:solidFill>
                 <a:schemeClr val="tx1"/>
               </a:solidFill>
@@ -3419,2121 +5388,58 @@
                   <a:latin typeface="Times New Roman" panose="02020603050405020304" pitchFamily="18" charset="0"/>
                   <a:cs typeface="Times New Roman" panose="02020603050405020304" pitchFamily="18" charset="0"/>
                 </a:rPr>
-                <a:t>Q1</a:t>
+                <a:t>Os resíduos devem estar distribuídos próximos a essa linha (normal)</a:t>
               </a:r>
             </a:p>
           </p:txBody>
         </p:sp>
-        <p:sp>
-          <p:nvSpPr>
-            <p:cNvPr id="18" name="Retângulo 18">
+        <p:cxnSp>
+          <p:nvCxnSpPr>
+            <p:cNvPr id="27" name="Conector de Seta Reta 26">
               <a:extLst>
                 <a:ext uri="{FF2B5EF4-FFF2-40B4-BE49-F238E27FC236}">
-                  <a16:creationId xmlns:a16="http://schemas.microsoft.com/office/drawing/2014/main" id="{686B3856-3476-9F1E-E1DD-AA48CF84D082}"/>
+                  <a16:creationId xmlns:a16="http://schemas.microsoft.com/office/drawing/2014/main" id="{28200B0A-91A3-DC78-ADF0-2EEBD25DDFB8}"/>
                 </a:ext>
               </a:extLst>
             </p:cNvPr>
-            <p:cNvSpPr/>
+            <p:cNvCxnSpPr>
+              <a:cxnSpLocks/>
+              <a:stCxn id="20" idx="0"/>
+            </p:cNvCxnSpPr>
             <p:nvPr/>
-          </p:nvSpPr>
+          </p:nvCxnSpPr>
           <p:spPr>
-            <a:xfrm>
-              <a:off x="2920910" y="1522242"/>
-              <a:ext cx="554704" cy="255222"/>
+            <a:xfrm flipV="1">
+              <a:off x="7938860" y="2225040"/>
+              <a:ext cx="0" cy="984251"/>
             </a:xfrm>
-            <a:prstGeom prst="rect">
+            <a:prstGeom prst="straightConnector1">
               <a:avLst/>
             </a:prstGeom>
-            <a:solidFill>
-              <a:schemeClr val="bg1">
-                <a:lumMod val="75000"/>
-              </a:schemeClr>
-            </a:solidFill>
-            <a:ln w="12700">
-              <a:solidFill>
-                <a:schemeClr val="tx1"/>
-              </a:solidFill>
+            <a:ln>
+              <a:tailEnd type="triangle"/>
             </a:ln>
           </p:spPr>
           <p:style>
-            <a:lnRef idx="2">
-              <a:schemeClr val="accent1">
-                <a:shade val="50000"/>
-              </a:schemeClr>
+            <a:lnRef idx="3">
+              <a:schemeClr val="dk1"/>
             </a:lnRef>
-            <a:fillRef idx="1">
-              <a:schemeClr val="accent1"/>
+            <a:fillRef idx="0">
+              <a:schemeClr val="dk1"/>
             </a:fillRef>
-            <a:effectRef idx="0">
-              <a:schemeClr val="accent1"/>
+            <a:effectRef idx="2">
+              <a:schemeClr val="dk1"/>
             </a:effectRef>
             <a:fontRef idx="minor">
-              <a:schemeClr val="lt1"/>
+              <a:schemeClr val="tx1"/>
             </a:fontRef>
           </p:style>
-          <p:txBody>
-            <a:bodyPr rtlCol="0" anchor="ctr"/>
-            <a:lstStyle/>
-            <a:p>
-              <a:pPr algn="ctr"/>
-              <a:r>
-                <a:rPr lang="pt-BR" sz="2000" dirty="0">
-                  <a:effectLst>
-                    <a:outerShdw blurRad="38100" dist="38100" dir="2700000" algn="tl">
-                      <a:srgbClr val="000000">
-                        <a:alpha val="43137"/>
-                      </a:srgbClr>
-                    </a:outerShdw>
-                  </a:effectLst>
-                  <a:latin typeface="Times New Roman" panose="02020603050405020304" pitchFamily="18" charset="0"/>
-                  <a:cs typeface="Times New Roman" panose="02020603050405020304" pitchFamily="18" charset="0"/>
-                </a:rPr>
-                <a:t>Q2</a:t>
-              </a:r>
-            </a:p>
-          </p:txBody>
-        </p:sp>
-        <p:sp>
-          <p:nvSpPr>
-            <p:cNvPr id="19" name="Retângulo 19">
-              <a:extLst>
-                <a:ext uri="{FF2B5EF4-FFF2-40B4-BE49-F238E27FC236}">
-                  <a16:creationId xmlns:a16="http://schemas.microsoft.com/office/drawing/2014/main" id="{78190FDB-74BC-6F8B-A3E0-3AB909735509}"/>
-                </a:ext>
-              </a:extLst>
-            </p:cNvPr>
-            <p:cNvSpPr/>
-            <p:nvPr/>
-          </p:nvSpPr>
-          <p:spPr>
-            <a:xfrm>
-              <a:off x="4030319" y="1522242"/>
-              <a:ext cx="554704" cy="255222"/>
-            </a:xfrm>
-            <a:prstGeom prst="rect">
-              <a:avLst/>
-            </a:prstGeom>
-            <a:solidFill>
-              <a:schemeClr val="bg1">
-                <a:lumMod val="75000"/>
-              </a:schemeClr>
-            </a:solidFill>
-            <a:ln w="12700">
-              <a:solidFill>
-                <a:schemeClr val="tx1"/>
-              </a:solidFill>
-            </a:ln>
-          </p:spPr>
-          <p:style>
-            <a:lnRef idx="2">
-              <a:schemeClr val="accent1">
-                <a:shade val="50000"/>
-              </a:schemeClr>
-            </a:lnRef>
-            <a:fillRef idx="1">
-              <a:schemeClr val="accent1"/>
-            </a:fillRef>
-            <a:effectRef idx="0">
-              <a:schemeClr val="accent1"/>
-            </a:effectRef>
-            <a:fontRef idx="minor">
-              <a:schemeClr val="lt1"/>
-            </a:fontRef>
-          </p:style>
-          <p:txBody>
-            <a:bodyPr rtlCol="0" anchor="ctr"/>
-            <a:lstStyle/>
-            <a:p>
-              <a:pPr algn="ctr"/>
-              <a:r>
-                <a:rPr lang="pt-BR" sz="2000" dirty="0">
-                  <a:effectLst>
-                    <a:outerShdw blurRad="38100" dist="38100" dir="2700000" algn="tl">
-                      <a:srgbClr val="000000">
-                        <a:alpha val="43137"/>
-                      </a:srgbClr>
-                    </a:outerShdw>
-                  </a:effectLst>
-                  <a:latin typeface="Times New Roman" panose="02020603050405020304" pitchFamily="18" charset="0"/>
-                  <a:cs typeface="Times New Roman" panose="02020603050405020304" pitchFamily="18" charset="0"/>
-                </a:rPr>
-                <a:t>O2</a:t>
-              </a:r>
-            </a:p>
-          </p:txBody>
-        </p:sp>
-        <p:sp>
-          <p:nvSpPr>
-            <p:cNvPr id="20" name="Retângulo 20">
-              <a:extLst>
-                <a:ext uri="{FF2B5EF4-FFF2-40B4-BE49-F238E27FC236}">
-                  <a16:creationId xmlns:a16="http://schemas.microsoft.com/office/drawing/2014/main" id="{F0260AD3-C346-88CB-B824-A7A696E96C39}"/>
-                </a:ext>
-              </a:extLst>
-            </p:cNvPr>
-            <p:cNvSpPr/>
-            <p:nvPr/>
-          </p:nvSpPr>
-          <p:spPr>
-            <a:xfrm>
-              <a:off x="3475614" y="1522242"/>
-              <a:ext cx="554704" cy="255222"/>
-            </a:xfrm>
-            <a:prstGeom prst="rect">
-              <a:avLst/>
-            </a:prstGeom>
-            <a:solidFill>
-              <a:schemeClr val="bg1">
-                <a:lumMod val="75000"/>
-              </a:schemeClr>
-            </a:solidFill>
-            <a:ln w="12700">
-              <a:solidFill>
-                <a:schemeClr val="tx1"/>
-              </a:solidFill>
-            </a:ln>
-          </p:spPr>
-          <p:style>
-            <a:lnRef idx="2">
-              <a:schemeClr val="accent1">
-                <a:shade val="50000"/>
-              </a:schemeClr>
-            </a:lnRef>
-            <a:fillRef idx="1">
-              <a:schemeClr val="accent1"/>
-            </a:fillRef>
-            <a:effectRef idx="0">
-              <a:schemeClr val="accent1"/>
-            </a:effectRef>
-            <a:fontRef idx="minor">
-              <a:schemeClr val="lt1"/>
-            </a:fontRef>
-          </p:style>
-          <p:txBody>
-            <a:bodyPr rtlCol="0" anchor="ctr"/>
-            <a:lstStyle/>
-            <a:p>
-              <a:pPr algn="ctr"/>
-              <a:r>
-                <a:rPr lang="pt-BR" sz="2000" dirty="0">
-                  <a:effectLst>
-                    <a:outerShdw blurRad="38100" dist="38100" dir="2700000" algn="tl">
-                      <a:srgbClr val="000000">
-                        <a:alpha val="43137"/>
-                      </a:srgbClr>
-                    </a:outerShdw>
-                  </a:effectLst>
-                  <a:latin typeface="Times New Roman" panose="02020603050405020304" pitchFamily="18" charset="0"/>
-                  <a:cs typeface="Times New Roman" panose="02020603050405020304" pitchFamily="18" charset="0"/>
-                </a:rPr>
-                <a:t>O1</a:t>
-              </a:r>
-            </a:p>
-          </p:txBody>
-        </p:sp>
-        <p:sp>
-          <p:nvSpPr>
-            <p:cNvPr id="21" name="Retângulo 21">
-              <a:extLst>
-                <a:ext uri="{FF2B5EF4-FFF2-40B4-BE49-F238E27FC236}">
-                  <a16:creationId xmlns:a16="http://schemas.microsoft.com/office/drawing/2014/main" id="{A77A5F94-A295-9E48-865D-FFF1CC067907}"/>
-                </a:ext>
-              </a:extLst>
-            </p:cNvPr>
-            <p:cNvSpPr/>
-            <p:nvPr/>
-          </p:nvSpPr>
-          <p:spPr>
-            <a:xfrm>
-              <a:off x="1373869" y="1522242"/>
-              <a:ext cx="554704" cy="255222"/>
-            </a:xfrm>
-            <a:prstGeom prst="rect">
-              <a:avLst/>
-            </a:prstGeom>
-            <a:solidFill>
-              <a:schemeClr val="bg1">
-                <a:lumMod val="75000"/>
-              </a:schemeClr>
-            </a:solidFill>
-            <a:ln w="12700">
-              <a:solidFill>
-                <a:schemeClr val="tx1"/>
-              </a:solidFill>
-            </a:ln>
-          </p:spPr>
-          <p:style>
-            <a:lnRef idx="2">
-              <a:schemeClr val="accent1">
-                <a:shade val="50000"/>
-              </a:schemeClr>
-            </a:lnRef>
-            <a:fillRef idx="1">
-              <a:schemeClr val="accent1"/>
-            </a:fillRef>
-            <a:effectRef idx="0">
-              <a:schemeClr val="accent1"/>
-            </a:effectRef>
-            <a:fontRef idx="minor">
-              <a:schemeClr val="lt1"/>
-            </a:fontRef>
-          </p:style>
-          <p:txBody>
-            <a:bodyPr rtlCol="0" anchor="ctr"/>
-            <a:lstStyle/>
-            <a:p>
-              <a:pPr algn="ctr"/>
-              <a:r>
-                <a:rPr lang="pt-BR" sz="2000" dirty="0">
-                  <a:effectLst>
-                    <a:outerShdw blurRad="38100" dist="38100" dir="2700000" algn="tl">
-                      <a:srgbClr val="000000">
-                        <a:alpha val="43137"/>
-                      </a:srgbClr>
-                    </a:outerShdw>
-                  </a:effectLst>
-                  <a:latin typeface="Times New Roman" panose="02020603050405020304" pitchFamily="18" charset="0"/>
-                  <a:cs typeface="Times New Roman" panose="02020603050405020304" pitchFamily="18" charset="0"/>
-                </a:rPr>
-                <a:t>SA</a:t>
-              </a:r>
-            </a:p>
-          </p:txBody>
-        </p:sp>
-        <p:sp>
-          <p:nvSpPr>
-            <p:cNvPr id="22" name="Retângulo 17">
-              <a:extLst>
-                <a:ext uri="{FF2B5EF4-FFF2-40B4-BE49-F238E27FC236}">
-                  <a16:creationId xmlns:a16="http://schemas.microsoft.com/office/drawing/2014/main" id="{7175E65D-BA03-FA52-921C-AFC87C3A3B63}"/>
-                </a:ext>
-              </a:extLst>
-            </p:cNvPr>
-            <p:cNvSpPr/>
-            <p:nvPr/>
-          </p:nvSpPr>
-          <p:spPr>
-            <a:xfrm>
-              <a:off x="1928573" y="1984631"/>
-              <a:ext cx="554704" cy="255222"/>
-            </a:xfrm>
-            <a:prstGeom prst="rect">
-              <a:avLst/>
-            </a:prstGeom>
-            <a:solidFill>
-              <a:schemeClr val="bg1">
-                <a:lumMod val="75000"/>
-              </a:schemeClr>
-            </a:solidFill>
-            <a:ln w="12700">
-              <a:solidFill>
-                <a:schemeClr val="tx1"/>
-              </a:solidFill>
-            </a:ln>
-          </p:spPr>
-          <p:style>
-            <a:lnRef idx="2">
-              <a:schemeClr val="accent1">
-                <a:shade val="50000"/>
-              </a:schemeClr>
-            </a:lnRef>
-            <a:fillRef idx="1">
-              <a:schemeClr val="accent1"/>
-            </a:fillRef>
-            <a:effectRef idx="0">
-              <a:schemeClr val="accent1"/>
-            </a:effectRef>
-            <a:fontRef idx="minor">
-              <a:schemeClr val="lt1"/>
-            </a:fontRef>
-          </p:style>
-          <p:txBody>
-            <a:bodyPr rtlCol="0" anchor="ctr"/>
-            <a:lstStyle/>
-            <a:p>
-              <a:pPr algn="ctr"/>
-              <a:r>
-                <a:rPr lang="pt-BR" sz="2000" dirty="0">
-                  <a:effectLst>
-                    <a:outerShdw blurRad="38100" dist="38100" dir="2700000" algn="tl">
-                      <a:srgbClr val="000000">
-                        <a:alpha val="43137"/>
-                      </a:srgbClr>
-                    </a:outerShdw>
-                  </a:effectLst>
-                  <a:latin typeface="Times New Roman" panose="02020603050405020304" pitchFamily="18" charset="0"/>
-                  <a:cs typeface="Times New Roman" panose="02020603050405020304" pitchFamily="18" charset="0"/>
-                </a:rPr>
-                <a:t>Q1</a:t>
-              </a:r>
-            </a:p>
-          </p:txBody>
-        </p:sp>
-        <p:sp>
-          <p:nvSpPr>
-            <p:cNvPr id="23" name="Retângulo 18">
-              <a:extLst>
-                <a:ext uri="{FF2B5EF4-FFF2-40B4-BE49-F238E27FC236}">
-                  <a16:creationId xmlns:a16="http://schemas.microsoft.com/office/drawing/2014/main" id="{42CC916A-4DD7-6B38-7DFA-6D9A552C7315}"/>
-                </a:ext>
-              </a:extLst>
-            </p:cNvPr>
-            <p:cNvSpPr/>
-            <p:nvPr/>
-          </p:nvSpPr>
-          <p:spPr>
-            <a:xfrm>
-              <a:off x="2483278" y="1984631"/>
-              <a:ext cx="554704" cy="255222"/>
-            </a:xfrm>
-            <a:prstGeom prst="rect">
-              <a:avLst/>
-            </a:prstGeom>
-            <a:solidFill>
-              <a:schemeClr val="bg1">
-                <a:lumMod val="75000"/>
-              </a:schemeClr>
-            </a:solidFill>
-            <a:ln w="12700">
-              <a:solidFill>
-                <a:schemeClr val="tx1"/>
-              </a:solidFill>
-            </a:ln>
-          </p:spPr>
-          <p:style>
-            <a:lnRef idx="2">
-              <a:schemeClr val="accent1">
-                <a:shade val="50000"/>
-              </a:schemeClr>
-            </a:lnRef>
-            <a:fillRef idx="1">
-              <a:schemeClr val="accent1"/>
-            </a:fillRef>
-            <a:effectRef idx="0">
-              <a:schemeClr val="accent1"/>
-            </a:effectRef>
-            <a:fontRef idx="minor">
-              <a:schemeClr val="lt1"/>
-            </a:fontRef>
-          </p:style>
-          <p:txBody>
-            <a:bodyPr rtlCol="0" anchor="ctr"/>
-            <a:lstStyle/>
-            <a:p>
-              <a:pPr algn="ctr"/>
-              <a:r>
-                <a:rPr lang="pt-BR" sz="2000" dirty="0">
-                  <a:effectLst>
-                    <a:outerShdw blurRad="38100" dist="38100" dir="2700000" algn="tl">
-                      <a:srgbClr val="000000">
-                        <a:alpha val="43137"/>
-                      </a:srgbClr>
-                    </a:outerShdw>
-                  </a:effectLst>
-                  <a:latin typeface="Times New Roman" panose="02020603050405020304" pitchFamily="18" charset="0"/>
-                  <a:cs typeface="Times New Roman" panose="02020603050405020304" pitchFamily="18" charset="0"/>
-                </a:rPr>
-                <a:t>Q2</a:t>
-              </a:r>
-            </a:p>
-          </p:txBody>
-        </p:sp>
-        <p:sp>
-          <p:nvSpPr>
-            <p:cNvPr id="24" name="Retângulo 19">
-              <a:extLst>
-                <a:ext uri="{FF2B5EF4-FFF2-40B4-BE49-F238E27FC236}">
-                  <a16:creationId xmlns:a16="http://schemas.microsoft.com/office/drawing/2014/main" id="{8A357F8A-754D-EE53-EADD-609D1E2BDB1C}"/>
-                </a:ext>
-              </a:extLst>
-            </p:cNvPr>
-            <p:cNvSpPr/>
-            <p:nvPr/>
-          </p:nvSpPr>
-          <p:spPr>
-            <a:xfrm>
-              <a:off x="4030319" y="1984631"/>
-              <a:ext cx="554704" cy="255222"/>
-            </a:xfrm>
-            <a:prstGeom prst="rect">
-              <a:avLst/>
-            </a:prstGeom>
-            <a:solidFill>
-              <a:schemeClr val="bg1">
-                <a:lumMod val="75000"/>
-              </a:schemeClr>
-            </a:solidFill>
-            <a:ln w="12700">
-              <a:solidFill>
-                <a:schemeClr val="tx1"/>
-              </a:solidFill>
-            </a:ln>
-          </p:spPr>
-          <p:style>
-            <a:lnRef idx="2">
-              <a:schemeClr val="accent1">
-                <a:shade val="50000"/>
-              </a:schemeClr>
-            </a:lnRef>
-            <a:fillRef idx="1">
-              <a:schemeClr val="accent1"/>
-            </a:fillRef>
-            <a:effectRef idx="0">
-              <a:schemeClr val="accent1"/>
-            </a:effectRef>
-            <a:fontRef idx="minor">
-              <a:schemeClr val="lt1"/>
-            </a:fontRef>
-          </p:style>
-          <p:txBody>
-            <a:bodyPr rtlCol="0" anchor="ctr"/>
-            <a:lstStyle/>
-            <a:p>
-              <a:pPr algn="ctr"/>
-              <a:r>
-                <a:rPr lang="pt-BR" sz="2000" dirty="0">
-                  <a:effectLst>
-                    <a:outerShdw blurRad="38100" dist="38100" dir="2700000" algn="tl">
-                      <a:srgbClr val="000000">
-                        <a:alpha val="43137"/>
-                      </a:srgbClr>
-                    </a:outerShdw>
-                  </a:effectLst>
-                  <a:latin typeface="Times New Roman" panose="02020603050405020304" pitchFamily="18" charset="0"/>
-                  <a:cs typeface="Times New Roman" panose="02020603050405020304" pitchFamily="18" charset="0"/>
-                </a:rPr>
-                <a:t>O2</a:t>
-              </a:r>
-            </a:p>
-          </p:txBody>
-        </p:sp>
-        <p:sp>
-          <p:nvSpPr>
-            <p:cNvPr id="25" name="Retângulo 20">
-              <a:extLst>
-                <a:ext uri="{FF2B5EF4-FFF2-40B4-BE49-F238E27FC236}">
-                  <a16:creationId xmlns:a16="http://schemas.microsoft.com/office/drawing/2014/main" id="{D54DA1B9-D464-92D0-F28D-3ED7D859329D}"/>
-                </a:ext>
-              </a:extLst>
-            </p:cNvPr>
-            <p:cNvSpPr/>
-            <p:nvPr/>
-          </p:nvSpPr>
-          <p:spPr>
-            <a:xfrm>
-              <a:off x="3475614" y="1984631"/>
-              <a:ext cx="554704" cy="255222"/>
-            </a:xfrm>
-            <a:prstGeom prst="rect">
-              <a:avLst/>
-            </a:prstGeom>
-            <a:solidFill>
-              <a:schemeClr val="bg1">
-                <a:lumMod val="75000"/>
-              </a:schemeClr>
-            </a:solidFill>
-            <a:ln w="12700">
-              <a:solidFill>
-                <a:schemeClr val="tx1"/>
-              </a:solidFill>
-            </a:ln>
-          </p:spPr>
-          <p:style>
-            <a:lnRef idx="2">
-              <a:schemeClr val="accent1">
-                <a:shade val="50000"/>
-              </a:schemeClr>
-            </a:lnRef>
-            <a:fillRef idx="1">
-              <a:schemeClr val="accent1"/>
-            </a:fillRef>
-            <a:effectRef idx="0">
-              <a:schemeClr val="accent1"/>
-            </a:effectRef>
-            <a:fontRef idx="minor">
-              <a:schemeClr val="lt1"/>
-            </a:fontRef>
-          </p:style>
-          <p:txBody>
-            <a:bodyPr rtlCol="0" anchor="ctr"/>
-            <a:lstStyle/>
-            <a:p>
-              <a:pPr algn="ctr"/>
-              <a:r>
-                <a:rPr lang="pt-BR" sz="2000" dirty="0">
-                  <a:effectLst>
-                    <a:outerShdw blurRad="38100" dist="38100" dir="2700000" algn="tl">
-                      <a:srgbClr val="000000">
-                        <a:alpha val="43137"/>
-                      </a:srgbClr>
-                    </a:outerShdw>
-                  </a:effectLst>
-                  <a:latin typeface="Times New Roman" panose="02020603050405020304" pitchFamily="18" charset="0"/>
-                  <a:cs typeface="Times New Roman" panose="02020603050405020304" pitchFamily="18" charset="0"/>
-                </a:rPr>
-                <a:t>O1</a:t>
-              </a:r>
-            </a:p>
-          </p:txBody>
-        </p:sp>
-        <p:sp>
-          <p:nvSpPr>
-            <p:cNvPr id="26" name="TextBox 25">
-              <a:extLst>
-                <a:ext uri="{FF2B5EF4-FFF2-40B4-BE49-F238E27FC236}">
-                  <a16:creationId xmlns:a16="http://schemas.microsoft.com/office/drawing/2014/main" id="{CA7282C2-6F23-3E8B-B4A6-97FD8F6D42D4}"/>
-                </a:ext>
-              </a:extLst>
-            </p:cNvPr>
-            <p:cNvSpPr txBox="1"/>
-            <p:nvPr/>
-          </p:nvSpPr>
-          <p:spPr>
-            <a:xfrm>
-              <a:off x="1911924" y="1474988"/>
-              <a:ext cx="445956" cy="338554"/>
-            </a:xfrm>
-            <a:prstGeom prst="rect">
-              <a:avLst/>
-            </a:prstGeom>
-            <a:noFill/>
-          </p:spPr>
-          <p:txBody>
-            <a:bodyPr wrap="none" rtlCol="0">
-              <a:spAutoFit/>
-            </a:bodyPr>
-            <a:lstStyle/>
-            <a:p>
-              <a:r>
-                <a:rPr lang="pt-BR" sz="1600" dirty="0">
-                  <a:effectLst>
-                    <a:outerShdw blurRad="38100" dist="38100" dir="2700000" algn="tl">
-                      <a:srgbClr val="000000">
-                        <a:alpha val="43137"/>
-                      </a:srgbClr>
-                    </a:outerShdw>
-                  </a:effectLst>
-                  <a:latin typeface="Times New Roman" panose="02020603050405020304" pitchFamily="18" charset="0"/>
-                  <a:cs typeface="Times New Roman" panose="02020603050405020304" pitchFamily="18" charset="0"/>
-                </a:rPr>
-                <a:t>VS</a:t>
-              </a:r>
-            </a:p>
-          </p:txBody>
-        </p:sp>
-        <p:sp>
-          <p:nvSpPr>
-            <p:cNvPr id="27" name="TextBox 26">
-              <a:extLst>
-                <a:ext uri="{FF2B5EF4-FFF2-40B4-BE49-F238E27FC236}">
-                  <a16:creationId xmlns:a16="http://schemas.microsoft.com/office/drawing/2014/main" id="{0FCD11D1-4B52-69D5-8F77-A268A37A2452}"/>
-                </a:ext>
-              </a:extLst>
-            </p:cNvPr>
-            <p:cNvSpPr txBox="1"/>
-            <p:nvPr/>
-          </p:nvSpPr>
-          <p:spPr>
-            <a:xfrm>
-              <a:off x="3029657" y="1942965"/>
-              <a:ext cx="445956" cy="338554"/>
-            </a:xfrm>
-            <a:prstGeom prst="rect">
-              <a:avLst/>
-            </a:prstGeom>
-            <a:noFill/>
-          </p:spPr>
-          <p:txBody>
-            <a:bodyPr wrap="none" rtlCol="0">
-              <a:spAutoFit/>
-            </a:bodyPr>
-            <a:lstStyle/>
-            <a:p>
-              <a:r>
-                <a:rPr lang="pt-BR" sz="1600" dirty="0">
-                  <a:effectLst>
-                    <a:outerShdw blurRad="38100" dist="38100" dir="2700000" algn="tl">
-                      <a:srgbClr val="000000">
-                        <a:alpha val="43137"/>
-                      </a:srgbClr>
-                    </a:outerShdw>
-                  </a:effectLst>
-                  <a:latin typeface="Times New Roman" panose="02020603050405020304" pitchFamily="18" charset="0"/>
-                  <a:cs typeface="Times New Roman" panose="02020603050405020304" pitchFamily="18" charset="0"/>
-                </a:rPr>
-                <a:t>VS</a:t>
-              </a:r>
-            </a:p>
-          </p:txBody>
-        </p:sp>
-        <p:sp>
-          <p:nvSpPr>
-            <p:cNvPr id="28" name="Retângulo 17">
-              <a:extLst>
-                <a:ext uri="{FF2B5EF4-FFF2-40B4-BE49-F238E27FC236}">
-                  <a16:creationId xmlns:a16="http://schemas.microsoft.com/office/drawing/2014/main" id="{93327B1F-410F-1B40-4531-4F9A78158536}"/>
-                </a:ext>
-              </a:extLst>
-            </p:cNvPr>
-            <p:cNvSpPr/>
-            <p:nvPr/>
-          </p:nvSpPr>
-          <p:spPr>
-            <a:xfrm>
-              <a:off x="1373869" y="2413027"/>
-              <a:ext cx="554704" cy="255222"/>
-            </a:xfrm>
-            <a:prstGeom prst="rect">
-              <a:avLst/>
-            </a:prstGeom>
-            <a:solidFill>
-              <a:schemeClr val="bg1">
-                <a:lumMod val="75000"/>
-              </a:schemeClr>
-            </a:solidFill>
-            <a:ln w="12700">
-              <a:solidFill>
-                <a:schemeClr val="tx1"/>
-              </a:solidFill>
-            </a:ln>
-          </p:spPr>
-          <p:style>
-            <a:lnRef idx="2">
-              <a:schemeClr val="accent1">
-                <a:shade val="50000"/>
-              </a:schemeClr>
-            </a:lnRef>
-            <a:fillRef idx="1">
-              <a:schemeClr val="accent1"/>
-            </a:fillRef>
-            <a:effectRef idx="0">
-              <a:schemeClr val="accent1"/>
-            </a:effectRef>
-            <a:fontRef idx="minor">
-              <a:schemeClr val="lt1"/>
-            </a:fontRef>
-          </p:style>
-          <p:txBody>
-            <a:bodyPr rtlCol="0" anchor="ctr"/>
-            <a:lstStyle/>
-            <a:p>
-              <a:pPr algn="ctr"/>
-              <a:r>
-                <a:rPr lang="pt-BR" sz="2000" dirty="0">
-                  <a:effectLst>
-                    <a:outerShdw blurRad="38100" dist="38100" dir="2700000" algn="tl">
-                      <a:srgbClr val="000000">
-                        <a:alpha val="43137"/>
-                      </a:srgbClr>
-                    </a:outerShdw>
-                  </a:effectLst>
-                  <a:latin typeface="Times New Roman" panose="02020603050405020304" pitchFamily="18" charset="0"/>
-                  <a:cs typeface="Times New Roman" panose="02020603050405020304" pitchFamily="18" charset="0"/>
-                </a:rPr>
-                <a:t>Q1</a:t>
-              </a:r>
-            </a:p>
-          </p:txBody>
-        </p:sp>
-        <p:sp>
-          <p:nvSpPr>
-            <p:cNvPr id="29" name="Retângulo 18">
-              <a:extLst>
-                <a:ext uri="{FF2B5EF4-FFF2-40B4-BE49-F238E27FC236}">
-                  <a16:creationId xmlns:a16="http://schemas.microsoft.com/office/drawing/2014/main" id="{0BEDF683-96FE-6F5D-95E5-8EC4C2CFD9F3}"/>
-                </a:ext>
-              </a:extLst>
-            </p:cNvPr>
-            <p:cNvSpPr/>
-            <p:nvPr/>
-          </p:nvSpPr>
-          <p:spPr>
-            <a:xfrm>
-              <a:off x="2246070" y="2410534"/>
-              <a:ext cx="554704" cy="255222"/>
-            </a:xfrm>
-            <a:prstGeom prst="rect">
-              <a:avLst/>
-            </a:prstGeom>
-            <a:solidFill>
-              <a:schemeClr val="bg1">
-                <a:lumMod val="75000"/>
-              </a:schemeClr>
-            </a:solidFill>
-            <a:ln w="12700">
-              <a:solidFill>
-                <a:schemeClr val="tx1"/>
-              </a:solidFill>
-            </a:ln>
-          </p:spPr>
-          <p:style>
-            <a:lnRef idx="2">
-              <a:schemeClr val="accent1">
-                <a:shade val="50000"/>
-              </a:schemeClr>
-            </a:lnRef>
-            <a:fillRef idx="1">
-              <a:schemeClr val="accent1"/>
-            </a:fillRef>
-            <a:effectRef idx="0">
-              <a:schemeClr val="accent1"/>
-            </a:effectRef>
-            <a:fontRef idx="minor">
-              <a:schemeClr val="lt1"/>
-            </a:fontRef>
-          </p:style>
-          <p:txBody>
-            <a:bodyPr rtlCol="0" anchor="ctr"/>
-            <a:lstStyle/>
-            <a:p>
-              <a:pPr algn="ctr"/>
-              <a:r>
-                <a:rPr lang="pt-BR" sz="2000" dirty="0">
-                  <a:effectLst>
-                    <a:outerShdw blurRad="38100" dist="38100" dir="2700000" algn="tl">
-                      <a:srgbClr val="000000">
-                        <a:alpha val="43137"/>
-                      </a:srgbClr>
-                    </a:outerShdw>
-                  </a:effectLst>
-                  <a:latin typeface="Times New Roman" panose="02020603050405020304" pitchFamily="18" charset="0"/>
-                  <a:cs typeface="Times New Roman" panose="02020603050405020304" pitchFamily="18" charset="0"/>
-                </a:rPr>
-                <a:t>Q2</a:t>
-              </a:r>
-            </a:p>
-          </p:txBody>
-        </p:sp>
-        <p:sp>
-          <p:nvSpPr>
-            <p:cNvPr id="30" name="Retângulo 19">
-              <a:extLst>
-                <a:ext uri="{FF2B5EF4-FFF2-40B4-BE49-F238E27FC236}">
-                  <a16:creationId xmlns:a16="http://schemas.microsoft.com/office/drawing/2014/main" id="{C66CE955-8C8C-5514-48D3-D64CAEFC665F}"/>
-                </a:ext>
-              </a:extLst>
-            </p:cNvPr>
-            <p:cNvSpPr/>
-            <p:nvPr/>
-          </p:nvSpPr>
-          <p:spPr>
-            <a:xfrm>
-              <a:off x="4014548" y="2415519"/>
-              <a:ext cx="554704" cy="255222"/>
-            </a:xfrm>
-            <a:prstGeom prst="rect">
-              <a:avLst/>
-            </a:prstGeom>
-            <a:solidFill>
-              <a:schemeClr val="bg1">
-                <a:lumMod val="75000"/>
-              </a:schemeClr>
-            </a:solidFill>
-            <a:ln w="12700">
-              <a:solidFill>
-                <a:schemeClr val="tx1"/>
-              </a:solidFill>
-            </a:ln>
-          </p:spPr>
-          <p:style>
-            <a:lnRef idx="2">
-              <a:schemeClr val="accent1">
-                <a:shade val="50000"/>
-              </a:schemeClr>
-            </a:lnRef>
-            <a:fillRef idx="1">
-              <a:schemeClr val="accent1"/>
-            </a:fillRef>
-            <a:effectRef idx="0">
-              <a:schemeClr val="accent1"/>
-            </a:effectRef>
-            <a:fontRef idx="minor">
-              <a:schemeClr val="lt1"/>
-            </a:fontRef>
-          </p:style>
-          <p:txBody>
-            <a:bodyPr rtlCol="0" anchor="ctr"/>
-            <a:lstStyle/>
-            <a:p>
-              <a:pPr algn="ctr"/>
-              <a:r>
-                <a:rPr lang="pt-BR" sz="2000" dirty="0">
-                  <a:effectLst>
-                    <a:outerShdw blurRad="38100" dist="38100" dir="2700000" algn="tl">
-                      <a:srgbClr val="000000">
-                        <a:alpha val="43137"/>
-                      </a:srgbClr>
-                    </a:outerShdw>
-                  </a:effectLst>
-                  <a:latin typeface="Times New Roman" panose="02020603050405020304" pitchFamily="18" charset="0"/>
-                  <a:cs typeface="Times New Roman" panose="02020603050405020304" pitchFamily="18" charset="0"/>
-                </a:rPr>
-                <a:t>O2</a:t>
-              </a:r>
-            </a:p>
-          </p:txBody>
-        </p:sp>
-        <p:sp>
-          <p:nvSpPr>
-            <p:cNvPr id="31" name="Retângulo 20">
-              <a:extLst>
-                <a:ext uri="{FF2B5EF4-FFF2-40B4-BE49-F238E27FC236}">
-                  <a16:creationId xmlns:a16="http://schemas.microsoft.com/office/drawing/2014/main" id="{992F0EF2-F7EF-9BF0-612D-A4C605252F4C}"/>
-                </a:ext>
-              </a:extLst>
-            </p:cNvPr>
-            <p:cNvSpPr/>
-            <p:nvPr/>
-          </p:nvSpPr>
-          <p:spPr>
-            <a:xfrm>
-              <a:off x="3118269" y="2410534"/>
-              <a:ext cx="554704" cy="255222"/>
-            </a:xfrm>
-            <a:prstGeom prst="rect">
-              <a:avLst/>
-            </a:prstGeom>
-            <a:solidFill>
-              <a:schemeClr val="bg1">
-                <a:lumMod val="75000"/>
-              </a:schemeClr>
-            </a:solidFill>
-            <a:ln w="12700">
-              <a:solidFill>
-                <a:schemeClr val="tx1"/>
-              </a:solidFill>
-            </a:ln>
-          </p:spPr>
-          <p:style>
-            <a:lnRef idx="2">
-              <a:schemeClr val="accent1">
-                <a:shade val="50000"/>
-              </a:schemeClr>
-            </a:lnRef>
-            <a:fillRef idx="1">
-              <a:schemeClr val="accent1"/>
-            </a:fillRef>
-            <a:effectRef idx="0">
-              <a:schemeClr val="accent1"/>
-            </a:effectRef>
-            <a:fontRef idx="minor">
-              <a:schemeClr val="lt1"/>
-            </a:fontRef>
-          </p:style>
-          <p:txBody>
-            <a:bodyPr rtlCol="0" anchor="ctr"/>
-            <a:lstStyle/>
-            <a:p>
-              <a:pPr algn="ctr"/>
-              <a:r>
-                <a:rPr lang="pt-BR" sz="2000" dirty="0">
-                  <a:effectLst>
-                    <a:outerShdw blurRad="38100" dist="38100" dir="2700000" algn="tl">
-                      <a:srgbClr val="000000">
-                        <a:alpha val="43137"/>
-                      </a:srgbClr>
-                    </a:outerShdw>
-                  </a:effectLst>
-                  <a:latin typeface="Times New Roman" panose="02020603050405020304" pitchFamily="18" charset="0"/>
-                  <a:cs typeface="Times New Roman" panose="02020603050405020304" pitchFamily="18" charset="0"/>
-                </a:rPr>
-                <a:t>O1</a:t>
-              </a:r>
-            </a:p>
-          </p:txBody>
-        </p:sp>
-        <p:sp>
-          <p:nvSpPr>
-            <p:cNvPr id="32" name="TextBox 31">
-              <a:extLst>
-                <a:ext uri="{FF2B5EF4-FFF2-40B4-BE49-F238E27FC236}">
-                  <a16:creationId xmlns:a16="http://schemas.microsoft.com/office/drawing/2014/main" id="{6CEF0E66-2469-3C9B-962E-F0EC96E9F8EE}"/>
-                </a:ext>
-              </a:extLst>
-            </p:cNvPr>
-            <p:cNvSpPr txBox="1"/>
-            <p:nvPr/>
-          </p:nvSpPr>
-          <p:spPr>
-            <a:xfrm>
-              <a:off x="1864343" y="2367622"/>
-              <a:ext cx="445956" cy="338554"/>
-            </a:xfrm>
-            <a:prstGeom prst="rect">
-              <a:avLst/>
-            </a:prstGeom>
-            <a:noFill/>
-          </p:spPr>
-          <p:txBody>
-            <a:bodyPr wrap="none" rtlCol="0">
-              <a:spAutoFit/>
-            </a:bodyPr>
-            <a:lstStyle/>
-            <a:p>
-              <a:r>
-                <a:rPr lang="pt-BR" sz="1600" dirty="0">
-                  <a:effectLst>
-                    <a:outerShdw blurRad="38100" dist="38100" dir="2700000" algn="tl">
-                      <a:srgbClr val="000000">
-                        <a:alpha val="43137"/>
-                      </a:srgbClr>
-                    </a:outerShdw>
-                  </a:effectLst>
-                  <a:latin typeface="Times New Roman" panose="02020603050405020304" pitchFamily="18" charset="0"/>
-                  <a:cs typeface="Times New Roman" panose="02020603050405020304" pitchFamily="18" charset="0"/>
-                </a:rPr>
-                <a:t>VS</a:t>
-              </a:r>
-            </a:p>
-          </p:txBody>
-        </p:sp>
-        <p:sp>
-          <p:nvSpPr>
-            <p:cNvPr id="33" name="TextBox 32">
-              <a:extLst>
-                <a:ext uri="{FF2B5EF4-FFF2-40B4-BE49-F238E27FC236}">
-                  <a16:creationId xmlns:a16="http://schemas.microsoft.com/office/drawing/2014/main" id="{BC30C260-72DF-A548-3C2B-24F745B07550}"/>
-                </a:ext>
-              </a:extLst>
-            </p:cNvPr>
-            <p:cNvSpPr txBox="1"/>
-            <p:nvPr/>
-          </p:nvSpPr>
-          <p:spPr>
-            <a:xfrm>
-              <a:off x="3620783" y="2367622"/>
-              <a:ext cx="445956" cy="338554"/>
-            </a:xfrm>
-            <a:prstGeom prst="rect">
-              <a:avLst/>
-            </a:prstGeom>
-            <a:noFill/>
-          </p:spPr>
-          <p:txBody>
-            <a:bodyPr wrap="none" rtlCol="0">
-              <a:spAutoFit/>
-            </a:bodyPr>
-            <a:lstStyle/>
-            <a:p>
-              <a:r>
-                <a:rPr lang="pt-BR" sz="1600" dirty="0">
-                  <a:effectLst>
-                    <a:outerShdw blurRad="38100" dist="38100" dir="2700000" algn="tl">
-                      <a:srgbClr val="000000">
-                        <a:alpha val="43137"/>
-                      </a:srgbClr>
-                    </a:outerShdw>
-                  </a:effectLst>
-                  <a:latin typeface="Times New Roman" panose="02020603050405020304" pitchFamily="18" charset="0"/>
-                  <a:cs typeface="Times New Roman" panose="02020603050405020304" pitchFamily="18" charset="0"/>
-                </a:rPr>
-                <a:t>VS</a:t>
-              </a:r>
-            </a:p>
-          </p:txBody>
-        </p:sp>
-        <p:sp>
-          <p:nvSpPr>
-            <p:cNvPr id="34" name="Retângulo 9">
-              <a:extLst>
-                <a:ext uri="{FF2B5EF4-FFF2-40B4-BE49-F238E27FC236}">
-                  <a16:creationId xmlns:a16="http://schemas.microsoft.com/office/drawing/2014/main" id="{2FB4DE08-4305-220C-B450-F915F227945E}"/>
-                </a:ext>
-              </a:extLst>
-            </p:cNvPr>
-            <p:cNvSpPr/>
-            <p:nvPr/>
-          </p:nvSpPr>
-          <p:spPr>
-            <a:xfrm>
-              <a:off x="1373869" y="1140210"/>
-              <a:ext cx="3211154" cy="255222"/>
-            </a:xfrm>
-            <a:prstGeom prst="rect">
-              <a:avLst/>
-            </a:prstGeom>
-            <a:solidFill>
-              <a:schemeClr val="accent2"/>
-            </a:solidFill>
-            <a:ln w="19050">
-              <a:solidFill>
-                <a:schemeClr val="tx1"/>
-              </a:solidFill>
-            </a:ln>
-          </p:spPr>
-          <p:style>
-            <a:lnRef idx="2">
-              <a:schemeClr val="accent1">
-                <a:shade val="50000"/>
-              </a:schemeClr>
-            </a:lnRef>
-            <a:fillRef idx="1">
-              <a:schemeClr val="accent1"/>
-            </a:fillRef>
-            <a:effectRef idx="0">
-              <a:schemeClr val="accent1"/>
-            </a:effectRef>
-            <a:fontRef idx="minor">
-              <a:schemeClr val="lt1"/>
-            </a:fontRef>
-          </p:style>
-          <p:txBody>
-            <a:bodyPr rtlCol="0" anchor="ctr"/>
-            <a:lstStyle/>
-            <a:p>
-              <a:pPr algn="ctr"/>
-              <a:r>
-                <a:rPr lang="pt-BR" sz="2400" dirty="0">
-                  <a:effectLst>
-                    <a:outerShdw blurRad="38100" dist="38100" dir="2700000" algn="tl">
-                      <a:srgbClr val="000000">
-                        <a:alpha val="43137"/>
-                      </a:srgbClr>
-                    </a:outerShdw>
-                  </a:effectLst>
-                  <a:latin typeface="Times New Roman" panose="02020603050405020304" pitchFamily="18" charset="0"/>
-                  <a:cs typeface="Times New Roman" panose="02020603050405020304" pitchFamily="18" charset="0"/>
-                </a:rPr>
-                <a:t>Opção 1</a:t>
-              </a:r>
-            </a:p>
-          </p:txBody>
-        </p:sp>
-        <p:sp>
-          <p:nvSpPr>
-            <p:cNvPr id="37" name="Retângulo 17">
-              <a:extLst>
-                <a:ext uri="{FF2B5EF4-FFF2-40B4-BE49-F238E27FC236}">
-                  <a16:creationId xmlns:a16="http://schemas.microsoft.com/office/drawing/2014/main" id="{92BCE26B-8CF9-AC2B-0D9D-D94C3DB98726}"/>
-                </a:ext>
-              </a:extLst>
-            </p:cNvPr>
-            <p:cNvSpPr/>
-            <p:nvPr/>
-          </p:nvSpPr>
-          <p:spPr>
-            <a:xfrm>
-              <a:off x="5414475" y="1517257"/>
-              <a:ext cx="554704" cy="255222"/>
-            </a:xfrm>
-            <a:prstGeom prst="rect">
-              <a:avLst/>
-            </a:prstGeom>
-            <a:solidFill>
-              <a:schemeClr val="bg1">
-                <a:lumMod val="75000"/>
-              </a:schemeClr>
-            </a:solidFill>
-            <a:ln w="12700">
-              <a:solidFill>
-                <a:schemeClr val="tx1"/>
-              </a:solidFill>
-            </a:ln>
-          </p:spPr>
-          <p:style>
-            <a:lnRef idx="2">
-              <a:schemeClr val="accent1">
-                <a:shade val="50000"/>
-              </a:schemeClr>
-            </a:lnRef>
-            <a:fillRef idx="1">
-              <a:schemeClr val="accent1"/>
-            </a:fillRef>
-            <a:effectRef idx="0">
-              <a:schemeClr val="accent1"/>
-            </a:effectRef>
-            <a:fontRef idx="minor">
-              <a:schemeClr val="lt1"/>
-            </a:fontRef>
-          </p:style>
-          <p:txBody>
-            <a:bodyPr rtlCol="0" anchor="ctr"/>
-            <a:lstStyle/>
-            <a:p>
-              <a:pPr algn="ctr"/>
-              <a:r>
-                <a:rPr lang="pt-BR" sz="2000" dirty="0">
-                  <a:effectLst>
-                    <a:outerShdw blurRad="38100" dist="38100" dir="2700000" algn="tl">
-                      <a:srgbClr val="000000">
-                        <a:alpha val="43137"/>
-                      </a:srgbClr>
-                    </a:outerShdw>
-                  </a:effectLst>
-                  <a:latin typeface="Times New Roman" panose="02020603050405020304" pitchFamily="18" charset="0"/>
-                  <a:cs typeface="Times New Roman" panose="02020603050405020304" pitchFamily="18" charset="0"/>
-                </a:rPr>
-                <a:t>Q1</a:t>
-              </a:r>
-            </a:p>
-          </p:txBody>
-        </p:sp>
-        <p:sp>
-          <p:nvSpPr>
-            <p:cNvPr id="38" name="Retângulo 18">
-              <a:extLst>
-                <a:ext uri="{FF2B5EF4-FFF2-40B4-BE49-F238E27FC236}">
-                  <a16:creationId xmlns:a16="http://schemas.microsoft.com/office/drawing/2014/main" id="{53E9523B-A3DB-17ED-7028-7DFB2D7FB45D}"/>
-                </a:ext>
-              </a:extLst>
-            </p:cNvPr>
-            <p:cNvSpPr/>
-            <p:nvPr/>
-          </p:nvSpPr>
-          <p:spPr>
-            <a:xfrm>
-              <a:off x="6695640" y="1522668"/>
-              <a:ext cx="554704" cy="255222"/>
-            </a:xfrm>
-            <a:prstGeom prst="rect">
-              <a:avLst/>
-            </a:prstGeom>
-            <a:solidFill>
-              <a:schemeClr val="bg1">
-                <a:lumMod val="75000"/>
-              </a:schemeClr>
-            </a:solidFill>
-            <a:ln w="12700">
-              <a:solidFill>
-                <a:schemeClr val="tx1"/>
-              </a:solidFill>
-            </a:ln>
-          </p:spPr>
-          <p:style>
-            <a:lnRef idx="2">
-              <a:schemeClr val="accent1">
-                <a:shade val="50000"/>
-              </a:schemeClr>
-            </a:lnRef>
-            <a:fillRef idx="1">
-              <a:schemeClr val="accent1"/>
-            </a:fillRef>
-            <a:effectRef idx="0">
-              <a:schemeClr val="accent1"/>
-            </a:effectRef>
-            <a:fontRef idx="minor">
-              <a:schemeClr val="lt1"/>
-            </a:fontRef>
-          </p:style>
-          <p:txBody>
-            <a:bodyPr rtlCol="0" anchor="ctr"/>
-            <a:lstStyle/>
-            <a:p>
-              <a:pPr algn="ctr"/>
-              <a:r>
-                <a:rPr lang="pt-BR" sz="2000" dirty="0">
-                  <a:effectLst>
-                    <a:outerShdw blurRad="38100" dist="38100" dir="2700000" algn="tl">
-                      <a:srgbClr val="000000">
-                        <a:alpha val="43137"/>
-                      </a:srgbClr>
-                    </a:outerShdw>
-                  </a:effectLst>
-                  <a:latin typeface="Times New Roman" panose="02020603050405020304" pitchFamily="18" charset="0"/>
-                  <a:cs typeface="Times New Roman" panose="02020603050405020304" pitchFamily="18" charset="0"/>
-                </a:rPr>
-                <a:t>Q2</a:t>
-              </a:r>
-            </a:p>
-          </p:txBody>
-        </p:sp>
-        <p:sp>
-          <p:nvSpPr>
-            <p:cNvPr id="39" name="Retângulo 19">
-              <a:extLst>
-                <a:ext uri="{FF2B5EF4-FFF2-40B4-BE49-F238E27FC236}">
-                  <a16:creationId xmlns:a16="http://schemas.microsoft.com/office/drawing/2014/main" id="{8A9EDC99-03F2-05B5-F273-45D404AECE91}"/>
-                </a:ext>
-              </a:extLst>
-            </p:cNvPr>
-            <p:cNvSpPr/>
-            <p:nvPr/>
-          </p:nvSpPr>
-          <p:spPr>
-            <a:xfrm>
-              <a:off x="7805049" y="1522668"/>
-              <a:ext cx="554704" cy="255222"/>
-            </a:xfrm>
-            <a:prstGeom prst="rect">
-              <a:avLst/>
-            </a:prstGeom>
-            <a:solidFill>
-              <a:schemeClr val="bg1">
-                <a:lumMod val="75000"/>
-              </a:schemeClr>
-            </a:solidFill>
-            <a:ln w="12700">
-              <a:solidFill>
-                <a:schemeClr val="tx1"/>
-              </a:solidFill>
-            </a:ln>
-          </p:spPr>
-          <p:style>
-            <a:lnRef idx="2">
-              <a:schemeClr val="accent1">
-                <a:shade val="50000"/>
-              </a:schemeClr>
-            </a:lnRef>
-            <a:fillRef idx="1">
-              <a:schemeClr val="accent1"/>
-            </a:fillRef>
-            <a:effectRef idx="0">
-              <a:schemeClr val="accent1"/>
-            </a:effectRef>
-            <a:fontRef idx="minor">
-              <a:schemeClr val="lt1"/>
-            </a:fontRef>
-          </p:style>
-          <p:txBody>
-            <a:bodyPr rtlCol="0" anchor="ctr"/>
-            <a:lstStyle/>
-            <a:p>
-              <a:pPr algn="ctr"/>
-              <a:r>
-                <a:rPr lang="pt-BR" sz="2000" dirty="0">
-                  <a:effectLst>
-                    <a:outerShdw blurRad="38100" dist="38100" dir="2700000" algn="tl">
-                      <a:srgbClr val="000000">
-                        <a:alpha val="43137"/>
-                      </a:srgbClr>
-                    </a:outerShdw>
-                  </a:effectLst>
-                  <a:latin typeface="Times New Roman" panose="02020603050405020304" pitchFamily="18" charset="0"/>
-                  <a:cs typeface="Times New Roman" panose="02020603050405020304" pitchFamily="18" charset="0"/>
-                </a:rPr>
-                <a:t>O2</a:t>
-              </a:r>
-            </a:p>
-          </p:txBody>
-        </p:sp>
-        <p:sp>
-          <p:nvSpPr>
-            <p:cNvPr id="40" name="Retângulo 20">
-              <a:extLst>
-                <a:ext uri="{FF2B5EF4-FFF2-40B4-BE49-F238E27FC236}">
-                  <a16:creationId xmlns:a16="http://schemas.microsoft.com/office/drawing/2014/main" id="{9D9321C4-7AA8-82B7-2F69-5DBD2941B7CF}"/>
-                </a:ext>
-              </a:extLst>
-            </p:cNvPr>
-            <p:cNvSpPr/>
-            <p:nvPr/>
-          </p:nvSpPr>
-          <p:spPr>
-            <a:xfrm>
-              <a:off x="7250344" y="1522668"/>
-              <a:ext cx="554704" cy="255222"/>
-            </a:xfrm>
-            <a:prstGeom prst="rect">
-              <a:avLst/>
-            </a:prstGeom>
-            <a:solidFill>
-              <a:schemeClr val="bg1">
-                <a:lumMod val="75000"/>
-              </a:schemeClr>
-            </a:solidFill>
-            <a:ln w="12700">
-              <a:solidFill>
-                <a:schemeClr val="tx1"/>
-              </a:solidFill>
-            </a:ln>
-          </p:spPr>
-          <p:style>
-            <a:lnRef idx="2">
-              <a:schemeClr val="accent1">
-                <a:shade val="50000"/>
-              </a:schemeClr>
-            </a:lnRef>
-            <a:fillRef idx="1">
-              <a:schemeClr val="accent1"/>
-            </a:fillRef>
-            <a:effectRef idx="0">
-              <a:schemeClr val="accent1"/>
-            </a:effectRef>
-            <a:fontRef idx="minor">
-              <a:schemeClr val="lt1"/>
-            </a:fontRef>
-          </p:style>
-          <p:txBody>
-            <a:bodyPr rtlCol="0" anchor="ctr"/>
-            <a:lstStyle/>
-            <a:p>
-              <a:pPr algn="ctr"/>
-              <a:r>
-                <a:rPr lang="pt-BR" sz="2000" dirty="0">
-                  <a:effectLst>
-                    <a:outerShdw blurRad="38100" dist="38100" dir="2700000" algn="tl">
-                      <a:srgbClr val="000000">
-                        <a:alpha val="43137"/>
-                      </a:srgbClr>
-                    </a:outerShdw>
-                  </a:effectLst>
-                  <a:latin typeface="Times New Roman" panose="02020603050405020304" pitchFamily="18" charset="0"/>
-                  <a:cs typeface="Times New Roman" panose="02020603050405020304" pitchFamily="18" charset="0"/>
-                </a:rPr>
-                <a:t>O1</a:t>
-              </a:r>
-            </a:p>
-          </p:txBody>
-        </p:sp>
-        <p:sp>
-          <p:nvSpPr>
-            <p:cNvPr id="41" name="Retângulo 21">
-              <a:extLst>
-                <a:ext uri="{FF2B5EF4-FFF2-40B4-BE49-F238E27FC236}">
-                  <a16:creationId xmlns:a16="http://schemas.microsoft.com/office/drawing/2014/main" id="{A40197EF-2140-6F90-63B3-37958F3B58BC}"/>
-                </a:ext>
-              </a:extLst>
-            </p:cNvPr>
-            <p:cNvSpPr/>
-            <p:nvPr/>
-          </p:nvSpPr>
-          <p:spPr>
-            <a:xfrm>
-              <a:off x="4859771" y="1517257"/>
-              <a:ext cx="554704" cy="255222"/>
-            </a:xfrm>
-            <a:prstGeom prst="rect">
-              <a:avLst/>
-            </a:prstGeom>
-            <a:solidFill>
-              <a:schemeClr val="bg1">
-                <a:lumMod val="75000"/>
-              </a:schemeClr>
-            </a:solidFill>
-            <a:ln w="12700">
-              <a:solidFill>
-                <a:schemeClr val="tx1"/>
-              </a:solidFill>
-            </a:ln>
-          </p:spPr>
-          <p:style>
-            <a:lnRef idx="2">
-              <a:schemeClr val="accent1">
-                <a:shade val="50000"/>
-              </a:schemeClr>
-            </a:lnRef>
-            <a:fillRef idx="1">
-              <a:schemeClr val="accent1"/>
-            </a:fillRef>
-            <a:effectRef idx="0">
-              <a:schemeClr val="accent1"/>
-            </a:effectRef>
-            <a:fontRef idx="minor">
-              <a:schemeClr val="lt1"/>
-            </a:fontRef>
-          </p:style>
-          <p:txBody>
-            <a:bodyPr rtlCol="0" anchor="ctr"/>
-            <a:lstStyle/>
-            <a:p>
-              <a:pPr algn="ctr"/>
-              <a:r>
-                <a:rPr lang="pt-BR" sz="2000" dirty="0">
-                  <a:effectLst>
-                    <a:outerShdw blurRad="38100" dist="38100" dir="2700000" algn="tl">
-                      <a:srgbClr val="000000">
-                        <a:alpha val="43137"/>
-                      </a:srgbClr>
-                    </a:outerShdw>
-                  </a:effectLst>
-                  <a:latin typeface="Times New Roman" panose="02020603050405020304" pitchFamily="18" charset="0"/>
-                  <a:cs typeface="Times New Roman" panose="02020603050405020304" pitchFamily="18" charset="0"/>
-                </a:rPr>
-                <a:t>SA</a:t>
-              </a:r>
-            </a:p>
-          </p:txBody>
-        </p:sp>
-        <p:sp>
-          <p:nvSpPr>
-            <p:cNvPr id="44" name="Retângulo 19">
-              <a:extLst>
-                <a:ext uri="{FF2B5EF4-FFF2-40B4-BE49-F238E27FC236}">
-                  <a16:creationId xmlns:a16="http://schemas.microsoft.com/office/drawing/2014/main" id="{E9851B1C-9263-B6DD-2E6E-3EF4434E87FE}"/>
-                </a:ext>
-              </a:extLst>
-            </p:cNvPr>
-            <p:cNvSpPr/>
-            <p:nvPr/>
-          </p:nvSpPr>
-          <p:spPr>
-            <a:xfrm>
-              <a:off x="7805048" y="1982138"/>
-              <a:ext cx="554704" cy="255222"/>
-            </a:xfrm>
-            <a:prstGeom prst="rect">
-              <a:avLst/>
-            </a:prstGeom>
-            <a:solidFill>
-              <a:schemeClr val="bg1">
-                <a:lumMod val="75000"/>
-              </a:schemeClr>
-            </a:solidFill>
-            <a:ln w="12700">
-              <a:solidFill>
-                <a:schemeClr val="tx1"/>
-              </a:solidFill>
-            </a:ln>
-          </p:spPr>
-          <p:style>
-            <a:lnRef idx="2">
-              <a:schemeClr val="accent1">
-                <a:shade val="50000"/>
-              </a:schemeClr>
-            </a:lnRef>
-            <a:fillRef idx="1">
-              <a:schemeClr val="accent1"/>
-            </a:fillRef>
-            <a:effectRef idx="0">
-              <a:schemeClr val="accent1"/>
-            </a:effectRef>
-            <a:fontRef idx="minor">
-              <a:schemeClr val="lt1"/>
-            </a:fontRef>
-          </p:style>
-          <p:txBody>
-            <a:bodyPr rtlCol="0" anchor="ctr"/>
-            <a:lstStyle/>
-            <a:p>
-              <a:pPr algn="ctr"/>
-              <a:r>
-                <a:rPr lang="pt-BR" sz="2000" dirty="0">
-                  <a:effectLst>
-                    <a:outerShdw blurRad="38100" dist="38100" dir="2700000" algn="tl">
-                      <a:srgbClr val="000000">
-                        <a:alpha val="43137"/>
-                      </a:srgbClr>
-                    </a:outerShdw>
-                  </a:effectLst>
-                  <a:latin typeface="Times New Roman" panose="02020603050405020304" pitchFamily="18" charset="0"/>
-                  <a:cs typeface="Times New Roman" panose="02020603050405020304" pitchFamily="18" charset="0"/>
-                </a:rPr>
-                <a:t>O2</a:t>
-              </a:r>
-            </a:p>
-          </p:txBody>
-        </p:sp>
-        <p:sp>
-          <p:nvSpPr>
-            <p:cNvPr id="45" name="Retângulo 20">
-              <a:extLst>
-                <a:ext uri="{FF2B5EF4-FFF2-40B4-BE49-F238E27FC236}">
-                  <a16:creationId xmlns:a16="http://schemas.microsoft.com/office/drawing/2014/main" id="{5F31777E-F1D5-9D41-30E5-BC106AC6B330}"/>
-                </a:ext>
-              </a:extLst>
-            </p:cNvPr>
-            <p:cNvSpPr/>
-            <p:nvPr/>
-          </p:nvSpPr>
-          <p:spPr>
-            <a:xfrm>
-              <a:off x="7250344" y="1982138"/>
-              <a:ext cx="554704" cy="255222"/>
-            </a:xfrm>
-            <a:prstGeom prst="rect">
-              <a:avLst/>
-            </a:prstGeom>
-            <a:solidFill>
-              <a:schemeClr val="bg1">
-                <a:lumMod val="75000"/>
-              </a:schemeClr>
-            </a:solidFill>
-            <a:ln w="12700">
-              <a:solidFill>
-                <a:schemeClr val="tx1"/>
-              </a:solidFill>
-            </a:ln>
-          </p:spPr>
-          <p:style>
-            <a:lnRef idx="2">
-              <a:schemeClr val="accent1">
-                <a:shade val="50000"/>
-              </a:schemeClr>
-            </a:lnRef>
-            <a:fillRef idx="1">
-              <a:schemeClr val="accent1"/>
-            </a:fillRef>
-            <a:effectRef idx="0">
-              <a:schemeClr val="accent1"/>
-            </a:effectRef>
-            <a:fontRef idx="minor">
-              <a:schemeClr val="lt1"/>
-            </a:fontRef>
-          </p:style>
-          <p:txBody>
-            <a:bodyPr rtlCol="0" anchor="ctr"/>
-            <a:lstStyle/>
-            <a:p>
-              <a:pPr algn="ctr"/>
-              <a:r>
-                <a:rPr lang="pt-BR" sz="2000" dirty="0">
-                  <a:effectLst>
-                    <a:outerShdw blurRad="38100" dist="38100" dir="2700000" algn="tl">
-                      <a:srgbClr val="000000">
-                        <a:alpha val="43137"/>
-                      </a:srgbClr>
-                    </a:outerShdw>
-                  </a:effectLst>
-                  <a:latin typeface="Times New Roman" panose="02020603050405020304" pitchFamily="18" charset="0"/>
-                  <a:cs typeface="Times New Roman" panose="02020603050405020304" pitchFamily="18" charset="0"/>
-                </a:rPr>
-                <a:t>O1</a:t>
-              </a:r>
-            </a:p>
-          </p:txBody>
-        </p:sp>
-        <p:sp>
-          <p:nvSpPr>
-            <p:cNvPr id="47" name="TextBox 46">
-              <a:extLst>
-                <a:ext uri="{FF2B5EF4-FFF2-40B4-BE49-F238E27FC236}">
-                  <a16:creationId xmlns:a16="http://schemas.microsoft.com/office/drawing/2014/main" id="{6975B48C-F78E-87A9-FA84-E3EF052BE92A}"/>
-                </a:ext>
-              </a:extLst>
-            </p:cNvPr>
-            <p:cNvSpPr txBox="1"/>
-            <p:nvPr/>
-          </p:nvSpPr>
-          <p:spPr>
-            <a:xfrm>
-              <a:off x="6841371" y="1919737"/>
-              <a:ext cx="445956" cy="338554"/>
-            </a:xfrm>
-            <a:prstGeom prst="rect">
-              <a:avLst/>
-            </a:prstGeom>
-            <a:noFill/>
-          </p:spPr>
-          <p:txBody>
-            <a:bodyPr wrap="none" rtlCol="0">
-              <a:spAutoFit/>
-            </a:bodyPr>
-            <a:lstStyle/>
-            <a:p>
-              <a:r>
-                <a:rPr lang="pt-BR" sz="1600" dirty="0">
-                  <a:effectLst>
-                    <a:outerShdw blurRad="38100" dist="38100" dir="2700000" algn="tl">
-                      <a:srgbClr val="000000">
-                        <a:alpha val="43137"/>
-                      </a:srgbClr>
-                    </a:outerShdw>
-                  </a:effectLst>
-                  <a:latin typeface="Times New Roman" panose="02020603050405020304" pitchFamily="18" charset="0"/>
-                  <a:cs typeface="Times New Roman" panose="02020603050405020304" pitchFamily="18" charset="0"/>
-                </a:rPr>
-                <a:t>VS</a:t>
-              </a:r>
-            </a:p>
-          </p:txBody>
-        </p:sp>
-        <p:sp>
-          <p:nvSpPr>
-            <p:cNvPr id="48" name="Retângulo 17">
-              <a:extLst>
-                <a:ext uri="{FF2B5EF4-FFF2-40B4-BE49-F238E27FC236}">
-                  <a16:creationId xmlns:a16="http://schemas.microsoft.com/office/drawing/2014/main" id="{4ABF0BD2-31CA-2B85-9850-435EA8B3D83E}"/>
-                </a:ext>
-              </a:extLst>
-            </p:cNvPr>
-            <p:cNvSpPr/>
-            <p:nvPr/>
-          </p:nvSpPr>
-          <p:spPr>
-            <a:xfrm>
-              <a:off x="4859771" y="1984631"/>
-              <a:ext cx="554704" cy="255222"/>
-            </a:xfrm>
-            <a:prstGeom prst="rect">
-              <a:avLst/>
-            </a:prstGeom>
-            <a:solidFill>
-              <a:schemeClr val="bg1">
-                <a:lumMod val="75000"/>
-              </a:schemeClr>
-            </a:solidFill>
-            <a:ln w="12700">
-              <a:solidFill>
-                <a:schemeClr val="tx1"/>
-              </a:solidFill>
-            </a:ln>
-          </p:spPr>
-          <p:style>
-            <a:lnRef idx="2">
-              <a:schemeClr val="accent1">
-                <a:shade val="50000"/>
-              </a:schemeClr>
-            </a:lnRef>
-            <a:fillRef idx="1">
-              <a:schemeClr val="accent1"/>
-            </a:fillRef>
-            <a:effectRef idx="0">
-              <a:schemeClr val="accent1"/>
-            </a:effectRef>
-            <a:fontRef idx="minor">
-              <a:schemeClr val="lt1"/>
-            </a:fontRef>
-          </p:style>
-          <p:txBody>
-            <a:bodyPr rtlCol="0" anchor="ctr"/>
-            <a:lstStyle/>
-            <a:p>
-              <a:pPr algn="ctr"/>
-              <a:r>
-                <a:rPr lang="pt-BR" sz="2000" dirty="0">
-                  <a:effectLst>
-                    <a:outerShdw blurRad="38100" dist="38100" dir="2700000" algn="tl">
-                      <a:srgbClr val="000000">
-                        <a:alpha val="43137"/>
-                      </a:srgbClr>
-                    </a:outerShdw>
-                  </a:effectLst>
-                  <a:latin typeface="Times New Roman" panose="02020603050405020304" pitchFamily="18" charset="0"/>
-                  <a:cs typeface="Times New Roman" panose="02020603050405020304" pitchFamily="18" charset="0"/>
-                </a:rPr>
-                <a:t>SA</a:t>
-              </a:r>
-            </a:p>
-          </p:txBody>
-        </p:sp>
-        <p:sp>
-          <p:nvSpPr>
-            <p:cNvPr id="49" name="Retângulo 18">
-              <a:extLst>
-                <a:ext uri="{FF2B5EF4-FFF2-40B4-BE49-F238E27FC236}">
-                  <a16:creationId xmlns:a16="http://schemas.microsoft.com/office/drawing/2014/main" id="{63C514A5-577C-EBC8-3356-E84AB235F0DF}"/>
-                </a:ext>
-              </a:extLst>
-            </p:cNvPr>
-            <p:cNvSpPr/>
-            <p:nvPr/>
-          </p:nvSpPr>
-          <p:spPr>
-            <a:xfrm>
-              <a:off x="5731972" y="1982138"/>
-              <a:ext cx="554704" cy="255222"/>
-            </a:xfrm>
-            <a:prstGeom prst="rect">
-              <a:avLst/>
-            </a:prstGeom>
-            <a:solidFill>
-              <a:schemeClr val="bg1">
-                <a:lumMod val="75000"/>
-              </a:schemeClr>
-            </a:solidFill>
-            <a:ln w="12700">
-              <a:solidFill>
-                <a:schemeClr val="tx1"/>
-              </a:solidFill>
-            </a:ln>
-          </p:spPr>
-          <p:style>
-            <a:lnRef idx="2">
-              <a:schemeClr val="accent1">
-                <a:shade val="50000"/>
-              </a:schemeClr>
-            </a:lnRef>
-            <a:fillRef idx="1">
-              <a:schemeClr val="accent1"/>
-            </a:fillRef>
-            <a:effectRef idx="0">
-              <a:schemeClr val="accent1"/>
-            </a:effectRef>
-            <a:fontRef idx="minor">
-              <a:schemeClr val="lt1"/>
-            </a:fontRef>
-          </p:style>
-          <p:txBody>
-            <a:bodyPr rtlCol="0" anchor="ctr"/>
-            <a:lstStyle/>
-            <a:p>
-              <a:pPr algn="ctr"/>
-              <a:r>
-                <a:rPr lang="pt-BR" sz="2000" dirty="0">
-                  <a:effectLst>
-                    <a:outerShdw blurRad="38100" dist="38100" dir="2700000" algn="tl">
-                      <a:srgbClr val="000000">
-                        <a:alpha val="43137"/>
-                      </a:srgbClr>
-                    </a:outerShdw>
-                  </a:effectLst>
-                  <a:latin typeface="Times New Roman" panose="02020603050405020304" pitchFamily="18" charset="0"/>
-                  <a:cs typeface="Times New Roman" panose="02020603050405020304" pitchFamily="18" charset="0"/>
-                </a:rPr>
-                <a:t>Q1</a:t>
-              </a:r>
-            </a:p>
-          </p:txBody>
-        </p:sp>
-        <p:sp>
-          <p:nvSpPr>
-            <p:cNvPr id="50" name="Retângulo 19">
-              <a:extLst>
-                <a:ext uri="{FF2B5EF4-FFF2-40B4-BE49-F238E27FC236}">
-                  <a16:creationId xmlns:a16="http://schemas.microsoft.com/office/drawing/2014/main" id="{8B7ABDAA-C388-E05F-FF8C-019D675EA813}"/>
-                </a:ext>
-              </a:extLst>
-            </p:cNvPr>
-            <p:cNvSpPr/>
-            <p:nvPr/>
-          </p:nvSpPr>
-          <p:spPr>
-            <a:xfrm>
-              <a:off x="7803421" y="2410534"/>
-              <a:ext cx="554704" cy="255222"/>
-            </a:xfrm>
-            <a:prstGeom prst="rect">
-              <a:avLst/>
-            </a:prstGeom>
-            <a:solidFill>
-              <a:schemeClr val="bg1">
-                <a:lumMod val="75000"/>
-              </a:schemeClr>
-            </a:solidFill>
-            <a:ln w="12700">
-              <a:solidFill>
-                <a:schemeClr val="tx1"/>
-              </a:solidFill>
-            </a:ln>
-          </p:spPr>
-          <p:style>
-            <a:lnRef idx="2">
-              <a:schemeClr val="accent1">
-                <a:shade val="50000"/>
-              </a:schemeClr>
-            </a:lnRef>
-            <a:fillRef idx="1">
-              <a:schemeClr val="accent1"/>
-            </a:fillRef>
-            <a:effectRef idx="0">
-              <a:schemeClr val="accent1"/>
-            </a:effectRef>
-            <a:fontRef idx="minor">
-              <a:schemeClr val="lt1"/>
-            </a:fontRef>
-          </p:style>
-          <p:txBody>
-            <a:bodyPr rtlCol="0" anchor="ctr"/>
-            <a:lstStyle/>
-            <a:p>
-              <a:pPr algn="ctr"/>
-              <a:r>
-                <a:rPr lang="pt-BR" sz="2000" dirty="0">
-                  <a:effectLst>
-                    <a:outerShdw blurRad="38100" dist="38100" dir="2700000" algn="tl">
-                      <a:srgbClr val="000000">
-                        <a:alpha val="43137"/>
-                      </a:srgbClr>
-                    </a:outerShdw>
-                  </a:effectLst>
-                  <a:latin typeface="Times New Roman" panose="02020603050405020304" pitchFamily="18" charset="0"/>
-                  <a:cs typeface="Times New Roman" panose="02020603050405020304" pitchFamily="18" charset="0"/>
-                </a:rPr>
-                <a:t>O2</a:t>
-              </a:r>
-            </a:p>
-          </p:txBody>
-        </p:sp>
-        <p:sp>
-          <p:nvSpPr>
-            <p:cNvPr id="51" name="Retângulo 20">
-              <a:extLst>
-                <a:ext uri="{FF2B5EF4-FFF2-40B4-BE49-F238E27FC236}">
-                  <a16:creationId xmlns:a16="http://schemas.microsoft.com/office/drawing/2014/main" id="{B2A2CF3E-8F50-0604-1F63-20DA39ED69ED}"/>
-                </a:ext>
-              </a:extLst>
-            </p:cNvPr>
-            <p:cNvSpPr/>
-            <p:nvPr/>
-          </p:nvSpPr>
-          <p:spPr>
-            <a:xfrm>
-              <a:off x="6907142" y="2405549"/>
-              <a:ext cx="554704" cy="255222"/>
-            </a:xfrm>
-            <a:prstGeom prst="rect">
-              <a:avLst/>
-            </a:prstGeom>
-            <a:solidFill>
-              <a:schemeClr val="bg1">
-                <a:lumMod val="75000"/>
-              </a:schemeClr>
-            </a:solidFill>
-            <a:ln w="12700">
-              <a:solidFill>
-                <a:schemeClr val="tx1"/>
-              </a:solidFill>
-            </a:ln>
-          </p:spPr>
-          <p:style>
-            <a:lnRef idx="2">
-              <a:schemeClr val="accent1">
-                <a:shade val="50000"/>
-              </a:schemeClr>
-            </a:lnRef>
-            <a:fillRef idx="1">
-              <a:schemeClr val="accent1"/>
-            </a:fillRef>
-            <a:effectRef idx="0">
-              <a:schemeClr val="accent1"/>
-            </a:effectRef>
-            <a:fontRef idx="minor">
-              <a:schemeClr val="lt1"/>
-            </a:fontRef>
-          </p:style>
-          <p:txBody>
-            <a:bodyPr rtlCol="0" anchor="ctr"/>
-            <a:lstStyle/>
-            <a:p>
-              <a:pPr algn="ctr"/>
-              <a:r>
-                <a:rPr lang="pt-BR" sz="2000" dirty="0">
-                  <a:effectLst>
-                    <a:outerShdw blurRad="38100" dist="38100" dir="2700000" algn="tl">
-                      <a:srgbClr val="000000">
-                        <a:alpha val="43137"/>
-                      </a:srgbClr>
-                    </a:outerShdw>
-                  </a:effectLst>
-                  <a:latin typeface="Times New Roman" panose="02020603050405020304" pitchFamily="18" charset="0"/>
-                  <a:cs typeface="Times New Roman" panose="02020603050405020304" pitchFamily="18" charset="0"/>
-                </a:rPr>
-                <a:t>O1</a:t>
-              </a:r>
-            </a:p>
-          </p:txBody>
-        </p:sp>
-        <p:sp>
-          <p:nvSpPr>
-            <p:cNvPr id="52" name="TextBox 51">
-              <a:extLst>
-                <a:ext uri="{FF2B5EF4-FFF2-40B4-BE49-F238E27FC236}">
-                  <a16:creationId xmlns:a16="http://schemas.microsoft.com/office/drawing/2014/main" id="{025D59B1-8091-C02A-010D-815A105727E0}"/>
-                </a:ext>
-              </a:extLst>
-            </p:cNvPr>
-            <p:cNvSpPr txBox="1"/>
-            <p:nvPr/>
-          </p:nvSpPr>
-          <p:spPr>
-            <a:xfrm>
-              <a:off x="5350245" y="1934241"/>
-              <a:ext cx="445956" cy="338554"/>
-            </a:xfrm>
-            <a:prstGeom prst="rect">
-              <a:avLst/>
-            </a:prstGeom>
-            <a:noFill/>
-          </p:spPr>
-          <p:txBody>
-            <a:bodyPr wrap="none" rtlCol="0">
-              <a:spAutoFit/>
-            </a:bodyPr>
-            <a:lstStyle/>
-            <a:p>
-              <a:r>
-                <a:rPr lang="pt-BR" sz="1600" dirty="0">
-                  <a:effectLst>
-                    <a:outerShdw blurRad="38100" dist="38100" dir="2700000" algn="tl">
-                      <a:srgbClr val="000000">
-                        <a:alpha val="43137"/>
-                      </a:srgbClr>
-                    </a:outerShdw>
-                  </a:effectLst>
-                  <a:latin typeface="Times New Roman" panose="02020603050405020304" pitchFamily="18" charset="0"/>
-                  <a:cs typeface="Times New Roman" panose="02020603050405020304" pitchFamily="18" charset="0"/>
-                </a:rPr>
-                <a:t>VS</a:t>
-              </a:r>
-            </a:p>
-          </p:txBody>
-        </p:sp>
-        <p:sp>
-          <p:nvSpPr>
-            <p:cNvPr id="53" name="TextBox 52">
-              <a:extLst>
-                <a:ext uri="{FF2B5EF4-FFF2-40B4-BE49-F238E27FC236}">
-                  <a16:creationId xmlns:a16="http://schemas.microsoft.com/office/drawing/2014/main" id="{58322145-50CA-A03F-0426-1D4D596A6EEA}"/>
-                </a:ext>
-              </a:extLst>
-            </p:cNvPr>
-            <p:cNvSpPr txBox="1"/>
-            <p:nvPr/>
-          </p:nvSpPr>
-          <p:spPr>
-            <a:xfrm>
-              <a:off x="7409656" y="2362637"/>
-              <a:ext cx="445956" cy="338554"/>
-            </a:xfrm>
-            <a:prstGeom prst="rect">
-              <a:avLst/>
-            </a:prstGeom>
-            <a:noFill/>
-          </p:spPr>
-          <p:txBody>
-            <a:bodyPr wrap="none" rtlCol="0">
-              <a:spAutoFit/>
-            </a:bodyPr>
-            <a:lstStyle/>
-            <a:p>
-              <a:r>
-                <a:rPr lang="pt-BR" sz="1600" dirty="0">
-                  <a:effectLst>
-                    <a:outerShdw blurRad="38100" dist="38100" dir="2700000" algn="tl">
-                      <a:srgbClr val="000000">
-                        <a:alpha val="43137"/>
-                      </a:srgbClr>
-                    </a:outerShdw>
-                  </a:effectLst>
-                  <a:latin typeface="Times New Roman" panose="02020603050405020304" pitchFamily="18" charset="0"/>
-                  <a:cs typeface="Times New Roman" panose="02020603050405020304" pitchFamily="18" charset="0"/>
-                </a:rPr>
-                <a:t>VS</a:t>
-              </a:r>
-            </a:p>
-          </p:txBody>
-        </p:sp>
-        <p:sp>
-          <p:nvSpPr>
-            <p:cNvPr id="57" name="Retângulo 17">
-              <a:extLst>
-                <a:ext uri="{FF2B5EF4-FFF2-40B4-BE49-F238E27FC236}">
-                  <a16:creationId xmlns:a16="http://schemas.microsoft.com/office/drawing/2014/main" id="{56AFD73D-6C85-D4B2-9130-C7F90F4D7ABE}"/>
-                </a:ext>
-              </a:extLst>
-            </p:cNvPr>
-            <p:cNvSpPr/>
-            <p:nvPr/>
-          </p:nvSpPr>
-          <p:spPr>
-            <a:xfrm>
-              <a:off x="6352438" y="1982138"/>
-              <a:ext cx="554704" cy="255222"/>
-            </a:xfrm>
-            <a:prstGeom prst="rect">
-              <a:avLst/>
-            </a:prstGeom>
-            <a:solidFill>
-              <a:schemeClr val="bg1">
-                <a:lumMod val="75000"/>
-              </a:schemeClr>
-            </a:solidFill>
-            <a:ln w="12700">
-              <a:solidFill>
-                <a:schemeClr val="tx1"/>
-              </a:solidFill>
-            </a:ln>
-          </p:spPr>
-          <p:style>
-            <a:lnRef idx="2">
-              <a:schemeClr val="accent1">
-                <a:shade val="50000"/>
-              </a:schemeClr>
-            </a:lnRef>
-            <a:fillRef idx="1">
-              <a:schemeClr val="accent1"/>
-            </a:fillRef>
-            <a:effectRef idx="0">
-              <a:schemeClr val="accent1"/>
-            </a:effectRef>
-            <a:fontRef idx="minor">
-              <a:schemeClr val="lt1"/>
-            </a:fontRef>
-          </p:style>
-          <p:txBody>
-            <a:bodyPr rtlCol="0" anchor="ctr"/>
-            <a:lstStyle/>
-            <a:p>
-              <a:pPr algn="ctr"/>
-              <a:r>
-                <a:rPr lang="pt-BR" sz="2000" dirty="0">
-                  <a:effectLst>
-                    <a:outerShdw blurRad="38100" dist="38100" dir="2700000" algn="tl">
-                      <a:srgbClr val="000000">
-                        <a:alpha val="43137"/>
-                      </a:srgbClr>
-                    </a:outerShdw>
-                  </a:effectLst>
-                  <a:latin typeface="Times New Roman" panose="02020603050405020304" pitchFamily="18" charset="0"/>
-                  <a:cs typeface="Times New Roman" panose="02020603050405020304" pitchFamily="18" charset="0"/>
-                </a:rPr>
-                <a:t>Q2</a:t>
-              </a:r>
-            </a:p>
-          </p:txBody>
-        </p:sp>
-        <p:sp>
-          <p:nvSpPr>
-            <p:cNvPr id="58" name="Retângulo 9">
-              <a:extLst>
-                <a:ext uri="{FF2B5EF4-FFF2-40B4-BE49-F238E27FC236}">
-                  <a16:creationId xmlns:a16="http://schemas.microsoft.com/office/drawing/2014/main" id="{0F444070-1070-3C96-34F4-771B12605F1E}"/>
-                </a:ext>
-              </a:extLst>
-            </p:cNvPr>
-            <p:cNvSpPr/>
-            <p:nvPr/>
-          </p:nvSpPr>
-          <p:spPr>
-            <a:xfrm>
-              <a:off x="4859771" y="1158452"/>
-              <a:ext cx="3498354" cy="255222"/>
-            </a:xfrm>
-            <a:prstGeom prst="rect">
-              <a:avLst/>
-            </a:prstGeom>
-            <a:solidFill>
-              <a:schemeClr val="accent2"/>
-            </a:solidFill>
-            <a:ln w="19050">
-              <a:solidFill>
-                <a:schemeClr val="tx1"/>
-              </a:solidFill>
-            </a:ln>
-          </p:spPr>
-          <p:style>
-            <a:lnRef idx="2">
-              <a:schemeClr val="accent1">
-                <a:shade val="50000"/>
-              </a:schemeClr>
-            </a:lnRef>
-            <a:fillRef idx="1">
-              <a:schemeClr val="accent1"/>
-            </a:fillRef>
-            <a:effectRef idx="0">
-              <a:schemeClr val="accent1"/>
-            </a:effectRef>
-            <a:fontRef idx="minor">
-              <a:schemeClr val="lt1"/>
-            </a:fontRef>
-          </p:style>
-          <p:txBody>
-            <a:bodyPr rtlCol="0" anchor="ctr"/>
-            <a:lstStyle/>
-            <a:p>
-              <a:pPr algn="ctr"/>
-              <a:r>
-                <a:rPr lang="pt-BR" sz="2400" dirty="0">
-                  <a:effectLst>
-                    <a:outerShdw blurRad="38100" dist="38100" dir="2700000" algn="tl">
-                      <a:srgbClr val="000000">
-                        <a:alpha val="43137"/>
-                      </a:srgbClr>
-                    </a:outerShdw>
-                  </a:effectLst>
-                  <a:latin typeface="Times New Roman" panose="02020603050405020304" pitchFamily="18" charset="0"/>
-                  <a:cs typeface="Times New Roman" panose="02020603050405020304" pitchFamily="18" charset="0"/>
-                </a:rPr>
-                <a:t>Opção 2</a:t>
-              </a:r>
-            </a:p>
-          </p:txBody>
-        </p:sp>
+        </p:cxnSp>
       </p:grpSp>
     </p:spTree>
     <p:extLst>
       <p:ext uri="{BB962C8B-B14F-4D97-AF65-F5344CB8AC3E}">
-        <p14:creationId xmlns:p14="http://schemas.microsoft.com/office/powerpoint/2010/main" val="2063135484"/>
+        <p14:creationId xmlns:p14="http://schemas.microsoft.com/office/powerpoint/2010/main" val="2468292990"/>
       </p:ext>
     </p:extLst>
   </p:cSld>
@@ -5543,7 +5449,66 @@
 </p:sld>
 </file>
 
-<file path=ppt/slides/slide10.xml><?xml version="1.0" encoding="utf-8"?>
+<file path=ppt/slides/slide11.xml><?xml version="1.0" encoding="utf-8"?>
+<p:sld xmlns:a="http://schemas.openxmlformats.org/drawingml/2006/main" xmlns:r="http://schemas.openxmlformats.org/officeDocument/2006/relationships" xmlns:p="http://schemas.openxmlformats.org/presentationml/2006/main">
+  <p:cSld>
+    <p:spTree>
+      <p:nvGrpSpPr>
+        <p:cNvPr id="1" name=""/>
+        <p:cNvGrpSpPr/>
+        <p:nvPr/>
+      </p:nvGrpSpPr>
+      <p:grpSpPr>
+        <a:xfrm>
+          <a:off x="0" y="0"/>
+          <a:ext cx="0" cy="0"/>
+          <a:chOff x="0" y="0"/>
+          <a:chExt cx="0" cy="0"/>
+        </a:xfrm>
+      </p:grpSpPr>
+      <p:pic>
+        <p:nvPicPr>
+          <p:cNvPr id="5" name="Imagem 4">
+            <a:extLst>
+              <a:ext uri="{FF2B5EF4-FFF2-40B4-BE49-F238E27FC236}">
+                <a16:creationId xmlns:a16="http://schemas.microsoft.com/office/drawing/2014/main" id="{393EE2E2-EE7D-8868-3B30-BB4E094AD8D9}"/>
+              </a:ext>
+            </a:extLst>
+          </p:cNvPr>
+          <p:cNvPicPr>
+            <a:picLocks noChangeAspect="1"/>
+          </p:cNvPicPr>
+          <p:nvPr/>
+        </p:nvPicPr>
+        <p:blipFill rotWithShape="1">
+          <a:blip r:embed="rId2"/>
+          <a:srcRect l="264"/>
+          <a:stretch/>
+        </p:blipFill>
+        <p:spPr>
+          <a:xfrm>
+            <a:off x="1960880" y="910371"/>
+            <a:ext cx="8292190" cy="5037257"/>
+          </a:xfrm>
+          <a:prstGeom prst="rect">
+            <a:avLst/>
+          </a:prstGeom>
+        </p:spPr>
+      </p:pic>
+    </p:spTree>
+    <p:extLst>
+      <p:ext uri="{BB962C8B-B14F-4D97-AF65-F5344CB8AC3E}">
+        <p14:creationId xmlns:p14="http://schemas.microsoft.com/office/powerpoint/2010/main" val="43133824"/>
+      </p:ext>
+    </p:extLst>
+  </p:cSld>
+  <p:clrMapOvr>
+    <a:masterClrMapping/>
+  </p:clrMapOvr>
+</p:sld>
+</file>
+
+<file path=ppt/slides/slide12.xml><?xml version="1.0" encoding="utf-8"?>
 <p:sld xmlns:a="http://schemas.openxmlformats.org/drawingml/2006/main" xmlns:r="http://schemas.openxmlformats.org/officeDocument/2006/relationships" xmlns:p="http://schemas.openxmlformats.org/presentationml/2006/main">
   <p:cSld>
     <p:spTree>
@@ -5834,6 +5799,4349 @@
 </file>
 
 <file path=ppt/slides/slide2.xml><?xml version="1.0" encoding="utf-8"?>
+<p:sld xmlns:a="http://schemas.openxmlformats.org/drawingml/2006/main" xmlns:r="http://schemas.openxmlformats.org/officeDocument/2006/relationships" xmlns:p="http://schemas.openxmlformats.org/presentationml/2006/main">
+  <p:cSld>
+    <p:spTree>
+      <p:nvGrpSpPr>
+        <p:cNvPr id="1" name=""/>
+        <p:cNvGrpSpPr/>
+        <p:nvPr/>
+      </p:nvGrpSpPr>
+      <p:grpSpPr>
+        <a:xfrm>
+          <a:off x="0" y="0"/>
+          <a:ext cx="0" cy="0"/>
+          <a:chOff x="0" y="0"/>
+          <a:chExt cx="0" cy="0"/>
+        </a:xfrm>
+      </p:grpSpPr>
+      <p:grpSp>
+        <p:nvGrpSpPr>
+          <p:cNvPr id="59" name="Group 58">
+            <a:extLst>
+              <a:ext uri="{FF2B5EF4-FFF2-40B4-BE49-F238E27FC236}">
+                <a16:creationId xmlns:a16="http://schemas.microsoft.com/office/drawing/2014/main" id="{254353D8-BC70-6AB2-19FD-36E2A7CA16AA}"/>
+              </a:ext>
+            </a:extLst>
+          </p:cNvPr>
+          <p:cNvGrpSpPr/>
+          <p:nvPr/>
+        </p:nvGrpSpPr>
+        <p:grpSpPr>
+          <a:xfrm>
+            <a:off x="1961209" y="1499359"/>
+            <a:ext cx="6401106" cy="2704857"/>
+            <a:chOff x="1256359" y="908809"/>
+            <a:chExt cx="6401106" cy="2704857"/>
+          </a:xfrm>
+        </p:grpSpPr>
+        <p:sp>
+          <p:nvSpPr>
+            <p:cNvPr id="5" name="Retângulo 9">
+              <a:extLst>
+                <a:ext uri="{FF2B5EF4-FFF2-40B4-BE49-F238E27FC236}">
+                  <a16:creationId xmlns:a16="http://schemas.microsoft.com/office/drawing/2014/main" id="{AF8A75FA-A5B3-674A-8752-58983EA183E1}"/>
+                </a:ext>
+              </a:extLst>
+            </p:cNvPr>
+            <p:cNvSpPr/>
+            <p:nvPr/>
+          </p:nvSpPr>
+          <p:spPr>
+            <a:xfrm>
+              <a:off x="1256359" y="1407855"/>
+              <a:ext cx="2722880" cy="695325"/>
+            </a:xfrm>
+            <a:prstGeom prst="rect">
+              <a:avLst/>
+            </a:prstGeom>
+            <a:solidFill>
+              <a:schemeClr val="accent2"/>
+            </a:solidFill>
+            <a:ln w="19050">
+              <a:solidFill>
+                <a:schemeClr val="tx1"/>
+              </a:solidFill>
+            </a:ln>
+          </p:spPr>
+          <p:style>
+            <a:lnRef idx="2">
+              <a:schemeClr val="accent1">
+                <a:shade val="50000"/>
+              </a:schemeClr>
+            </a:lnRef>
+            <a:fillRef idx="1">
+              <a:schemeClr val="accent1"/>
+            </a:fillRef>
+            <a:effectRef idx="0">
+              <a:schemeClr val="accent1"/>
+            </a:effectRef>
+            <a:fontRef idx="minor">
+              <a:schemeClr val="lt1"/>
+            </a:fontRef>
+          </p:style>
+          <p:txBody>
+            <a:bodyPr rtlCol="0" anchor="ctr"/>
+            <a:lstStyle/>
+            <a:p>
+              <a:pPr algn="ctr"/>
+              <a:r>
+                <a:rPr lang="pt-BR" sz="2400" dirty="0">
+                  <a:effectLst>
+                    <a:outerShdw blurRad="38100" dist="38100" dir="2700000" algn="tl">
+                      <a:srgbClr val="000000">
+                        <a:alpha val="43137"/>
+                      </a:srgbClr>
+                    </a:outerShdw>
+                  </a:effectLst>
+                  <a:latin typeface="Times New Roman" panose="02020603050405020304" pitchFamily="18" charset="0"/>
+                  <a:cs typeface="Times New Roman" panose="02020603050405020304" pitchFamily="18" charset="0"/>
+                </a:rPr>
+                <a:t>Teste F</a:t>
+              </a:r>
+            </a:p>
+            <a:p>
+              <a:pPr algn="ctr"/>
+              <a:r>
+                <a:rPr lang="pt-BR" sz="2400" dirty="0">
+                  <a:effectLst>
+                    <a:outerShdw blurRad="38100" dist="38100" dir="2700000" algn="tl">
+                      <a:srgbClr val="000000">
+                        <a:alpha val="43137"/>
+                      </a:srgbClr>
+                    </a:outerShdw>
+                  </a:effectLst>
+                  <a:latin typeface="Times New Roman" panose="02020603050405020304" pitchFamily="18" charset="0"/>
+                  <a:cs typeface="Times New Roman" panose="02020603050405020304" pitchFamily="18" charset="0"/>
+                </a:rPr>
+                <a:t>anova()</a:t>
+              </a:r>
+            </a:p>
+          </p:txBody>
+        </p:sp>
+        <p:sp>
+          <p:nvSpPr>
+            <p:cNvPr id="7" name="Retângulo 9">
+              <a:extLst>
+                <a:ext uri="{FF2B5EF4-FFF2-40B4-BE49-F238E27FC236}">
+                  <a16:creationId xmlns:a16="http://schemas.microsoft.com/office/drawing/2014/main" id="{0FA1E231-0FD8-E93B-8BC1-0B95B02BEF1E}"/>
+                </a:ext>
+              </a:extLst>
+            </p:cNvPr>
+            <p:cNvSpPr/>
+            <p:nvPr/>
+          </p:nvSpPr>
+          <p:spPr>
+            <a:xfrm>
+              <a:off x="4934585" y="1407855"/>
+              <a:ext cx="2722880" cy="695325"/>
+            </a:xfrm>
+            <a:prstGeom prst="rect">
+              <a:avLst/>
+            </a:prstGeom>
+            <a:solidFill>
+              <a:schemeClr val="accent2"/>
+            </a:solidFill>
+            <a:ln w="19050">
+              <a:solidFill>
+                <a:schemeClr val="tx1"/>
+              </a:solidFill>
+            </a:ln>
+          </p:spPr>
+          <p:style>
+            <a:lnRef idx="2">
+              <a:schemeClr val="accent1">
+                <a:shade val="50000"/>
+              </a:schemeClr>
+            </a:lnRef>
+            <a:fillRef idx="1">
+              <a:schemeClr val="accent1"/>
+            </a:fillRef>
+            <a:effectRef idx="0">
+              <a:schemeClr val="accent1"/>
+            </a:effectRef>
+            <a:fontRef idx="minor">
+              <a:schemeClr val="lt1"/>
+            </a:fontRef>
+          </p:style>
+          <p:txBody>
+            <a:bodyPr rtlCol="0" anchor="ctr"/>
+            <a:lstStyle/>
+            <a:p>
+              <a:pPr algn="ctr"/>
+              <a:r>
+                <a:rPr lang="pt-BR" sz="2400" dirty="0">
+                  <a:effectLst>
+                    <a:outerShdw blurRad="38100" dist="38100" dir="2700000" algn="tl">
+                      <a:srgbClr val="000000">
+                        <a:alpha val="43137"/>
+                      </a:srgbClr>
+                    </a:outerShdw>
+                  </a:effectLst>
+                  <a:latin typeface="Times New Roman" panose="02020603050405020304" pitchFamily="18" charset="0"/>
+                  <a:cs typeface="Times New Roman" panose="02020603050405020304" pitchFamily="18" charset="0"/>
+                </a:rPr>
+                <a:t>Teste t</a:t>
+              </a:r>
+            </a:p>
+            <a:p>
+              <a:pPr algn="ctr"/>
+              <a:r>
+                <a:rPr lang="pt-BR" sz="2400" dirty="0" err="1">
+                  <a:effectLst>
+                    <a:outerShdw blurRad="38100" dist="38100" dir="2700000" algn="tl">
+                      <a:srgbClr val="000000">
+                        <a:alpha val="43137"/>
+                      </a:srgbClr>
+                    </a:outerShdw>
+                  </a:effectLst>
+                  <a:latin typeface="Times New Roman" panose="02020603050405020304" pitchFamily="18" charset="0"/>
+                  <a:cs typeface="Times New Roman" panose="02020603050405020304" pitchFamily="18" charset="0"/>
+                </a:rPr>
+                <a:t>summary</a:t>
+              </a:r>
+              <a:r>
+                <a:rPr lang="pt-BR" sz="2400" dirty="0">
+                  <a:effectLst>
+                    <a:outerShdw blurRad="38100" dist="38100" dir="2700000" algn="tl">
+                      <a:srgbClr val="000000">
+                        <a:alpha val="43137"/>
+                      </a:srgbClr>
+                    </a:outerShdw>
+                  </a:effectLst>
+                  <a:latin typeface="Times New Roman" panose="02020603050405020304" pitchFamily="18" charset="0"/>
+                  <a:cs typeface="Times New Roman" panose="02020603050405020304" pitchFamily="18" charset="0"/>
+                </a:rPr>
+                <a:t>()</a:t>
+              </a:r>
+            </a:p>
+          </p:txBody>
+        </p:sp>
+        <mc:AlternateContent xmlns:mc="http://schemas.openxmlformats.org/markup-compatibility/2006" xmlns:a14="http://schemas.microsoft.com/office/drawing/2010/main">
+          <mc:Choice Requires="a14">
+            <p:sp>
+              <p:nvSpPr>
+                <p:cNvPr id="12" name="TextBox 11">
+                  <a:extLst>
+                    <a:ext uri="{FF2B5EF4-FFF2-40B4-BE49-F238E27FC236}">
+                      <a16:creationId xmlns:a16="http://schemas.microsoft.com/office/drawing/2014/main" id="{7039AA68-ECC1-57D8-8705-5311068C7678}"/>
+                    </a:ext>
+                  </a:extLst>
+                </p:cNvPr>
+                <p:cNvSpPr txBox="1"/>
+                <p:nvPr/>
+              </p:nvSpPr>
+              <p:spPr>
+                <a:xfrm>
+                  <a:off x="3051100" y="908809"/>
+                  <a:ext cx="2669513" cy="369332"/>
+                </a:xfrm>
+                <a:prstGeom prst="rect">
+                  <a:avLst/>
+                </a:prstGeom>
+                <a:solidFill>
+                  <a:schemeClr val="accent2"/>
+                </a:solidFill>
+                <a:ln w="19050">
+                  <a:solidFill>
+                    <a:schemeClr val="tx1"/>
+                  </a:solidFill>
+                </a:ln>
+              </p:spPr>
+              <p:txBody>
+                <a:bodyPr wrap="none" rtlCol="0">
+                  <a:spAutoFit/>
+                </a:bodyPr>
+                <a:lstStyle/>
+                <a:p>
+                  <a:pPr/>
+                  <a14:m>
+                    <m:oMathPara xmlns:m="http://schemas.openxmlformats.org/officeDocument/2006/math">
+                      <m:oMathParaPr>
+                        <m:jc m:val="centerGroup"/>
+                      </m:oMathParaPr>
+                      <m:oMath xmlns:m="http://schemas.openxmlformats.org/officeDocument/2006/math">
+                        <m:r>
+                          <a:rPr lang="pt-BR" i="1" dirty="0" smtClean="0">
+                            <a:solidFill>
+                              <a:schemeClr val="bg1"/>
+                            </a:solidFill>
+                            <a:effectLst>
+                              <a:outerShdw blurRad="38100" dist="38100" dir="2700000" algn="tl">
+                                <a:srgbClr val="000000">
+                                  <a:alpha val="43137"/>
+                                </a:srgbClr>
+                              </a:outerShdw>
+                            </a:effectLst>
+                            <a:latin typeface="Cambria Math" panose="02040503050406030204" pitchFamily="18" charset="0"/>
+                          </a:rPr>
+                          <m:t>𝑅𝑒𝑠𝑝𝑜𝑠𝑡𝑎</m:t>
+                        </m:r>
+                        <m:r>
+                          <a:rPr lang="pt-BR" i="1" dirty="0" smtClean="0">
+                            <a:solidFill>
+                              <a:schemeClr val="bg1"/>
+                            </a:solidFill>
+                            <a:effectLst>
+                              <a:outerShdw blurRad="38100" dist="38100" dir="2700000" algn="tl">
+                                <a:srgbClr val="000000">
+                                  <a:alpha val="43137"/>
+                                </a:srgbClr>
+                              </a:outerShdw>
+                            </a:effectLst>
+                            <a:latin typeface="Cambria Math" panose="02040503050406030204" pitchFamily="18" charset="0"/>
+                          </a:rPr>
+                          <m:t> ~ </m:t>
+                        </m:r>
+                        <m:r>
+                          <a:rPr lang="pt-BR" i="1" dirty="0" smtClean="0">
+                            <a:solidFill>
+                              <a:schemeClr val="bg1"/>
+                            </a:solidFill>
+                            <a:effectLst>
+                              <a:outerShdw blurRad="38100" dist="38100" dir="2700000" algn="tl">
+                                <a:srgbClr val="000000">
+                                  <a:alpha val="43137"/>
+                                </a:srgbClr>
+                              </a:outerShdw>
+                            </a:effectLst>
+                            <a:latin typeface="Cambria Math" panose="02040503050406030204" pitchFamily="18" charset="0"/>
+                          </a:rPr>
+                          <m:t>𝐴</m:t>
+                        </m:r>
+                        <m:r>
+                          <a:rPr lang="pt-BR" i="1" dirty="0" smtClean="0">
+                            <a:solidFill>
+                              <a:schemeClr val="bg1"/>
+                            </a:solidFill>
+                            <a:effectLst>
+                              <a:outerShdw blurRad="38100" dist="38100" dir="2700000" algn="tl">
+                                <a:srgbClr val="000000">
+                                  <a:alpha val="43137"/>
+                                </a:srgbClr>
+                              </a:outerShdw>
+                            </a:effectLst>
+                            <a:latin typeface="Cambria Math" panose="02040503050406030204" pitchFamily="18" charset="0"/>
+                          </a:rPr>
+                          <m:t> + </m:t>
+                        </m:r>
+                        <m:r>
+                          <a:rPr lang="pt-BR" i="1" dirty="0" smtClean="0">
+                            <a:solidFill>
+                              <a:schemeClr val="bg1"/>
+                            </a:solidFill>
+                            <a:effectLst>
+                              <a:outerShdw blurRad="38100" dist="38100" dir="2700000" algn="tl">
+                                <a:srgbClr val="000000">
+                                  <a:alpha val="43137"/>
+                                </a:srgbClr>
+                              </a:outerShdw>
+                            </a:effectLst>
+                            <a:latin typeface="Cambria Math" panose="02040503050406030204" pitchFamily="18" charset="0"/>
+                          </a:rPr>
+                          <m:t>𝐵</m:t>
+                        </m:r>
+                        <m:r>
+                          <a:rPr lang="pt-BR" i="1" dirty="0" smtClean="0">
+                            <a:solidFill>
+                              <a:schemeClr val="bg1"/>
+                            </a:solidFill>
+                            <a:effectLst>
+                              <a:outerShdw blurRad="38100" dist="38100" dir="2700000" algn="tl">
+                                <a:srgbClr val="000000">
+                                  <a:alpha val="43137"/>
+                                </a:srgbClr>
+                              </a:outerShdw>
+                            </a:effectLst>
+                            <a:latin typeface="Cambria Math" panose="02040503050406030204" pitchFamily="18" charset="0"/>
+                          </a:rPr>
+                          <m:t> + </m:t>
+                        </m:r>
+                        <m:r>
+                          <a:rPr lang="pt-BR" i="1" dirty="0" smtClean="0">
+                            <a:solidFill>
+                              <a:schemeClr val="bg1"/>
+                            </a:solidFill>
+                            <a:effectLst>
+                              <a:outerShdw blurRad="38100" dist="38100" dir="2700000" algn="tl">
+                                <a:srgbClr val="000000">
+                                  <a:alpha val="43137"/>
+                                </a:srgbClr>
+                              </a:outerShdw>
+                            </a:effectLst>
+                            <a:latin typeface="Cambria Math" panose="02040503050406030204" pitchFamily="18" charset="0"/>
+                          </a:rPr>
+                          <m:t>𝐶</m:t>
+                        </m:r>
+                      </m:oMath>
+                    </m:oMathPara>
+                  </a14:m>
+                  <a:endParaRPr lang="pt-BR" dirty="0">
+                    <a:solidFill>
+                      <a:schemeClr val="bg1"/>
+                    </a:solidFill>
+                    <a:effectLst>
+                      <a:outerShdw blurRad="38100" dist="38100" dir="2700000" algn="tl">
+                        <a:srgbClr val="000000">
+                          <a:alpha val="43137"/>
+                        </a:srgbClr>
+                      </a:outerShdw>
+                    </a:effectLst>
+                    <a:latin typeface="Calibria math"/>
+                  </a:endParaRPr>
+                </a:p>
+              </p:txBody>
+            </p:sp>
+          </mc:Choice>
+          <mc:Fallback xmlns="">
+            <p:sp>
+              <p:nvSpPr>
+                <p:cNvPr id="12" name="TextBox 11">
+                  <a:extLst>
+                    <a:ext uri="{FF2B5EF4-FFF2-40B4-BE49-F238E27FC236}">
+                      <a16:creationId xmlns:a16="http://schemas.microsoft.com/office/drawing/2014/main" id="{7039AA68-ECC1-57D8-8705-5311068C7678}"/>
+                    </a:ext>
+                  </a:extLst>
+                </p:cNvPr>
+                <p:cNvSpPr txBox="1">
+                  <a:spLocks noRot="1" noChangeAspect="1" noMove="1" noResize="1" noEditPoints="1" noAdjustHandles="1" noChangeArrowheads="1" noChangeShapeType="1" noTextEdit="1"/>
+                </p:cNvSpPr>
+                <p:nvPr/>
+              </p:nvSpPr>
+              <p:spPr>
+                <a:xfrm>
+                  <a:off x="3051100" y="908809"/>
+                  <a:ext cx="2669513" cy="369332"/>
+                </a:xfrm>
+                <a:prstGeom prst="rect">
+                  <a:avLst/>
+                </a:prstGeom>
+                <a:blipFill>
+                  <a:blip r:embed="rId2"/>
+                  <a:stretch>
+                    <a:fillRect b="-14063"/>
+                  </a:stretch>
+                </a:blipFill>
+                <a:ln w="19050">
+                  <a:solidFill>
+                    <a:schemeClr val="tx1"/>
+                  </a:solidFill>
+                </a:ln>
+              </p:spPr>
+              <p:txBody>
+                <a:bodyPr/>
+                <a:lstStyle/>
+                <a:p>
+                  <a:r>
+                    <a:rPr lang="pt-BR">
+                      <a:noFill/>
+                    </a:rPr>
+                    <a:t> </a:t>
+                  </a:r>
+                </a:p>
+              </p:txBody>
+            </p:sp>
+          </mc:Fallback>
+        </mc:AlternateContent>
+        <mc:AlternateContent xmlns:mc="http://schemas.openxmlformats.org/markup-compatibility/2006" xmlns:a14="http://schemas.microsoft.com/office/drawing/2010/main">
+          <mc:Choice Requires="a14">
+            <p:sp>
+              <p:nvSpPr>
+                <p:cNvPr id="14" name="TextBox 13">
+                  <a:extLst>
+                    <a:ext uri="{FF2B5EF4-FFF2-40B4-BE49-F238E27FC236}">
+                      <a16:creationId xmlns:a16="http://schemas.microsoft.com/office/drawing/2014/main" id="{7B8D3A2B-C9FA-ED56-7DBA-7BB8F7C75D4D}"/>
+                    </a:ext>
+                  </a:extLst>
+                </p:cNvPr>
+                <p:cNvSpPr txBox="1"/>
+                <p:nvPr/>
+              </p:nvSpPr>
+              <p:spPr>
+                <a:xfrm>
+                  <a:off x="1256359" y="2505670"/>
+                  <a:ext cx="1606401" cy="369332"/>
+                </a:xfrm>
+                <a:prstGeom prst="rect">
+                  <a:avLst/>
+                </a:prstGeom>
+                <a:noFill/>
+              </p:spPr>
+              <p:txBody>
+                <a:bodyPr wrap="none" rtlCol="0">
+                  <a:spAutoFit/>
+                </a:bodyPr>
+                <a:lstStyle/>
+                <a:p>
+                  <a:pPr/>
+                  <a14:m>
+                    <m:oMathPara xmlns:m="http://schemas.openxmlformats.org/officeDocument/2006/math">
+                      <m:oMathParaPr>
+                        <m:jc m:val="centerGroup"/>
+                      </m:oMathParaPr>
+                      <m:oMath xmlns:m="http://schemas.openxmlformats.org/officeDocument/2006/math">
+                        <m:r>
+                          <a:rPr lang="pt-BR" i="1" dirty="0" smtClean="0">
+                            <a:effectLst>
+                              <a:outerShdw blurRad="38100" dist="38100" dir="2700000" algn="tl">
+                                <a:srgbClr val="000000">
+                                  <a:alpha val="43137"/>
+                                </a:srgbClr>
+                              </a:outerShdw>
+                            </a:effectLst>
+                            <a:latin typeface="Cambria Math" panose="02040503050406030204" pitchFamily="18" charset="0"/>
+                          </a:rPr>
+                          <m:t>𝑅𝑒𝑠𝑝𝑜𝑠𝑡𝑎</m:t>
+                        </m:r>
+                        <m:r>
+                          <a:rPr lang="pt-BR" i="1" dirty="0" smtClean="0">
+                            <a:effectLst>
+                              <a:outerShdw blurRad="38100" dist="38100" dir="2700000" algn="tl">
+                                <a:srgbClr val="000000">
+                                  <a:alpha val="43137"/>
+                                </a:srgbClr>
+                              </a:outerShdw>
+                            </a:effectLst>
+                            <a:latin typeface="Cambria Math" panose="02040503050406030204" pitchFamily="18" charset="0"/>
+                          </a:rPr>
+                          <m:t> ~ </m:t>
+                        </m:r>
+                        <m:r>
+                          <a:rPr lang="pt-BR" i="1" dirty="0" smtClean="0">
+                            <a:effectLst>
+                              <a:outerShdw blurRad="38100" dist="38100" dir="2700000" algn="tl">
+                                <a:srgbClr val="000000">
+                                  <a:alpha val="43137"/>
+                                </a:srgbClr>
+                              </a:outerShdw>
+                            </a:effectLst>
+                            <a:latin typeface="Cambria Math" panose="02040503050406030204" pitchFamily="18" charset="0"/>
+                          </a:rPr>
+                          <m:t>𝐴</m:t>
+                        </m:r>
+                      </m:oMath>
+                    </m:oMathPara>
+                  </a14:m>
+                  <a:endParaRPr lang="pt-BR" dirty="0">
+                    <a:effectLst>
+                      <a:outerShdw blurRad="38100" dist="38100" dir="2700000" algn="tl">
+                        <a:srgbClr val="000000">
+                          <a:alpha val="43137"/>
+                        </a:srgbClr>
+                      </a:outerShdw>
+                    </a:effectLst>
+                    <a:latin typeface="Calibria math"/>
+                  </a:endParaRPr>
+                </a:p>
+              </p:txBody>
+            </p:sp>
+          </mc:Choice>
+          <mc:Fallback xmlns="">
+            <p:sp>
+              <p:nvSpPr>
+                <p:cNvPr id="14" name="TextBox 13">
+                  <a:extLst>
+                    <a:ext uri="{FF2B5EF4-FFF2-40B4-BE49-F238E27FC236}">
+                      <a16:creationId xmlns:a16="http://schemas.microsoft.com/office/drawing/2014/main" id="{7B8D3A2B-C9FA-ED56-7DBA-7BB8F7C75D4D}"/>
+                    </a:ext>
+                  </a:extLst>
+                </p:cNvPr>
+                <p:cNvSpPr txBox="1">
+                  <a:spLocks noRot="1" noChangeAspect="1" noMove="1" noResize="1" noEditPoints="1" noAdjustHandles="1" noChangeArrowheads="1" noChangeShapeType="1" noTextEdit="1"/>
+                </p:cNvSpPr>
+                <p:nvPr/>
+              </p:nvSpPr>
+              <p:spPr>
+                <a:xfrm>
+                  <a:off x="1256359" y="2505670"/>
+                  <a:ext cx="1606401" cy="369332"/>
+                </a:xfrm>
+                <a:prstGeom prst="rect">
+                  <a:avLst/>
+                </a:prstGeom>
+                <a:blipFill>
+                  <a:blip r:embed="rId3"/>
+                  <a:stretch>
+                    <a:fillRect b="-20000"/>
+                  </a:stretch>
+                </a:blipFill>
+              </p:spPr>
+              <p:txBody>
+                <a:bodyPr/>
+                <a:lstStyle/>
+                <a:p>
+                  <a:r>
+                    <a:rPr lang="pt-BR">
+                      <a:noFill/>
+                    </a:rPr>
+                    <a:t> </a:t>
+                  </a:r>
+                </a:p>
+              </p:txBody>
+            </p:sp>
+          </mc:Fallback>
+        </mc:AlternateContent>
+        <mc:AlternateContent xmlns:mc="http://schemas.openxmlformats.org/markup-compatibility/2006" xmlns:a14="http://schemas.microsoft.com/office/drawing/2010/main">
+          <mc:Choice Requires="a14">
+            <p:sp>
+              <p:nvSpPr>
+                <p:cNvPr id="16" name="TextBox 15">
+                  <a:extLst>
+                    <a:ext uri="{FF2B5EF4-FFF2-40B4-BE49-F238E27FC236}">
+                      <a16:creationId xmlns:a16="http://schemas.microsoft.com/office/drawing/2014/main" id="{F3D75E43-C51C-986C-05B9-E087061A18CB}"/>
+                    </a:ext>
+                  </a:extLst>
+                </p:cNvPr>
+                <p:cNvSpPr txBox="1"/>
+                <p:nvPr/>
+              </p:nvSpPr>
+              <p:spPr>
+                <a:xfrm>
+                  <a:off x="1259597" y="2875002"/>
+                  <a:ext cx="2143214" cy="369332"/>
+                </a:xfrm>
+                <a:prstGeom prst="rect">
+                  <a:avLst/>
+                </a:prstGeom>
+                <a:noFill/>
+              </p:spPr>
+              <p:txBody>
+                <a:bodyPr wrap="none" rtlCol="0">
+                  <a:spAutoFit/>
+                </a:bodyPr>
+                <a:lstStyle/>
+                <a:p>
+                  <a:pPr/>
+                  <a14:m>
+                    <m:oMathPara xmlns:m="http://schemas.openxmlformats.org/officeDocument/2006/math">
+                      <m:oMathParaPr>
+                        <m:jc m:val="centerGroup"/>
+                      </m:oMathParaPr>
+                      <m:oMath xmlns:m="http://schemas.openxmlformats.org/officeDocument/2006/math">
+                        <m:r>
+                          <a:rPr lang="pt-BR" i="1" dirty="0" smtClean="0">
+                            <a:effectLst>
+                              <a:outerShdw blurRad="38100" dist="38100" dir="2700000" algn="tl">
+                                <a:srgbClr val="000000">
+                                  <a:alpha val="43137"/>
+                                </a:srgbClr>
+                              </a:outerShdw>
+                            </a:effectLst>
+                            <a:latin typeface="Cambria Math" panose="02040503050406030204" pitchFamily="18" charset="0"/>
+                          </a:rPr>
+                          <m:t>𝑅𝑒𝑠𝑝𝑜𝑠𝑡𝑎</m:t>
+                        </m:r>
+                        <m:r>
+                          <a:rPr lang="pt-BR" i="1" dirty="0" smtClean="0">
+                            <a:effectLst>
+                              <a:outerShdw blurRad="38100" dist="38100" dir="2700000" algn="tl">
+                                <a:srgbClr val="000000">
+                                  <a:alpha val="43137"/>
+                                </a:srgbClr>
+                              </a:outerShdw>
+                            </a:effectLst>
+                            <a:latin typeface="Cambria Math" panose="02040503050406030204" pitchFamily="18" charset="0"/>
+                          </a:rPr>
+                          <m:t> ~ </m:t>
+                        </m:r>
+                        <m:r>
+                          <a:rPr lang="pt-BR" i="1" dirty="0" smtClean="0">
+                            <a:effectLst>
+                              <a:outerShdw blurRad="38100" dist="38100" dir="2700000" algn="tl">
+                                <a:srgbClr val="000000">
+                                  <a:alpha val="43137"/>
+                                </a:srgbClr>
+                              </a:outerShdw>
+                            </a:effectLst>
+                            <a:latin typeface="Cambria Math" panose="02040503050406030204" pitchFamily="18" charset="0"/>
+                          </a:rPr>
+                          <m:t>𝐴</m:t>
+                        </m:r>
+                        <m:r>
+                          <a:rPr lang="pt-BR" i="1" dirty="0" smtClean="0">
+                            <a:effectLst>
+                              <a:outerShdw blurRad="38100" dist="38100" dir="2700000" algn="tl">
+                                <a:srgbClr val="000000">
+                                  <a:alpha val="43137"/>
+                                </a:srgbClr>
+                              </a:outerShdw>
+                            </a:effectLst>
+                            <a:latin typeface="Cambria Math" panose="02040503050406030204" pitchFamily="18" charset="0"/>
+                          </a:rPr>
+                          <m:t> + </m:t>
+                        </m:r>
+                        <m:r>
+                          <a:rPr lang="pt-BR" i="1" dirty="0" smtClean="0">
+                            <a:effectLst>
+                              <a:outerShdw blurRad="38100" dist="38100" dir="2700000" algn="tl">
+                                <a:srgbClr val="000000">
+                                  <a:alpha val="43137"/>
+                                </a:srgbClr>
+                              </a:outerShdw>
+                            </a:effectLst>
+                            <a:latin typeface="Cambria Math" panose="02040503050406030204" pitchFamily="18" charset="0"/>
+                          </a:rPr>
+                          <m:t>𝐵</m:t>
+                        </m:r>
+                      </m:oMath>
+                    </m:oMathPara>
+                  </a14:m>
+                  <a:endParaRPr lang="pt-BR" dirty="0">
+                    <a:effectLst>
+                      <a:outerShdw blurRad="38100" dist="38100" dir="2700000" algn="tl">
+                        <a:srgbClr val="000000">
+                          <a:alpha val="43137"/>
+                        </a:srgbClr>
+                      </a:outerShdw>
+                    </a:effectLst>
+                    <a:latin typeface="Calibria math"/>
+                  </a:endParaRPr>
+                </a:p>
+              </p:txBody>
+            </p:sp>
+          </mc:Choice>
+          <mc:Fallback xmlns="">
+            <p:sp>
+              <p:nvSpPr>
+                <p:cNvPr id="16" name="TextBox 15">
+                  <a:extLst>
+                    <a:ext uri="{FF2B5EF4-FFF2-40B4-BE49-F238E27FC236}">
+                      <a16:creationId xmlns:a16="http://schemas.microsoft.com/office/drawing/2014/main" id="{F3D75E43-C51C-986C-05B9-E087061A18CB}"/>
+                    </a:ext>
+                  </a:extLst>
+                </p:cNvPr>
+                <p:cNvSpPr txBox="1">
+                  <a:spLocks noRot="1" noChangeAspect="1" noMove="1" noResize="1" noEditPoints="1" noAdjustHandles="1" noChangeArrowheads="1" noChangeShapeType="1" noTextEdit="1"/>
+                </p:cNvSpPr>
+                <p:nvPr/>
+              </p:nvSpPr>
+              <p:spPr>
+                <a:xfrm>
+                  <a:off x="1259597" y="2875002"/>
+                  <a:ext cx="2143214" cy="369332"/>
+                </a:xfrm>
+                <a:prstGeom prst="rect">
+                  <a:avLst/>
+                </a:prstGeom>
+                <a:blipFill>
+                  <a:blip r:embed="rId4"/>
+                  <a:stretch>
+                    <a:fillRect b="-19672"/>
+                  </a:stretch>
+                </a:blipFill>
+              </p:spPr>
+              <p:txBody>
+                <a:bodyPr/>
+                <a:lstStyle/>
+                <a:p>
+                  <a:r>
+                    <a:rPr lang="pt-BR">
+                      <a:noFill/>
+                    </a:rPr>
+                    <a:t> </a:t>
+                  </a:r>
+                </a:p>
+              </p:txBody>
+            </p:sp>
+          </mc:Fallback>
+        </mc:AlternateContent>
+        <mc:AlternateContent xmlns:mc="http://schemas.openxmlformats.org/markup-compatibility/2006" xmlns:a14="http://schemas.microsoft.com/office/drawing/2010/main">
+          <mc:Choice Requires="a14">
+            <p:sp>
+              <p:nvSpPr>
+                <p:cNvPr id="18" name="TextBox 17">
+                  <a:extLst>
+                    <a:ext uri="{FF2B5EF4-FFF2-40B4-BE49-F238E27FC236}">
+                      <a16:creationId xmlns:a16="http://schemas.microsoft.com/office/drawing/2014/main" id="{A76B6D40-CB28-11F1-93C2-323D61E6B563}"/>
+                    </a:ext>
+                  </a:extLst>
+                </p:cNvPr>
+                <p:cNvSpPr txBox="1"/>
+                <p:nvPr/>
+              </p:nvSpPr>
+              <p:spPr>
+                <a:xfrm>
+                  <a:off x="1259596" y="3244334"/>
+                  <a:ext cx="2669513" cy="369332"/>
+                </a:xfrm>
+                <a:prstGeom prst="rect">
+                  <a:avLst/>
+                </a:prstGeom>
+                <a:noFill/>
+              </p:spPr>
+              <p:txBody>
+                <a:bodyPr wrap="none" rtlCol="0">
+                  <a:spAutoFit/>
+                </a:bodyPr>
+                <a:lstStyle/>
+                <a:p>
+                  <a:pPr/>
+                  <a14:m>
+                    <m:oMathPara xmlns:m="http://schemas.openxmlformats.org/officeDocument/2006/math">
+                      <m:oMathParaPr>
+                        <m:jc m:val="centerGroup"/>
+                      </m:oMathParaPr>
+                      <m:oMath xmlns:m="http://schemas.openxmlformats.org/officeDocument/2006/math">
+                        <m:r>
+                          <a:rPr lang="pt-BR" i="1" dirty="0" smtClean="0">
+                            <a:effectLst>
+                              <a:outerShdw blurRad="38100" dist="38100" dir="2700000" algn="tl">
+                                <a:srgbClr val="000000">
+                                  <a:alpha val="43137"/>
+                                </a:srgbClr>
+                              </a:outerShdw>
+                            </a:effectLst>
+                            <a:latin typeface="Cambria Math" panose="02040503050406030204" pitchFamily="18" charset="0"/>
+                          </a:rPr>
+                          <m:t>𝑅𝑒𝑠𝑝𝑜𝑠𝑡𝑎</m:t>
+                        </m:r>
+                        <m:r>
+                          <a:rPr lang="pt-BR" i="1" dirty="0" smtClean="0">
+                            <a:effectLst>
+                              <a:outerShdw blurRad="38100" dist="38100" dir="2700000" algn="tl">
+                                <a:srgbClr val="000000">
+                                  <a:alpha val="43137"/>
+                                </a:srgbClr>
+                              </a:outerShdw>
+                            </a:effectLst>
+                            <a:latin typeface="Cambria Math" panose="02040503050406030204" pitchFamily="18" charset="0"/>
+                          </a:rPr>
+                          <m:t> ~ </m:t>
+                        </m:r>
+                        <m:r>
+                          <a:rPr lang="pt-BR" i="1" dirty="0" smtClean="0">
+                            <a:effectLst>
+                              <a:outerShdw blurRad="38100" dist="38100" dir="2700000" algn="tl">
+                                <a:srgbClr val="000000">
+                                  <a:alpha val="43137"/>
+                                </a:srgbClr>
+                              </a:outerShdw>
+                            </a:effectLst>
+                            <a:latin typeface="Cambria Math" panose="02040503050406030204" pitchFamily="18" charset="0"/>
+                          </a:rPr>
+                          <m:t>𝐴</m:t>
+                        </m:r>
+                        <m:r>
+                          <a:rPr lang="pt-BR" i="1" dirty="0" smtClean="0">
+                            <a:effectLst>
+                              <a:outerShdw blurRad="38100" dist="38100" dir="2700000" algn="tl">
+                                <a:srgbClr val="000000">
+                                  <a:alpha val="43137"/>
+                                </a:srgbClr>
+                              </a:outerShdw>
+                            </a:effectLst>
+                            <a:latin typeface="Cambria Math" panose="02040503050406030204" pitchFamily="18" charset="0"/>
+                          </a:rPr>
+                          <m:t> + </m:t>
+                        </m:r>
+                        <m:r>
+                          <a:rPr lang="pt-BR" i="1" dirty="0" smtClean="0">
+                            <a:effectLst>
+                              <a:outerShdw blurRad="38100" dist="38100" dir="2700000" algn="tl">
+                                <a:srgbClr val="000000">
+                                  <a:alpha val="43137"/>
+                                </a:srgbClr>
+                              </a:outerShdw>
+                            </a:effectLst>
+                            <a:latin typeface="Cambria Math" panose="02040503050406030204" pitchFamily="18" charset="0"/>
+                          </a:rPr>
+                          <m:t>𝐵</m:t>
+                        </m:r>
+                        <m:r>
+                          <a:rPr lang="pt-BR" i="1" dirty="0" smtClean="0">
+                            <a:effectLst>
+                              <a:outerShdw blurRad="38100" dist="38100" dir="2700000" algn="tl">
+                                <a:srgbClr val="000000">
+                                  <a:alpha val="43137"/>
+                                </a:srgbClr>
+                              </a:outerShdw>
+                            </a:effectLst>
+                            <a:latin typeface="Cambria Math" panose="02040503050406030204" pitchFamily="18" charset="0"/>
+                          </a:rPr>
+                          <m:t> + </m:t>
+                        </m:r>
+                        <m:r>
+                          <a:rPr lang="pt-BR" i="1" dirty="0" smtClean="0">
+                            <a:effectLst>
+                              <a:outerShdw blurRad="38100" dist="38100" dir="2700000" algn="tl">
+                                <a:srgbClr val="000000">
+                                  <a:alpha val="43137"/>
+                                </a:srgbClr>
+                              </a:outerShdw>
+                            </a:effectLst>
+                            <a:latin typeface="Cambria Math" panose="02040503050406030204" pitchFamily="18" charset="0"/>
+                          </a:rPr>
+                          <m:t>𝐶</m:t>
+                        </m:r>
+                      </m:oMath>
+                    </m:oMathPara>
+                  </a14:m>
+                  <a:endParaRPr lang="pt-BR" dirty="0">
+                    <a:effectLst>
+                      <a:outerShdw blurRad="38100" dist="38100" dir="2700000" algn="tl">
+                        <a:srgbClr val="000000">
+                          <a:alpha val="43137"/>
+                        </a:srgbClr>
+                      </a:outerShdw>
+                    </a:effectLst>
+                    <a:latin typeface="Calibria math"/>
+                  </a:endParaRPr>
+                </a:p>
+              </p:txBody>
+            </p:sp>
+          </mc:Choice>
+          <mc:Fallback xmlns="">
+            <p:sp>
+              <p:nvSpPr>
+                <p:cNvPr id="18" name="TextBox 17">
+                  <a:extLst>
+                    <a:ext uri="{FF2B5EF4-FFF2-40B4-BE49-F238E27FC236}">
+                      <a16:creationId xmlns:a16="http://schemas.microsoft.com/office/drawing/2014/main" id="{A76B6D40-CB28-11F1-93C2-323D61E6B563}"/>
+                    </a:ext>
+                  </a:extLst>
+                </p:cNvPr>
+                <p:cNvSpPr txBox="1">
+                  <a:spLocks noRot="1" noChangeAspect="1" noMove="1" noResize="1" noEditPoints="1" noAdjustHandles="1" noChangeArrowheads="1" noChangeShapeType="1" noTextEdit="1"/>
+                </p:cNvSpPr>
+                <p:nvPr/>
+              </p:nvSpPr>
+              <p:spPr>
+                <a:xfrm>
+                  <a:off x="1259596" y="3244334"/>
+                  <a:ext cx="2669513" cy="369332"/>
+                </a:xfrm>
+                <a:prstGeom prst="rect">
+                  <a:avLst/>
+                </a:prstGeom>
+                <a:blipFill>
+                  <a:blip r:embed="rId5"/>
+                  <a:stretch>
+                    <a:fillRect b="-18033"/>
+                  </a:stretch>
+                </a:blipFill>
+              </p:spPr>
+              <p:txBody>
+                <a:bodyPr/>
+                <a:lstStyle/>
+                <a:p>
+                  <a:r>
+                    <a:rPr lang="pt-BR">
+                      <a:noFill/>
+                    </a:rPr>
+                    <a:t> </a:t>
+                  </a:r>
+                </a:p>
+              </p:txBody>
+            </p:sp>
+          </mc:Fallback>
+        </mc:AlternateContent>
+        <mc:AlternateContent xmlns:mc="http://schemas.openxmlformats.org/markup-compatibility/2006" xmlns:a14="http://schemas.microsoft.com/office/drawing/2010/main">
+          <mc:Choice Requires="a14">
+            <p:sp>
+              <p:nvSpPr>
+                <p:cNvPr id="20" name="TextBox 19">
+                  <a:extLst>
+                    <a:ext uri="{FF2B5EF4-FFF2-40B4-BE49-F238E27FC236}">
+                      <a16:creationId xmlns:a16="http://schemas.microsoft.com/office/drawing/2014/main" id="{EF42DDEF-FD89-E43C-F1F6-18FA4E7E1866}"/>
+                    </a:ext>
+                  </a:extLst>
+                </p:cNvPr>
+                <p:cNvSpPr txBox="1"/>
+                <p:nvPr/>
+              </p:nvSpPr>
+              <p:spPr>
+                <a:xfrm>
+                  <a:off x="1256359" y="2136338"/>
+                  <a:ext cx="2105128" cy="369332"/>
+                </a:xfrm>
+                <a:prstGeom prst="rect">
+                  <a:avLst/>
+                </a:prstGeom>
+                <a:noFill/>
+              </p:spPr>
+              <p:txBody>
+                <a:bodyPr wrap="none" rtlCol="0">
+                  <a:spAutoFit/>
+                </a:bodyPr>
+                <a:lstStyle/>
+                <a:p>
+                  <a:pPr/>
+                  <a14:m>
+                    <m:oMathPara xmlns:m="http://schemas.openxmlformats.org/officeDocument/2006/math">
+                      <m:oMathParaPr>
+                        <m:jc m:val="centerGroup"/>
+                      </m:oMathParaPr>
+                      <m:oMath xmlns:m="http://schemas.openxmlformats.org/officeDocument/2006/math">
+                        <m:r>
+                          <a:rPr lang="pt-BR" i="1" dirty="0" smtClean="0">
+                            <a:effectLst>
+                              <a:outerShdw blurRad="38100" dist="38100" dir="2700000" algn="tl">
+                                <a:srgbClr val="000000">
+                                  <a:alpha val="43137"/>
+                                </a:srgbClr>
+                              </a:outerShdw>
+                            </a:effectLst>
+                            <a:latin typeface="Cambria Math" panose="02040503050406030204" pitchFamily="18" charset="0"/>
+                          </a:rPr>
+                          <m:t>𝑅𝑒𝑠𝑝𝑜𝑠𝑡𝑎</m:t>
+                        </m:r>
+                        <m:r>
+                          <a:rPr lang="pt-BR" i="1" dirty="0" smtClean="0">
+                            <a:effectLst>
+                              <a:outerShdw blurRad="38100" dist="38100" dir="2700000" algn="tl">
+                                <a:srgbClr val="000000">
+                                  <a:alpha val="43137"/>
+                                </a:srgbClr>
+                              </a:outerShdw>
+                            </a:effectLst>
+                            <a:latin typeface="Cambria Math" panose="02040503050406030204" pitchFamily="18" charset="0"/>
+                          </a:rPr>
+                          <m:t> ~ </m:t>
+                        </m:r>
+                        <m:r>
+                          <a:rPr lang="pt-BR" b="0" i="1" dirty="0" smtClean="0">
+                            <a:effectLst>
+                              <a:outerShdw blurRad="38100" dist="38100" dir="2700000" algn="tl">
+                                <a:srgbClr val="000000">
+                                  <a:alpha val="43137"/>
+                                </a:srgbClr>
+                              </a:outerShdw>
+                            </a:effectLst>
+                            <a:latin typeface="Cambria Math" panose="02040503050406030204" pitchFamily="18" charset="0"/>
+                          </a:rPr>
+                          <m:t>𝑚</m:t>
+                        </m:r>
+                        <m:r>
+                          <a:rPr lang="pt-BR" b="0" i="1" dirty="0" smtClean="0">
+                            <a:effectLst>
+                              <a:outerShdw blurRad="38100" dist="38100" dir="2700000" algn="tl">
+                                <a:srgbClr val="000000">
+                                  <a:alpha val="43137"/>
+                                </a:srgbClr>
+                              </a:outerShdw>
+                            </a:effectLst>
+                            <a:latin typeface="Cambria Math" panose="02040503050406030204" pitchFamily="18" charset="0"/>
+                          </a:rPr>
+                          <m:t>é</m:t>
+                        </m:r>
+                        <m:r>
+                          <a:rPr lang="pt-BR" b="0" i="1" dirty="0" smtClean="0">
+                            <a:effectLst>
+                              <a:outerShdw blurRad="38100" dist="38100" dir="2700000" algn="tl">
+                                <a:srgbClr val="000000">
+                                  <a:alpha val="43137"/>
+                                </a:srgbClr>
+                              </a:outerShdw>
+                            </a:effectLst>
+                            <a:latin typeface="Cambria Math" panose="02040503050406030204" pitchFamily="18" charset="0"/>
+                          </a:rPr>
+                          <m:t>𝑑𝑖𝑎</m:t>
+                        </m:r>
+                      </m:oMath>
+                    </m:oMathPara>
+                  </a14:m>
+                  <a:endParaRPr lang="pt-BR" dirty="0">
+                    <a:effectLst>
+                      <a:outerShdw blurRad="38100" dist="38100" dir="2700000" algn="tl">
+                        <a:srgbClr val="000000">
+                          <a:alpha val="43137"/>
+                        </a:srgbClr>
+                      </a:outerShdw>
+                    </a:effectLst>
+                    <a:latin typeface="Calibria math"/>
+                  </a:endParaRPr>
+                </a:p>
+              </p:txBody>
+            </p:sp>
+          </mc:Choice>
+          <mc:Fallback xmlns="">
+            <p:sp>
+              <p:nvSpPr>
+                <p:cNvPr id="20" name="TextBox 19">
+                  <a:extLst>
+                    <a:ext uri="{FF2B5EF4-FFF2-40B4-BE49-F238E27FC236}">
+                      <a16:creationId xmlns:a16="http://schemas.microsoft.com/office/drawing/2014/main" id="{EF42DDEF-FD89-E43C-F1F6-18FA4E7E1866}"/>
+                    </a:ext>
+                  </a:extLst>
+                </p:cNvPr>
+                <p:cNvSpPr txBox="1">
+                  <a:spLocks noRot="1" noChangeAspect="1" noMove="1" noResize="1" noEditPoints="1" noAdjustHandles="1" noChangeArrowheads="1" noChangeShapeType="1" noTextEdit="1"/>
+                </p:cNvSpPr>
+                <p:nvPr/>
+              </p:nvSpPr>
+              <p:spPr>
+                <a:xfrm>
+                  <a:off x="1256359" y="2136338"/>
+                  <a:ext cx="2105128" cy="369332"/>
+                </a:xfrm>
+                <a:prstGeom prst="rect">
+                  <a:avLst/>
+                </a:prstGeom>
+                <a:blipFill>
+                  <a:blip r:embed="rId6"/>
+                  <a:stretch>
+                    <a:fillRect b="-19672"/>
+                  </a:stretch>
+                </a:blipFill>
+              </p:spPr>
+              <p:txBody>
+                <a:bodyPr/>
+                <a:lstStyle/>
+                <a:p>
+                  <a:r>
+                    <a:rPr lang="pt-BR">
+                      <a:noFill/>
+                    </a:rPr>
+                    <a:t> </a:t>
+                  </a:r>
+                </a:p>
+              </p:txBody>
+            </p:sp>
+          </mc:Fallback>
+        </mc:AlternateContent>
+        <mc:AlternateContent xmlns:mc="http://schemas.openxmlformats.org/markup-compatibility/2006" xmlns:a14="http://schemas.microsoft.com/office/drawing/2010/main">
+          <mc:Choice Requires="a14">
+            <p:sp>
+              <p:nvSpPr>
+                <p:cNvPr id="22" name="TextBox 21">
+                  <a:extLst>
+                    <a:ext uri="{FF2B5EF4-FFF2-40B4-BE49-F238E27FC236}">
+                      <a16:creationId xmlns:a16="http://schemas.microsoft.com/office/drawing/2014/main" id="{C810A863-41C8-BA05-D609-8B1B0DA9BAAA}"/>
+                    </a:ext>
+                  </a:extLst>
+                </p:cNvPr>
+                <p:cNvSpPr txBox="1"/>
+                <p:nvPr/>
+              </p:nvSpPr>
+              <p:spPr>
+                <a:xfrm>
+                  <a:off x="4934589" y="2136338"/>
+                  <a:ext cx="2669513" cy="369332"/>
+                </a:xfrm>
+                <a:prstGeom prst="rect">
+                  <a:avLst/>
+                </a:prstGeom>
+                <a:noFill/>
+              </p:spPr>
+              <p:txBody>
+                <a:bodyPr wrap="none" rtlCol="0">
+                  <a:spAutoFit/>
+                </a:bodyPr>
+                <a:lstStyle/>
+                <a:p>
+                  <a:pPr/>
+                  <a14:m>
+                    <m:oMathPara xmlns:m="http://schemas.openxmlformats.org/officeDocument/2006/math">
+                      <m:oMathParaPr>
+                        <m:jc m:val="centerGroup"/>
+                      </m:oMathParaPr>
+                      <m:oMath xmlns:m="http://schemas.openxmlformats.org/officeDocument/2006/math">
+                        <m:r>
+                          <a:rPr lang="pt-BR" i="1" dirty="0" smtClean="0">
+                            <a:effectLst>
+                              <a:outerShdw blurRad="38100" dist="38100" dir="2700000" algn="tl">
+                                <a:srgbClr val="000000">
+                                  <a:alpha val="43137"/>
+                                </a:srgbClr>
+                              </a:outerShdw>
+                            </a:effectLst>
+                            <a:latin typeface="Cambria Math" panose="02040503050406030204" pitchFamily="18" charset="0"/>
+                          </a:rPr>
+                          <m:t>𝑅𝑒𝑠𝑝𝑜𝑠𝑡𝑎</m:t>
+                        </m:r>
+                        <m:r>
+                          <a:rPr lang="pt-BR" i="1" dirty="0" smtClean="0">
+                            <a:effectLst>
+                              <a:outerShdw blurRad="38100" dist="38100" dir="2700000" algn="tl">
+                                <a:srgbClr val="000000">
+                                  <a:alpha val="43137"/>
+                                </a:srgbClr>
+                              </a:outerShdw>
+                            </a:effectLst>
+                            <a:latin typeface="Cambria Math" panose="02040503050406030204" pitchFamily="18" charset="0"/>
+                          </a:rPr>
+                          <m:t> ~ </m:t>
+                        </m:r>
+                        <m:r>
+                          <a:rPr lang="pt-BR" i="1" dirty="0" smtClean="0">
+                            <a:effectLst>
+                              <a:outerShdw blurRad="38100" dist="38100" dir="2700000" algn="tl">
+                                <a:srgbClr val="000000">
+                                  <a:alpha val="43137"/>
+                                </a:srgbClr>
+                              </a:outerShdw>
+                            </a:effectLst>
+                            <a:latin typeface="Cambria Math" panose="02040503050406030204" pitchFamily="18" charset="0"/>
+                          </a:rPr>
+                          <m:t>𝐴</m:t>
+                        </m:r>
+                        <m:r>
+                          <a:rPr lang="pt-BR" i="1" dirty="0" smtClean="0">
+                            <a:effectLst>
+                              <a:outerShdw blurRad="38100" dist="38100" dir="2700000" algn="tl">
+                                <a:srgbClr val="000000">
+                                  <a:alpha val="43137"/>
+                                </a:srgbClr>
+                              </a:outerShdw>
+                            </a:effectLst>
+                            <a:latin typeface="Cambria Math" panose="02040503050406030204" pitchFamily="18" charset="0"/>
+                          </a:rPr>
+                          <m:t> + </m:t>
+                        </m:r>
+                        <m:r>
+                          <a:rPr lang="pt-BR" i="1" dirty="0" smtClean="0">
+                            <a:effectLst>
+                              <a:outerShdw blurRad="38100" dist="38100" dir="2700000" algn="tl">
+                                <a:srgbClr val="000000">
+                                  <a:alpha val="43137"/>
+                                </a:srgbClr>
+                              </a:outerShdw>
+                            </a:effectLst>
+                            <a:latin typeface="Cambria Math" panose="02040503050406030204" pitchFamily="18" charset="0"/>
+                          </a:rPr>
+                          <m:t>𝐵</m:t>
+                        </m:r>
+                        <m:r>
+                          <a:rPr lang="pt-BR" i="1" dirty="0" smtClean="0">
+                            <a:effectLst>
+                              <a:outerShdw blurRad="38100" dist="38100" dir="2700000" algn="tl">
+                                <a:srgbClr val="000000">
+                                  <a:alpha val="43137"/>
+                                </a:srgbClr>
+                              </a:outerShdw>
+                            </a:effectLst>
+                            <a:latin typeface="Cambria Math" panose="02040503050406030204" pitchFamily="18" charset="0"/>
+                          </a:rPr>
+                          <m:t> + </m:t>
+                        </m:r>
+                        <m:r>
+                          <a:rPr lang="pt-BR" i="1" dirty="0" smtClean="0">
+                            <a:effectLst>
+                              <a:outerShdw blurRad="38100" dist="38100" dir="2700000" algn="tl">
+                                <a:srgbClr val="000000">
+                                  <a:alpha val="43137"/>
+                                </a:srgbClr>
+                              </a:outerShdw>
+                            </a:effectLst>
+                            <a:latin typeface="Cambria Math" panose="02040503050406030204" pitchFamily="18" charset="0"/>
+                          </a:rPr>
+                          <m:t>𝐶</m:t>
+                        </m:r>
+                      </m:oMath>
+                    </m:oMathPara>
+                  </a14:m>
+                  <a:endParaRPr lang="pt-BR" dirty="0">
+                    <a:effectLst>
+                      <a:outerShdw blurRad="38100" dist="38100" dir="2700000" algn="tl">
+                        <a:srgbClr val="000000">
+                          <a:alpha val="43137"/>
+                        </a:srgbClr>
+                      </a:outerShdw>
+                    </a:effectLst>
+                    <a:latin typeface="Calibria math"/>
+                  </a:endParaRPr>
+                </a:p>
+              </p:txBody>
+            </p:sp>
+          </mc:Choice>
+          <mc:Fallback xmlns="">
+            <p:sp>
+              <p:nvSpPr>
+                <p:cNvPr id="22" name="TextBox 21">
+                  <a:extLst>
+                    <a:ext uri="{FF2B5EF4-FFF2-40B4-BE49-F238E27FC236}">
+                      <a16:creationId xmlns:a16="http://schemas.microsoft.com/office/drawing/2014/main" id="{C810A863-41C8-BA05-D609-8B1B0DA9BAAA}"/>
+                    </a:ext>
+                  </a:extLst>
+                </p:cNvPr>
+                <p:cNvSpPr txBox="1">
+                  <a:spLocks noRot="1" noChangeAspect="1" noMove="1" noResize="1" noEditPoints="1" noAdjustHandles="1" noChangeArrowheads="1" noChangeShapeType="1" noTextEdit="1"/>
+                </p:cNvSpPr>
+                <p:nvPr/>
+              </p:nvSpPr>
+              <p:spPr>
+                <a:xfrm>
+                  <a:off x="4934589" y="2136338"/>
+                  <a:ext cx="2669513" cy="369332"/>
+                </a:xfrm>
+                <a:prstGeom prst="rect">
+                  <a:avLst/>
+                </a:prstGeom>
+                <a:blipFill>
+                  <a:blip r:embed="rId7"/>
+                  <a:stretch>
+                    <a:fillRect b="-19672"/>
+                  </a:stretch>
+                </a:blipFill>
+              </p:spPr>
+              <p:txBody>
+                <a:bodyPr/>
+                <a:lstStyle/>
+                <a:p>
+                  <a:r>
+                    <a:rPr lang="pt-BR">
+                      <a:noFill/>
+                    </a:rPr>
+                    <a:t> </a:t>
+                  </a:r>
+                </a:p>
+              </p:txBody>
+            </p:sp>
+          </mc:Fallback>
+        </mc:AlternateContent>
+        <mc:AlternateContent xmlns:mc="http://schemas.openxmlformats.org/markup-compatibility/2006" xmlns:a14="http://schemas.microsoft.com/office/drawing/2010/main">
+          <mc:Choice Requires="a14">
+            <p:sp>
+              <p:nvSpPr>
+                <p:cNvPr id="24" name="TextBox 23">
+                  <a:extLst>
+                    <a:ext uri="{FF2B5EF4-FFF2-40B4-BE49-F238E27FC236}">
+                      <a16:creationId xmlns:a16="http://schemas.microsoft.com/office/drawing/2014/main" id="{CEFF6A66-8FFB-B2D2-67B4-1C1F6E17F73A}"/>
+                    </a:ext>
+                  </a:extLst>
+                </p:cNvPr>
+                <p:cNvSpPr txBox="1"/>
+                <p:nvPr/>
+              </p:nvSpPr>
+              <p:spPr>
+                <a:xfrm>
+                  <a:off x="4934587" y="2505670"/>
+                  <a:ext cx="2669513" cy="369332"/>
+                </a:xfrm>
+                <a:prstGeom prst="rect">
+                  <a:avLst/>
+                </a:prstGeom>
+                <a:noFill/>
+              </p:spPr>
+              <p:txBody>
+                <a:bodyPr wrap="none" rtlCol="0">
+                  <a:spAutoFit/>
+                </a:bodyPr>
+                <a:lstStyle/>
+                <a:p>
+                  <a:pPr/>
+                  <a14:m>
+                    <m:oMathPara xmlns:m="http://schemas.openxmlformats.org/officeDocument/2006/math">
+                      <m:oMathParaPr>
+                        <m:jc m:val="centerGroup"/>
+                      </m:oMathParaPr>
+                      <m:oMath xmlns:m="http://schemas.openxmlformats.org/officeDocument/2006/math">
+                        <m:r>
+                          <a:rPr lang="pt-BR" i="1" dirty="0" smtClean="0">
+                            <a:effectLst>
+                              <a:outerShdw blurRad="38100" dist="38100" dir="2700000" algn="tl">
+                                <a:srgbClr val="000000">
+                                  <a:alpha val="43137"/>
+                                </a:srgbClr>
+                              </a:outerShdw>
+                            </a:effectLst>
+                            <a:latin typeface="Cambria Math" panose="02040503050406030204" pitchFamily="18" charset="0"/>
+                          </a:rPr>
+                          <m:t>𝑅𝑒𝑠𝑝𝑜𝑠𝑡𝑎</m:t>
+                        </m:r>
+                        <m:r>
+                          <a:rPr lang="pt-BR" i="1" dirty="0" smtClean="0">
+                            <a:effectLst>
+                              <a:outerShdw blurRad="38100" dist="38100" dir="2700000" algn="tl">
+                                <a:srgbClr val="000000">
+                                  <a:alpha val="43137"/>
+                                </a:srgbClr>
+                              </a:outerShdw>
+                            </a:effectLst>
+                            <a:latin typeface="Cambria Math" panose="02040503050406030204" pitchFamily="18" charset="0"/>
+                          </a:rPr>
+                          <m:t> ~ </m:t>
+                        </m:r>
+                        <m:r>
+                          <a:rPr lang="pt-BR" i="1" dirty="0" smtClean="0">
+                            <a:effectLst>
+                              <a:outerShdw blurRad="38100" dist="38100" dir="2700000" algn="tl">
+                                <a:srgbClr val="000000">
+                                  <a:alpha val="43137"/>
+                                </a:srgbClr>
+                              </a:outerShdw>
+                            </a:effectLst>
+                            <a:latin typeface="Cambria Math" panose="02040503050406030204" pitchFamily="18" charset="0"/>
+                          </a:rPr>
+                          <m:t>𝐴</m:t>
+                        </m:r>
+                        <m:r>
+                          <a:rPr lang="pt-BR" i="1" dirty="0" smtClean="0">
+                            <a:effectLst>
+                              <a:outerShdw blurRad="38100" dist="38100" dir="2700000" algn="tl">
+                                <a:srgbClr val="000000">
+                                  <a:alpha val="43137"/>
+                                </a:srgbClr>
+                              </a:outerShdw>
+                            </a:effectLst>
+                            <a:latin typeface="Cambria Math" panose="02040503050406030204" pitchFamily="18" charset="0"/>
+                          </a:rPr>
+                          <m:t> + </m:t>
+                        </m:r>
+                        <m:r>
+                          <a:rPr lang="pt-BR" i="1" dirty="0" smtClean="0">
+                            <a:effectLst>
+                              <a:outerShdw blurRad="38100" dist="38100" dir="2700000" algn="tl">
+                                <a:srgbClr val="000000">
+                                  <a:alpha val="43137"/>
+                                </a:srgbClr>
+                              </a:outerShdw>
+                            </a:effectLst>
+                            <a:latin typeface="Cambria Math" panose="02040503050406030204" pitchFamily="18" charset="0"/>
+                          </a:rPr>
+                          <m:t>𝐵</m:t>
+                        </m:r>
+                        <m:r>
+                          <a:rPr lang="pt-BR" i="1" dirty="0" smtClean="0">
+                            <a:effectLst>
+                              <a:outerShdw blurRad="38100" dist="38100" dir="2700000" algn="tl">
+                                <a:srgbClr val="000000">
+                                  <a:alpha val="43137"/>
+                                </a:srgbClr>
+                              </a:outerShdw>
+                            </a:effectLst>
+                            <a:latin typeface="Cambria Math" panose="02040503050406030204" pitchFamily="18" charset="0"/>
+                          </a:rPr>
+                          <m:t> + </m:t>
+                        </m:r>
+                        <m:r>
+                          <a:rPr lang="pt-BR" i="1" dirty="0" smtClean="0">
+                            <a:effectLst>
+                              <a:outerShdw blurRad="38100" dist="38100" dir="2700000" algn="tl">
+                                <a:srgbClr val="000000">
+                                  <a:alpha val="43137"/>
+                                </a:srgbClr>
+                              </a:outerShdw>
+                            </a:effectLst>
+                            <a:latin typeface="Cambria Math" panose="02040503050406030204" pitchFamily="18" charset="0"/>
+                          </a:rPr>
+                          <m:t>𝐶</m:t>
+                        </m:r>
+                      </m:oMath>
+                    </m:oMathPara>
+                  </a14:m>
+                  <a:endParaRPr lang="pt-BR" dirty="0">
+                    <a:effectLst>
+                      <a:outerShdw blurRad="38100" dist="38100" dir="2700000" algn="tl">
+                        <a:srgbClr val="000000">
+                          <a:alpha val="43137"/>
+                        </a:srgbClr>
+                      </a:outerShdw>
+                    </a:effectLst>
+                    <a:latin typeface="Calibria math"/>
+                  </a:endParaRPr>
+                </a:p>
+              </p:txBody>
+            </p:sp>
+          </mc:Choice>
+          <mc:Fallback xmlns="">
+            <p:sp>
+              <p:nvSpPr>
+                <p:cNvPr id="24" name="TextBox 23">
+                  <a:extLst>
+                    <a:ext uri="{FF2B5EF4-FFF2-40B4-BE49-F238E27FC236}">
+                      <a16:creationId xmlns:a16="http://schemas.microsoft.com/office/drawing/2014/main" id="{CEFF6A66-8FFB-B2D2-67B4-1C1F6E17F73A}"/>
+                    </a:ext>
+                  </a:extLst>
+                </p:cNvPr>
+                <p:cNvSpPr txBox="1">
+                  <a:spLocks noRot="1" noChangeAspect="1" noMove="1" noResize="1" noEditPoints="1" noAdjustHandles="1" noChangeArrowheads="1" noChangeShapeType="1" noTextEdit="1"/>
+                </p:cNvSpPr>
+                <p:nvPr/>
+              </p:nvSpPr>
+              <p:spPr>
+                <a:xfrm>
+                  <a:off x="4934587" y="2505670"/>
+                  <a:ext cx="2669513" cy="369332"/>
+                </a:xfrm>
+                <a:prstGeom prst="rect">
+                  <a:avLst/>
+                </a:prstGeom>
+                <a:blipFill>
+                  <a:blip r:embed="rId8"/>
+                  <a:stretch>
+                    <a:fillRect b="-20000"/>
+                  </a:stretch>
+                </a:blipFill>
+              </p:spPr>
+              <p:txBody>
+                <a:bodyPr/>
+                <a:lstStyle/>
+                <a:p>
+                  <a:r>
+                    <a:rPr lang="pt-BR">
+                      <a:noFill/>
+                    </a:rPr>
+                    <a:t> </a:t>
+                  </a:r>
+                </a:p>
+              </p:txBody>
+            </p:sp>
+          </mc:Fallback>
+        </mc:AlternateContent>
+        <mc:AlternateContent xmlns:mc="http://schemas.openxmlformats.org/markup-compatibility/2006" xmlns:a14="http://schemas.microsoft.com/office/drawing/2010/main">
+          <mc:Choice Requires="a14">
+            <p:sp>
+              <p:nvSpPr>
+                <p:cNvPr id="26" name="TextBox 25">
+                  <a:extLst>
+                    <a:ext uri="{FF2B5EF4-FFF2-40B4-BE49-F238E27FC236}">
+                      <a16:creationId xmlns:a16="http://schemas.microsoft.com/office/drawing/2014/main" id="{9B7091C4-3F85-5823-5A4A-BB1F97EAF96B}"/>
+                    </a:ext>
+                  </a:extLst>
+                </p:cNvPr>
+                <p:cNvSpPr txBox="1"/>
+                <p:nvPr/>
+              </p:nvSpPr>
+              <p:spPr>
+                <a:xfrm>
+                  <a:off x="4934585" y="2875002"/>
+                  <a:ext cx="2669513" cy="369332"/>
+                </a:xfrm>
+                <a:prstGeom prst="rect">
+                  <a:avLst/>
+                </a:prstGeom>
+                <a:noFill/>
+              </p:spPr>
+              <p:txBody>
+                <a:bodyPr wrap="none" rtlCol="0">
+                  <a:spAutoFit/>
+                </a:bodyPr>
+                <a:lstStyle/>
+                <a:p>
+                  <a:pPr/>
+                  <a14:m>
+                    <m:oMathPara xmlns:m="http://schemas.openxmlformats.org/officeDocument/2006/math">
+                      <m:oMathParaPr>
+                        <m:jc m:val="centerGroup"/>
+                      </m:oMathParaPr>
+                      <m:oMath xmlns:m="http://schemas.openxmlformats.org/officeDocument/2006/math">
+                        <m:r>
+                          <a:rPr lang="pt-BR" i="1" dirty="0" smtClean="0">
+                            <a:effectLst>
+                              <a:outerShdw blurRad="38100" dist="38100" dir="2700000" algn="tl">
+                                <a:srgbClr val="000000">
+                                  <a:alpha val="43137"/>
+                                </a:srgbClr>
+                              </a:outerShdw>
+                            </a:effectLst>
+                            <a:latin typeface="Cambria Math" panose="02040503050406030204" pitchFamily="18" charset="0"/>
+                          </a:rPr>
+                          <m:t>𝑅𝑒𝑠𝑝𝑜𝑠𝑡𝑎</m:t>
+                        </m:r>
+                        <m:r>
+                          <a:rPr lang="pt-BR" i="1" dirty="0" smtClean="0">
+                            <a:effectLst>
+                              <a:outerShdw blurRad="38100" dist="38100" dir="2700000" algn="tl">
+                                <a:srgbClr val="000000">
+                                  <a:alpha val="43137"/>
+                                </a:srgbClr>
+                              </a:outerShdw>
+                            </a:effectLst>
+                            <a:latin typeface="Cambria Math" panose="02040503050406030204" pitchFamily="18" charset="0"/>
+                          </a:rPr>
+                          <m:t> ~ </m:t>
+                        </m:r>
+                        <m:r>
+                          <a:rPr lang="pt-BR" i="1" dirty="0" smtClean="0">
+                            <a:effectLst>
+                              <a:outerShdw blurRad="38100" dist="38100" dir="2700000" algn="tl">
+                                <a:srgbClr val="000000">
+                                  <a:alpha val="43137"/>
+                                </a:srgbClr>
+                              </a:outerShdw>
+                            </a:effectLst>
+                            <a:latin typeface="Cambria Math" panose="02040503050406030204" pitchFamily="18" charset="0"/>
+                          </a:rPr>
+                          <m:t>𝐴</m:t>
+                        </m:r>
+                        <m:r>
+                          <a:rPr lang="pt-BR" i="1" dirty="0" smtClean="0">
+                            <a:effectLst>
+                              <a:outerShdw blurRad="38100" dist="38100" dir="2700000" algn="tl">
+                                <a:srgbClr val="000000">
+                                  <a:alpha val="43137"/>
+                                </a:srgbClr>
+                              </a:outerShdw>
+                            </a:effectLst>
+                            <a:latin typeface="Cambria Math" panose="02040503050406030204" pitchFamily="18" charset="0"/>
+                          </a:rPr>
+                          <m:t> + </m:t>
+                        </m:r>
+                        <m:r>
+                          <a:rPr lang="pt-BR" i="1" dirty="0" smtClean="0">
+                            <a:effectLst>
+                              <a:outerShdw blurRad="38100" dist="38100" dir="2700000" algn="tl">
+                                <a:srgbClr val="000000">
+                                  <a:alpha val="43137"/>
+                                </a:srgbClr>
+                              </a:outerShdw>
+                            </a:effectLst>
+                            <a:latin typeface="Cambria Math" panose="02040503050406030204" pitchFamily="18" charset="0"/>
+                          </a:rPr>
+                          <m:t>𝐵</m:t>
+                        </m:r>
+                        <m:r>
+                          <a:rPr lang="pt-BR" i="1" dirty="0" smtClean="0">
+                            <a:effectLst>
+                              <a:outerShdw blurRad="38100" dist="38100" dir="2700000" algn="tl">
+                                <a:srgbClr val="000000">
+                                  <a:alpha val="43137"/>
+                                </a:srgbClr>
+                              </a:outerShdw>
+                            </a:effectLst>
+                            <a:latin typeface="Cambria Math" panose="02040503050406030204" pitchFamily="18" charset="0"/>
+                          </a:rPr>
+                          <m:t> + </m:t>
+                        </m:r>
+                        <m:r>
+                          <a:rPr lang="pt-BR" i="1" dirty="0" smtClean="0">
+                            <a:effectLst>
+                              <a:outerShdw blurRad="38100" dist="38100" dir="2700000" algn="tl">
+                                <a:srgbClr val="000000">
+                                  <a:alpha val="43137"/>
+                                </a:srgbClr>
+                              </a:outerShdw>
+                            </a:effectLst>
+                            <a:latin typeface="Cambria Math" panose="02040503050406030204" pitchFamily="18" charset="0"/>
+                          </a:rPr>
+                          <m:t>𝐶</m:t>
+                        </m:r>
+                      </m:oMath>
+                    </m:oMathPara>
+                  </a14:m>
+                  <a:endParaRPr lang="pt-BR" dirty="0">
+                    <a:effectLst>
+                      <a:outerShdw blurRad="38100" dist="38100" dir="2700000" algn="tl">
+                        <a:srgbClr val="000000">
+                          <a:alpha val="43137"/>
+                        </a:srgbClr>
+                      </a:outerShdw>
+                    </a:effectLst>
+                    <a:latin typeface="Calibria math"/>
+                  </a:endParaRPr>
+                </a:p>
+              </p:txBody>
+            </p:sp>
+          </mc:Choice>
+          <mc:Fallback xmlns="">
+            <p:sp>
+              <p:nvSpPr>
+                <p:cNvPr id="26" name="TextBox 25">
+                  <a:extLst>
+                    <a:ext uri="{FF2B5EF4-FFF2-40B4-BE49-F238E27FC236}">
+                      <a16:creationId xmlns:a16="http://schemas.microsoft.com/office/drawing/2014/main" id="{9B7091C4-3F85-5823-5A4A-BB1F97EAF96B}"/>
+                    </a:ext>
+                  </a:extLst>
+                </p:cNvPr>
+                <p:cNvSpPr txBox="1">
+                  <a:spLocks noRot="1" noChangeAspect="1" noMove="1" noResize="1" noEditPoints="1" noAdjustHandles="1" noChangeArrowheads="1" noChangeShapeType="1" noTextEdit="1"/>
+                </p:cNvSpPr>
+                <p:nvPr/>
+              </p:nvSpPr>
+              <p:spPr>
+                <a:xfrm>
+                  <a:off x="4934585" y="2875002"/>
+                  <a:ext cx="2669513" cy="369332"/>
+                </a:xfrm>
+                <a:prstGeom prst="rect">
+                  <a:avLst/>
+                </a:prstGeom>
+                <a:blipFill>
+                  <a:blip r:embed="rId9"/>
+                  <a:stretch>
+                    <a:fillRect b="-19672"/>
+                  </a:stretch>
+                </a:blipFill>
+              </p:spPr>
+              <p:txBody>
+                <a:bodyPr/>
+                <a:lstStyle/>
+                <a:p>
+                  <a:r>
+                    <a:rPr lang="pt-BR">
+                      <a:noFill/>
+                    </a:rPr>
+                    <a:t> </a:t>
+                  </a:r>
+                </a:p>
+              </p:txBody>
+            </p:sp>
+          </mc:Fallback>
+        </mc:AlternateContent>
+        <p:sp>
+          <p:nvSpPr>
+            <p:cNvPr id="35" name="Arrow: Curved Down 34">
+              <a:extLst>
+                <a:ext uri="{FF2B5EF4-FFF2-40B4-BE49-F238E27FC236}">
+                  <a16:creationId xmlns:a16="http://schemas.microsoft.com/office/drawing/2014/main" id="{0D3FA5FA-61AA-B704-2C3D-AE509399FD8E}"/>
+                </a:ext>
+              </a:extLst>
+            </p:cNvPr>
+            <p:cNvSpPr/>
+            <p:nvPr/>
+          </p:nvSpPr>
+          <p:spPr>
+            <a:xfrm rot="5400000">
+              <a:off x="3312164" y="2350294"/>
+              <a:ext cx="420655" cy="369332"/>
+            </a:xfrm>
+            <a:prstGeom prst="curvedDownArrow">
+              <a:avLst/>
+            </a:prstGeom>
+          </p:spPr>
+          <p:style>
+            <a:lnRef idx="2">
+              <a:schemeClr val="accent2"/>
+            </a:lnRef>
+            <a:fillRef idx="1">
+              <a:schemeClr val="lt1"/>
+            </a:fillRef>
+            <a:effectRef idx="0">
+              <a:schemeClr val="accent2"/>
+            </a:effectRef>
+            <a:fontRef idx="minor">
+              <a:schemeClr val="dk1"/>
+            </a:fontRef>
+          </p:style>
+          <p:txBody>
+            <a:bodyPr rtlCol="0" anchor="ctr"/>
+            <a:lstStyle/>
+            <a:p>
+              <a:pPr algn="ctr"/>
+              <a:endParaRPr lang="pt-BR">
+                <a:solidFill>
+                  <a:schemeClr val="tx1"/>
+                </a:solidFill>
+                <a:effectLst>
+                  <a:outerShdw blurRad="38100" dist="38100" dir="2700000" algn="tl">
+                    <a:srgbClr val="000000">
+                      <a:alpha val="43137"/>
+                    </a:srgbClr>
+                  </a:outerShdw>
+                </a:effectLst>
+              </a:endParaRPr>
+            </a:p>
+          </p:txBody>
+        </p:sp>
+        <p:sp>
+          <p:nvSpPr>
+            <p:cNvPr id="37" name="Arrow: Curved Down 36">
+              <a:extLst>
+                <a:ext uri="{FF2B5EF4-FFF2-40B4-BE49-F238E27FC236}">
+                  <a16:creationId xmlns:a16="http://schemas.microsoft.com/office/drawing/2014/main" id="{E4799488-51B9-6C29-469F-41984EEADF73}"/>
+                </a:ext>
+              </a:extLst>
+            </p:cNvPr>
+            <p:cNvSpPr/>
+            <p:nvPr/>
+          </p:nvSpPr>
+          <p:spPr>
+            <a:xfrm rot="5400000">
+              <a:off x="3621531" y="2719627"/>
+              <a:ext cx="420655" cy="369332"/>
+            </a:xfrm>
+            <a:prstGeom prst="curvedDownArrow">
+              <a:avLst/>
+            </a:prstGeom>
+          </p:spPr>
+          <p:style>
+            <a:lnRef idx="2">
+              <a:schemeClr val="accent2"/>
+            </a:lnRef>
+            <a:fillRef idx="1">
+              <a:schemeClr val="lt1"/>
+            </a:fillRef>
+            <a:effectRef idx="0">
+              <a:schemeClr val="accent2"/>
+            </a:effectRef>
+            <a:fontRef idx="minor">
+              <a:schemeClr val="dk1"/>
+            </a:fontRef>
+          </p:style>
+          <p:txBody>
+            <a:bodyPr rtlCol="0" anchor="ctr"/>
+            <a:lstStyle/>
+            <a:p>
+              <a:pPr algn="ctr"/>
+              <a:endParaRPr lang="pt-BR">
+                <a:solidFill>
+                  <a:schemeClr val="tx1"/>
+                </a:solidFill>
+                <a:effectLst>
+                  <a:outerShdw blurRad="38100" dist="38100" dir="2700000" algn="tl">
+                    <a:srgbClr val="000000">
+                      <a:alpha val="43137"/>
+                    </a:srgbClr>
+                  </a:outerShdw>
+                </a:effectLst>
+              </a:endParaRPr>
+            </a:p>
+          </p:txBody>
+        </p:sp>
+        <p:sp>
+          <p:nvSpPr>
+            <p:cNvPr id="39" name="Arrow: Curved Down 38">
+              <a:extLst>
+                <a:ext uri="{FF2B5EF4-FFF2-40B4-BE49-F238E27FC236}">
+                  <a16:creationId xmlns:a16="http://schemas.microsoft.com/office/drawing/2014/main" id="{926D12C7-1A64-CA53-B1C0-526E1C2CF46E}"/>
+                </a:ext>
+              </a:extLst>
+            </p:cNvPr>
+            <p:cNvSpPr/>
+            <p:nvPr/>
+          </p:nvSpPr>
+          <p:spPr>
+            <a:xfrm rot="5400000">
+              <a:off x="3990863" y="3140283"/>
+              <a:ext cx="420655" cy="369332"/>
+            </a:xfrm>
+            <a:prstGeom prst="curvedDownArrow">
+              <a:avLst/>
+            </a:prstGeom>
+          </p:spPr>
+          <p:style>
+            <a:lnRef idx="2">
+              <a:schemeClr val="accent2"/>
+            </a:lnRef>
+            <a:fillRef idx="1">
+              <a:schemeClr val="lt1"/>
+            </a:fillRef>
+            <a:effectRef idx="0">
+              <a:schemeClr val="accent2"/>
+            </a:effectRef>
+            <a:fontRef idx="minor">
+              <a:schemeClr val="dk1"/>
+            </a:fontRef>
+          </p:style>
+          <p:txBody>
+            <a:bodyPr rtlCol="0" anchor="ctr"/>
+            <a:lstStyle/>
+            <a:p>
+              <a:pPr algn="ctr"/>
+              <a:endParaRPr lang="pt-BR">
+                <a:solidFill>
+                  <a:schemeClr val="tx1"/>
+                </a:solidFill>
+                <a:effectLst>
+                  <a:outerShdw blurRad="38100" dist="38100" dir="2700000" algn="tl">
+                    <a:srgbClr val="000000">
+                      <a:alpha val="43137"/>
+                    </a:srgbClr>
+                  </a:outerShdw>
+                </a:effectLst>
+              </a:endParaRPr>
+            </a:p>
+          </p:txBody>
+        </p:sp>
+        <p:cxnSp>
+          <p:nvCxnSpPr>
+            <p:cNvPr id="43" name="Connector: Elbow 42">
+              <a:extLst>
+                <a:ext uri="{FF2B5EF4-FFF2-40B4-BE49-F238E27FC236}">
+                  <a16:creationId xmlns:a16="http://schemas.microsoft.com/office/drawing/2014/main" id="{C303F68F-3CF1-CCE1-BEC1-A074B98F21DE}"/>
+                </a:ext>
+              </a:extLst>
+            </p:cNvPr>
+            <p:cNvCxnSpPr>
+              <a:stCxn id="12" idx="1"/>
+              <a:endCxn id="5" idx="0"/>
+            </p:cNvCxnSpPr>
+            <p:nvPr/>
+          </p:nvCxnSpPr>
+          <p:spPr>
+            <a:xfrm rot="10800000" flipV="1">
+              <a:off x="2617800" y="1093475"/>
+              <a:ext cx="433301" cy="314380"/>
+            </a:xfrm>
+            <a:prstGeom prst="bentConnector2">
+              <a:avLst/>
+            </a:prstGeom>
+            <a:ln>
+              <a:tailEnd type="triangle"/>
+            </a:ln>
+          </p:spPr>
+          <p:style>
+            <a:lnRef idx="3">
+              <a:schemeClr val="dk1"/>
+            </a:lnRef>
+            <a:fillRef idx="0">
+              <a:schemeClr val="dk1"/>
+            </a:fillRef>
+            <a:effectRef idx="2">
+              <a:schemeClr val="dk1"/>
+            </a:effectRef>
+            <a:fontRef idx="minor">
+              <a:schemeClr val="tx1"/>
+            </a:fontRef>
+          </p:style>
+        </p:cxnSp>
+        <p:cxnSp>
+          <p:nvCxnSpPr>
+            <p:cNvPr id="44" name="Connector: Elbow 43">
+              <a:extLst>
+                <a:ext uri="{FF2B5EF4-FFF2-40B4-BE49-F238E27FC236}">
+                  <a16:creationId xmlns:a16="http://schemas.microsoft.com/office/drawing/2014/main" id="{B4158CA2-E880-BB64-44A5-7810319F26E9}"/>
+                </a:ext>
+              </a:extLst>
+            </p:cNvPr>
+            <p:cNvCxnSpPr>
+              <a:cxnSpLocks/>
+              <a:stCxn id="12" idx="3"/>
+              <a:endCxn id="7" idx="0"/>
+            </p:cNvCxnSpPr>
+            <p:nvPr/>
+          </p:nvCxnSpPr>
+          <p:spPr>
+            <a:xfrm>
+              <a:off x="5720613" y="1093475"/>
+              <a:ext cx="575412" cy="314380"/>
+            </a:xfrm>
+            <a:prstGeom prst="bentConnector2">
+              <a:avLst/>
+            </a:prstGeom>
+            <a:ln>
+              <a:tailEnd type="triangle"/>
+            </a:ln>
+          </p:spPr>
+          <p:style>
+            <a:lnRef idx="3">
+              <a:schemeClr val="dk1"/>
+            </a:lnRef>
+            <a:fillRef idx="0">
+              <a:schemeClr val="dk1"/>
+            </a:fillRef>
+            <a:effectRef idx="2">
+              <a:schemeClr val="dk1"/>
+            </a:effectRef>
+            <a:fontRef idx="minor">
+              <a:schemeClr val="tx1"/>
+            </a:fontRef>
+          </p:style>
+        </p:cxnSp>
+        <p:pic>
+          <p:nvPicPr>
+            <p:cNvPr id="52" name="Graphic 51" descr="Close outline">
+              <a:extLst>
+                <a:ext uri="{FF2B5EF4-FFF2-40B4-BE49-F238E27FC236}">
+                  <a16:creationId xmlns:a16="http://schemas.microsoft.com/office/drawing/2014/main" id="{79515408-9F75-41BA-25AB-B77B3965809E}"/>
+                </a:ext>
+              </a:extLst>
+            </p:cNvPr>
+            <p:cNvPicPr>
+              <a:picLocks noChangeAspect="1"/>
+            </p:cNvPicPr>
+            <p:nvPr/>
+          </p:nvPicPr>
+          <p:blipFill>
+            <a:blip r:embed="rId10">
+              <a:extLst>
+                <a:ext uri="{28A0092B-C50C-407E-A947-70E740481C1C}">
+                  <a14:useLocalDpi xmlns:a14="http://schemas.microsoft.com/office/drawing/2010/main" val="0"/>
+                </a:ext>
+                <a:ext uri="{96DAC541-7B7A-43D3-8B79-37D633B846F1}">
+                  <asvg:svgBlip xmlns:asvg="http://schemas.microsoft.com/office/drawing/2016/SVG/main" r:embed="rId11"/>
+                </a:ext>
+              </a:extLst>
+            </a:blip>
+            <a:stretch>
+              <a:fillRect/>
+            </a:stretch>
+          </p:blipFill>
+          <p:spPr>
+            <a:xfrm>
+              <a:off x="6175533" y="2162412"/>
+              <a:ext cx="355283" cy="355283"/>
+            </a:xfrm>
+            <a:prstGeom prst="rect">
+              <a:avLst/>
+            </a:prstGeom>
+          </p:spPr>
+        </p:pic>
+        <p:pic>
+          <p:nvPicPr>
+            <p:cNvPr id="54" name="Graphic 53" descr="Close outline">
+              <a:extLst>
+                <a:ext uri="{FF2B5EF4-FFF2-40B4-BE49-F238E27FC236}">
+                  <a16:creationId xmlns:a16="http://schemas.microsoft.com/office/drawing/2014/main" id="{8A702790-E6C4-CDBB-CB27-DCA24C283BF0}"/>
+                </a:ext>
+              </a:extLst>
+            </p:cNvPr>
+            <p:cNvPicPr>
+              <a:picLocks noChangeAspect="1"/>
+            </p:cNvPicPr>
+            <p:nvPr/>
+          </p:nvPicPr>
+          <p:blipFill>
+            <a:blip r:embed="rId10">
+              <a:extLst>
+                <a:ext uri="{28A0092B-C50C-407E-A947-70E740481C1C}">
+                  <a14:useLocalDpi xmlns:a14="http://schemas.microsoft.com/office/drawing/2010/main" val="0"/>
+                </a:ext>
+                <a:ext uri="{96DAC541-7B7A-43D3-8B79-37D633B846F1}">
+                  <asvg:svgBlip xmlns:asvg="http://schemas.microsoft.com/office/drawing/2016/SVG/main" r:embed="rId11"/>
+                </a:ext>
+              </a:extLst>
+            </a:blip>
+            <a:stretch>
+              <a:fillRect/>
+            </a:stretch>
+          </p:blipFill>
+          <p:spPr>
+            <a:xfrm>
+              <a:off x="6699408" y="2546807"/>
+              <a:ext cx="355283" cy="355283"/>
+            </a:xfrm>
+            <a:prstGeom prst="rect">
+              <a:avLst/>
+            </a:prstGeom>
+          </p:spPr>
+        </p:pic>
+        <p:pic>
+          <p:nvPicPr>
+            <p:cNvPr id="56" name="Graphic 55" descr="Close outline">
+              <a:extLst>
+                <a:ext uri="{FF2B5EF4-FFF2-40B4-BE49-F238E27FC236}">
+                  <a16:creationId xmlns:a16="http://schemas.microsoft.com/office/drawing/2014/main" id="{93A67DE0-CA4C-DC56-624A-62F56B1BCD05}"/>
+                </a:ext>
+              </a:extLst>
+            </p:cNvPr>
+            <p:cNvPicPr>
+              <a:picLocks noChangeAspect="1"/>
+            </p:cNvPicPr>
+            <p:nvPr/>
+          </p:nvPicPr>
+          <p:blipFill>
+            <a:blip r:embed="rId10">
+              <a:extLst>
+                <a:ext uri="{28A0092B-C50C-407E-A947-70E740481C1C}">
+                  <a14:useLocalDpi xmlns:a14="http://schemas.microsoft.com/office/drawing/2010/main" val="0"/>
+                </a:ext>
+                <a:ext uri="{96DAC541-7B7A-43D3-8B79-37D633B846F1}">
+                  <asvg:svgBlip xmlns:asvg="http://schemas.microsoft.com/office/drawing/2016/SVG/main" r:embed="rId11"/>
+                </a:ext>
+              </a:extLst>
+            </a:blip>
+            <a:stretch>
+              <a:fillRect/>
+            </a:stretch>
+          </p:blipFill>
+          <p:spPr>
+            <a:xfrm>
+              <a:off x="7215569" y="2894051"/>
+              <a:ext cx="355283" cy="355283"/>
+            </a:xfrm>
+            <a:prstGeom prst="rect">
+              <a:avLst/>
+            </a:prstGeom>
+          </p:spPr>
+        </p:pic>
+      </p:grpSp>
+    </p:spTree>
+    <p:extLst>
+      <p:ext uri="{BB962C8B-B14F-4D97-AF65-F5344CB8AC3E}">
+        <p14:creationId xmlns:p14="http://schemas.microsoft.com/office/powerpoint/2010/main" val="2284852956"/>
+      </p:ext>
+    </p:extLst>
+  </p:cSld>
+  <p:clrMapOvr>
+    <a:masterClrMapping/>
+  </p:clrMapOvr>
+</p:sld>
+</file>
+
+<file path=ppt/slides/slide3.xml><?xml version="1.0" encoding="utf-8"?>
+<p:sld xmlns:a="http://schemas.openxmlformats.org/drawingml/2006/main" xmlns:r="http://schemas.openxmlformats.org/officeDocument/2006/relationships" xmlns:p="http://schemas.openxmlformats.org/presentationml/2006/main">
+  <p:cSld>
+    <p:spTree>
+      <p:nvGrpSpPr>
+        <p:cNvPr id="1" name=""/>
+        <p:cNvGrpSpPr/>
+        <p:nvPr/>
+      </p:nvGrpSpPr>
+      <p:grpSpPr>
+        <a:xfrm>
+          <a:off x="0" y="0"/>
+          <a:ext cx="0" cy="0"/>
+          <a:chOff x="0" y="0"/>
+          <a:chExt cx="0" cy="0"/>
+        </a:xfrm>
+      </p:grpSpPr>
+      <p:grpSp>
+        <p:nvGrpSpPr>
+          <p:cNvPr id="4" name="Group 3">
+            <a:extLst>
+              <a:ext uri="{FF2B5EF4-FFF2-40B4-BE49-F238E27FC236}">
+                <a16:creationId xmlns:a16="http://schemas.microsoft.com/office/drawing/2014/main" id="{EE89F55D-3930-8998-1CF9-F159EF669D6A}"/>
+              </a:ext>
+            </a:extLst>
+          </p:cNvPr>
+          <p:cNvGrpSpPr/>
+          <p:nvPr/>
+        </p:nvGrpSpPr>
+        <p:grpSpPr>
+          <a:xfrm>
+            <a:off x="1373869" y="1140210"/>
+            <a:ext cx="6985884" cy="1565966"/>
+            <a:chOff x="1373869" y="1140210"/>
+            <a:chExt cx="6985884" cy="1565966"/>
+          </a:xfrm>
+        </p:grpSpPr>
+        <p:grpSp>
+          <p:nvGrpSpPr>
+            <p:cNvPr id="59" name="Group 58">
+              <a:extLst>
+                <a:ext uri="{FF2B5EF4-FFF2-40B4-BE49-F238E27FC236}">
+                  <a16:creationId xmlns:a16="http://schemas.microsoft.com/office/drawing/2014/main" id="{B684F807-2635-579F-72FA-187580F4B384}"/>
+                </a:ext>
+              </a:extLst>
+            </p:cNvPr>
+            <p:cNvGrpSpPr/>
+            <p:nvPr/>
+          </p:nvGrpSpPr>
+          <p:grpSpPr>
+            <a:xfrm>
+              <a:off x="1373869" y="1140210"/>
+              <a:ext cx="6985884" cy="1565966"/>
+              <a:chOff x="1373869" y="1140210"/>
+              <a:chExt cx="6985884" cy="1565966"/>
+            </a:xfrm>
+          </p:grpSpPr>
+          <p:sp>
+            <p:nvSpPr>
+              <p:cNvPr id="17" name="Retângulo 17">
+                <a:extLst>
+                  <a:ext uri="{FF2B5EF4-FFF2-40B4-BE49-F238E27FC236}">
+                    <a16:creationId xmlns:a16="http://schemas.microsoft.com/office/drawing/2014/main" id="{4E213C84-8726-329F-E990-CECE1576F47D}"/>
+                  </a:ext>
+                </a:extLst>
+              </p:cNvPr>
+              <p:cNvSpPr/>
+              <p:nvPr/>
+            </p:nvSpPr>
+            <p:spPr>
+              <a:xfrm>
+                <a:off x="2366206" y="1522242"/>
+                <a:ext cx="554704" cy="255222"/>
+              </a:xfrm>
+              <a:prstGeom prst="rect">
+                <a:avLst/>
+              </a:prstGeom>
+              <a:solidFill>
+                <a:schemeClr val="bg1">
+                  <a:lumMod val="75000"/>
+                </a:schemeClr>
+              </a:solidFill>
+              <a:ln w="12700">
+                <a:solidFill>
+                  <a:schemeClr val="tx1"/>
+                </a:solidFill>
+              </a:ln>
+            </p:spPr>
+            <p:style>
+              <a:lnRef idx="2">
+                <a:schemeClr val="accent1">
+                  <a:shade val="50000"/>
+                </a:schemeClr>
+              </a:lnRef>
+              <a:fillRef idx="1">
+                <a:schemeClr val="accent1"/>
+              </a:fillRef>
+              <a:effectRef idx="0">
+                <a:schemeClr val="accent1"/>
+              </a:effectRef>
+              <a:fontRef idx="minor">
+                <a:schemeClr val="lt1"/>
+              </a:fontRef>
+            </p:style>
+            <p:txBody>
+              <a:bodyPr rtlCol="0" anchor="ctr"/>
+              <a:lstStyle/>
+              <a:p>
+                <a:pPr algn="ctr"/>
+                <a:r>
+                  <a:rPr lang="pt-BR" sz="2000" dirty="0">
+                    <a:effectLst>
+                      <a:outerShdw blurRad="38100" dist="38100" dir="2700000" algn="tl">
+                        <a:srgbClr val="000000">
+                          <a:alpha val="43137"/>
+                        </a:srgbClr>
+                      </a:outerShdw>
+                    </a:effectLst>
+                    <a:latin typeface="Times New Roman" panose="02020603050405020304" pitchFamily="18" charset="0"/>
+                    <a:cs typeface="Times New Roman" panose="02020603050405020304" pitchFamily="18" charset="0"/>
+                  </a:rPr>
+                  <a:t>Q1</a:t>
+                </a:r>
+              </a:p>
+            </p:txBody>
+          </p:sp>
+          <p:sp>
+            <p:nvSpPr>
+              <p:cNvPr id="18" name="Retângulo 18">
+                <a:extLst>
+                  <a:ext uri="{FF2B5EF4-FFF2-40B4-BE49-F238E27FC236}">
+                    <a16:creationId xmlns:a16="http://schemas.microsoft.com/office/drawing/2014/main" id="{686B3856-3476-9F1E-E1DD-AA48CF84D082}"/>
+                  </a:ext>
+                </a:extLst>
+              </p:cNvPr>
+              <p:cNvSpPr/>
+              <p:nvPr/>
+            </p:nvSpPr>
+            <p:spPr>
+              <a:xfrm>
+                <a:off x="2920910" y="1522242"/>
+                <a:ext cx="554704" cy="255222"/>
+              </a:xfrm>
+              <a:prstGeom prst="rect">
+                <a:avLst/>
+              </a:prstGeom>
+              <a:solidFill>
+                <a:schemeClr val="bg1">
+                  <a:lumMod val="75000"/>
+                </a:schemeClr>
+              </a:solidFill>
+              <a:ln w="12700">
+                <a:solidFill>
+                  <a:schemeClr val="tx1"/>
+                </a:solidFill>
+              </a:ln>
+            </p:spPr>
+            <p:style>
+              <a:lnRef idx="2">
+                <a:schemeClr val="accent1">
+                  <a:shade val="50000"/>
+                </a:schemeClr>
+              </a:lnRef>
+              <a:fillRef idx="1">
+                <a:schemeClr val="accent1"/>
+              </a:fillRef>
+              <a:effectRef idx="0">
+                <a:schemeClr val="accent1"/>
+              </a:effectRef>
+              <a:fontRef idx="minor">
+                <a:schemeClr val="lt1"/>
+              </a:fontRef>
+            </p:style>
+            <p:txBody>
+              <a:bodyPr rtlCol="0" anchor="ctr"/>
+              <a:lstStyle/>
+              <a:p>
+                <a:pPr algn="ctr"/>
+                <a:r>
+                  <a:rPr lang="pt-BR" sz="2000" dirty="0">
+                    <a:effectLst>
+                      <a:outerShdw blurRad="38100" dist="38100" dir="2700000" algn="tl">
+                        <a:srgbClr val="000000">
+                          <a:alpha val="43137"/>
+                        </a:srgbClr>
+                      </a:outerShdw>
+                    </a:effectLst>
+                    <a:latin typeface="Times New Roman" panose="02020603050405020304" pitchFamily="18" charset="0"/>
+                    <a:cs typeface="Times New Roman" panose="02020603050405020304" pitchFamily="18" charset="0"/>
+                  </a:rPr>
+                  <a:t>Q2</a:t>
+                </a:r>
+              </a:p>
+            </p:txBody>
+          </p:sp>
+          <p:sp>
+            <p:nvSpPr>
+              <p:cNvPr id="19" name="Retângulo 19">
+                <a:extLst>
+                  <a:ext uri="{FF2B5EF4-FFF2-40B4-BE49-F238E27FC236}">
+                    <a16:creationId xmlns:a16="http://schemas.microsoft.com/office/drawing/2014/main" id="{78190FDB-74BC-6F8B-A3E0-3AB909735509}"/>
+                  </a:ext>
+                </a:extLst>
+              </p:cNvPr>
+              <p:cNvSpPr/>
+              <p:nvPr/>
+            </p:nvSpPr>
+            <p:spPr>
+              <a:xfrm>
+                <a:off x="4030319" y="1522242"/>
+                <a:ext cx="554704" cy="255222"/>
+              </a:xfrm>
+              <a:prstGeom prst="rect">
+                <a:avLst/>
+              </a:prstGeom>
+              <a:solidFill>
+                <a:schemeClr val="bg1">
+                  <a:lumMod val="75000"/>
+                </a:schemeClr>
+              </a:solidFill>
+              <a:ln w="12700">
+                <a:solidFill>
+                  <a:schemeClr val="tx1"/>
+                </a:solidFill>
+              </a:ln>
+            </p:spPr>
+            <p:style>
+              <a:lnRef idx="2">
+                <a:schemeClr val="accent1">
+                  <a:shade val="50000"/>
+                </a:schemeClr>
+              </a:lnRef>
+              <a:fillRef idx="1">
+                <a:schemeClr val="accent1"/>
+              </a:fillRef>
+              <a:effectRef idx="0">
+                <a:schemeClr val="accent1"/>
+              </a:effectRef>
+              <a:fontRef idx="minor">
+                <a:schemeClr val="lt1"/>
+              </a:fontRef>
+            </p:style>
+            <p:txBody>
+              <a:bodyPr rtlCol="0" anchor="ctr"/>
+              <a:lstStyle/>
+              <a:p>
+                <a:pPr algn="ctr"/>
+                <a:r>
+                  <a:rPr lang="pt-BR" sz="2000" dirty="0">
+                    <a:effectLst>
+                      <a:outerShdw blurRad="38100" dist="38100" dir="2700000" algn="tl">
+                        <a:srgbClr val="000000">
+                          <a:alpha val="43137"/>
+                        </a:srgbClr>
+                      </a:outerShdw>
+                    </a:effectLst>
+                    <a:latin typeface="Times New Roman" panose="02020603050405020304" pitchFamily="18" charset="0"/>
+                    <a:cs typeface="Times New Roman" panose="02020603050405020304" pitchFamily="18" charset="0"/>
+                  </a:rPr>
+                  <a:t>O2</a:t>
+                </a:r>
+              </a:p>
+            </p:txBody>
+          </p:sp>
+          <p:sp>
+            <p:nvSpPr>
+              <p:cNvPr id="20" name="Retângulo 20">
+                <a:extLst>
+                  <a:ext uri="{FF2B5EF4-FFF2-40B4-BE49-F238E27FC236}">
+                    <a16:creationId xmlns:a16="http://schemas.microsoft.com/office/drawing/2014/main" id="{F0260AD3-C346-88CB-B824-A7A696E96C39}"/>
+                  </a:ext>
+                </a:extLst>
+              </p:cNvPr>
+              <p:cNvSpPr/>
+              <p:nvPr/>
+            </p:nvSpPr>
+            <p:spPr>
+              <a:xfrm>
+                <a:off x="3475614" y="1522242"/>
+                <a:ext cx="554704" cy="255222"/>
+              </a:xfrm>
+              <a:prstGeom prst="rect">
+                <a:avLst/>
+              </a:prstGeom>
+              <a:solidFill>
+                <a:schemeClr val="bg1">
+                  <a:lumMod val="75000"/>
+                </a:schemeClr>
+              </a:solidFill>
+              <a:ln w="12700">
+                <a:solidFill>
+                  <a:schemeClr val="tx1"/>
+                </a:solidFill>
+              </a:ln>
+            </p:spPr>
+            <p:style>
+              <a:lnRef idx="2">
+                <a:schemeClr val="accent1">
+                  <a:shade val="50000"/>
+                </a:schemeClr>
+              </a:lnRef>
+              <a:fillRef idx="1">
+                <a:schemeClr val="accent1"/>
+              </a:fillRef>
+              <a:effectRef idx="0">
+                <a:schemeClr val="accent1"/>
+              </a:effectRef>
+              <a:fontRef idx="minor">
+                <a:schemeClr val="lt1"/>
+              </a:fontRef>
+            </p:style>
+            <p:txBody>
+              <a:bodyPr rtlCol="0" anchor="ctr"/>
+              <a:lstStyle/>
+              <a:p>
+                <a:pPr algn="ctr"/>
+                <a:r>
+                  <a:rPr lang="pt-BR" sz="2000" dirty="0">
+                    <a:effectLst>
+                      <a:outerShdw blurRad="38100" dist="38100" dir="2700000" algn="tl">
+                        <a:srgbClr val="000000">
+                          <a:alpha val="43137"/>
+                        </a:srgbClr>
+                      </a:outerShdw>
+                    </a:effectLst>
+                    <a:latin typeface="Times New Roman" panose="02020603050405020304" pitchFamily="18" charset="0"/>
+                    <a:cs typeface="Times New Roman" panose="02020603050405020304" pitchFamily="18" charset="0"/>
+                  </a:rPr>
+                  <a:t>O1</a:t>
+                </a:r>
+              </a:p>
+            </p:txBody>
+          </p:sp>
+          <p:sp>
+            <p:nvSpPr>
+              <p:cNvPr id="21" name="Retângulo 21">
+                <a:extLst>
+                  <a:ext uri="{FF2B5EF4-FFF2-40B4-BE49-F238E27FC236}">
+                    <a16:creationId xmlns:a16="http://schemas.microsoft.com/office/drawing/2014/main" id="{A77A5F94-A295-9E48-865D-FFF1CC067907}"/>
+                  </a:ext>
+                </a:extLst>
+              </p:cNvPr>
+              <p:cNvSpPr/>
+              <p:nvPr/>
+            </p:nvSpPr>
+            <p:spPr>
+              <a:xfrm>
+                <a:off x="1373869" y="1522242"/>
+                <a:ext cx="554704" cy="255222"/>
+              </a:xfrm>
+              <a:prstGeom prst="rect">
+                <a:avLst/>
+              </a:prstGeom>
+              <a:solidFill>
+                <a:schemeClr val="bg1">
+                  <a:lumMod val="75000"/>
+                </a:schemeClr>
+              </a:solidFill>
+              <a:ln w="12700">
+                <a:solidFill>
+                  <a:schemeClr val="tx1"/>
+                </a:solidFill>
+              </a:ln>
+            </p:spPr>
+            <p:style>
+              <a:lnRef idx="2">
+                <a:schemeClr val="accent1">
+                  <a:shade val="50000"/>
+                </a:schemeClr>
+              </a:lnRef>
+              <a:fillRef idx="1">
+                <a:schemeClr val="accent1"/>
+              </a:fillRef>
+              <a:effectRef idx="0">
+                <a:schemeClr val="accent1"/>
+              </a:effectRef>
+              <a:fontRef idx="minor">
+                <a:schemeClr val="lt1"/>
+              </a:fontRef>
+            </p:style>
+            <p:txBody>
+              <a:bodyPr rtlCol="0" anchor="ctr"/>
+              <a:lstStyle/>
+              <a:p>
+                <a:pPr algn="ctr"/>
+                <a:r>
+                  <a:rPr lang="pt-BR" sz="2000" dirty="0">
+                    <a:effectLst>
+                      <a:outerShdw blurRad="38100" dist="38100" dir="2700000" algn="tl">
+                        <a:srgbClr val="000000">
+                          <a:alpha val="43137"/>
+                        </a:srgbClr>
+                      </a:outerShdw>
+                    </a:effectLst>
+                    <a:latin typeface="Times New Roman" panose="02020603050405020304" pitchFamily="18" charset="0"/>
+                    <a:cs typeface="Times New Roman" panose="02020603050405020304" pitchFamily="18" charset="0"/>
+                  </a:rPr>
+                  <a:t>SA</a:t>
+                </a:r>
+              </a:p>
+            </p:txBody>
+          </p:sp>
+          <p:sp>
+            <p:nvSpPr>
+              <p:cNvPr id="22" name="Retângulo 17">
+                <a:extLst>
+                  <a:ext uri="{FF2B5EF4-FFF2-40B4-BE49-F238E27FC236}">
+                    <a16:creationId xmlns:a16="http://schemas.microsoft.com/office/drawing/2014/main" id="{7175E65D-BA03-FA52-921C-AFC87C3A3B63}"/>
+                  </a:ext>
+                </a:extLst>
+              </p:cNvPr>
+              <p:cNvSpPr/>
+              <p:nvPr/>
+            </p:nvSpPr>
+            <p:spPr>
+              <a:xfrm>
+                <a:off x="1928573" y="1984631"/>
+                <a:ext cx="554704" cy="255222"/>
+              </a:xfrm>
+              <a:prstGeom prst="rect">
+                <a:avLst/>
+              </a:prstGeom>
+              <a:solidFill>
+                <a:schemeClr val="bg1">
+                  <a:lumMod val="75000"/>
+                </a:schemeClr>
+              </a:solidFill>
+              <a:ln w="12700">
+                <a:solidFill>
+                  <a:schemeClr val="tx1"/>
+                </a:solidFill>
+              </a:ln>
+            </p:spPr>
+            <p:style>
+              <a:lnRef idx="2">
+                <a:schemeClr val="accent1">
+                  <a:shade val="50000"/>
+                </a:schemeClr>
+              </a:lnRef>
+              <a:fillRef idx="1">
+                <a:schemeClr val="accent1"/>
+              </a:fillRef>
+              <a:effectRef idx="0">
+                <a:schemeClr val="accent1"/>
+              </a:effectRef>
+              <a:fontRef idx="minor">
+                <a:schemeClr val="lt1"/>
+              </a:fontRef>
+            </p:style>
+            <p:txBody>
+              <a:bodyPr rtlCol="0" anchor="ctr"/>
+              <a:lstStyle/>
+              <a:p>
+                <a:pPr algn="ctr"/>
+                <a:r>
+                  <a:rPr lang="pt-BR" sz="2000" dirty="0">
+                    <a:effectLst>
+                      <a:outerShdw blurRad="38100" dist="38100" dir="2700000" algn="tl">
+                        <a:srgbClr val="000000">
+                          <a:alpha val="43137"/>
+                        </a:srgbClr>
+                      </a:outerShdw>
+                    </a:effectLst>
+                    <a:latin typeface="Times New Roman" panose="02020603050405020304" pitchFamily="18" charset="0"/>
+                    <a:cs typeface="Times New Roman" panose="02020603050405020304" pitchFamily="18" charset="0"/>
+                  </a:rPr>
+                  <a:t>Q1</a:t>
+                </a:r>
+              </a:p>
+            </p:txBody>
+          </p:sp>
+          <p:sp>
+            <p:nvSpPr>
+              <p:cNvPr id="23" name="Retângulo 18">
+                <a:extLst>
+                  <a:ext uri="{FF2B5EF4-FFF2-40B4-BE49-F238E27FC236}">
+                    <a16:creationId xmlns:a16="http://schemas.microsoft.com/office/drawing/2014/main" id="{42CC916A-4DD7-6B38-7DFA-6D9A552C7315}"/>
+                  </a:ext>
+                </a:extLst>
+              </p:cNvPr>
+              <p:cNvSpPr/>
+              <p:nvPr/>
+            </p:nvSpPr>
+            <p:spPr>
+              <a:xfrm>
+                <a:off x="2483278" y="1984631"/>
+                <a:ext cx="554704" cy="255222"/>
+              </a:xfrm>
+              <a:prstGeom prst="rect">
+                <a:avLst/>
+              </a:prstGeom>
+              <a:solidFill>
+                <a:schemeClr val="bg1">
+                  <a:lumMod val="75000"/>
+                </a:schemeClr>
+              </a:solidFill>
+              <a:ln w="12700">
+                <a:solidFill>
+                  <a:schemeClr val="tx1"/>
+                </a:solidFill>
+              </a:ln>
+            </p:spPr>
+            <p:style>
+              <a:lnRef idx="2">
+                <a:schemeClr val="accent1">
+                  <a:shade val="50000"/>
+                </a:schemeClr>
+              </a:lnRef>
+              <a:fillRef idx="1">
+                <a:schemeClr val="accent1"/>
+              </a:fillRef>
+              <a:effectRef idx="0">
+                <a:schemeClr val="accent1"/>
+              </a:effectRef>
+              <a:fontRef idx="minor">
+                <a:schemeClr val="lt1"/>
+              </a:fontRef>
+            </p:style>
+            <p:txBody>
+              <a:bodyPr rtlCol="0" anchor="ctr"/>
+              <a:lstStyle/>
+              <a:p>
+                <a:pPr algn="ctr"/>
+                <a:r>
+                  <a:rPr lang="pt-BR" sz="2000" dirty="0">
+                    <a:effectLst>
+                      <a:outerShdw blurRad="38100" dist="38100" dir="2700000" algn="tl">
+                        <a:srgbClr val="000000">
+                          <a:alpha val="43137"/>
+                        </a:srgbClr>
+                      </a:outerShdw>
+                    </a:effectLst>
+                    <a:latin typeface="Times New Roman" panose="02020603050405020304" pitchFamily="18" charset="0"/>
+                    <a:cs typeface="Times New Roman" panose="02020603050405020304" pitchFamily="18" charset="0"/>
+                  </a:rPr>
+                  <a:t>Q2</a:t>
+                </a:r>
+              </a:p>
+            </p:txBody>
+          </p:sp>
+          <p:sp>
+            <p:nvSpPr>
+              <p:cNvPr id="24" name="Retângulo 19">
+                <a:extLst>
+                  <a:ext uri="{FF2B5EF4-FFF2-40B4-BE49-F238E27FC236}">
+                    <a16:creationId xmlns:a16="http://schemas.microsoft.com/office/drawing/2014/main" id="{8A357F8A-754D-EE53-EADD-609D1E2BDB1C}"/>
+                  </a:ext>
+                </a:extLst>
+              </p:cNvPr>
+              <p:cNvSpPr/>
+              <p:nvPr/>
+            </p:nvSpPr>
+            <p:spPr>
+              <a:xfrm>
+                <a:off x="4030319" y="1984631"/>
+                <a:ext cx="554704" cy="255222"/>
+              </a:xfrm>
+              <a:prstGeom prst="rect">
+                <a:avLst/>
+              </a:prstGeom>
+              <a:solidFill>
+                <a:schemeClr val="bg1">
+                  <a:lumMod val="75000"/>
+                </a:schemeClr>
+              </a:solidFill>
+              <a:ln w="12700">
+                <a:solidFill>
+                  <a:schemeClr val="tx1"/>
+                </a:solidFill>
+              </a:ln>
+            </p:spPr>
+            <p:style>
+              <a:lnRef idx="2">
+                <a:schemeClr val="accent1">
+                  <a:shade val="50000"/>
+                </a:schemeClr>
+              </a:lnRef>
+              <a:fillRef idx="1">
+                <a:schemeClr val="accent1"/>
+              </a:fillRef>
+              <a:effectRef idx="0">
+                <a:schemeClr val="accent1"/>
+              </a:effectRef>
+              <a:fontRef idx="minor">
+                <a:schemeClr val="lt1"/>
+              </a:fontRef>
+            </p:style>
+            <p:txBody>
+              <a:bodyPr rtlCol="0" anchor="ctr"/>
+              <a:lstStyle/>
+              <a:p>
+                <a:pPr algn="ctr"/>
+                <a:r>
+                  <a:rPr lang="pt-BR" sz="2000" dirty="0">
+                    <a:effectLst>
+                      <a:outerShdw blurRad="38100" dist="38100" dir="2700000" algn="tl">
+                        <a:srgbClr val="000000">
+                          <a:alpha val="43137"/>
+                        </a:srgbClr>
+                      </a:outerShdw>
+                    </a:effectLst>
+                    <a:latin typeface="Times New Roman" panose="02020603050405020304" pitchFamily="18" charset="0"/>
+                    <a:cs typeface="Times New Roman" panose="02020603050405020304" pitchFamily="18" charset="0"/>
+                  </a:rPr>
+                  <a:t>O2</a:t>
+                </a:r>
+              </a:p>
+            </p:txBody>
+          </p:sp>
+          <p:sp>
+            <p:nvSpPr>
+              <p:cNvPr id="25" name="Retângulo 20">
+                <a:extLst>
+                  <a:ext uri="{FF2B5EF4-FFF2-40B4-BE49-F238E27FC236}">
+                    <a16:creationId xmlns:a16="http://schemas.microsoft.com/office/drawing/2014/main" id="{D54DA1B9-D464-92D0-F28D-3ED7D859329D}"/>
+                  </a:ext>
+                </a:extLst>
+              </p:cNvPr>
+              <p:cNvSpPr/>
+              <p:nvPr/>
+            </p:nvSpPr>
+            <p:spPr>
+              <a:xfrm>
+                <a:off x="3475614" y="1984631"/>
+                <a:ext cx="554704" cy="255222"/>
+              </a:xfrm>
+              <a:prstGeom prst="rect">
+                <a:avLst/>
+              </a:prstGeom>
+              <a:solidFill>
+                <a:schemeClr val="bg1">
+                  <a:lumMod val="75000"/>
+                </a:schemeClr>
+              </a:solidFill>
+              <a:ln w="12700">
+                <a:solidFill>
+                  <a:schemeClr val="tx1"/>
+                </a:solidFill>
+              </a:ln>
+            </p:spPr>
+            <p:style>
+              <a:lnRef idx="2">
+                <a:schemeClr val="accent1">
+                  <a:shade val="50000"/>
+                </a:schemeClr>
+              </a:lnRef>
+              <a:fillRef idx="1">
+                <a:schemeClr val="accent1"/>
+              </a:fillRef>
+              <a:effectRef idx="0">
+                <a:schemeClr val="accent1"/>
+              </a:effectRef>
+              <a:fontRef idx="minor">
+                <a:schemeClr val="lt1"/>
+              </a:fontRef>
+            </p:style>
+            <p:txBody>
+              <a:bodyPr rtlCol="0" anchor="ctr"/>
+              <a:lstStyle/>
+              <a:p>
+                <a:pPr algn="ctr"/>
+                <a:r>
+                  <a:rPr lang="pt-BR" sz="2000" dirty="0">
+                    <a:effectLst>
+                      <a:outerShdw blurRad="38100" dist="38100" dir="2700000" algn="tl">
+                        <a:srgbClr val="000000">
+                          <a:alpha val="43137"/>
+                        </a:srgbClr>
+                      </a:outerShdw>
+                    </a:effectLst>
+                    <a:latin typeface="Times New Roman" panose="02020603050405020304" pitchFamily="18" charset="0"/>
+                    <a:cs typeface="Times New Roman" panose="02020603050405020304" pitchFamily="18" charset="0"/>
+                  </a:rPr>
+                  <a:t>O1</a:t>
+                </a:r>
+              </a:p>
+            </p:txBody>
+          </p:sp>
+          <p:sp>
+            <p:nvSpPr>
+              <p:cNvPr id="26" name="TextBox 25">
+                <a:extLst>
+                  <a:ext uri="{FF2B5EF4-FFF2-40B4-BE49-F238E27FC236}">
+                    <a16:creationId xmlns:a16="http://schemas.microsoft.com/office/drawing/2014/main" id="{CA7282C2-6F23-3E8B-B4A6-97FD8F6D42D4}"/>
+                  </a:ext>
+                </a:extLst>
+              </p:cNvPr>
+              <p:cNvSpPr txBox="1"/>
+              <p:nvPr/>
+            </p:nvSpPr>
+            <p:spPr>
+              <a:xfrm>
+                <a:off x="1911924" y="1474988"/>
+                <a:ext cx="445956" cy="338554"/>
+              </a:xfrm>
+              <a:prstGeom prst="rect">
+                <a:avLst/>
+              </a:prstGeom>
+              <a:noFill/>
+            </p:spPr>
+            <p:txBody>
+              <a:bodyPr wrap="none" rtlCol="0">
+                <a:spAutoFit/>
+              </a:bodyPr>
+              <a:lstStyle/>
+              <a:p>
+                <a:r>
+                  <a:rPr lang="pt-BR" sz="1600" dirty="0">
+                    <a:effectLst>
+                      <a:outerShdw blurRad="38100" dist="38100" dir="2700000" algn="tl">
+                        <a:srgbClr val="000000">
+                          <a:alpha val="43137"/>
+                        </a:srgbClr>
+                      </a:outerShdw>
+                    </a:effectLst>
+                    <a:latin typeface="Times New Roman" panose="02020603050405020304" pitchFamily="18" charset="0"/>
+                    <a:cs typeface="Times New Roman" panose="02020603050405020304" pitchFamily="18" charset="0"/>
+                  </a:rPr>
+                  <a:t>VS</a:t>
+                </a:r>
+              </a:p>
+            </p:txBody>
+          </p:sp>
+          <p:sp>
+            <p:nvSpPr>
+              <p:cNvPr id="27" name="TextBox 26">
+                <a:extLst>
+                  <a:ext uri="{FF2B5EF4-FFF2-40B4-BE49-F238E27FC236}">
+                    <a16:creationId xmlns:a16="http://schemas.microsoft.com/office/drawing/2014/main" id="{0FCD11D1-4B52-69D5-8F77-A268A37A2452}"/>
+                  </a:ext>
+                </a:extLst>
+              </p:cNvPr>
+              <p:cNvSpPr txBox="1"/>
+              <p:nvPr/>
+            </p:nvSpPr>
+            <p:spPr>
+              <a:xfrm>
+                <a:off x="3029657" y="1942965"/>
+                <a:ext cx="445956" cy="338554"/>
+              </a:xfrm>
+              <a:prstGeom prst="rect">
+                <a:avLst/>
+              </a:prstGeom>
+              <a:noFill/>
+            </p:spPr>
+            <p:txBody>
+              <a:bodyPr wrap="none" rtlCol="0">
+                <a:spAutoFit/>
+              </a:bodyPr>
+              <a:lstStyle/>
+              <a:p>
+                <a:r>
+                  <a:rPr lang="pt-BR" sz="1600" dirty="0">
+                    <a:effectLst>
+                      <a:outerShdw blurRad="38100" dist="38100" dir="2700000" algn="tl">
+                        <a:srgbClr val="000000">
+                          <a:alpha val="43137"/>
+                        </a:srgbClr>
+                      </a:outerShdw>
+                    </a:effectLst>
+                    <a:latin typeface="Times New Roman" panose="02020603050405020304" pitchFamily="18" charset="0"/>
+                    <a:cs typeface="Times New Roman" panose="02020603050405020304" pitchFamily="18" charset="0"/>
+                  </a:rPr>
+                  <a:t>VS</a:t>
+                </a:r>
+              </a:p>
+            </p:txBody>
+          </p:sp>
+          <p:sp>
+            <p:nvSpPr>
+              <p:cNvPr id="28" name="Retângulo 17">
+                <a:extLst>
+                  <a:ext uri="{FF2B5EF4-FFF2-40B4-BE49-F238E27FC236}">
+                    <a16:creationId xmlns:a16="http://schemas.microsoft.com/office/drawing/2014/main" id="{93327B1F-410F-1B40-4531-4F9A78158536}"/>
+                  </a:ext>
+                </a:extLst>
+              </p:cNvPr>
+              <p:cNvSpPr/>
+              <p:nvPr/>
+            </p:nvSpPr>
+            <p:spPr>
+              <a:xfrm>
+                <a:off x="1373869" y="2413027"/>
+                <a:ext cx="554704" cy="255222"/>
+              </a:xfrm>
+              <a:prstGeom prst="rect">
+                <a:avLst/>
+              </a:prstGeom>
+              <a:solidFill>
+                <a:schemeClr val="bg1">
+                  <a:lumMod val="75000"/>
+                </a:schemeClr>
+              </a:solidFill>
+              <a:ln w="12700">
+                <a:solidFill>
+                  <a:schemeClr val="tx1"/>
+                </a:solidFill>
+              </a:ln>
+            </p:spPr>
+            <p:style>
+              <a:lnRef idx="2">
+                <a:schemeClr val="accent1">
+                  <a:shade val="50000"/>
+                </a:schemeClr>
+              </a:lnRef>
+              <a:fillRef idx="1">
+                <a:schemeClr val="accent1"/>
+              </a:fillRef>
+              <a:effectRef idx="0">
+                <a:schemeClr val="accent1"/>
+              </a:effectRef>
+              <a:fontRef idx="minor">
+                <a:schemeClr val="lt1"/>
+              </a:fontRef>
+            </p:style>
+            <p:txBody>
+              <a:bodyPr rtlCol="0" anchor="ctr"/>
+              <a:lstStyle/>
+              <a:p>
+                <a:pPr algn="ctr"/>
+                <a:r>
+                  <a:rPr lang="pt-BR" sz="2000" dirty="0">
+                    <a:effectLst>
+                      <a:outerShdw blurRad="38100" dist="38100" dir="2700000" algn="tl">
+                        <a:srgbClr val="000000">
+                          <a:alpha val="43137"/>
+                        </a:srgbClr>
+                      </a:outerShdw>
+                    </a:effectLst>
+                    <a:latin typeface="Times New Roman" panose="02020603050405020304" pitchFamily="18" charset="0"/>
+                    <a:cs typeface="Times New Roman" panose="02020603050405020304" pitchFamily="18" charset="0"/>
+                  </a:rPr>
+                  <a:t>Q1</a:t>
+                </a:r>
+              </a:p>
+            </p:txBody>
+          </p:sp>
+          <p:sp>
+            <p:nvSpPr>
+              <p:cNvPr id="29" name="Retângulo 18">
+                <a:extLst>
+                  <a:ext uri="{FF2B5EF4-FFF2-40B4-BE49-F238E27FC236}">
+                    <a16:creationId xmlns:a16="http://schemas.microsoft.com/office/drawing/2014/main" id="{0BEDF683-96FE-6F5D-95E5-8EC4C2CFD9F3}"/>
+                  </a:ext>
+                </a:extLst>
+              </p:cNvPr>
+              <p:cNvSpPr/>
+              <p:nvPr/>
+            </p:nvSpPr>
+            <p:spPr>
+              <a:xfrm>
+                <a:off x="2246070" y="2410534"/>
+                <a:ext cx="554704" cy="255222"/>
+              </a:xfrm>
+              <a:prstGeom prst="rect">
+                <a:avLst/>
+              </a:prstGeom>
+              <a:solidFill>
+                <a:schemeClr val="bg1">
+                  <a:lumMod val="75000"/>
+                </a:schemeClr>
+              </a:solidFill>
+              <a:ln w="12700">
+                <a:solidFill>
+                  <a:schemeClr val="tx1"/>
+                </a:solidFill>
+              </a:ln>
+            </p:spPr>
+            <p:style>
+              <a:lnRef idx="2">
+                <a:schemeClr val="accent1">
+                  <a:shade val="50000"/>
+                </a:schemeClr>
+              </a:lnRef>
+              <a:fillRef idx="1">
+                <a:schemeClr val="accent1"/>
+              </a:fillRef>
+              <a:effectRef idx="0">
+                <a:schemeClr val="accent1"/>
+              </a:effectRef>
+              <a:fontRef idx="minor">
+                <a:schemeClr val="lt1"/>
+              </a:fontRef>
+            </p:style>
+            <p:txBody>
+              <a:bodyPr rtlCol="0" anchor="ctr"/>
+              <a:lstStyle/>
+              <a:p>
+                <a:pPr algn="ctr"/>
+                <a:r>
+                  <a:rPr lang="pt-BR" sz="2000" dirty="0">
+                    <a:effectLst>
+                      <a:outerShdw blurRad="38100" dist="38100" dir="2700000" algn="tl">
+                        <a:srgbClr val="000000">
+                          <a:alpha val="43137"/>
+                        </a:srgbClr>
+                      </a:outerShdw>
+                    </a:effectLst>
+                    <a:latin typeface="Times New Roman" panose="02020603050405020304" pitchFamily="18" charset="0"/>
+                    <a:cs typeface="Times New Roman" panose="02020603050405020304" pitchFamily="18" charset="0"/>
+                  </a:rPr>
+                  <a:t>Q2</a:t>
+                </a:r>
+              </a:p>
+            </p:txBody>
+          </p:sp>
+          <p:sp>
+            <p:nvSpPr>
+              <p:cNvPr id="30" name="Retângulo 19">
+                <a:extLst>
+                  <a:ext uri="{FF2B5EF4-FFF2-40B4-BE49-F238E27FC236}">
+                    <a16:creationId xmlns:a16="http://schemas.microsoft.com/office/drawing/2014/main" id="{C66CE955-8C8C-5514-48D3-D64CAEFC665F}"/>
+                  </a:ext>
+                </a:extLst>
+              </p:cNvPr>
+              <p:cNvSpPr/>
+              <p:nvPr/>
+            </p:nvSpPr>
+            <p:spPr>
+              <a:xfrm>
+                <a:off x="4014548" y="2415519"/>
+                <a:ext cx="554704" cy="255222"/>
+              </a:xfrm>
+              <a:prstGeom prst="rect">
+                <a:avLst/>
+              </a:prstGeom>
+              <a:solidFill>
+                <a:schemeClr val="bg1">
+                  <a:lumMod val="75000"/>
+                </a:schemeClr>
+              </a:solidFill>
+              <a:ln w="12700">
+                <a:solidFill>
+                  <a:schemeClr val="tx1"/>
+                </a:solidFill>
+              </a:ln>
+            </p:spPr>
+            <p:style>
+              <a:lnRef idx="2">
+                <a:schemeClr val="accent1">
+                  <a:shade val="50000"/>
+                </a:schemeClr>
+              </a:lnRef>
+              <a:fillRef idx="1">
+                <a:schemeClr val="accent1"/>
+              </a:fillRef>
+              <a:effectRef idx="0">
+                <a:schemeClr val="accent1"/>
+              </a:effectRef>
+              <a:fontRef idx="minor">
+                <a:schemeClr val="lt1"/>
+              </a:fontRef>
+            </p:style>
+            <p:txBody>
+              <a:bodyPr rtlCol="0" anchor="ctr"/>
+              <a:lstStyle/>
+              <a:p>
+                <a:pPr algn="ctr"/>
+                <a:r>
+                  <a:rPr lang="pt-BR" sz="2000" dirty="0">
+                    <a:effectLst>
+                      <a:outerShdw blurRad="38100" dist="38100" dir="2700000" algn="tl">
+                        <a:srgbClr val="000000">
+                          <a:alpha val="43137"/>
+                        </a:srgbClr>
+                      </a:outerShdw>
+                    </a:effectLst>
+                    <a:latin typeface="Times New Roman" panose="02020603050405020304" pitchFamily="18" charset="0"/>
+                    <a:cs typeface="Times New Roman" panose="02020603050405020304" pitchFamily="18" charset="0"/>
+                  </a:rPr>
+                  <a:t>O2</a:t>
+                </a:r>
+              </a:p>
+            </p:txBody>
+          </p:sp>
+          <p:sp>
+            <p:nvSpPr>
+              <p:cNvPr id="31" name="Retângulo 20">
+                <a:extLst>
+                  <a:ext uri="{FF2B5EF4-FFF2-40B4-BE49-F238E27FC236}">
+                    <a16:creationId xmlns:a16="http://schemas.microsoft.com/office/drawing/2014/main" id="{992F0EF2-F7EF-9BF0-612D-A4C605252F4C}"/>
+                  </a:ext>
+                </a:extLst>
+              </p:cNvPr>
+              <p:cNvSpPr/>
+              <p:nvPr/>
+            </p:nvSpPr>
+            <p:spPr>
+              <a:xfrm>
+                <a:off x="3118269" y="2410534"/>
+                <a:ext cx="554704" cy="255222"/>
+              </a:xfrm>
+              <a:prstGeom prst="rect">
+                <a:avLst/>
+              </a:prstGeom>
+              <a:solidFill>
+                <a:schemeClr val="bg1">
+                  <a:lumMod val="75000"/>
+                </a:schemeClr>
+              </a:solidFill>
+              <a:ln w="12700">
+                <a:solidFill>
+                  <a:schemeClr val="tx1"/>
+                </a:solidFill>
+              </a:ln>
+            </p:spPr>
+            <p:style>
+              <a:lnRef idx="2">
+                <a:schemeClr val="accent1">
+                  <a:shade val="50000"/>
+                </a:schemeClr>
+              </a:lnRef>
+              <a:fillRef idx="1">
+                <a:schemeClr val="accent1"/>
+              </a:fillRef>
+              <a:effectRef idx="0">
+                <a:schemeClr val="accent1"/>
+              </a:effectRef>
+              <a:fontRef idx="minor">
+                <a:schemeClr val="lt1"/>
+              </a:fontRef>
+            </p:style>
+            <p:txBody>
+              <a:bodyPr rtlCol="0" anchor="ctr"/>
+              <a:lstStyle/>
+              <a:p>
+                <a:pPr algn="ctr"/>
+                <a:r>
+                  <a:rPr lang="pt-BR" sz="2000" dirty="0">
+                    <a:effectLst>
+                      <a:outerShdw blurRad="38100" dist="38100" dir="2700000" algn="tl">
+                        <a:srgbClr val="000000">
+                          <a:alpha val="43137"/>
+                        </a:srgbClr>
+                      </a:outerShdw>
+                    </a:effectLst>
+                    <a:latin typeface="Times New Roman" panose="02020603050405020304" pitchFamily="18" charset="0"/>
+                    <a:cs typeface="Times New Roman" panose="02020603050405020304" pitchFamily="18" charset="0"/>
+                  </a:rPr>
+                  <a:t>O1</a:t>
+                </a:r>
+              </a:p>
+            </p:txBody>
+          </p:sp>
+          <p:sp>
+            <p:nvSpPr>
+              <p:cNvPr id="32" name="TextBox 31">
+                <a:extLst>
+                  <a:ext uri="{FF2B5EF4-FFF2-40B4-BE49-F238E27FC236}">
+                    <a16:creationId xmlns:a16="http://schemas.microsoft.com/office/drawing/2014/main" id="{6CEF0E66-2469-3C9B-962E-F0EC96E9F8EE}"/>
+                  </a:ext>
+                </a:extLst>
+              </p:cNvPr>
+              <p:cNvSpPr txBox="1"/>
+              <p:nvPr/>
+            </p:nvSpPr>
+            <p:spPr>
+              <a:xfrm>
+                <a:off x="1864343" y="2367622"/>
+                <a:ext cx="445956" cy="338554"/>
+              </a:xfrm>
+              <a:prstGeom prst="rect">
+                <a:avLst/>
+              </a:prstGeom>
+              <a:noFill/>
+            </p:spPr>
+            <p:txBody>
+              <a:bodyPr wrap="none" rtlCol="0">
+                <a:spAutoFit/>
+              </a:bodyPr>
+              <a:lstStyle/>
+              <a:p>
+                <a:r>
+                  <a:rPr lang="pt-BR" sz="1600" dirty="0">
+                    <a:effectLst>
+                      <a:outerShdw blurRad="38100" dist="38100" dir="2700000" algn="tl">
+                        <a:srgbClr val="000000">
+                          <a:alpha val="43137"/>
+                        </a:srgbClr>
+                      </a:outerShdw>
+                    </a:effectLst>
+                    <a:latin typeface="Times New Roman" panose="02020603050405020304" pitchFamily="18" charset="0"/>
+                    <a:cs typeface="Times New Roman" panose="02020603050405020304" pitchFamily="18" charset="0"/>
+                  </a:rPr>
+                  <a:t>VS</a:t>
+                </a:r>
+              </a:p>
+            </p:txBody>
+          </p:sp>
+          <p:sp>
+            <p:nvSpPr>
+              <p:cNvPr id="33" name="TextBox 32">
+                <a:extLst>
+                  <a:ext uri="{FF2B5EF4-FFF2-40B4-BE49-F238E27FC236}">
+                    <a16:creationId xmlns:a16="http://schemas.microsoft.com/office/drawing/2014/main" id="{BC30C260-72DF-A548-3C2B-24F745B07550}"/>
+                  </a:ext>
+                </a:extLst>
+              </p:cNvPr>
+              <p:cNvSpPr txBox="1"/>
+              <p:nvPr/>
+            </p:nvSpPr>
+            <p:spPr>
+              <a:xfrm>
+                <a:off x="3620783" y="2367622"/>
+                <a:ext cx="445956" cy="338554"/>
+              </a:xfrm>
+              <a:prstGeom prst="rect">
+                <a:avLst/>
+              </a:prstGeom>
+              <a:noFill/>
+            </p:spPr>
+            <p:txBody>
+              <a:bodyPr wrap="none" rtlCol="0">
+                <a:spAutoFit/>
+              </a:bodyPr>
+              <a:lstStyle/>
+              <a:p>
+                <a:r>
+                  <a:rPr lang="pt-BR" sz="1600" dirty="0">
+                    <a:effectLst>
+                      <a:outerShdw blurRad="38100" dist="38100" dir="2700000" algn="tl">
+                        <a:srgbClr val="000000">
+                          <a:alpha val="43137"/>
+                        </a:srgbClr>
+                      </a:outerShdw>
+                    </a:effectLst>
+                    <a:latin typeface="Times New Roman" panose="02020603050405020304" pitchFamily="18" charset="0"/>
+                    <a:cs typeface="Times New Roman" panose="02020603050405020304" pitchFamily="18" charset="0"/>
+                  </a:rPr>
+                  <a:t>VS</a:t>
+                </a:r>
+              </a:p>
+            </p:txBody>
+          </p:sp>
+          <p:sp>
+            <p:nvSpPr>
+              <p:cNvPr id="34" name="Retângulo 9">
+                <a:extLst>
+                  <a:ext uri="{FF2B5EF4-FFF2-40B4-BE49-F238E27FC236}">
+                    <a16:creationId xmlns:a16="http://schemas.microsoft.com/office/drawing/2014/main" id="{2FB4DE08-4305-220C-B450-F915F227945E}"/>
+                  </a:ext>
+                </a:extLst>
+              </p:cNvPr>
+              <p:cNvSpPr/>
+              <p:nvPr/>
+            </p:nvSpPr>
+            <p:spPr>
+              <a:xfrm>
+                <a:off x="1373869" y="1140210"/>
+                <a:ext cx="3211154" cy="255222"/>
+              </a:xfrm>
+              <a:prstGeom prst="rect">
+                <a:avLst/>
+              </a:prstGeom>
+              <a:solidFill>
+                <a:schemeClr val="accent2"/>
+              </a:solidFill>
+              <a:ln w="19050">
+                <a:solidFill>
+                  <a:schemeClr val="tx1"/>
+                </a:solidFill>
+              </a:ln>
+            </p:spPr>
+            <p:style>
+              <a:lnRef idx="2">
+                <a:schemeClr val="accent1">
+                  <a:shade val="50000"/>
+                </a:schemeClr>
+              </a:lnRef>
+              <a:fillRef idx="1">
+                <a:schemeClr val="accent1"/>
+              </a:fillRef>
+              <a:effectRef idx="0">
+                <a:schemeClr val="accent1"/>
+              </a:effectRef>
+              <a:fontRef idx="minor">
+                <a:schemeClr val="lt1"/>
+              </a:fontRef>
+            </p:style>
+            <p:txBody>
+              <a:bodyPr rtlCol="0" anchor="ctr"/>
+              <a:lstStyle/>
+              <a:p>
+                <a:pPr algn="ctr"/>
+                <a:r>
+                  <a:rPr lang="pt-BR" sz="2400" dirty="0">
+                    <a:effectLst>
+                      <a:outerShdw blurRad="38100" dist="38100" dir="2700000" algn="tl">
+                        <a:srgbClr val="000000">
+                          <a:alpha val="43137"/>
+                        </a:srgbClr>
+                      </a:outerShdw>
+                    </a:effectLst>
+                    <a:latin typeface="Times New Roman" panose="02020603050405020304" pitchFamily="18" charset="0"/>
+                    <a:cs typeface="Times New Roman" panose="02020603050405020304" pitchFamily="18" charset="0"/>
+                  </a:rPr>
+                  <a:t>Opção 1</a:t>
+                </a:r>
+              </a:p>
+            </p:txBody>
+          </p:sp>
+          <p:sp>
+            <p:nvSpPr>
+              <p:cNvPr id="37" name="Retângulo 17">
+                <a:extLst>
+                  <a:ext uri="{FF2B5EF4-FFF2-40B4-BE49-F238E27FC236}">
+                    <a16:creationId xmlns:a16="http://schemas.microsoft.com/office/drawing/2014/main" id="{92BCE26B-8CF9-AC2B-0D9D-D94C3DB98726}"/>
+                  </a:ext>
+                </a:extLst>
+              </p:cNvPr>
+              <p:cNvSpPr/>
+              <p:nvPr/>
+            </p:nvSpPr>
+            <p:spPr>
+              <a:xfrm>
+                <a:off x="5414475" y="1517257"/>
+                <a:ext cx="554704" cy="255222"/>
+              </a:xfrm>
+              <a:prstGeom prst="rect">
+                <a:avLst/>
+              </a:prstGeom>
+              <a:solidFill>
+                <a:schemeClr val="bg1">
+                  <a:lumMod val="75000"/>
+                </a:schemeClr>
+              </a:solidFill>
+              <a:ln w="12700">
+                <a:solidFill>
+                  <a:schemeClr val="tx1"/>
+                </a:solidFill>
+              </a:ln>
+            </p:spPr>
+            <p:style>
+              <a:lnRef idx="2">
+                <a:schemeClr val="accent1">
+                  <a:shade val="50000"/>
+                </a:schemeClr>
+              </a:lnRef>
+              <a:fillRef idx="1">
+                <a:schemeClr val="accent1"/>
+              </a:fillRef>
+              <a:effectRef idx="0">
+                <a:schemeClr val="accent1"/>
+              </a:effectRef>
+              <a:fontRef idx="minor">
+                <a:schemeClr val="lt1"/>
+              </a:fontRef>
+            </p:style>
+            <p:txBody>
+              <a:bodyPr rtlCol="0" anchor="ctr"/>
+              <a:lstStyle/>
+              <a:p>
+                <a:pPr algn="ctr"/>
+                <a:r>
+                  <a:rPr lang="pt-BR" sz="2000" dirty="0">
+                    <a:effectLst>
+                      <a:outerShdw blurRad="38100" dist="38100" dir="2700000" algn="tl">
+                        <a:srgbClr val="000000">
+                          <a:alpha val="43137"/>
+                        </a:srgbClr>
+                      </a:outerShdw>
+                    </a:effectLst>
+                    <a:latin typeface="Times New Roman" panose="02020603050405020304" pitchFamily="18" charset="0"/>
+                    <a:cs typeface="Times New Roman" panose="02020603050405020304" pitchFamily="18" charset="0"/>
+                  </a:rPr>
+                  <a:t>Q1</a:t>
+                </a:r>
+              </a:p>
+            </p:txBody>
+          </p:sp>
+          <p:sp>
+            <p:nvSpPr>
+              <p:cNvPr id="38" name="Retângulo 18">
+                <a:extLst>
+                  <a:ext uri="{FF2B5EF4-FFF2-40B4-BE49-F238E27FC236}">
+                    <a16:creationId xmlns:a16="http://schemas.microsoft.com/office/drawing/2014/main" id="{53E9523B-A3DB-17ED-7028-7DFB2D7FB45D}"/>
+                  </a:ext>
+                </a:extLst>
+              </p:cNvPr>
+              <p:cNvSpPr/>
+              <p:nvPr/>
+            </p:nvSpPr>
+            <p:spPr>
+              <a:xfrm>
+                <a:off x="6695640" y="1522668"/>
+                <a:ext cx="554704" cy="255222"/>
+              </a:xfrm>
+              <a:prstGeom prst="rect">
+                <a:avLst/>
+              </a:prstGeom>
+              <a:solidFill>
+                <a:schemeClr val="bg1">
+                  <a:lumMod val="75000"/>
+                </a:schemeClr>
+              </a:solidFill>
+              <a:ln w="12700">
+                <a:solidFill>
+                  <a:schemeClr val="tx1"/>
+                </a:solidFill>
+              </a:ln>
+            </p:spPr>
+            <p:style>
+              <a:lnRef idx="2">
+                <a:schemeClr val="accent1">
+                  <a:shade val="50000"/>
+                </a:schemeClr>
+              </a:lnRef>
+              <a:fillRef idx="1">
+                <a:schemeClr val="accent1"/>
+              </a:fillRef>
+              <a:effectRef idx="0">
+                <a:schemeClr val="accent1"/>
+              </a:effectRef>
+              <a:fontRef idx="minor">
+                <a:schemeClr val="lt1"/>
+              </a:fontRef>
+            </p:style>
+            <p:txBody>
+              <a:bodyPr rtlCol="0" anchor="ctr"/>
+              <a:lstStyle/>
+              <a:p>
+                <a:pPr algn="ctr"/>
+                <a:r>
+                  <a:rPr lang="pt-BR" sz="2000" dirty="0">
+                    <a:effectLst>
+                      <a:outerShdw blurRad="38100" dist="38100" dir="2700000" algn="tl">
+                        <a:srgbClr val="000000">
+                          <a:alpha val="43137"/>
+                        </a:srgbClr>
+                      </a:outerShdw>
+                    </a:effectLst>
+                    <a:latin typeface="Times New Roman" panose="02020603050405020304" pitchFamily="18" charset="0"/>
+                    <a:cs typeface="Times New Roman" panose="02020603050405020304" pitchFamily="18" charset="0"/>
+                  </a:rPr>
+                  <a:t>Q2</a:t>
+                </a:r>
+              </a:p>
+            </p:txBody>
+          </p:sp>
+          <p:sp>
+            <p:nvSpPr>
+              <p:cNvPr id="39" name="Retângulo 19">
+                <a:extLst>
+                  <a:ext uri="{FF2B5EF4-FFF2-40B4-BE49-F238E27FC236}">
+                    <a16:creationId xmlns:a16="http://schemas.microsoft.com/office/drawing/2014/main" id="{8A9EDC99-03F2-05B5-F273-45D404AECE91}"/>
+                  </a:ext>
+                </a:extLst>
+              </p:cNvPr>
+              <p:cNvSpPr/>
+              <p:nvPr/>
+            </p:nvSpPr>
+            <p:spPr>
+              <a:xfrm>
+                <a:off x="7805049" y="1522668"/>
+                <a:ext cx="554704" cy="255222"/>
+              </a:xfrm>
+              <a:prstGeom prst="rect">
+                <a:avLst/>
+              </a:prstGeom>
+              <a:solidFill>
+                <a:schemeClr val="bg1">
+                  <a:lumMod val="75000"/>
+                </a:schemeClr>
+              </a:solidFill>
+              <a:ln w="12700">
+                <a:solidFill>
+                  <a:schemeClr val="tx1"/>
+                </a:solidFill>
+              </a:ln>
+            </p:spPr>
+            <p:style>
+              <a:lnRef idx="2">
+                <a:schemeClr val="accent1">
+                  <a:shade val="50000"/>
+                </a:schemeClr>
+              </a:lnRef>
+              <a:fillRef idx="1">
+                <a:schemeClr val="accent1"/>
+              </a:fillRef>
+              <a:effectRef idx="0">
+                <a:schemeClr val="accent1"/>
+              </a:effectRef>
+              <a:fontRef idx="minor">
+                <a:schemeClr val="lt1"/>
+              </a:fontRef>
+            </p:style>
+            <p:txBody>
+              <a:bodyPr rtlCol="0" anchor="ctr"/>
+              <a:lstStyle/>
+              <a:p>
+                <a:pPr algn="ctr"/>
+                <a:r>
+                  <a:rPr lang="pt-BR" sz="2000" dirty="0">
+                    <a:effectLst>
+                      <a:outerShdw blurRad="38100" dist="38100" dir="2700000" algn="tl">
+                        <a:srgbClr val="000000">
+                          <a:alpha val="43137"/>
+                        </a:srgbClr>
+                      </a:outerShdw>
+                    </a:effectLst>
+                    <a:latin typeface="Times New Roman" panose="02020603050405020304" pitchFamily="18" charset="0"/>
+                    <a:cs typeface="Times New Roman" panose="02020603050405020304" pitchFamily="18" charset="0"/>
+                  </a:rPr>
+                  <a:t>O2</a:t>
+                </a:r>
+              </a:p>
+            </p:txBody>
+          </p:sp>
+          <p:sp>
+            <p:nvSpPr>
+              <p:cNvPr id="40" name="Retângulo 20">
+                <a:extLst>
+                  <a:ext uri="{FF2B5EF4-FFF2-40B4-BE49-F238E27FC236}">
+                    <a16:creationId xmlns:a16="http://schemas.microsoft.com/office/drawing/2014/main" id="{9D9321C4-7AA8-82B7-2F69-5DBD2941B7CF}"/>
+                  </a:ext>
+                </a:extLst>
+              </p:cNvPr>
+              <p:cNvSpPr/>
+              <p:nvPr/>
+            </p:nvSpPr>
+            <p:spPr>
+              <a:xfrm>
+                <a:off x="7250344" y="1522668"/>
+                <a:ext cx="554704" cy="255222"/>
+              </a:xfrm>
+              <a:prstGeom prst="rect">
+                <a:avLst/>
+              </a:prstGeom>
+              <a:solidFill>
+                <a:schemeClr val="bg1">
+                  <a:lumMod val="75000"/>
+                </a:schemeClr>
+              </a:solidFill>
+              <a:ln w="12700">
+                <a:solidFill>
+                  <a:schemeClr val="tx1"/>
+                </a:solidFill>
+              </a:ln>
+            </p:spPr>
+            <p:style>
+              <a:lnRef idx="2">
+                <a:schemeClr val="accent1">
+                  <a:shade val="50000"/>
+                </a:schemeClr>
+              </a:lnRef>
+              <a:fillRef idx="1">
+                <a:schemeClr val="accent1"/>
+              </a:fillRef>
+              <a:effectRef idx="0">
+                <a:schemeClr val="accent1"/>
+              </a:effectRef>
+              <a:fontRef idx="minor">
+                <a:schemeClr val="lt1"/>
+              </a:fontRef>
+            </p:style>
+            <p:txBody>
+              <a:bodyPr rtlCol="0" anchor="ctr"/>
+              <a:lstStyle/>
+              <a:p>
+                <a:pPr algn="ctr"/>
+                <a:r>
+                  <a:rPr lang="pt-BR" sz="2000" dirty="0">
+                    <a:effectLst>
+                      <a:outerShdw blurRad="38100" dist="38100" dir="2700000" algn="tl">
+                        <a:srgbClr val="000000">
+                          <a:alpha val="43137"/>
+                        </a:srgbClr>
+                      </a:outerShdw>
+                    </a:effectLst>
+                    <a:latin typeface="Times New Roman" panose="02020603050405020304" pitchFamily="18" charset="0"/>
+                    <a:cs typeface="Times New Roman" panose="02020603050405020304" pitchFamily="18" charset="0"/>
+                  </a:rPr>
+                  <a:t>O1</a:t>
+                </a:r>
+              </a:p>
+            </p:txBody>
+          </p:sp>
+          <p:sp>
+            <p:nvSpPr>
+              <p:cNvPr id="41" name="Retângulo 21">
+                <a:extLst>
+                  <a:ext uri="{FF2B5EF4-FFF2-40B4-BE49-F238E27FC236}">
+                    <a16:creationId xmlns:a16="http://schemas.microsoft.com/office/drawing/2014/main" id="{A40197EF-2140-6F90-63B3-37958F3B58BC}"/>
+                  </a:ext>
+                </a:extLst>
+              </p:cNvPr>
+              <p:cNvSpPr/>
+              <p:nvPr/>
+            </p:nvSpPr>
+            <p:spPr>
+              <a:xfrm>
+                <a:off x="4859771" y="1517257"/>
+                <a:ext cx="554704" cy="255222"/>
+              </a:xfrm>
+              <a:prstGeom prst="rect">
+                <a:avLst/>
+              </a:prstGeom>
+              <a:solidFill>
+                <a:schemeClr val="bg1">
+                  <a:lumMod val="75000"/>
+                </a:schemeClr>
+              </a:solidFill>
+              <a:ln w="12700">
+                <a:solidFill>
+                  <a:schemeClr val="tx1"/>
+                </a:solidFill>
+              </a:ln>
+            </p:spPr>
+            <p:style>
+              <a:lnRef idx="2">
+                <a:schemeClr val="accent1">
+                  <a:shade val="50000"/>
+                </a:schemeClr>
+              </a:lnRef>
+              <a:fillRef idx="1">
+                <a:schemeClr val="accent1"/>
+              </a:fillRef>
+              <a:effectRef idx="0">
+                <a:schemeClr val="accent1"/>
+              </a:effectRef>
+              <a:fontRef idx="minor">
+                <a:schemeClr val="lt1"/>
+              </a:fontRef>
+            </p:style>
+            <p:txBody>
+              <a:bodyPr rtlCol="0" anchor="ctr"/>
+              <a:lstStyle/>
+              <a:p>
+                <a:pPr algn="ctr"/>
+                <a:r>
+                  <a:rPr lang="pt-BR" sz="2000" dirty="0">
+                    <a:effectLst>
+                      <a:outerShdw blurRad="38100" dist="38100" dir="2700000" algn="tl">
+                        <a:srgbClr val="000000">
+                          <a:alpha val="43137"/>
+                        </a:srgbClr>
+                      </a:outerShdw>
+                    </a:effectLst>
+                    <a:latin typeface="Times New Roman" panose="02020603050405020304" pitchFamily="18" charset="0"/>
+                    <a:cs typeface="Times New Roman" panose="02020603050405020304" pitchFamily="18" charset="0"/>
+                  </a:rPr>
+                  <a:t>SA</a:t>
+                </a:r>
+              </a:p>
+            </p:txBody>
+          </p:sp>
+          <p:sp>
+            <p:nvSpPr>
+              <p:cNvPr id="44" name="Retângulo 19">
+                <a:extLst>
+                  <a:ext uri="{FF2B5EF4-FFF2-40B4-BE49-F238E27FC236}">
+                    <a16:creationId xmlns:a16="http://schemas.microsoft.com/office/drawing/2014/main" id="{E9851B1C-9263-B6DD-2E6E-3EF4434E87FE}"/>
+                  </a:ext>
+                </a:extLst>
+              </p:cNvPr>
+              <p:cNvSpPr/>
+              <p:nvPr/>
+            </p:nvSpPr>
+            <p:spPr>
+              <a:xfrm>
+                <a:off x="7805048" y="1982138"/>
+                <a:ext cx="554704" cy="255222"/>
+              </a:xfrm>
+              <a:prstGeom prst="rect">
+                <a:avLst/>
+              </a:prstGeom>
+              <a:solidFill>
+                <a:schemeClr val="bg1">
+                  <a:lumMod val="75000"/>
+                </a:schemeClr>
+              </a:solidFill>
+              <a:ln w="12700">
+                <a:solidFill>
+                  <a:schemeClr val="tx1"/>
+                </a:solidFill>
+              </a:ln>
+            </p:spPr>
+            <p:style>
+              <a:lnRef idx="2">
+                <a:schemeClr val="accent1">
+                  <a:shade val="50000"/>
+                </a:schemeClr>
+              </a:lnRef>
+              <a:fillRef idx="1">
+                <a:schemeClr val="accent1"/>
+              </a:fillRef>
+              <a:effectRef idx="0">
+                <a:schemeClr val="accent1"/>
+              </a:effectRef>
+              <a:fontRef idx="minor">
+                <a:schemeClr val="lt1"/>
+              </a:fontRef>
+            </p:style>
+            <p:txBody>
+              <a:bodyPr rtlCol="0" anchor="ctr"/>
+              <a:lstStyle/>
+              <a:p>
+                <a:pPr algn="ctr"/>
+                <a:r>
+                  <a:rPr lang="pt-BR" sz="2000" dirty="0">
+                    <a:effectLst>
+                      <a:outerShdw blurRad="38100" dist="38100" dir="2700000" algn="tl">
+                        <a:srgbClr val="000000">
+                          <a:alpha val="43137"/>
+                        </a:srgbClr>
+                      </a:outerShdw>
+                    </a:effectLst>
+                    <a:latin typeface="Times New Roman" panose="02020603050405020304" pitchFamily="18" charset="0"/>
+                    <a:cs typeface="Times New Roman" panose="02020603050405020304" pitchFamily="18" charset="0"/>
+                  </a:rPr>
+                  <a:t>O2</a:t>
+                </a:r>
+              </a:p>
+            </p:txBody>
+          </p:sp>
+          <p:sp>
+            <p:nvSpPr>
+              <p:cNvPr id="45" name="Retângulo 20">
+                <a:extLst>
+                  <a:ext uri="{FF2B5EF4-FFF2-40B4-BE49-F238E27FC236}">
+                    <a16:creationId xmlns:a16="http://schemas.microsoft.com/office/drawing/2014/main" id="{5F31777E-F1D5-9D41-30E5-BC106AC6B330}"/>
+                  </a:ext>
+                </a:extLst>
+              </p:cNvPr>
+              <p:cNvSpPr/>
+              <p:nvPr/>
+            </p:nvSpPr>
+            <p:spPr>
+              <a:xfrm>
+                <a:off x="7250344" y="1982138"/>
+                <a:ext cx="554704" cy="255222"/>
+              </a:xfrm>
+              <a:prstGeom prst="rect">
+                <a:avLst/>
+              </a:prstGeom>
+              <a:solidFill>
+                <a:schemeClr val="bg1">
+                  <a:lumMod val="75000"/>
+                </a:schemeClr>
+              </a:solidFill>
+              <a:ln w="12700">
+                <a:solidFill>
+                  <a:schemeClr val="tx1"/>
+                </a:solidFill>
+              </a:ln>
+            </p:spPr>
+            <p:style>
+              <a:lnRef idx="2">
+                <a:schemeClr val="accent1">
+                  <a:shade val="50000"/>
+                </a:schemeClr>
+              </a:lnRef>
+              <a:fillRef idx="1">
+                <a:schemeClr val="accent1"/>
+              </a:fillRef>
+              <a:effectRef idx="0">
+                <a:schemeClr val="accent1"/>
+              </a:effectRef>
+              <a:fontRef idx="minor">
+                <a:schemeClr val="lt1"/>
+              </a:fontRef>
+            </p:style>
+            <p:txBody>
+              <a:bodyPr rtlCol="0" anchor="ctr"/>
+              <a:lstStyle/>
+              <a:p>
+                <a:pPr algn="ctr"/>
+                <a:r>
+                  <a:rPr lang="pt-BR" sz="2000" dirty="0">
+                    <a:effectLst>
+                      <a:outerShdw blurRad="38100" dist="38100" dir="2700000" algn="tl">
+                        <a:srgbClr val="000000">
+                          <a:alpha val="43137"/>
+                        </a:srgbClr>
+                      </a:outerShdw>
+                    </a:effectLst>
+                    <a:latin typeface="Times New Roman" panose="02020603050405020304" pitchFamily="18" charset="0"/>
+                    <a:cs typeface="Times New Roman" panose="02020603050405020304" pitchFamily="18" charset="0"/>
+                  </a:rPr>
+                  <a:t>O1</a:t>
+                </a:r>
+              </a:p>
+            </p:txBody>
+          </p:sp>
+          <p:sp>
+            <p:nvSpPr>
+              <p:cNvPr id="47" name="TextBox 46">
+                <a:extLst>
+                  <a:ext uri="{FF2B5EF4-FFF2-40B4-BE49-F238E27FC236}">
+                    <a16:creationId xmlns:a16="http://schemas.microsoft.com/office/drawing/2014/main" id="{6975B48C-F78E-87A9-FA84-E3EF052BE92A}"/>
+                  </a:ext>
+                </a:extLst>
+              </p:cNvPr>
+              <p:cNvSpPr txBox="1"/>
+              <p:nvPr/>
+            </p:nvSpPr>
+            <p:spPr>
+              <a:xfrm>
+                <a:off x="6841371" y="1919737"/>
+                <a:ext cx="445956" cy="338554"/>
+              </a:xfrm>
+              <a:prstGeom prst="rect">
+                <a:avLst/>
+              </a:prstGeom>
+              <a:noFill/>
+            </p:spPr>
+            <p:txBody>
+              <a:bodyPr wrap="none" rtlCol="0">
+                <a:spAutoFit/>
+              </a:bodyPr>
+              <a:lstStyle/>
+              <a:p>
+                <a:r>
+                  <a:rPr lang="pt-BR" sz="1600" dirty="0">
+                    <a:effectLst>
+                      <a:outerShdw blurRad="38100" dist="38100" dir="2700000" algn="tl">
+                        <a:srgbClr val="000000">
+                          <a:alpha val="43137"/>
+                        </a:srgbClr>
+                      </a:outerShdw>
+                    </a:effectLst>
+                    <a:latin typeface="Times New Roman" panose="02020603050405020304" pitchFamily="18" charset="0"/>
+                    <a:cs typeface="Times New Roman" panose="02020603050405020304" pitchFamily="18" charset="0"/>
+                  </a:rPr>
+                  <a:t>VS</a:t>
+                </a:r>
+              </a:p>
+            </p:txBody>
+          </p:sp>
+          <p:sp>
+            <p:nvSpPr>
+              <p:cNvPr id="48" name="Retângulo 17">
+                <a:extLst>
+                  <a:ext uri="{FF2B5EF4-FFF2-40B4-BE49-F238E27FC236}">
+                    <a16:creationId xmlns:a16="http://schemas.microsoft.com/office/drawing/2014/main" id="{4ABF0BD2-31CA-2B85-9850-435EA8B3D83E}"/>
+                  </a:ext>
+                </a:extLst>
+              </p:cNvPr>
+              <p:cNvSpPr/>
+              <p:nvPr/>
+            </p:nvSpPr>
+            <p:spPr>
+              <a:xfrm>
+                <a:off x="4859771" y="1984631"/>
+                <a:ext cx="554704" cy="255222"/>
+              </a:xfrm>
+              <a:prstGeom prst="rect">
+                <a:avLst/>
+              </a:prstGeom>
+              <a:solidFill>
+                <a:schemeClr val="bg1">
+                  <a:lumMod val="75000"/>
+                </a:schemeClr>
+              </a:solidFill>
+              <a:ln w="12700">
+                <a:solidFill>
+                  <a:schemeClr val="tx1"/>
+                </a:solidFill>
+              </a:ln>
+            </p:spPr>
+            <p:style>
+              <a:lnRef idx="2">
+                <a:schemeClr val="accent1">
+                  <a:shade val="50000"/>
+                </a:schemeClr>
+              </a:lnRef>
+              <a:fillRef idx="1">
+                <a:schemeClr val="accent1"/>
+              </a:fillRef>
+              <a:effectRef idx="0">
+                <a:schemeClr val="accent1"/>
+              </a:effectRef>
+              <a:fontRef idx="minor">
+                <a:schemeClr val="lt1"/>
+              </a:fontRef>
+            </p:style>
+            <p:txBody>
+              <a:bodyPr rtlCol="0" anchor="ctr"/>
+              <a:lstStyle/>
+              <a:p>
+                <a:pPr algn="ctr"/>
+                <a:r>
+                  <a:rPr lang="pt-BR" sz="2000" dirty="0">
+                    <a:effectLst>
+                      <a:outerShdw blurRad="38100" dist="38100" dir="2700000" algn="tl">
+                        <a:srgbClr val="000000">
+                          <a:alpha val="43137"/>
+                        </a:srgbClr>
+                      </a:outerShdw>
+                    </a:effectLst>
+                    <a:latin typeface="Times New Roman" panose="02020603050405020304" pitchFamily="18" charset="0"/>
+                    <a:cs typeface="Times New Roman" panose="02020603050405020304" pitchFamily="18" charset="0"/>
+                  </a:rPr>
+                  <a:t>SA</a:t>
+                </a:r>
+              </a:p>
+            </p:txBody>
+          </p:sp>
+          <p:sp>
+            <p:nvSpPr>
+              <p:cNvPr id="49" name="Retângulo 18">
+                <a:extLst>
+                  <a:ext uri="{FF2B5EF4-FFF2-40B4-BE49-F238E27FC236}">
+                    <a16:creationId xmlns:a16="http://schemas.microsoft.com/office/drawing/2014/main" id="{63C514A5-577C-EBC8-3356-E84AB235F0DF}"/>
+                  </a:ext>
+                </a:extLst>
+              </p:cNvPr>
+              <p:cNvSpPr/>
+              <p:nvPr/>
+            </p:nvSpPr>
+            <p:spPr>
+              <a:xfrm>
+                <a:off x="5731972" y="1982138"/>
+                <a:ext cx="554704" cy="255222"/>
+              </a:xfrm>
+              <a:prstGeom prst="rect">
+                <a:avLst/>
+              </a:prstGeom>
+              <a:solidFill>
+                <a:schemeClr val="bg1">
+                  <a:lumMod val="75000"/>
+                </a:schemeClr>
+              </a:solidFill>
+              <a:ln w="12700">
+                <a:solidFill>
+                  <a:schemeClr val="tx1"/>
+                </a:solidFill>
+              </a:ln>
+            </p:spPr>
+            <p:style>
+              <a:lnRef idx="2">
+                <a:schemeClr val="accent1">
+                  <a:shade val="50000"/>
+                </a:schemeClr>
+              </a:lnRef>
+              <a:fillRef idx="1">
+                <a:schemeClr val="accent1"/>
+              </a:fillRef>
+              <a:effectRef idx="0">
+                <a:schemeClr val="accent1"/>
+              </a:effectRef>
+              <a:fontRef idx="minor">
+                <a:schemeClr val="lt1"/>
+              </a:fontRef>
+            </p:style>
+            <p:txBody>
+              <a:bodyPr rtlCol="0" anchor="ctr"/>
+              <a:lstStyle/>
+              <a:p>
+                <a:pPr algn="ctr"/>
+                <a:r>
+                  <a:rPr lang="pt-BR" sz="2000" dirty="0">
+                    <a:effectLst>
+                      <a:outerShdw blurRad="38100" dist="38100" dir="2700000" algn="tl">
+                        <a:srgbClr val="000000">
+                          <a:alpha val="43137"/>
+                        </a:srgbClr>
+                      </a:outerShdw>
+                    </a:effectLst>
+                    <a:latin typeface="Times New Roman" panose="02020603050405020304" pitchFamily="18" charset="0"/>
+                    <a:cs typeface="Times New Roman" panose="02020603050405020304" pitchFamily="18" charset="0"/>
+                  </a:rPr>
+                  <a:t>Q1</a:t>
+                </a:r>
+              </a:p>
+            </p:txBody>
+          </p:sp>
+          <p:sp>
+            <p:nvSpPr>
+              <p:cNvPr id="50" name="Retângulo 19">
+                <a:extLst>
+                  <a:ext uri="{FF2B5EF4-FFF2-40B4-BE49-F238E27FC236}">
+                    <a16:creationId xmlns:a16="http://schemas.microsoft.com/office/drawing/2014/main" id="{8B7ABDAA-C388-E05F-FF8C-019D675EA813}"/>
+                  </a:ext>
+                </a:extLst>
+              </p:cNvPr>
+              <p:cNvSpPr/>
+              <p:nvPr/>
+            </p:nvSpPr>
+            <p:spPr>
+              <a:xfrm>
+                <a:off x="7803421" y="2410534"/>
+                <a:ext cx="554704" cy="255222"/>
+              </a:xfrm>
+              <a:prstGeom prst="rect">
+                <a:avLst/>
+              </a:prstGeom>
+              <a:solidFill>
+                <a:schemeClr val="bg1">
+                  <a:lumMod val="75000"/>
+                </a:schemeClr>
+              </a:solidFill>
+              <a:ln w="12700">
+                <a:solidFill>
+                  <a:schemeClr val="tx1"/>
+                </a:solidFill>
+              </a:ln>
+            </p:spPr>
+            <p:style>
+              <a:lnRef idx="2">
+                <a:schemeClr val="accent1">
+                  <a:shade val="50000"/>
+                </a:schemeClr>
+              </a:lnRef>
+              <a:fillRef idx="1">
+                <a:schemeClr val="accent1"/>
+              </a:fillRef>
+              <a:effectRef idx="0">
+                <a:schemeClr val="accent1"/>
+              </a:effectRef>
+              <a:fontRef idx="minor">
+                <a:schemeClr val="lt1"/>
+              </a:fontRef>
+            </p:style>
+            <p:txBody>
+              <a:bodyPr rtlCol="0" anchor="ctr"/>
+              <a:lstStyle/>
+              <a:p>
+                <a:pPr algn="ctr"/>
+                <a:r>
+                  <a:rPr lang="pt-BR" sz="2000" dirty="0">
+                    <a:effectLst>
+                      <a:outerShdw blurRad="38100" dist="38100" dir="2700000" algn="tl">
+                        <a:srgbClr val="000000">
+                          <a:alpha val="43137"/>
+                        </a:srgbClr>
+                      </a:outerShdw>
+                    </a:effectLst>
+                    <a:latin typeface="Times New Roman" panose="02020603050405020304" pitchFamily="18" charset="0"/>
+                    <a:cs typeface="Times New Roman" panose="02020603050405020304" pitchFamily="18" charset="0"/>
+                  </a:rPr>
+                  <a:t>O2</a:t>
+                </a:r>
+              </a:p>
+            </p:txBody>
+          </p:sp>
+          <p:sp>
+            <p:nvSpPr>
+              <p:cNvPr id="51" name="Retângulo 20">
+                <a:extLst>
+                  <a:ext uri="{FF2B5EF4-FFF2-40B4-BE49-F238E27FC236}">
+                    <a16:creationId xmlns:a16="http://schemas.microsoft.com/office/drawing/2014/main" id="{B2A2CF3E-8F50-0604-1F63-20DA39ED69ED}"/>
+                  </a:ext>
+                </a:extLst>
+              </p:cNvPr>
+              <p:cNvSpPr/>
+              <p:nvPr/>
+            </p:nvSpPr>
+            <p:spPr>
+              <a:xfrm>
+                <a:off x="6907142" y="2405549"/>
+                <a:ext cx="554704" cy="255222"/>
+              </a:xfrm>
+              <a:prstGeom prst="rect">
+                <a:avLst/>
+              </a:prstGeom>
+              <a:solidFill>
+                <a:schemeClr val="bg1">
+                  <a:lumMod val="75000"/>
+                </a:schemeClr>
+              </a:solidFill>
+              <a:ln w="12700">
+                <a:solidFill>
+                  <a:schemeClr val="tx1"/>
+                </a:solidFill>
+              </a:ln>
+            </p:spPr>
+            <p:style>
+              <a:lnRef idx="2">
+                <a:schemeClr val="accent1">
+                  <a:shade val="50000"/>
+                </a:schemeClr>
+              </a:lnRef>
+              <a:fillRef idx="1">
+                <a:schemeClr val="accent1"/>
+              </a:fillRef>
+              <a:effectRef idx="0">
+                <a:schemeClr val="accent1"/>
+              </a:effectRef>
+              <a:fontRef idx="minor">
+                <a:schemeClr val="lt1"/>
+              </a:fontRef>
+            </p:style>
+            <p:txBody>
+              <a:bodyPr rtlCol="0" anchor="ctr"/>
+              <a:lstStyle/>
+              <a:p>
+                <a:pPr algn="ctr"/>
+                <a:r>
+                  <a:rPr lang="pt-BR" sz="2000" dirty="0">
+                    <a:effectLst>
+                      <a:outerShdw blurRad="38100" dist="38100" dir="2700000" algn="tl">
+                        <a:srgbClr val="000000">
+                          <a:alpha val="43137"/>
+                        </a:srgbClr>
+                      </a:outerShdw>
+                    </a:effectLst>
+                    <a:latin typeface="Times New Roman" panose="02020603050405020304" pitchFamily="18" charset="0"/>
+                    <a:cs typeface="Times New Roman" panose="02020603050405020304" pitchFamily="18" charset="0"/>
+                  </a:rPr>
+                  <a:t>O1</a:t>
+                </a:r>
+              </a:p>
+            </p:txBody>
+          </p:sp>
+          <p:sp>
+            <p:nvSpPr>
+              <p:cNvPr id="52" name="TextBox 51">
+                <a:extLst>
+                  <a:ext uri="{FF2B5EF4-FFF2-40B4-BE49-F238E27FC236}">
+                    <a16:creationId xmlns:a16="http://schemas.microsoft.com/office/drawing/2014/main" id="{025D59B1-8091-C02A-010D-815A105727E0}"/>
+                  </a:ext>
+                </a:extLst>
+              </p:cNvPr>
+              <p:cNvSpPr txBox="1"/>
+              <p:nvPr/>
+            </p:nvSpPr>
+            <p:spPr>
+              <a:xfrm>
+                <a:off x="5350245" y="1934241"/>
+                <a:ext cx="445956" cy="338554"/>
+              </a:xfrm>
+              <a:prstGeom prst="rect">
+                <a:avLst/>
+              </a:prstGeom>
+              <a:noFill/>
+            </p:spPr>
+            <p:txBody>
+              <a:bodyPr wrap="none" rtlCol="0">
+                <a:spAutoFit/>
+              </a:bodyPr>
+              <a:lstStyle/>
+              <a:p>
+                <a:r>
+                  <a:rPr lang="pt-BR" sz="1600" dirty="0">
+                    <a:effectLst>
+                      <a:outerShdw blurRad="38100" dist="38100" dir="2700000" algn="tl">
+                        <a:srgbClr val="000000">
+                          <a:alpha val="43137"/>
+                        </a:srgbClr>
+                      </a:outerShdw>
+                    </a:effectLst>
+                    <a:latin typeface="Times New Roman" panose="02020603050405020304" pitchFamily="18" charset="0"/>
+                    <a:cs typeface="Times New Roman" panose="02020603050405020304" pitchFamily="18" charset="0"/>
+                  </a:rPr>
+                  <a:t>VS</a:t>
+                </a:r>
+              </a:p>
+            </p:txBody>
+          </p:sp>
+          <p:sp>
+            <p:nvSpPr>
+              <p:cNvPr id="53" name="TextBox 52">
+                <a:extLst>
+                  <a:ext uri="{FF2B5EF4-FFF2-40B4-BE49-F238E27FC236}">
+                    <a16:creationId xmlns:a16="http://schemas.microsoft.com/office/drawing/2014/main" id="{58322145-50CA-A03F-0426-1D4D596A6EEA}"/>
+                  </a:ext>
+                </a:extLst>
+              </p:cNvPr>
+              <p:cNvSpPr txBox="1"/>
+              <p:nvPr/>
+            </p:nvSpPr>
+            <p:spPr>
+              <a:xfrm>
+                <a:off x="7409656" y="2362637"/>
+                <a:ext cx="445956" cy="338554"/>
+              </a:xfrm>
+              <a:prstGeom prst="rect">
+                <a:avLst/>
+              </a:prstGeom>
+              <a:noFill/>
+            </p:spPr>
+            <p:txBody>
+              <a:bodyPr wrap="none" rtlCol="0">
+                <a:spAutoFit/>
+              </a:bodyPr>
+              <a:lstStyle/>
+              <a:p>
+                <a:r>
+                  <a:rPr lang="pt-BR" sz="1600" dirty="0">
+                    <a:effectLst>
+                      <a:outerShdw blurRad="38100" dist="38100" dir="2700000" algn="tl">
+                        <a:srgbClr val="000000">
+                          <a:alpha val="43137"/>
+                        </a:srgbClr>
+                      </a:outerShdw>
+                    </a:effectLst>
+                    <a:latin typeface="Times New Roman" panose="02020603050405020304" pitchFamily="18" charset="0"/>
+                    <a:cs typeface="Times New Roman" panose="02020603050405020304" pitchFamily="18" charset="0"/>
+                  </a:rPr>
+                  <a:t>VS</a:t>
+                </a:r>
+              </a:p>
+            </p:txBody>
+          </p:sp>
+          <p:sp>
+            <p:nvSpPr>
+              <p:cNvPr id="57" name="Retângulo 17">
+                <a:extLst>
+                  <a:ext uri="{FF2B5EF4-FFF2-40B4-BE49-F238E27FC236}">
+                    <a16:creationId xmlns:a16="http://schemas.microsoft.com/office/drawing/2014/main" id="{56AFD73D-6C85-D4B2-9130-C7F90F4D7ABE}"/>
+                  </a:ext>
+                </a:extLst>
+              </p:cNvPr>
+              <p:cNvSpPr/>
+              <p:nvPr/>
+            </p:nvSpPr>
+            <p:spPr>
+              <a:xfrm>
+                <a:off x="6352438" y="1982138"/>
+                <a:ext cx="554704" cy="255222"/>
+              </a:xfrm>
+              <a:prstGeom prst="rect">
+                <a:avLst/>
+              </a:prstGeom>
+              <a:solidFill>
+                <a:schemeClr val="bg1">
+                  <a:lumMod val="75000"/>
+                </a:schemeClr>
+              </a:solidFill>
+              <a:ln w="12700">
+                <a:solidFill>
+                  <a:schemeClr val="tx1"/>
+                </a:solidFill>
+              </a:ln>
+            </p:spPr>
+            <p:style>
+              <a:lnRef idx="2">
+                <a:schemeClr val="accent1">
+                  <a:shade val="50000"/>
+                </a:schemeClr>
+              </a:lnRef>
+              <a:fillRef idx="1">
+                <a:schemeClr val="accent1"/>
+              </a:fillRef>
+              <a:effectRef idx="0">
+                <a:schemeClr val="accent1"/>
+              </a:effectRef>
+              <a:fontRef idx="minor">
+                <a:schemeClr val="lt1"/>
+              </a:fontRef>
+            </p:style>
+            <p:txBody>
+              <a:bodyPr rtlCol="0" anchor="ctr"/>
+              <a:lstStyle/>
+              <a:p>
+                <a:pPr algn="ctr"/>
+                <a:r>
+                  <a:rPr lang="pt-BR" sz="2000" dirty="0">
+                    <a:effectLst>
+                      <a:outerShdw blurRad="38100" dist="38100" dir="2700000" algn="tl">
+                        <a:srgbClr val="000000">
+                          <a:alpha val="43137"/>
+                        </a:srgbClr>
+                      </a:outerShdw>
+                    </a:effectLst>
+                    <a:latin typeface="Times New Roman" panose="02020603050405020304" pitchFamily="18" charset="0"/>
+                    <a:cs typeface="Times New Roman" panose="02020603050405020304" pitchFamily="18" charset="0"/>
+                  </a:rPr>
+                  <a:t>Q2</a:t>
+                </a:r>
+              </a:p>
+            </p:txBody>
+          </p:sp>
+          <p:sp>
+            <p:nvSpPr>
+              <p:cNvPr id="58" name="Retângulo 9">
+                <a:extLst>
+                  <a:ext uri="{FF2B5EF4-FFF2-40B4-BE49-F238E27FC236}">
+                    <a16:creationId xmlns:a16="http://schemas.microsoft.com/office/drawing/2014/main" id="{0F444070-1070-3C96-34F4-771B12605F1E}"/>
+                  </a:ext>
+                </a:extLst>
+              </p:cNvPr>
+              <p:cNvSpPr/>
+              <p:nvPr/>
+            </p:nvSpPr>
+            <p:spPr>
+              <a:xfrm>
+                <a:off x="4859771" y="1158452"/>
+                <a:ext cx="3498354" cy="255222"/>
+              </a:xfrm>
+              <a:prstGeom prst="rect">
+                <a:avLst/>
+              </a:prstGeom>
+              <a:solidFill>
+                <a:schemeClr val="accent2"/>
+              </a:solidFill>
+              <a:ln w="19050">
+                <a:solidFill>
+                  <a:schemeClr val="tx1"/>
+                </a:solidFill>
+              </a:ln>
+            </p:spPr>
+            <p:style>
+              <a:lnRef idx="2">
+                <a:schemeClr val="accent1">
+                  <a:shade val="50000"/>
+                </a:schemeClr>
+              </a:lnRef>
+              <a:fillRef idx="1">
+                <a:schemeClr val="accent1"/>
+              </a:fillRef>
+              <a:effectRef idx="0">
+                <a:schemeClr val="accent1"/>
+              </a:effectRef>
+              <a:fontRef idx="minor">
+                <a:schemeClr val="lt1"/>
+              </a:fontRef>
+            </p:style>
+            <p:txBody>
+              <a:bodyPr rtlCol="0" anchor="ctr"/>
+              <a:lstStyle/>
+              <a:p>
+                <a:pPr algn="ctr"/>
+                <a:r>
+                  <a:rPr lang="pt-BR" sz="2400" dirty="0">
+                    <a:effectLst>
+                      <a:outerShdw blurRad="38100" dist="38100" dir="2700000" algn="tl">
+                        <a:srgbClr val="000000">
+                          <a:alpha val="43137"/>
+                        </a:srgbClr>
+                      </a:outerShdw>
+                    </a:effectLst>
+                    <a:latin typeface="Times New Roman" panose="02020603050405020304" pitchFamily="18" charset="0"/>
+                    <a:cs typeface="Times New Roman" panose="02020603050405020304" pitchFamily="18" charset="0"/>
+                  </a:rPr>
+                  <a:t>Opção 2</a:t>
+                </a:r>
+              </a:p>
+            </p:txBody>
+          </p:sp>
+        </p:grpSp>
+        <p:sp>
+          <p:nvSpPr>
+            <p:cNvPr id="3" name="TextBox 2">
+              <a:extLst>
+                <a:ext uri="{FF2B5EF4-FFF2-40B4-BE49-F238E27FC236}">
+                  <a16:creationId xmlns:a16="http://schemas.microsoft.com/office/drawing/2014/main" id="{B8BEA49D-CCF4-190F-DEE4-4703993B8C35}"/>
+                </a:ext>
+              </a:extLst>
+            </p:cNvPr>
+            <p:cNvSpPr txBox="1"/>
+            <p:nvPr/>
+          </p:nvSpPr>
+          <p:spPr>
+            <a:xfrm>
+              <a:off x="6126651" y="1474988"/>
+              <a:ext cx="445956" cy="338554"/>
+            </a:xfrm>
+            <a:prstGeom prst="rect">
+              <a:avLst/>
+            </a:prstGeom>
+            <a:noFill/>
+          </p:spPr>
+          <p:txBody>
+            <a:bodyPr wrap="none" rtlCol="0">
+              <a:spAutoFit/>
+            </a:bodyPr>
+            <a:lstStyle/>
+            <a:p>
+              <a:r>
+                <a:rPr lang="pt-BR" sz="1600" dirty="0">
+                  <a:effectLst>
+                    <a:outerShdw blurRad="38100" dist="38100" dir="2700000" algn="tl">
+                      <a:srgbClr val="000000">
+                        <a:alpha val="43137"/>
+                      </a:srgbClr>
+                    </a:outerShdw>
+                  </a:effectLst>
+                  <a:latin typeface="Times New Roman" panose="02020603050405020304" pitchFamily="18" charset="0"/>
+                  <a:cs typeface="Times New Roman" panose="02020603050405020304" pitchFamily="18" charset="0"/>
+                </a:rPr>
+                <a:t>VS</a:t>
+              </a:r>
+            </a:p>
+          </p:txBody>
+        </p:sp>
+      </p:grpSp>
+    </p:spTree>
+    <p:extLst>
+      <p:ext uri="{BB962C8B-B14F-4D97-AF65-F5344CB8AC3E}">
+        <p14:creationId xmlns:p14="http://schemas.microsoft.com/office/powerpoint/2010/main" val="2063135484"/>
+      </p:ext>
+    </p:extLst>
+  </p:cSld>
+  <p:clrMapOvr>
+    <a:masterClrMapping/>
+  </p:clrMapOvr>
+</p:sld>
+</file>
+
+<file path=ppt/slides/slide4.xml><?xml version="1.0" encoding="utf-8"?>
 <p:sld xmlns:a="http://schemas.openxmlformats.org/drawingml/2006/main" xmlns:r="http://schemas.openxmlformats.org/officeDocument/2006/relationships" xmlns:p="http://schemas.openxmlformats.org/presentationml/2006/main">
   <p:cSld>
     <p:spTree>
@@ -7908,7 +12216,7 @@
 </p:sld>
 </file>
 
-<file path=ppt/slides/slide3.xml><?xml version="1.0" encoding="utf-8"?>
+<file path=ppt/slides/slide5.xml><?xml version="1.0" encoding="utf-8"?>
 <p:sld xmlns:a="http://schemas.openxmlformats.org/drawingml/2006/main" xmlns:r="http://schemas.openxmlformats.org/officeDocument/2006/relationships" xmlns:p="http://schemas.openxmlformats.org/presentationml/2006/main">
   <p:cSld>
     <p:spTree>
@@ -8139,7 +12447,7 @@
 </p:sld>
 </file>
 
-<file path=ppt/slides/slide4.xml><?xml version="1.0" encoding="utf-8"?>
+<file path=ppt/slides/slide6.xml><?xml version="1.0" encoding="utf-8"?>
 <p:sld xmlns:a="http://schemas.openxmlformats.org/drawingml/2006/main" xmlns:r="http://schemas.openxmlformats.org/officeDocument/2006/relationships" xmlns:p="http://schemas.openxmlformats.org/presentationml/2006/main">
   <p:cSld>
     <p:spTree>
@@ -8665,7 +12973,7 @@
 </p:sld>
 </file>
 
-<file path=ppt/slides/slide5.xml><?xml version="1.0" encoding="utf-8"?>
+<file path=ppt/slides/slide7.xml><?xml version="1.0" encoding="utf-8"?>
 <p:sld xmlns:a="http://schemas.openxmlformats.org/drawingml/2006/main" xmlns:r="http://schemas.openxmlformats.org/officeDocument/2006/relationships" xmlns:p="http://schemas.openxmlformats.org/presentationml/2006/main">
   <p:cSld>
     <p:spTree>
@@ -10242,7 +14550,7 @@
 </p:sld>
 </file>
 
-<file path=ppt/slides/slide6.xml><?xml version="1.0" encoding="utf-8"?>
+<file path=ppt/slides/slide8.xml><?xml version="1.0" encoding="utf-8"?>
 <p:sld xmlns:a="http://schemas.openxmlformats.org/drawingml/2006/main" xmlns:r="http://schemas.openxmlformats.org/officeDocument/2006/relationships" xmlns:p="http://schemas.openxmlformats.org/presentationml/2006/main">
   <p:cSld>
     <p:spTree>
@@ -10838,7 +15146,7 @@
 </p:sld>
 </file>
 
-<file path=ppt/slides/slide7.xml><?xml version="1.0" encoding="utf-8"?>
+<file path=ppt/slides/slide9.xml><?xml version="1.0" encoding="utf-8"?>
 <p:sld xmlns:a="http://schemas.openxmlformats.org/drawingml/2006/main" xmlns:r="http://schemas.openxmlformats.org/officeDocument/2006/relationships" xmlns:p="http://schemas.openxmlformats.org/presentationml/2006/main">
   <p:cSld>
     <p:spTree>
@@ -11294,255 +15602,6 @@
 </p:sld>
 </file>
 
-<file path=ppt/slides/slide8.xml><?xml version="1.0" encoding="utf-8"?>
-<p:sld xmlns:a="http://schemas.openxmlformats.org/drawingml/2006/main" xmlns:r="http://schemas.openxmlformats.org/officeDocument/2006/relationships" xmlns:p="http://schemas.openxmlformats.org/presentationml/2006/main">
-  <p:cSld>
-    <p:spTree>
-      <p:nvGrpSpPr>
-        <p:cNvPr id="1" name=""/>
-        <p:cNvGrpSpPr/>
-        <p:nvPr/>
-      </p:nvGrpSpPr>
-      <p:grpSpPr>
-        <a:xfrm>
-          <a:off x="0" y="0"/>
-          <a:ext cx="0" cy="0"/>
-          <a:chOff x="0" y="0"/>
-          <a:chExt cx="0" cy="0"/>
-        </a:xfrm>
-      </p:grpSpPr>
-      <p:grpSp>
-        <p:nvGrpSpPr>
-          <p:cNvPr id="32" name="Agrupar 31">
-            <a:extLst>
-              <a:ext uri="{FF2B5EF4-FFF2-40B4-BE49-F238E27FC236}">
-                <a16:creationId xmlns:a16="http://schemas.microsoft.com/office/drawing/2014/main" id="{661A9A65-291C-BAC5-BE5A-F735E63F885C}"/>
-              </a:ext>
-            </a:extLst>
-          </p:cNvPr>
-          <p:cNvGrpSpPr/>
-          <p:nvPr/>
-        </p:nvGrpSpPr>
-        <p:grpSpPr>
-          <a:xfrm>
-            <a:off x="748973" y="1067979"/>
-            <a:ext cx="8499674" cy="4722041"/>
-            <a:chOff x="748973" y="1067979"/>
-            <a:chExt cx="8499674" cy="4722041"/>
-          </a:xfrm>
-        </p:grpSpPr>
-        <p:pic>
-          <p:nvPicPr>
-            <p:cNvPr id="7" name="Imagem 6">
-              <a:extLst>
-                <a:ext uri="{FF2B5EF4-FFF2-40B4-BE49-F238E27FC236}">
-                  <a16:creationId xmlns:a16="http://schemas.microsoft.com/office/drawing/2014/main" id="{C151E233-5A14-2612-2E50-B2B2FC8A7E1E}"/>
-                </a:ext>
-              </a:extLst>
-            </p:cNvPr>
-            <p:cNvPicPr>
-              <a:picLocks noChangeAspect="1"/>
-            </p:cNvPicPr>
-            <p:nvPr/>
-          </p:nvPicPr>
-          <p:blipFill>
-            <a:blip r:embed="rId2"/>
-            <a:stretch>
-              <a:fillRect/>
-            </a:stretch>
-          </p:blipFill>
-          <p:spPr>
-            <a:xfrm>
-              <a:off x="748973" y="1067979"/>
-              <a:ext cx="8499674" cy="4722041"/>
-            </a:xfrm>
-            <a:prstGeom prst="rect">
-              <a:avLst/>
-            </a:prstGeom>
-          </p:spPr>
-        </p:pic>
-        <p:sp>
-          <p:nvSpPr>
-            <p:cNvPr id="20" name="Retângulo 19">
-              <a:extLst>
-                <a:ext uri="{FF2B5EF4-FFF2-40B4-BE49-F238E27FC236}">
-                  <a16:creationId xmlns:a16="http://schemas.microsoft.com/office/drawing/2014/main" id="{288378EA-1945-40C3-2B73-6BED7CDF9018}"/>
-                </a:ext>
-              </a:extLst>
-            </p:cNvPr>
-            <p:cNvSpPr/>
-            <p:nvPr/>
-          </p:nvSpPr>
-          <p:spPr>
-            <a:xfrm>
-              <a:off x="6794680" y="3209291"/>
-              <a:ext cx="2288360" cy="1230630"/>
-            </a:xfrm>
-            <a:prstGeom prst="rect">
-              <a:avLst/>
-            </a:prstGeom>
-            <a:solidFill>
-              <a:schemeClr val="accent2"/>
-            </a:solidFill>
-            <a:ln w="19050">
-              <a:solidFill>
-                <a:schemeClr val="tx1"/>
-              </a:solidFill>
-            </a:ln>
-          </p:spPr>
-          <p:style>
-            <a:lnRef idx="2">
-              <a:schemeClr val="accent1">
-                <a:shade val="50000"/>
-              </a:schemeClr>
-            </a:lnRef>
-            <a:fillRef idx="1">
-              <a:schemeClr val="accent1"/>
-            </a:fillRef>
-            <a:effectRef idx="0">
-              <a:schemeClr val="accent1"/>
-            </a:effectRef>
-            <a:fontRef idx="minor">
-              <a:schemeClr val="lt1"/>
-            </a:fontRef>
-          </p:style>
-          <p:txBody>
-            <a:bodyPr rtlCol="0" anchor="ctr"/>
-            <a:lstStyle/>
-            <a:p>
-              <a:pPr algn="ctr"/>
-              <a:r>
-                <a:rPr lang="pt-BR" sz="2000" dirty="0">
-                  <a:effectLst>
-                    <a:outerShdw blurRad="38100" dist="38100" dir="2700000" algn="tl">
-                      <a:srgbClr val="000000">
-                        <a:alpha val="43137"/>
-                      </a:srgbClr>
-                    </a:outerShdw>
-                  </a:effectLst>
-                  <a:latin typeface="Times New Roman" panose="02020603050405020304" pitchFamily="18" charset="0"/>
-                  <a:cs typeface="Times New Roman" panose="02020603050405020304" pitchFamily="18" charset="0"/>
-                </a:rPr>
-                <a:t>Os resíduos devem estar distribuídos próximos a essa linha (normal)</a:t>
-              </a:r>
-            </a:p>
-          </p:txBody>
-        </p:sp>
-        <p:cxnSp>
-          <p:nvCxnSpPr>
-            <p:cNvPr id="27" name="Conector de Seta Reta 26">
-              <a:extLst>
-                <a:ext uri="{FF2B5EF4-FFF2-40B4-BE49-F238E27FC236}">
-                  <a16:creationId xmlns:a16="http://schemas.microsoft.com/office/drawing/2014/main" id="{28200B0A-91A3-DC78-ADF0-2EEBD25DDFB8}"/>
-                </a:ext>
-              </a:extLst>
-            </p:cNvPr>
-            <p:cNvCxnSpPr>
-              <a:cxnSpLocks/>
-              <a:stCxn id="20" idx="0"/>
-            </p:cNvCxnSpPr>
-            <p:nvPr/>
-          </p:nvCxnSpPr>
-          <p:spPr>
-            <a:xfrm flipV="1">
-              <a:off x="7938860" y="2225040"/>
-              <a:ext cx="0" cy="984251"/>
-            </a:xfrm>
-            <a:prstGeom prst="straightConnector1">
-              <a:avLst/>
-            </a:prstGeom>
-            <a:ln>
-              <a:tailEnd type="triangle"/>
-            </a:ln>
-          </p:spPr>
-          <p:style>
-            <a:lnRef idx="3">
-              <a:schemeClr val="dk1"/>
-            </a:lnRef>
-            <a:fillRef idx="0">
-              <a:schemeClr val="dk1"/>
-            </a:fillRef>
-            <a:effectRef idx="2">
-              <a:schemeClr val="dk1"/>
-            </a:effectRef>
-            <a:fontRef idx="minor">
-              <a:schemeClr val="tx1"/>
-            </a:fontRef>
-          </p:style>
-        </p:cxnSp>
-      </p:grpSp>
-    </p:spTree>
-    <p:extLst>
-      <p:ext uri="{BB962C8B-B14F-4D97-AF65-F5344CB8AC3E}">
-        <p14:creationId xmlns:p14="http://schemas.microsoft.com/office/powerpoint/2010/main" val="2468292990"/>
-      </p:ext>
-    </p:extLst>
-  </p:cSld>
-  <p:clrMapOvr>
-    <a:masterClrMapping/>
-  </p:clrMapOvr>
-</p:sld>
-</file>
-
-<file path=ppt/slides/slide9.xml><?xml version="1.0" encoding="utf-8"?>
-<p:sld xmlns:a="http://schemas.openxmlformats.org/drawingml/2006/main" xmlns:r="http://schemas.openxmlformats.org/officeDocument/2006/relationships" xmlns:p="http://schemas.openxmlformats.org/presentationml/2006/main">
-  <p:cSld>
-    <p:spTree>
-      <p:nvGrpSpPr>
-        <p:cNvPr id="1" name=""/>
-        <p:cNvGrpSpPr/>
-        <p:nvPr/>
-      </p:nvGrpSpPr>
-      <p:grpSpPr>
-        <a:xfrm>
-          <a:off x="0" y="0"/>
-          <a:ext cx="0" cy="0"/>
-          <a:chOff x="0" y="0"/>
-          <a:chExt cx="0" cy="0"/>
-        </a:xfrm>
-      </p:grpSpPr>
-      <p:pic>
-        <p:nvPicPr>
-          <p:cNvPr id="5" name="Imagem 4">
-            <a:extLst>
-              <a:ext uri="{FF2B5EF4-FFF2-40B4-BE49-F238E27FC236}">
-                <a16:creationId xmlns:a16="http://schemas.microsoft.com/office/drawing/2014/main" id="{393EE2E2-EE7D-8868-3B30-BB4E094AD8D9}"/>
-              </a:ext>
-            </a:extLst>
-          </p:cNvPr>
-          <p:cNvPicPr>
-            <a:picLocks noChangeAspect="1"/>
-          </p:cNvPicPr>
-          <p:nvPr/>
-        </p:nvPicPr>
-        <p:blipFill rotWithShape="1">
-          <a:blip r:embed="rId2"/>
-          <a:srcRect l="264"/>
-          <a:stretch/>
-        </p:blipFill>
-        <p:spPr>
-          <a:xfrm>
-            <a:off x="1960880" y="910371"/>
-            <a:ext cx="8292190" cy="5037257"/>
-          </a:xfrm>
-          <a:prstGeom prst="rect">
-            <a:avLst/>
-          </a:prstGeom>
-        </p:spPr>
-      </p:pic>
-    </p:spTree>
-    <p:extLst>
-      <p:ext uri="{BB962C8B-B14F-4D97-AF65-F5344CB8AC3E}">
-        <p14:creationId xmlns:p14="http://schemas.microsoft.com/office/powerpoint/2010/main" val="43133824"/>
-      </p:ext>
-    </p:extLst>
-  </p:cSld>
-  <p:clrMapOvr>
-    <a:masterClrMapping/>
-  </p:clrMapOvr>
-</p:sld>
-</file>
-
 <file path=ppt/theme/theme1.xml><?xml version="1.0" encoding="utf-8"?>
 <a:theme xmlns:a="http://schemas.openxmlformats.org/drawingml/2006/main" name="Tema do Office">
   <a:themeElements>
